--- a/Docs/Presentacion_Final/final.pptx
+++ b/Docs/Presentacion_Final/final.pptx
@@ -5,10 +5,10 @@
     <p:sldMasterId id="2147483648" r:id="rId1"/>
   </p:sldMasterIdLst>
   <p:notesMasterIdLst>
-    <p:notesMasterId r:id="rId46"/>
+    <p:notesMasterId r:id="rId49"/>
   </p:notesMasterIdLst>
   <p:handoutMasterIdLst>
-    <p:handoutMasterId r:id="rId47"/>
+    <p:handoutMasterId r:id="rId50"/>
   </p:handoutMasterIdLst>
   <p:sldIdLst>
     <p:sldId id="286" r:id="rId2"/>
@@ -32,12 +32,12 @@
     <p:sldId id="313" r:id="rId20"/>
     <p:sldId id="314" r:id="rId21"/>
     <p:sldId id="315" r:id="rId22"/>
-    <p:sldId id="316" r:id="rId23"/>
-    <p:sldId id="324" r:id="rId24"/>
-    <p:sldId id="317" r:id="rId25"/>
-    <p:sldId id="318" r:id="rId26"/>
-    <p:sldId id="319" r:id="rId27"/>
-    <p:sldId id="320" r:id="rId28"/>
+    <p:sldId id="317" r:id="rId23"/>
+    <p:sldId id="322" r:id="rId24"/>
+    <p:sldId id="318" r:id="rId25"/>
+    <p:sldId id="320" r:id="rId26"/>
+    <p:sldId id="324" r:id="rId27"/>
+    <p:sldId id="321" r:id="rId28"/>
     <p:sldId id="294" r:id="rId29"/>
     <p:sldId id="295" r:id="rId30"/>
     <p:sldId id="325" r:id="rId31"/>
@@ -48,13 +48,16 @@
     <p:sldId id="298" r:id="rId36"/>
     <p:sldId id="300" r:id="rId37"/>
     <p:sldId id="262" r:id="rId38"/>
-    <p:sldId id="301" r:id="rId39"/>
-    <p:sldId id="302" r:id="rId40"/>
-    <p:sldId id="303" r:id="rId41"/>
-    <p:sldId id="304" r:id="rId42"/>
-    <p:sldId id="305" r:id="rId43"/>
-    <p:sldId id="279" r:id="rId44"/>
-    <p:sldId id="280" r:id="rId45"/>
+    <p:sldId id="328" r:id="rId39"/>
+    <p:sldId id="330" r:id="rId40"/>
+    <p:sldId id="331" r:id="rId41"/>
+    <p:sldId id="301" r:id="rId42"/>
+    <p:sldId id="302" r:id="rId43"/>
+    <p:sldId id="303" r:id="rId44"/>
+    <p:sldId id="304" r:id="rId45"/>
+    <p:sldId id="305" r:id="rId46"/>
+    <p:sldId id="279" r:id="rId47"/>
+    <p:sldId id="280" r:id="rId48"/>
   </p:sldIdLst>
   <p:sldSz cx="12192000" cy="6858000"/>
   <p:notesSz cx="6858000" cy="9144000"/>
@@ -179,12 +182,12 @@
             <p14:sldId id="313"/>
             <p14:sldId id="314"/>
             <p14:sldId id="315"/>
-            <p14:sldId id="316"/>
+            <p14:sldId id="317"/>
+            <p14:sldId id="322"/>
+            <p14:sldId id="318"/>
+            <p14:sldId id="320"/>
             <p14:sldId id="324"/>
-            <p14:sldId id="317"/>
-            <p14:sldId id="318"/>
-            <p14:sldId id="319"/>
-            <p14:sldId id="320"/>
+            <p14:sldId id="321"/>
             <p14:sldId id="294"/>
             <p14:sldId id="295"/>
             <p14:sldId id="325"/>
@@ -195,6 +198,9 @@
             <p14:sldId id="298"/>
             <p14:sldId id="300"/>
             <p14:sldId id="262"/>
+            <p14:sldId id="328"/>
+            <p14:sldId id="330"/>
+            <p14:sldId id="331"/>
             <p14:sldId id="301"/>
             <p14:sldId id="302"/>
             <p14:sldId id="303"/>
@@ -316,7 +322,7 @@
           <a:p>
             <a:fld id="{EF1077DB-935E-4A0A-947A-D283B9F9F452}" type="datetimeFigureOut">
               <a:rPr lang="en-US" smtClean="0"/>
-              <a:t>10/25/2019</a:t>
+              <a:t>10/26/2019</a:t>
             </a:fld>
             <a:endParaRPr lang="en-US"/>
           </a:p>
@@ -493,7 +499,7 @@
           <a:p>
             <a:fld id="{19EDBDA2-4480-4D82-8886-1B64A7ECBBAC}" type="datetimeFigureOut">
               <a:rPr lang="en-US" noProof="0" smtClean="0"/>
-              <a:t>10/25/2019</a:t>
+              <a:t>10/26/2019</a:t>
             </a:fld>
             <a:endParaRPr lang="en-US" noProof="0" dirty="0"/>
           </a:p>
@@ -909,7 +915,7 @@
           <a:p>
             <a:fld id="{EFDDBACE-0F8F-43FD-98F0-DEE13552DADA}" type="slidenum">
               <a:rPr lang="en-US" noProof="0" smtClean="0"/>
-              <a:t>38</a:t>
+              <a:t>41</a:t>
             </a:fld>
             <a:endParaRPr lang="en-US" noProof="0" dirty="0"/>
           </a:p>
@@ -993,7 +999,7 @@
           <a:p>
             <a:fld id="{EFDDBACE-0F8F-43FD-98F0-DEE13552DADA}" type="slidenum">
               <a:rPr lang="en-US" noProof="0" smtClean="0"/>
-              <a:t>39</a:t>
+              <a:t>42</a:t>
             </a:fld>
             <a:endParaRPr lang="en-US" noProof="0" dirty="0"/>
           </a:p>
@@ -1077,7 +1083,7 @@
           <a:p>
             <a:fld id="{EFDDBACE-0F8F-43FD-98F0-DEE13552DADA}" type="slidenum">
               <a:rPr lang="en-US" noProof="0" smtClean="0"/>
-              <a:t>43</a:t>
+              <a:t>46</a:t>
             </a:fld>
             <a:endParaRPr lang="en-US" noProof="0" dirty="0"/>
           </a:p>
@@ -1161,7 +1167,7 @@
           <a:p>
             <a:fld id="{EFDDBACE-0F8F-43FD-98F0-DEE13552DADA}" type="slidenum">
               <a:rPr lang="en-US" smtClean="0"/>
-              <a:t>44</a:t>
+              <a:t>47</a:t>
             </a:fld>
             <a:endParaRPr lang="en-US"/>
           </a:p>
@@ -1590,7 +1596,7 @@
     </p:spTree>
     <p:extLst>
       <p:ext uri="{BB962C8B-B14F-4D97-AF65-F5344CB8AC3E}">
-        <p14:creationId xmlns:p14="http://schemas.microsoft.com/office/powerpoint/2010/main" val="3747723939"/>
+        <p14:creationId xmlns:p14="http://schemas.microsoft.com/office/powerpoint/2010/main" val="1881635109"/>
       </p:ext>
     </p:extLst>
   </p:cSld>
@@ -21816,7 +21822,15 @@
           <a:p>
             <a:r>
               <a:rPr lang="es-GT" sz="2800" dirty="0"/>
-              <a:t>8 preguntas relacionadas a la primera parte de la encuesta.</a:t>
+              <a:t>8</a:t>
+            </a:r>
+            <a:r>
+              <a:rPr lang="es-GT" sz="2800"/>
+              <a:t> </a:t>
+            </a:r>
+            <a:r>
+              <a:rPr lang="es-GT" sz="2800" dirty="0"/>
+              <a:t>preguntas relacionadas a la primera parte de la encuesta.</a:t>
             </a:r>
           </a:p>
           <a:p>
@@ -23771,7 +23785,7 @@
           <p:cNvPr id="4" name="Picture 3">
             <a:extLst>
               <a:ext uri="{FF2B5EF4-FFF2-40B4-BE49-F238E27FC236}">
-                <a16:creationId xmlns:a16="http://schemas.microsoft.com/office/drawing/2014/main" id="{3FDEECAD-9185-480E-B37F-1FA273BD35F6}"/>
+                <a16:creationId xmlns:a16="http://schemas.microsoft.com/office/drawing/2014/main" id="{C84C3250-9A25-4CF9-B3F5-2110D82C53FE}"/>
               </a:ext>
             </a:extLst>
           </p:cNvPr>
@@ -23792,8 +23806,8 @@
         </p:blipFill>
         <p:spPr>
           <a:xfrm>
-            <a:off x="1224766" y="1018390"/>
-            <a:ext cx="9742468" cy="5153809"/>
+            <a:off x="1228688" y="1118122"/>
+            <a:ext cx="9734624" cy="5139241"/>
           </a:xfrm>
           <a:prstGeom prst="rect">
             <a:avLst/>
@@ -23948,10 +23962,10 @@
       </p:sp>
       <p:pic>
         <p:nvPicPr>
-          <p:cNvPr id="5" name="Picture 4">
-            <a:extLst>
-              <a:ext uri="{FF2B5EF4-FFF2-40B4-BE49-F238E27FC236}">
-                <a16:creationId xmlns:a16="http://schemas.microsoft.com/office/drawing/2014/main" id="{7F3971B9-5735-440D-8D27-19969D327F64}"/>
+          <p:cNvPr id="4" name="Picture 3">
+            <a:extLst>
+              <a:ext uri="{FF2B5EF4-FFF2-40B4-BE49-F238E27FC236}">
+                <a16:creationId xmlns:a16="http://schemas.microsoft.com/office/drawing/2014/main" id="{C462BCC1-4AF6-49DE-AE9A-F78722BC84A3}"/>
               </a:ext>
             </a:extLst>
           </p:cNvPr>
@@ -23966,8 +23980,8 @@
         </p:blipFill>
         <p:spPr>
           <a:xfrm>
-            <a:off x="916397" y="1076212"/>
-            <a:ext cx="9720000" cy="4680000"/>
+            <a:off x="1162853" y="970877"/>
+            <a:ext cx="9866293" cy="5382298"/>
           </a:xfrm>
           <a:prstGeom prst="rect">
             <a:avLst/>
@@ -23977,7 +23991,7 @@
     </p:spTree>
     <p:extLst>
       <p:ext uri="{BB962C8B-B14F-4D97-AF65-F5344CB8AC3E}">
-        <p14:creationId xmlns:p14="http://schemas.microsoft.com/office/powerpoint/2010/main" val="2311549599"/>
+        <p14:creationId xmlns:p14="http://schemas.microsoft.com/office/powerpoint/2010/main" val="3230148840"/>
       </p:ext>
     </p:extLst>
   </p:cSld>
@@ -24122,10 +24136,10 @@
       </p:sp>
       <p:pic>
         <p:nvPicPr>
-          <p:cNvPr id="5" name="Picture 4">
-            <a:extLst>
-              <a:ext uri="{FF2B5EF4-FFF2-40B4-BE49-F238E27FC236}">
-                <a16:creationId xmlns:a16="http://schemas.microsoft.com/office/drawing/2014/main" id="{E0BB2A4C-C457-4CC3-A7D0-8236EF3A0276}"/>
+          <p:cNvPr id="4" name="Picture 3">
+            <a:extLst>
+              <a:ext uri="{FF2B5EF4-FFF2-40B4-BE49-F238E27FC236}">
+                <a16:creationId xmlns:a16="http://schemas.microsoft.com/office/drawing/2014/main" id="{A637445C-9773-4992-9629-C40BA3264A66}"/>
               </a:ext>
             </a:extLst>
           </p:cNvPr>
@@ -24140,8 +24154,8 @@
         </p:blipFill>
         <p:spPr>
           <a:xfrm>
-            <a:off x="1236000" y="1079154"/>
-            <a:ext cx="9720000" cy="5040000"/>
+            <a:off x="1291441" y="930675"/>
+            <a:ext cx="9609118" cy="5422500"/>
           </a:xfrm>
           <a:prstGeom prst="rect">
             <a:avLst/>
@@ -24151,7 +24165,7 @@
     </p:spTree>
     <p:extLst>
       <p:ext uri="{BB962C8B-B14F-4D97-AF65-F5344CB8AC3E}">
-        <p14:creationId xmlns:p14="http://schemas.microsoft.com/office/powerpoint/2010/main" val="535963301"/>
+        <p14:creationId xmlns:p14="http://schemas.microsoft.com/office/powerpoint/2010/main" val="1041451665"/>
       </p:ext>
     </p:extLst>
   </p:cSld>
@@ -24296,10 +24310,10 @@
       </p:sp>
       <p:pic>
         <p:nvPicPr>
-          <p:cNvPr id="5" name="Picture 4">
-            <a:extLst>
-              <a:ext uri="{FF2B5EF4-FFF2-40B4-BE49-F238E27FC236}">
-                <a16:creationId xmlns:a16="http://schemas.microsoft.com/office/drawing/2014/main" id="{F9EB1CB9-67A6-4BD5-ADBB-568665E031D6}"/>
+          <p:cNvPr id="4" name="Picture 3">
+            <a:extLst>
+              <a:ext uri="{FF2B5EF4-FFF2-40B4-BE49-F238E27FC236}">
+                <a16:creationId xmlns:a16="http://schemas.microsoft.com/office/drawing/2014/main" id="{DEF0C481-1E78-48EA-A4C3-D40439DAA39E}"/>
               </a:ext>
             </a:extLst>
           </p:cNvPr>
@@ -24314,8 +24328,8 @@
         </p:blipFill>
         <p:spPr>
           <a:xfrm>
-            <a:off x="1236000" y="909000"/>
-            <a:ext cx="9720000" cy="5040000"/>
+            <a:off x="958066" y="987825"/>
+            <a:ext cx="10275868" cy="5365350"/>
           </a:xfrm>
           <a:prstGeom prst="rect">
             <a:avLst/>
@@ -24325,7 +24339,7 @@
     </p:spTree>
     <p:extLst>
       <p:ext uri="{BB962C8B-B14F-4D97-AF65-F5344CB8AC3E}">
-        <p14:creationId xmlns:p14="http://schemas.microsoft.com/office/powerpoint/2010/main" val="1056950721"/>
+        <p14:creationId xmlns:p14="http://schemas.microsoft.com/office/powerpoint/2010/main" val="799527119"/>
       </p:ext>
     </p:extLst>
   </p:cSld>
@@ -24470,10 +24484,10 @@
       </p:sp>
       <p:pic>
         <p:nvPicPr>
-          <p:cNvPr id="6" name="Picture 5">
-            <a:extLst>
-              <a:ext uri="{FF2B5EF4-FFF2-40B4-BE49-F238E27FC236}">
-                <a16:creationId xmlns:a16="http://schemas.microsoft.com/office/drawing/2014/main" id="{883645BF-C8D1-444B-B803-E6E19017C602}"/>
+          <p:cNvPr id="4" name="Picture 3">
+            <a:extLst>
+              <a:ext uri="{FF2B5EF4-FFF2-40B4-BE49-F238E27FC236}">
+                <a16:creationId xmlns:a16="http://schemas.microsoft.com/office/drawing/2014/main" id="{02B17F88-797B-4F3E-BF52-DECFB6417EC9}"/>
               </a:ext>
             </a:extLst>
           </p:cNvPr>
@@ -24488,8 +24502,8 @@
         </p:blipFill>
         <p:spPr>
           <a:xfrm>
-            <a:off x="1455672" y="864000"/>
-            <a:ext cx="9280656" cy="5375435"/>
+            <a:off x="1643866" y="959250"/>
+            <a:ext cx="8904268" cy="5384400"/>
           </a:xfrm>
           <a:prstGeom prst="rect">
             <a:avLst/>
@@ -24499,7 +24513,7 @@
     </p:spTree>
     <p:extLst>
       <p:ext uri="{BB962C8B-B14F-4D97-AF65-F5344CB8AC3E}">
-        <p14:creationId xmlns:p14="http://schemas.microsoft.com/office/powerpoint/2010/main" val="3220474820"/>
+        <p14:creationId xmlns:p14="http://schemas.microsoft.com/office/powerpoint/2010/main" val="4262908993"/>
       </p:ext>
     </p:extLst>
   </p:cSld>
@@ -24936,10 +24950,10 @@
       </p:sp>
       <p:pic>
         <p:nvPicPr>
-          <p:cNvPr id="6" name="Picture 5">
-            <a:extLst>
-              <a:ext uri="{FF2B5EF4-FFF2-40B4-BE49-F238E27FC236}">
-                <a16:creationId xmlns:a16="http://schemas.microsoft.com/office/drawing/2014/main" id="{85AA95B2-C745-4EBE-A250-F5C9131008B7}"/>
+          <p:cNvPr id="4" name="Picture 3">
+            <a:extLst>
+              <a:ext uri="{FF2B5EF4-FFF2-40B4-BE49-F238E27FC236}">
+                <a16:creationId xmlns:a16="http://schemas.microsoft.com/office/drawing/2014/main" id="{7E5F1E9B-E492-455E-899B-AEDB286EBABB}"/>
               </a:ext>
             </a:extLst>
           </p:cNvPr>
@@ -24954,8 +24968,8 @@
         </p:blipFill>
         <p:spPr>
           <a:xfrm>
-            <a:off x="942517" y="1043293"/>
-            <a:ext cx="10306966" cy="5214071"/>
+            <a:off x="1109223" y="1064025"/>
+            <a:ext cx="9973553" cy="5212950"/>
           </a:xfrm>
           <a:prstGeom prst="rect">
             <a:avLst/>
@@ -24965,7 +24979,7 @@
     </p:spTree>
     <p:extLst>
       <p:ext uri="{BB962C8B-B14F-4D97-AF65-F5344CB8AC3E}">
-        <p14:creationId xmlns:p14="http://schemas.microsoft.com/office/powerpoint/2010/main" val="1926814978"/>
+        <p14:creationId xmlns:p14="http://schemas.microsoft.com/office/powerpoint/2010/main" val="509084776"/>
       </p:ext>
     </p:extLst>
   </p:cSld>
@@ -25110,10 +25124,10 @@
       </p:sp>
       <p:pic>
         <p:nvPicPr>
-          <p:cNvPr id="6" name="Picture 5">
-            <a:extLst>
-              <a:ext uri="{FF2B5EF4-FFF2-40B4-BE49-F238E27FC236}">
-                <a16:creationId xmlns:a16="http://schemas.microsoft.com/office/drawing/2014/main" id="{F807E59D-3AEA-4E6B-A425-FDDC242D935F}"/>
+          <p:cNvPr id="4" name="Picture 3">
+            <a:extLst>
+              <a:ext uri="{FF2B5EF4-FFF2-40B4-BE49-F238E27FC236}">
+                <a16:creationId xmlns:a16="http://schemas.microsoft.com/office/drawing/2014/main" id="{80C0B629-F0E0-4F42-B30A-07C258C10C29}"/>
               </a:ext>
             </a:extLst>
           </p:cNvPr>
@@ -25128,8 +25142,8 @@
         </p:blipFill>
         <p:spPr>
           <a:xfrm>
-            <a:off x="1230181" y="1001582"/>
-            <a:ext cx="9731637" cy="5264748"/>
+            <a:off x="1281916" y="1006874"/>
+            <a:ext cx="9628168" cy="5260575"/>
           </a:xfrm>
           <a:prstGeom prst="rect">
             <a:avLst/>
@@ -25139,7 +25153,7 @@
     </p:spTree>
     <p:extLst>
       <p:ext uri="{BB962C8B-B14F-4D97-AF65-F5344CB8AC3E}">
-        <p14:creationId xmlns:p14="http://schemas.microsoft.com/office/powerpoint/2010/main" val="4167201913"/>
+        <p14:creationId xmlns:p14="http://schemas.microsoft.com/office/powerpoint/2010/main" val="419216507"/>
       </p:ext>
     </p:extLst>
   </p:cSld>
@@ -25284,10 +25298,10 @@
       </p:sp>
       <p:pic>
         <p:nvPicPr>
-          <p:cNvPr id="6" name="Picture 5">
-            <a:extLst>
-              <a:ext uri="{FF2B5EF4-FFF2-40B4-BE49-F238E27FC236}">
-                <a16:creationId xmlns:a16="http://schemas.microsoft.com/office/drawing/2014/main" id="{DA8F6C97-4C1A-4943-9D30-81A12AE3FC33}"/>
+          <p:cNvPr id="4" name="Picture 3">
+            <a:extLst>
+              <a:ext uri="{FF2B5EF4-FFF2-40B4-BE49-F238E27FC236}">
+                <a16:creationId xmlns:a16="http://schemas.microsoft.com/office/drawing/2014/main" id="{4DF6E5A6-316E-4927-A1AC-B03C3367304D}"/>
               </a:ext>
             </a:extLst>
           </p:cNvPr>
@@ -25302,8 +25316,8 @@
         </p:blipFill>
         <p:spPr>
           <a:xfrm>
-            <a:off x="1273894" y="1024666"/>
-            <a:ext cx="9644212" cy="5178910"/>
+            <a:off x="1109223" y="1006875"/>
+            <a:ext cx="9973553" cy="5270100"/>
           </a:xfrm>
           <a:prstGeom prst="rect">
             <a:avLst/>
@@ -25313,7 +25327,7 @@
     </p:spTree>
     <p:extLst>
       <p:ext uri="{BB962C8B-B14F-4D97-AF65-F5344CB8AC3E}">
-        <p14:creationId xmlns:p14="http://schemas.microsoft.com/office/powerpoint/2010/main" val="2889942592"/>
+        <p14:creationId xmlns:p14="http://schemas.microsoft.com/office/powerpoint/2010/main" val="1558005278"/>
       </p:ext>
     </p:extLst>
   </p:cSld>
@@ -25847,12 +25861,8 @@
           <a:p>
             <a:pPr algn="ctr"/>
             <a:r>
-              <a:rPr lang="en-US" sz="4000" dirty="0" err="1"/>
-              <a:t>SEgunda</a:t>
-            </a:r>
-            <a:r>
               <a:rPr lang="en-US" sz="4000" dirty="0"/>
-              <a:t> </a:t>
+              <a:t>Segunda </a:t>
             </a:r>
             <a:r>
               <a:rPr lang="en-US" sz="4000" dirty="0" err="1"/>
@@ -26592,7 +26602,7 @@
     </p:spTree>
     <p:extLst>
       <p:ext uri="{BB962C8B-B14F-4D97-AF65-F5344CB8AC3E}">
-        <p14:creationId xmlns:p14="http://schemas.microsoft.com/office/powerpoint/2010/main" val="90698609"/>
+        <p14:creationId xmlns:p14="http://schemas.microsoft.com/office/powerpoint/2010/main" val="140746318"/>
       </p:ext>
     </p:extLst>
   </p:cSld>
@@ -26740,7 +26750,7 @@
           <p:cNvPr id="4" name="Picture 3">
             <a:extLst>
               <a:ext uri="{FF2B5EF4-FFF2-40B4-BE49-F238E27FC236}">
-                <a16:creationId xmlns:a16="http://schemas.microsoft.com/office/drawing/2014/main" id="{80FF695D-899A-472F-8858-A52FDE8E60BD}"/>
+                <a16:creationId xmlns:a16="http://schemas.microsoft.com/office/drawing/2014/main" id="{54FF5E87-E219-4A71-82A0-54857486E571}"/>
               </a:ext>
             </a:extLst>
           </p:cNvPr>
@@ -26755,8 +26765,8 @@
         </p:blipFill>
         <p:spPr>
           <a:xfrm>
-            <a:off x="1268992" y="909000"/>
-            <a:ext cx="9306243" cy="5040000"/>
+            <a:off x="1618653" y="1007435"/>
+            <a:ext cx="8954694" cy="5285788"/>
           </a:xfrm>
           <a:prstGeom prst="rect">
             <a:avLst/>
@@ -26766,7 +26776,7 @@
     </p:spTree>
     <p:extLst>
       <p:ext uri="{BB962C8B-B14F-4D97-AF65-F5344CB8AC3E}">
-        <p14:creationId xmlns:p14="http://schemas.microsoft.com/office/powerpoint/2010/main" val="4228388309"/>
+        <p14:creationId xmlns:p14="http://schemas.microsoft.com/office/powerpoint/2010/main" val="461217403"/>
       </p:ext>
     </p:extLst>
   </p:cSld>
@@ -26914,7 +26924,7 @@
           <p:cNvPr id="4" name="Picture 3">
             <a:extLst>
               <a:ext uri="{FF2B5EF4-FFF2-40B4-BE49-F238E27FC236}">
-                <a16:creationId xmlns:a16="http://schemas.microsoft.com/office/drawing/2014/main" id="{B8930565-46AE-4C23-8B9C-AB38CC9E5324}"/>
+                <a16:creationId xmlns:a16="http://schemas.microsoft.com/office/drawing/2014/main" id="{C3CA3259-CB45-4189-A59C-7EF61FF87BB1}"/>
               </a:ext>
             </a:extLst>
           </p:cNvPr>
@@ -26935,8 +26945,8 @@
         </p:blipFill>
         <p:spPr>
           <a:xfrm>
-            <a:off x="1928308" y="989505"/>
-            <a:ext cx="8335384" cy="5267859"/>
+            <a:off x="1569347" y="1011918"/>
+            <a:ext cx="9053306" cy="5308200"/>
           </a:xfrm>
           <a:prstGeom prst="rect">
             <a:avLst/>
@@ -26946,7 +26956,7 @@
     </p:spTree>
     <p:extLst>
       <p:ext uri="{BB962C8B-B14F-4D97-AF65-F5344CB8AC3E}">
-        <p14:creationId xmlns:p14="http://schemas.microsoft.com/office/powerpoint/2010/main" val="2788332205"/>
+        <p14:creationId xmlns:p14="http://schemas.microsoft.com/office/powerpoint/2010/main" val="2576375326"/>
       </p:ext>
     </p:extLst>
   </p:cSld>
@@ -27094,7 +27104,7 @@
           <p:cNvPr id="4" name="Picture 3">
             <a:extLst>
               <a:ext uri="{FF2B5EF4-FFF2-40B4-BE49-F238E27FC236}">
-                <a16:creationId xmlns:a16="http://schemas.microsoft.com/office/drawing/2014/main" id="{99707811-1202-4621-B990-9D5CDD09C33D}"/>
+                <a16:creationId xmlns:a16="http://schemas.microsoft.com/office/drawing/2014/main" id="{D1C37CA4-F722-49E1-B2A4-05A47F337379}"/>
               </a:ext>
             </a:extLst>
           </p:cNvPr>
@@ -27115,8 +27125,8 @@
         </p:blipFill>
         <p:spPr>
           <a:xfrm>
-            <a:off x="1683207" y="971575"/>
-            <a:ext cx="8825586" cy="5375435"/>
+            <a:off x="1345229" y="993988"/>
+            <a:ext cx="9501542" cy="5344059"/>
           </a:xfrm>
           <a:prstGeom prst="rect">
             <a:avLst/>
@@ -27126,7 +27136,7 @@
     </p:spTree>
     <p:extLst>
       <p:ext uri="{BB962C8B-B14F-4D97-AF65-F5344CB8AC3E}">
-        <p14:creationId xmlns:p14="http://schemas.microsoft.com/office/powerpoint/2010/main" val="2899881677"/>
+        <p14:creationId xmlns:p14="http://schemas.microsoft.com/office/powerpoint/2010/main" val="2650805927"/>
       </p:ext>
     </p:extLst>
   </p:cSld>
@@ -27274,7 +27284,7 @@
           <p:cNvPr id="4" name="Picture 3">
             <a:extLst>
               <a:ext uri="{FF2B5EF4-FFF2-40B4-BE49-F238E27FC236}">
-                <a16:creationId xmlns:a16="http://schemas.microsoft.com/office/drawing/2014/main" id="{188F3459-173F-44DB-8B78-FDC231FA854A}"/>
+                <a16:creationId xmlns:a16="http://schemas.microsoft.com/office/drawing/2014/main" id="{98E8332E-2FD0-4504-B2C7-05E335E4028C}"/>
               </a:ext>
             </a:extLst>
           </p:cNvPr>
@@ -27289,8 +27299,8 @@
         </p:blipFill>
         <p:spPr>
           <a:xfrm>
-            <a:off x="1273511" y="986565"/>
-            <a:ext cx="9644977" cy="5172188"/>
+            <a:off x="1156970" y="998470"/>
+            <a:ext cx="9878059" cy="5267859"/>
           </a:xfrm>
           <a:prstGeom prst="rect">
             <a:avLst/>
@@ -27300,7 +27310,7 @@
     </p:spTree>
     <p:extLst>
       <p:ext uri="{BB962C8B-B14F-4D97-AF65-F5344CB8AC3E}">
-        <p14:creationId xmlns:p14="http://schemas.microsoft.com/office/powerpoint/2010/main" val="1531528909"/>
+        <p14:creationId xmlns:p14="http://schemas.microsoft.com/office/powerpoint/2010/main" val="2673849816"/>
       </p:ext>
     </p:extLst>
   </p:cSld>
@@ -27363,7 +27373,7 @@
             <a:endParaRPr lang="en-US" sz="2400" dirty="0"/>
           </a:p>
           <a:p>
-            <a:pPr lvl="1"/>
+            <a:pPr lvl="0"/>
             <a:r>
               <a:rPr lang="es-GT" sz="2400" dirty="0"/>
               <a:t>Ninguno de los miembros del grupo ha utilizado la herramienta de react.js.</a:t>
@@ -27371,7 +27381,7 @@
             <a:endParaRPr lang="en-US" sz="2400" dirty="0"/>
           </a:p>
           <a:p>
-            <a:pPr lvl="1"/>
+            <a:pPr lvl="0"/>
             <a:r>
               <a:rPr lang="es-GT" sz="2400" dirty="0"/>
               <a:t>Ninguno de los miembros posee experiencia previa para montar un modelo similar al que se está implementando.</a:t>
@@ -27379,7 +27389,7 @@
             <a:endParaRPr lang="en-US" sz="2400" dirty="0"/>
           </a:p>
           <a:p>
-            <a:pPr lvl="1"/>
+            <a:pPr lvl="0"/>
             <a:r>
               <a:rPr lang="es-GT" sz="2400" dirty="0"/>
               <a:t>Ninguno posee conocimientos para implementar un videochat en línea.</a:t>
@@ -27387,7 +27397,7 @@
             <a:endParaRPr lang="en-US" sz="2400" dirty="0"/>
           </a:p>
           <a:p>
-            <a:pPr lvl="1"/>
+            <a:pPr lvl="0"/>
             <a:r>
               <a:rPr lang="es-GT" sz="2400" dirty="0"/>
               <a:t>Primera experiencia al desarrollar un proyecto que exige documentación.</a:t>
@@ -27395,6 +27405,9 @@
             <a:endParaRPr lang="en-US" sz="2400" dirty="0"/>
           </a:p>
           <a:p>
+            <a:pPr marL="0" indent="0">
+              <a:buNone/>
+            </a:pPr>
             <a:endParaRPr lang="en-US" sz="2400" dirty="0"/>
           </a:p>
         </p:txBody>
@@ -27603,13 +27616,15 @@
             </a:r>
           </a:p>
           <a:p>
-            <a:pPr lvl="1"/>
-            <a:endParaRPr lang="es-GT" sz="2400" dirty="0"/>
-          </a:p>
-          <a:p>
             <a:pPr marL="266700" lvl="1" indent="0">
               <a:buNone/>
             </a:pPr>
+            <a:endParaRPr lang="es-GT" sz="2400" dirty="0"/>
+          </a:p>
+          <a:p>
+            <a:pPr marL="266700" lvl="1" indent="0">
+              <a:buNone/>
+            </a:pPr>
             <a:r>
               <a:rPr lang="es-GT" sz="2400" b="1" u="sng" dirty="0"/>
               <a:t>Subtotal</a:t>
@@ -27618,10 +27633,7 @@
               <a:rPr lang="es-GT" sz="2400" dirty="0"/>
               <a:t>:								Q42,200.00</a:t>
             </a:r>
-            <a:endParaRPr lang="en-US" sz="2400" dirty="0"/>
-          </a:p>
-          <a:p>
-            <a:endParaRPr lang="en-US" sz="2400" dirty="0"/>
+            <a:endParaRPr lang="es-GT" sz="2400" b="1" u="sng" dirty="0"/>
           </a:p>
         </p:txBody>
       </p:sp>
@@ -28075,7 +28087,7 @@
             <a:pPr lvl="1"/>
             <a:r>
               <a:rPr lang="es-GT" sz="2400" dirty="0"/>
-              <a:t>Automóvil							Q30,000.00</a:t>
+              <a:t>Automóvil						Q30,000.00</a:t>
             </a:r>
             <a:endParaRPr lang="en-US" sz="2400" dirty="0"/>
           </a:p>
@@ -28083,7 +28095,7 @@
             <a:pPr lvl="1"/>
             <a:r>
               <a:rPr lang="es-GT" sz="2400" dirty="0"/>
-              <a:t>Motocicleta 							Q10,000.00</a:t>
+              <a:t>Motocicleta 						Q10,000.00</a:t>
             </a:r>
             <a:endParaRPr lang="en-US" sz="2400" dirty="0"/>
           </a:p>
@@ -28091,29 +28103,34 @@
             <a:pPr lvl="1"/>
             <a:r>
               <a:rPr lang="es-GT" sz="2400" dirty="0"/>
-              <a:t>Gasolina (estimado para 2 años)					Q2,000.00</a:t>
-            </a:r>
-          </a:p>
-          <a:p>
-            <a:pPr lvl="1"/>
-            <a:endParaRPr lang="es-GT" sz="2400" dirty="0"/>
+              <a:t>Gasolina (estimado para 2 años)				Q2,000.00</a:t>
+            </a:r>
           </a:p>
           <a:p>
             <a:pPr marL="266700" lvl="1" indent="0">
               <a:buNone/>
             </a:pPr>
-            <a:r>
-              <a:rPr lang="en-US" sz="2400" b="1" u="sng" dirty="0"/>
+            <a:endParaRPr lang="es-GT" sz="2400" dirty="0"/>
+          </a:p>
+          <a:p>
+            <a:pPr marL="266700" lvl="1" indent="0">
+              <a:buNone/>
+            </a:pPr>
+            <a:r>
+              <a:rPr lang="es-GT" sz="2400" b="1" u="sng" dirty="0"/>
               <a:t>Subtotal</a:t>
             </a:r>
             <a:r>
-              <a:rPr lang="en-US" sz="2400" b="1" dirty="0"/>
-              <a:t>:</a:t>
-            </a:r>
-            <a:r>
-              <a:rPr lang="en-US" sz="2400" dirty="0"/>
-              <a:t>								Q42,000.00</a:t>
-            </a:r>
+              <a:rPr lang="es-GT" sz="2400" dirty="0"/>
+              <a:t>:							Q42,000.00</a:t>
+            </a:r>
+            <a:endParaRPr lang="en-US" sz="2400" b="1" u="sng" dirty="0"/>
+          </a:p>
+          <a:p>
+            <a:pPr marL="0" indent="0">
+              <a:buNone/>
+            </a:pPr>
+            <a:endParaRPr lang="en-US" sz="2400" dirty="0"/>
           </a:p>
         </p:txBody>
       </p:sp>
@@ -28203,7 +28220,7 @@
     </p:spTree>
     <p:extLst>
       <p:ext uri="{BB962C8B-B14F-4D97-AF65-F5344CB8AC3E}">
-        <p14:creationId xmlns:p14="http://schemas.microsoft.com/office/powerpoint/2010/main" val="3001309696"/>
+        <p14:creationId xmlns:p14="http://schemas.microsoft.com/office/powerpoint/2010/main" val="1681914360"/>
       </p:ext>
     </p:extLst>
   </p:cSld>
@@ -28269,7 +28286,7 @@
             <a:pPr lvl="1"/>
             <a:r>
               <a:rPr lang="es-GT" sz="2400" dirty="0"/>
-              <a:t>Regletas 								Q200.00</a:t>
+              <a:t>Regletas 							Q200.00</a:t>
             </a:r>
             <a:endParaRPr lang="en-US" sz="2400" dirty="0"/>
           </a:p>
@@ -28281,7 +28298,7 @@
             </a:r>
             <a:r>
               <a:rPr lang="es-GT" sz="2400" dirty="0"/>
-              <a:t> 								Q600.00</a:t>
+              <a:t> 							Q600.00</a:t>
             </a:r>
             <a:endParaRPr lang="en-US" sz="2400" dirty="0"/>
           </a:p>
@@ -28289,7 +28306,7 @@
             <a:pPr lvl="1"/>
             <a:r>
               <a:rPr lang="es-GT" sz="2400" dirty="0"/>
-              <a:t>Dispositivos de almacenamiento externo 			Q800.00</a:t>
+              <a:t>Dispositivos de almacenamiento externo 		Q800.00</a:t>
             </a:r>
             <a:endParaRPr lang="en-US" sz="2400" dirty="0"/>
           </a:p>
@@ -28297,7 +28314,7 @@
             <a:pPr lvl="1"/>
             <a:r>
               <a:rPr lang="es-GT" sz="2400" dirty="0"/>
-              <a:t>Computadoras 							Q15,000.00</a:t>
+              <a:t>Computadoras 						Q15,000.00</a:t>
             </a:r>
             <a:endParaRPr lang="en-US" sz="2400" dirty="0"/>
           </a:p>
@@ -28305,26 +28322,34 @@
             <a:pPr lvl="1"/>
             <a:r>
               <a:rPr lang="es-GT" sz="2400" dirty="0"/>
-              <a:t>Teléfonos 							Q6,000.00</a:t>
-            </a:r>
-          </a:p>
-          <a:p>
-            <a:pPr lvl="1"/>
-            <a:endParaRPr lang="es-GT" sz="2400" dirty="0"/>
+              <a:t>Teléfonos 						Q6,000.00</a:t>
+            </a:r>
           </a:p>
           <a:p>
             <a:pPr marL="266700" lvl="1" indent="0">
               <a:buNone/>
             </a:pPr>
+            <a:endParaRPr lang="es-GT" sz="2400" dirty="0"/>
+          </a:p>
+          <a:p>
+            <a:pPr marL="266700" lvl="1" indent="0">
+              <a:buNone/>
+            </a:pPr>
             <a:r>
               <a:rPr lang="es-GT" sz="2400" b="1" u="sng" dirty="0"/>
               <a:t>Subtotal</a:t>
             </a:r>
             <a:r>
               <a:rPr lang="es-GT" sz="2400" dirty="0"/>
-              <a:t>:								Q22,600.00</a:t>
-            </a:r>
-            <a:endParaRPr lang="en-US" sz="2400" b="1" u="sng" dirty="0"/>
+              <a:t>:							Q22,600.00</a:t>
+            </a:r>
+            <a:endParaRPr lang="en-US" sz="2400" dirty="0"/>
+          </a:p>
+          <a:p>
+            <a:pPr marL="0" indent="0">
+              <a:buNone/>
+            </a:pPr>
+            <a:endParaRPr lang="en-US" sz="2400" dirty="0"/>
           </a:p>
         </p:txBody>
       </p:sp>
@@ -28414,7 +28439,7 @@
     </p:spTree>
     <p:extLst>
       <p:ext uri="{BB962C8B-B14F-4D97-AF65-F5344CB8AC3E}">
-        <p14:creationId xmlns:p14="http://schemas.microsoft.com/office/powerpoint/2010/main" val="2830151438"/>
+        <p14:creationId xmlns:p14="http://schemas.microsoft.com/office/powerpoint/2010/main" val="71680824"/>
       </p:ext>
     </p:extLst>
   </p:cSld>
@@ -28488,25 +28513,75 @@
             </a:r>
           </a:p>
           <a:p>
+            <a:pPr lvl="1"/>
+            <a:endParaRPr lang="en-US" sz="2400" dirty="0"/>
+          </a:p>
+          <a:p>
             <a:pPr marL="266700" lvl="1" indent="0">
               <a:buNone/>
             </a:pPr>
             <a:r>
-              <a:rPr lang="es-GT" sz="2400" dirty="0"/>
-              <a:t> </a:t>
+              <a:rPr lang="en-US" sz="2400" b="1" u="sng" dirty="0"/>
+              <a:t>Subtotal</a:t>
+            </a:r>
+            <a:r>
+              <a:rPr lang="en-US" sz="2400" dirty="0"/>
+              <a:t>:								Q1,200.00</a:t>
             </a:r>
           </a:p>
           <a:p>
             <a:pPr marL="266700" lvl="1" indent="0">
               <a:buNone/>
             </a:pPr>
-            <a:r>
-              <a:rPr lang="es-GT" sz="2400" b="1" u="sng" dirty="0"/>
-              <a:t>Subtotal</a:t>
-            </a:r>
-            <a:r>
-              <a:rPr lang="es-GT" sz="2400" dirty="0"/>
-              <a:t>:								Q1,200.00</a:t>
+            <a:endParaRPr lang="en-US" sz="2400" b="1" u="sng" dirty="0"/>
+          </a:p>
+          <a:p>
+            <a:pPr marL="266700" lvl="1" indent="0">
+              <a:buNone/>
+            </a:pPr>
+            <a:endParaRPr lang="en-US" sz="2400" b="1" u="sng" dirty="0"/>
+          </a:p>
+          <a:p>
+            <a:pPr marL="266700" lvl="1" indent="0">
+              <a:buNone/>
+            </a:pPr>
+            <a:endParaRPr lang="en-US" sz="2400" b="1" u="sng" dirty="0"/>
+          </a:p>
+          <a:p>
+            <a:pPr marL="266700" lvl="1" indent="0">
+              <a:buNone/>
+            </a:pPr>
+            <a:endParaRPr lang="en-US" sz="2400" b="1" u="sng" dirty="0"/>
+          </a:p>
+          <a:p>
+            <a:pPr marL="266700" lvl="1" indent="0">
+              <a:buNone/>
+            </a:pPr>
+            <a:endParaRPr lang="en-US" sz="2400" b="1" u="sng" dirty="0"/>
+          </a:p>
+          <a:p>
+            <a:pPr marL="266700" lvl="1" indent="0">
+              <a:buNone/>
+            </a:pPr>
+            <a:endParaRPr lang="en-US" sz="2400" b="1" u="sng" dirty="0"/>
+          </a:p>
+          <a:p>
+            <a:pPr marL="266700" lvl="1" indent="0">
+              <a:buNone/>
+            </a:pPr>
+            <a:endParaRPr lang="en-US" sz="2400" b="1" u="sng" dirty="0"/>
+          </a:p>
+          <a:p>
+            <a:pPr marL="266700" lvl="1" indent="0">
+              <a:buNone/>
+            </a:pPr>
+            <a:r>
+              <a:rPr lang="en-US" sz="2400" b="1" u="sng" dirty="0"/>
+              <a:t>TOTAL</a:t>
+            </a:r>
+            <a:r>
+              <a:rPr lang="en-US" sz="2400" dirty="0"/>
+              <a:t>:								Q108,000.00</a:t>
             </a:r>
             <a:endParaRPr lang="en-US" sz="2400" b="1" u="sng" dirty="0"/>
           </a:p>
@@ -28514,52 +28589,6 @@
             <a:pPr marL="0" indent="0">
               <a:buNone/>
             </a:pPr>
-            <a:endParaRPr lang="es-GT" sz="2400" b="1" dirty="0"/>
-          </a:p>
-          <a:p>
-            <a:pPr marL="0" indent="0">
-              <a:buNone/>
-            </a:pPr>
-            <a:endParaRPr lang="es-GT" sz="2400" b="1" dirty="0"/>
-          </a:p>
-          <a:p>
-            <a:pPr marL="0" indent="0">
-              <a:buNone/>
-            </a:pPr>
-            <a:endParaRPr lang="es-GT" sz="2400" b="1" dirty="0"/>
-          </a:p>
-          <a:p>
-            <a:pPr marL="0" indent="0">
-              <a:buNone/>
-            </a:pPr>
-            <a:endParaRPr lang="es-GT" sz="2400" b="1" dirty="0"/>
-          </a:p>
-          <a:p>
-            <a:pPr marL="0" indent="0">
-              <a:buNone/>
-            </a:pPr>
-            <a:endParaRPr lang="es-GT" sz="2400" b="1" dirty="0"/>
-          </a:p>
-          <a:p>
-            <a:pPr marL="0" indent="0">
-              <a:buNone/>
-            </a:pPr>
-            <a:r>
-              <a:rPr lang="es-GT" sz="2400" b="1" u="sng" dirty="0"/>
-              <a:t>TOTAL</a:t>
-            </a:r>
-            <a:r>
-              <a:rPr lang="es-GT" sz="2400" b="1" dirty="0"/>
-              <a:t>:								Q</a:t>
-            </a:r>
-            <a:r>
-              <a:rPr lang="es-GT" sz="2400" dirty="0"/>
-              <a:t> </a:t>
-            </a:r>
-            <a:r>
-              <a:rPr lang="es-GT" sz="2400" b="1" dirty="0"/>
-              <a:t>106,800.00</a:t>
-            </a:r>
             <a:endParaRPr lang="en-US" sz="2400" dirty="0"/>
           </a:p>
         </p:txBody>
@@ -28650,7 +28679,7 @@
     </p:spTree>
     <p:extLst>
       <p:ext uri="{BB962C8B-B14F-4D97-AF65-F5344CB8AC3E}">
-        <p14:creationId xmlns:p14="http://schemas.microsoft.com/office/powerpoint/2010/main" val="3551074688"/>
+        <p14:creationId xmlns:p14="http://schemas.microsoft.com/office/powerpoint/2010/main" val="4218911059"/>
       </p:ext>
     </p:extLst>
   </p:cSld>
@@ -31602,10 +31631,10 @@
       </p:grpSpPr>
       <p:sp>
         <p:nvSpPr>
-          <p:cNvPr id="5" name="Slide Number Placeholder 4">
-            <a:extLst>
-              <a:ext uri="{FF2B5EF4-FFF2-40B4-BE49-F238E27FC236}">
-                <a16:creationId xmlns:a16="http://schemas.microsoft.com/office/drawing/2014/main" id="{350FC2AC-377D-452C-9D03-2F9F7AC5B560}"/>
+          <p:cNvPr id="2" name="Slide Number Placeholder 1">
+            <a:extLst>
+              <a:ext uri="{FF2B5EF4-FFF2-40B4-BE49-F238E27FC236}">
+                <a16:creationId xmlns:a16="http://schemas.microsoft.com/office/drawing/2014/main" id="{9D9B87FF-E45A-4692-B553-0739E40792C5}"/>
               </a:ext>
             </a:extLst>
           </p:cNvPr>
@@ -31622,52 +31651,52 @@
           <a:lstStyle/>
           <a:p>
             <a:r>
-              <a:rPr lang="en-US" dirty="0"/>
+              <a:rPr lang="en-US" noProof="0"/>
               <a:t>page </a:t>
             </a:r>
             <a:fld id="{19B51A1E-902D-48AF-9020-955120F399B6}" type="slidenum">
-              <a:rPr lang="en-US" smtClean="0"/>
+              <a:rPr lang="en-US" b="1" i="1" noProof="0" smtClean="0"/>
               <a:pPr/>
               <a:t>38</a:t>
             </a:fld>
-            <a:endParaRPr lang="en-US" dirty="0"/>
-          </a:p>
-        </p:txBody>
-      </p:sp>
-      <p:sp>
-        <p:nvSpPr>
-          <p:cNvPr id="12" name="Title 11">
-            <a:extLst>
-              <a:ext uri="{FF2B5EF4-FFF2-40B4-BE49-F238E27FC236}">
-                <a16:creationId xmlns:a16="http://schemas.microsoft.com/office/drawing/2014/main" id="{0487BE4A-36C3-48DA-B4B2-741ADE94E2BE}"/>
-              </a:ext>
-            </a:extLst>
-          </p:cNvPr>
-          <p:cNvSpPr>
-            <a:spLocks noGrp="1"/>
-          </p:cNvSpPr>
-          <p:nvPr>
-            <p:ph type="title"/>
-          </p:nvPr>
-        </p:nvSpPr>
-        <p:spPr/>
-        <p:txBody>
-          <a:bodyPr/>
-          <a:lstStyle/>
-          <a:p>
-            <a:pPr algn="ctr"/>
-            <a:r>
-              <a:rPr lang="es-GT" dirty="0"/>
-              <a:t>¿Qué Hace?</a:t>
-            </a:r>
-            <a:endParaRPr lang="en-US" dirty="0"/>
-          </a:p>
-        </p:txBody>
-      </p:sp>
+            <a:endParaRPr lang="en-US" b="1" i="1" noProof="0" dirty="0"/>
+          </a:p>
+        </p:txBody>
+      </p:sp>
+      <p:pic>
+        <p:nvPicPr>
+          <p:cNvPr id="5" name="Picture 4" descr="A close up of a map&#10;&#10;Description automatically generated">
+            <a:extLst>
+              <a:ext uri="{FF2B5EF4-FFF2-40B4-BE49-F238E27FC236}">
+                <a16:creationId xmlns:a16="http://schemas.microsoft.com/office/drawing/2014/main" id="{0DBB781D-5F6C-4C35-874B-A5266BA7A2C2}"/>
+              </a:ext>
+            </a:extLst>
+          </p:cNvPr>
+          <p:cNvPicPr>
+            <a:picLocks noChangeAspect="1"/>
+          </p:cNvPicPr>
+          <p:nvPr/>
+        </p:nvPicPr>
+        <p:blipFill>
+          <a:blip r:embed="rId2"/>
+          <a:stretch>
+            <a:fillRect/>
+          </a:stretch>
+        </p:blipFill>
+        <p:spPr>
+          <a:xfrm>
+            <a:off x="2901835" y="326335"/>
+            <a:ext cx="6388329" cy="6205330"/>
+          </a:xfrm>
+          <a:prstGeom prst="rect">
+            <a:avLst/>
+          </a:prstGeom>
+        </p:spPr>
+      </p:pic>
     </p:spTree>
     <p:extLst>
       <p:ext uri="{BB962C8B-B14F-4D97-AF65-F5344CB8AC3E}">
-        <p14:creationId xmlns:p14="http://schemas.microsoft.com/office/powerpoint/2010/main" val="4024966873"/>
+        <p14:creationId xmlns:p14="http://schemas.microsoft.com/office/powerpoint/2010/main" val="3801388789"/>
       </p:ext>
     </p:extLst>
   </p:cSld>
@@ -31696,10 +31725,10 @@
       </p:grpSpPr>
       <p:sp>
         <p:nvSpPr>
-          <p:cNvPr id="5" name="Slide Number Placeholder 4">
-            <a:extLst>
-              <a:ext uri="{FF2B5EF4-FFF2-40B4-BE49-F238E27FC236}">
-                <a16:creationId xmlns:a16="http://schemas.microsoft.com/office/drawing/2014/main" id="{350FC2AC-377D-452C-9D03-2F9F7AC5B560}"/>
+          <p:cNvPr id="2" name="Slide Number Placeholder 1">
+            <a:extLst>
+              <a:ext uri="{FF2B5EF4-FFF2-40B4-BE49-F238E27FC236}">
+                <a16:creationId xmlns:a16="http://schemas.microsoft.com/office/drawing/2014/main" id="{9D9B87FF-E45A-4692-B553-0739E40792C5}"/>
               </a:ext>
             </a:extLst>
           </p:cNvPr>
@@ -31716,89 +31745,52 @@
           <a:lstStyle/>
           <a:p>
             <a:r>
-              <a:rPr lang="en-US" dirty="0"/>
+              <a:rPr lang="en-US" noProof="0"/>
               <a:t>page </a:t>
             </a:r>
             <a:fld id="{19B51A1E-902D-48AF-9020-955120F399B6}" type="slidenum">
-              <a:rPr lang="en-US" smtClean="0"/>
+              <a:rPr lang="en-US" b="1" i="1" noProof="0" smtClean="0"/>
               <a:pPr/>
               <a:t>39</a:t>
             </a:fld>
-            <a:endParaRPr lang="en-US" dirty="0"/>
-          </a:p>
-        </p:txBody>
-      </p:sp>
-      <p:sp>
-        <p:nvSpPr>
-          <p:cNvPr id="12" name="Title 11">
-            <a:extLst>
-              <a:ext uri="{FF2B5EF4-FFF2-40B4-BE49-F238E27FC236}">
-                <a16:creationId xmlns:a16="http://schemas.microsoft.com/office/drawing/2014/main" id="{0487BE4A-36C3-48DA-B4B2-741ADE94E2BE}"/>
-              </a:ext>
-            </a:extLst>
-          </p:cNvPr>
-          <p:cNvSpPr>
-            <a:spLocks noGrp="1"/>
-          </p:cNvSpPr>
-          <p:nvPr>
-            <p:ph type="title"/>
-          </p:nvPr>
-        </p:nvSpPr>
-        <p:spPr/>
-        <p:txBody>
-          <a:bodyPr/>
-          <a:lstStyle/>
-          <a:p>
-            <a:pPr algn="ctr"/>
-            <a:r>
-              <a:rPr lang="es-GT" dirty="0"/>
-              <a:t>¿Cómo está estructurado?</a:t>
-            </a:r>
-            <a:endParaRPr lang="en-US" dirty="0"/>
+            <a:endParaRPr lang="en-US" b="1" i="1" noProof="0" dirty="0"/>
           </a:p>
         </p:txBody>
       </p:sp>
       <p:pic>
         <p:nvPicPr>
-          <p:cNvPr id="6" name="Picture 5">
-            <a:extLst>
-              <a:ext uri="{FF2B5EF4-FFF2-40B4-BE49-F238E27FC236}">
-                <a16:creationId xmlns:a16="http://schemas.microsoft.com/office/drawing/2014/main" id="{2847F7F8-90DF-4E4D-B160-A172C6B37DFC}"/>
-              </a:ext>
-            </a:extLst>
-          </p:cNvPr>
-          <p:cNvPicPr/>
+          <p:cNvPr id="4" name="Picture 3" descr="A close up of a map&#10;&#10;Description automatically generated">
+            <a:extLst>
+              <a:ext uri="{FF2B5EF4-FFF2-40B4-BE49-F238E27FC236}">
+                <a16:creationId xmlns:a16="http://schemas.microsoft.com/office/drawing/2014/main" id="{DC2CA8BD-A145-454B-97CF-E1268BFA0D91}"/>
+              </a:ext>
+            </a:extLst>
+          </p:cNvPr>
+          <p:cNvPicPr>
+            <a:picLocks noChangeAspect="1"/>
+          </p:cNvPicPr>
           <p:nvPr/>
         </p:nvPicPr>
-        <p:blipFill rotWithShape="1">
-          <a:blip r:embed="rId3">
-            <a:extLst>
-              <a:ext uri="{28A0092B-C50C-407E-A947-70E740481C1C}">
-                <a14:useLocalDpi xmlns:a14="http://schemas.microsoft.com/office/drawing/2010/main" val="0"/>
-              </a:ext>
-            </a:extLst>
-          </a:blip>
-          <a:srcRect t="10158"/>
-          <a:stretch/>
+        <p:blipFill>
+          <a:blip r:embed="rId2"/>
+          <a:stretch>
+            <a:fillRect/>
+          </a:stretch>
         </p:blipFill>
-        <p:spPr bwMode="auto">
-          <a:xfrm>
-            <a:off x="1163955" y="1102659"/>
-            <a:ext cx="9864090" cy="4932708"/>
+        <p:spPr>
+          <a:xfrm>
+            <a:off x="3041876" y="398612"/>
+            <a:ext cx="6108248" cy="6060775"/>
           </a:xfrm>
           <a:prstGeom prst="rect">
             <a:avLst/>
           </a:prstGeom>
-          <a:noFill/>
-          <a:ln>
-            <a:noFill/>
-          </a:ln>
         </p:spPr>
       </p:pic>
     </p:spTree>
     <p:extLst>
       <p:ext uri="{BB962C8B-B14F-4D97-AF65-F5344CB8AC3E}">
-        <p14:creationId xmlns:p14="http://schemas.microsoft.com/office/powerpoint/2010/main" val="2981946894"/>
+        <p14:creationId xmlns:p14="http://schemas.microsoft.com/office/powerpoint/2010/main" val="3914044278"/>
       </p:ext>
     </p:extLst>
   </p:cSld>
@@ -32608,6 +32600,355 @@
       </p:grpSpPr>
       <p:sp>
         <p:nvSpPr>
+          <p:cNvPr id="2" name="Slide Number Placeholder 1">
+            <a:extLst>
+              <a:ext uri="{FF2B5EF4-FFF2-40B4-BE49-F238E27FC236}">
+                <a16:creationId xmlns:a16="http://schemas.microsoft.com/office/drawing/2014/main" id="{CCCCB2DD-C9C7-41C3-9A7F-9F963D054278}"/>
+              </a:ext>
+            </a:extLst>
+          </p:cNvPr>
+          <p:cNvSpPr>
+            <a:spLocks noGrp="1"/>
+          </p:cNvSpPr>
+          <p:nvPr>
+            <p:ph type="sldNum" sz="quarter" idx="11"/>
+          </p:nvPr>
+        </p:nvSpPr>
+        <p:spPr/>
+        <p:txBody>
+          <a:bodyPr/>
+          <a:lstStyle/>
+          <a:p>
+            <a:r>
+              <a:rPr lang="en-US" noProof="0"/>
+              <a:t>page </a:t>
+            </a:r>
+            <a:fld id="{19B51A1E-902D-48AF-9020-955120F399B6}" type="slidenum">
+              <a:rPr lang="en-US" b="1" i="1" noProof="0" smtClean="0"/>
+              <a:pPr/>
+              <a:t>40</a:t>
+            </a:fld>
+            <a:endParaRPr lang="en-US" b="1" i="1" noProof="0" dirty="0"/>
+          </a:p>
+        </p:txBody>
+      </p:sp>
+      <p:pic>
+        <p:nvPicPr>
+          <p:cNvPr id="5" name="Picture 4" descr="A close up of a map&#10;&#10;Description automatically generated">
+            <a:extLst>
+              <a:ext uri="{FF2B5EF4-FFF2-40B4-BE49-F238E27FC236}">
+                <a16:creationId xmlns:a16="http://schemas.microsoft.com/office/drawing/2014/main" id="{E484D8E6-BAEF-4C83-BD1B-FD4A750BE133}"/>
+              </a:ext>
+            </a:extLst>
+          </p:cNvPr>
+          <p:cNvPicPr>
+            <a:picLocks noChangeAspect="1"/>
+          </p:cNvPicPr>
+          <p:nvPr/>
+        </p:nvPicPr>
+        <p:blipFill>
+          <a:blip r:embed="rId2"/>
+          <a:stretch>
+            <a:fillRect/>
+          </a:stretch>
+        </p:blipFill>
+        <p:spPr>
+          <a:xfrm>
+            <a:off x="3258301" y="303524"/>
+            <a:ext cx="5675397" cy="6250952"/>
+          </a:xfrm>
+          <a:prstGeom prst="rect">
+            <a:avLst/>
+          </a:prstGeom>
+        </p:spPr>
+      </p:pic>
+    </p:spTree>
+    <p:extLst>
+      <p:ext uri="{BB962C8B-B14F-4D97-AF65-F5344CB8AC3E}">
+        <p14:creationId xmlns:p14="http://schemas.microsoft.com/office/powerpoint/2010/main" val="708953092"/>
+      </p:ext>
+    </p:extLst>
+  </p:cSld>
+  <p:clrMapOvr>
+    <a:masterClrMapping/>
+  </p:clrMapOvr>
+</p:sld>
+</file>
+
+<file path=ppt/slides/slide41.xml><?xml version="1.0" encoding="utf-8"?>
+<p:sld xmlns:a="http://schemas.openxmlformats.org/drawingml/2006/main" xmlns:r="http://schemas.openxmlformats.org/officeDocument/2006/relationships" xmlns:p="http://schemas.openxmlformats.org/presentationml/2006/main">
+  <p:cSld>
+    <p:spTree>
+      <p:nvGrpSpPr>
+        <p:cNvPr id="1" name=""/>
+        <p:cNvGrpSpPr/>
+        <p:nvPr/>
+      </p:nvGrpSpPr>
+      <p:grpSpPr>
+        <a:xfrm>
+          <a:off x="0" y="0"/>
+          <a:ext cx="0" cy="0"/>
+          <a:chOff x="0" y="0"/>
+          <a:chExt cx="0" cy="0"/>
+        </a:xfrm>
+      </p:grpSpPr>
+      <p:sp>
+        <p:nvSpPr>
+          <p:cNvPr id="5" name="Slide Number Placeholder 4">
+            <a:extLst>
+              <a:ext uri="{FF2B5EF4-FFF2-40B4-BE49-F238E27FC236}">
+                <a16:creationId xmlns:a16="http://schemas.microsoft.com/office/drawing/2014/main" id="{350FC2AC-377D-452C-9D03-2F9F7AC5B560}"/>
+              </a:ext>
+            </a:extLst>
+          </p:cNvPr>
+          <p:cNvSpPr>
+            <a:spLocks noGrp="1"/>
+          </p:cNvSpPr>
+          <p:nvPr>
+            <p:ph type="sldNum" sz="quarter" idx="11"/>
+          </p:nvPr>
+        </p:nvSpPr>
+        <p:spPr/>
+        <p:txBody>
+          <a:bodyPr/>
+          <a:lstStyle/>
+          <a:p>
+            <a:r>
+              <a:rPr lang="en-US" dirty="0"/>
+              <a:t>page </a:t>
+            </a:r>
+            <a:fld id="{19B51A1E-902D-48AF-9020-955120F399B6}" type="slidenum">
+              <a:rPr lang="en-US" smtClean="0"/>
+              <a:pPr/>
+              <a:t>41</a:t>
+            </a:fld>
+            <a:endParaRPr lang="en-US" dirty="0"/>
+          </a:p>
+        </p:txBody>
+      </p:sp>
+      <p:sp>
+        <p:nvSpPr>
+          <p:cNvPr id="12" name="Title 11">
+            <a:extLst>
+              <a:ext uri="{FF2B5EF4-FFF2-40B4-BE49-F238E27FC236}">
+                <a16:creationId xmlns:a16="http://schemas.microsoft.com/office/drawing/2014/main" id="{0487BE4A-36C3-48DA-B4B2-741ADE94E2BE}"/>
+              </a:ext>
+            </a:extLst>
+          </p:cNvPr>
+          <p:cNvSpPr>
+            <a:spLocks noGrp="1"/>
+          </p:cNvSpPr>
+          <p:nvPr>
+            <p:ph type="title"/>
+          </p:nvPr>
+        </p:nvSpPr>
+        <p:spPr/>
+        <p:txBody>
+          <a:bodyPr/>
+          <a:lstStyle/>
+          <a:p>
+            <a:pPr algn="ctr"/>
+            <a:r>
+              <a:rPr lang="es-GT" dirty="0"/>
+              <a:t>¿Qué Hace?</a:t>
+            </a:r>
+            <a:endParaRPr lang="en-US" dirty="0"/>
+          </a:p>
+        </p:txBody>
+      </p:sp>
+      <p:pic>
+        <p:nvPicPr>
+          <p:cNvPr id="3" name="Picture 2" descr="A close up of a map&#10;&#10;Description automatically generated">
+            <a:extLst>
+              <a:ext uri="{FF2B5EF4-FFF2-40B4-BE49-F238E27FC236}">
+                <a16:creationId xmlns:a16="http://schemas.microsoft.com/office/drawing/2014/main" id="{62056EDA-9B08-498B-939D-980564242712}"/>
+              </a:ext>
+            </a:extLst>
+          </p:cNvPr>
+          <p:cNvPicPr>
+            <a:picLocks noChangeAspect="1"/>
+          </p:cNvPicPr>
+          <p:nvPr/>
+        </p:nvPicPr>
+        <p:blipFill>
+          <a:blip r:embed="rId3"/>
+          <a:stretch>
+            <a:fillRect/>
+          </a:stretch>
+        </p:blipFill>
+        <p:spPr>
+          <a:xfrm>
+            <a:off x="3199279" y="0"/>
+            <a:ext cx="5793442" cy="6858000"/>
+          </a:xfrm>
+          <a:prstGeom prst="rect">
+            <a:avLst/>
+          </a:prstGeom>
+        </p:spPr>
+      </p:pic>
+    </p:spTree>
+    <p:extLst>
+      <p:ext uri="{BB962C8B-B14F-4D97-AF65-F5344CB8AC3E}">
+        <p14:creationId xmlns:p14="http://schemas.microsoft.com/office/powerpoint/2010/main" val="4024966873"/>
+      </p:ext>
+    </p:extLst>
+  </p:cSld>
+  <p:clrMapOvr>
+    <a:masterClrMapping/>
+  </p:clrMapOvr>
+</p:sld>
+</file>
+
+<file path=ppt/slides/slide42.xml><?xml version="1.0" encoding="utf-8"?>
+<p:sld xmlns:a="http://schemas.openxmlformats.org/drawingml/2006/main" xmlns:r="http://schemas.openxmlformats.org/officeDocument/2006/relationships" xmlns:p="http://schemas.openxmlformats.org/presentationml/2006/main">
+  <p:cSld>
+    <p:spTree>
+      <p:nvGrpSpPr>
+        <p:cNvPr id="1" name=""/>
+        <p:cNvGrpSpPr/>
+        <p:nvPr/>
+      </p:nvGrpSpPr>
+      <p:grpSpPr>
+        <a:xfrm>
+          <a:off x="0" y="0"/>
+          <a:ext cx="0" cy="0"/>
+          <a:chOff x="0" y="0"/>
+          <a:chExt cx="0" cy="0"/>
+        </a:xfrm>
+      </p:grpSpPr>
+      <p:sp>
+        <p:nvSpPr>
+          <p:cNvPr id="5" name="Slide Number Placeholder 4">
+            <a:extLst>
+              <a:ext uri="{FF2B5EF4-FFF2-40B4-BE49-F238E27FC236}">
+                <a16:creationId xmlns:a16="http://schemas.microsoft.com/office/drawing/2014/main" id="{350FC2AC-377D-452C-9D03-2F9F7AC5B560}"/>
+              </a:ext>
+            </a:extLst>
+          </p:cNvPr>
+          <p:cNvSpPr>
+            <a:spLocks noGrp="1"/>
+          </p:cNvSpPr>
+          <p:nvPr>
+            <p:ph type="sldNum" sz="quarter" idx="11"/>
+          </p:nvPr>
+        </p:nvSpPr>
+        <p:spPr/>
+        <p:txBody>
+          <a:bodyPr/>
+          <a:lstStyle/>
+          <a:p>
+            <a:r>
+              <a:rPr lang="en-US" dirty="0"/>
+              <a:t>page </a:t>
+            </a:r>
+            <a:fld id="{19B51A1E-902D-48AF-9020-955120F399B6}" type="slidenum">
+              <a:rPr lang="en-US" smtClean="0"/>
+              <a:pPr/>
+              <a:t>42</a:t>
+            </a:fld>
+            <a:endParaRPr lang="en-US" dirty="0"/>
+          </a:p>
+        </p:txBody>
+      </p:sp>
+      <p:sp>
+        <p:nvSpPr>
+          <p:cNvPr id="12" name="Title 11">
+            <a:extLst>
+              <a:ext uri="{FF2B5EF4-FFF2-40B4-BE49-F238E27FC236}">
+                <a16:creationId xmlns:a16="http://schemas.microsoft.com/office/drawing/2014/main" id="{0487BE4A-36C3-48DA-B4B2-741ADE94E2BE}"/>
+              </a:ext>
+            </a:extLst>
+          </p:cNvPr>
+          <p:cNvSpPr>
+            <a:spLocks noGrp="1"/>
+          </p:cNvSpPr>
+          <p:nvPr>
+            <p:ph type="title"/>
+          </p:nvPr>
+        </p:nvSpPr>
+        <p:spPr/>
+        <p:txBody>
+          <a:bodyPr/>
+          <a:lstStyle/>
+          <a:p>
+            <a:pPr algn="ctr"/>
+            <a:r>
+              <a:rPr lang="es-GT" dirty="0"/>
+              <a:t>¿Cómo está estructurado?</a:t>
+            </a:r>
+            <a:endParaRPr lang="en-US" dirty="0"/>
+          </a:p>
+        </p:txBody>
+      </p:sp>
+      <p:pic>
+        <p:nvPicPr>
+          <p:cNvPr id="6" name="Picture 5">
+            <a:extLst>
+              <a:ext uri="{FF2B5EF4-FFF2-40B4-BE49-F238E27FC236}">
+                <a16:creationId xmlns:a16="http://schemas.microsoft.com/office/drawing/2014/main" id="{2847F7F8-90DF-4E4D-B160-A172C6B37DFC}"/>
+              </a:ext>
+            </a:extLst>
+          </p:cNvPr>
+          <p:cNvPicPr/>
+          <p:nvPr/>
+        </p:nvPicPr>
+        <p:blipFill rotWithShape="1">
+          <a:blip r:embed="rId3">
+            <a:extLst>
+              <a:ext uri="{28A0092B-C50C-407E-A947-70E740481C1C}">
+                <a14:useLocalDpi xmlns:a14="http://schemas.microsoft.com/office/drawing/2010/main" val="0"/>
+              </a:ext>
+            </a:extLst>
+          </a:blip>
+          <a:srcRect t="10158"/>
+          <a:stretch/>
+        </p:blipFill>
+        <p:spPr bwMode="auto">
+          <a:xfrm>
+            <a:off x="1163955" y="1102659"/>
+            <a:ext cx="9864090" cy="4932708"/>
+          </a:xfrm>
+          <a:prstGeom prst="rect">
+            <a:avLst/>
+          </a:prstGeom>
+          <a:noFill/>
+          <a:ln>
+            <a:noFill/>
+          </a:ln>
+        </p:spPr>
+      </p:pic>
+    </p:spTree>
+    <p:extLst>
+      <p:ext uri="{BB962C8B-B14F-4D97-AF65-F5344CB8AC3E}">
+        <p14:creationId xmlns:p14="http://schemas.microsoft.com/office/powerpoint/2010/main" val="2981946894"/>
+      </p:ext>
+    </p:extLst>
+  </p:cSld>
+  <p:clrMapOvr>
+    <a:masterClrMapping/>
+  </p:clrMapOvr>
+</p:sld>
+</file>
+
+<file path=ppt/slides/slide43.xml><?xml version="1.0" encoding="utf-8"?>
+<p:sld xmlns:a="http://schemas.openxmlformats.org/drawingml/2006/main" xmlns:r="http://schemas.openxmlformats.org/officeDocument/2006/relationships" xmlns:p="http://schemas.openxmlformats.org/presentationml/2006/main">
+  <p:cSld>
+    <p:spTree>
+      <p:nvGrpSpPr>
+        <p:cNvPr id="1" name=""/>
+        <p:cNvGrpSpPr/>
+        <p:nvPr/>
+      </p:nvGrpSpPr>
+      <p:grpSpPr>
+        <a:xfrm>
+          <a:off x="0" y="0"/>
+          <a:ext cx="0" cy="0"/>
+          <a:chOff x="0" y="0"/>
+          <a:chExt cx="0" cy="0"/>
+        </a:xfrm>
+      </p:grpSpPr>
+      <p:sp>
+        <p:nvSpPr>
           <p:cNvPr id="8" name="Title 7">
             <a:extLst>
               <a:ext uri="{FF2B5EF4-FFF2-40B4-BE49-F238E27FC236}">
@@ -32674,7 +33015,7 @@
             <a:fld id="{19B51A1E-902D-48AF-9020-955120F399B6}" type="slidenum">
               <a:rPr lang="en-US" b="1" i="1" noProof="0" smtClean="0"/>
               <a:pPr/>
-              <a:t>40</a:t>
+              <a:t>43</a:t>
             </a:fld>
             <a:endParaRPr lang="en-US" b="1" i="1" noProof="0" dirty="0"/>
           </a:p>
@@ -33275,7 +33616,7 @@
 </p:sld>
 </file>
 
-<file path=ppt/slides/slide41.xml><?xml version="1.0" encoding="utf-8"?>
+<file path=ppt/slides/slide44.xml><?xml version="1.0" encoding="utf-8"?>
 <p:sld xmlns:a="http://schemas.openxmlformats.org/drawingml/2006/main" xmlns:r="http://schemas.openxmlformats.org/officeDocument/2006/relationships" xmlns:p="http://schemas.openxmlformats.org/presentationml/2006/main">
   <p:cSld>
     <p:spTree>
@@ -33360,7 +33701,7 @@
             <a:fld id="{19B51A1E-902D-48AF-9020-955120F399B6}" type="slidenum">
               <a:rPr lang="en-US" b="1" i="1" noProof="0" smtClean="0"/>
               <a:pPr/>
-              <a:t>41</a:t>
+              <a:t>44</a:t>
             </a:fld>
             <a:endParaRPr lang="en-US" b="1" i="1" noProof="0" dirty="0"/>
           </a:p>
@@ -33961,7 +34302,7 @@
 </p:sld>
 </file>
 
-<file path=ppt/slides/slide42.xml><?xml version="1.0" encoding="utf-8"?>
+<file path=ppt/slides/slide45.xml><?xml version="1.0" encoding="utf-8"?>
 <p:sld xmlns:a="http://schemas.openxmlformats.org/drawingml/2006/main" xmlns:r="http://schemas.openxmlformats.org/officeDocument/2006/relationships" xmlns:p="http://schemas.openxmlformats.org/presentationml/2006/main">
   <p:cSld>
     <p:spTree>
@@ -34046,7 +34387,7 @@
             <a:fld id="{19B51A1E-902D-48AF-9020-955120F399B6}" type="slidenum">
               <a:rPr lang="en-US" b="1" i="1" noProof="0" smtClean="0"/>
               <a:pPr/>
-              <a:t>42</a:t>
+              <a:t>45</a:t>
             </a:fld>
             <a:endParaRPr lang="en-US" b="1" i="1" noProof="0" dirty="0"/>
           </a:p>
@@ -34856,7 +35197,7 @@
 </p:sld>
 </file>
 
-<file path=ppt/slides/slide43.xml><?xml version="1.0" encoding="utf-8"?>
+<file path=ppt/slides/slide46.xml><?xml version="1.0" encoding="utf-8"?>
 <p:sld xmlns:a="http://schemas.openxmlformats.org/drawingml/2006/main" xmlns:r="http://schemas.openxmlformats.org/officeDocument/2006/relationships" xmlns:p="http://schemas.openxmlformats.org/presentationml/2006/main">
   <p:cSld>
     <p:spTree>
@@ -35404,7 +35745,7 @@
             <a:fld id="{19B51A1E-902D-48AF-9020-955120F399B6}" type="slidenum">
               <a:rPr lang="en-US" smtClean="0"/>
               <a:pPr/>
-              <a:t>43</a:t>
+              <a:t>46</a:t>
             </a:fld>
             <a:endParaRPr lang="en-US" dirty="0"/>
           </a:p>
@@ -36005,7 +36346,7 @@
 </p:sld>
 </file>
 
-<file path=ppt/slides/slide44.xml><?xml version="1.0" encoding="utf-8"?>
+<file path=ppt/slides/slide47.xml><?xml version="1.0" encoding="utf-8"?>
 <p:sld xmlns:a="http://schemas.openxmlformats.org/drawingml/2006/main" xmlns:r="http://schemas.openxmlformats.org/officeDocument/2006/relationships" xmlns:p="http://schemas.openxmlformats.org/presentationml/2006/main">
   <p:cSld>
     <p:spTree>

--- a/Docs/Presentacion_Final/final.pptx
+++ b/Docs/Presentacion_Final/final.pptx
@@ -21628,6 +21628,7 @@
           <a:bodyPr/>
           <a:lstStyle/>
           <a:p>
+            <a:pPr algn="just"/>
             <a:r>
               <a:rPr lang="es-GT" sz="2600" dirty="0"/>
               <a:t>Se realizó una encuesta (hecha en Google </a:t>
@@ -21643,18 +21644,21 @@
             <a:endParaRPr lang="en-US" sz="2600" dirty="0"/>
           </a:p>
           <a:p>
+            <a:pPr algn="just"/>
             <a:r>
               <a:rPr lang="es-GT" sz="2600" dirty="0"/>
               <a:t>Primera sección: evalúa si la gente le parecía interesante y estaban de acuerdo con una aplicación que conecta a los financistas y emprendedores.</a:t>
             </a:r>
           </a:p>
           <a:p>
+            <a:pPr algn="just"/>
             <a:r>
               <a:rPr lang="es-GT" sz="2600" dirty="0"/>
               <a:t>Segunda sección: evalúa si las personas creen útil tener la opción de poder ofrecer o adquirir recursos que otras personas no usan para sacarle provecho de acuerdo con sus fines personales.</a:t>
             </a:r>
           </a:p>
           <a:p>
+            <a:pPr algn="just"/>
             <a:r>
               <a:rPr lang="es-GT" sz="2600" dirty="0"/>
               <a:t>Adicionalmente, se les pedía a las personas ingresar su género y su edad.</a:t>
@@ -21802,38 +21806,35 @@
           <a:bodyPr/>
           <a:lstStyle/>
           <a:p>
+            <a:pPr algn="just"/>
             <a:r>
               <a:rPr lang="es-GT" sz="2800" dirty="0"/>
               <a:t>14 preguntas.</a:t>
             </a:r>
           </a:p>
           <a:p>
+            <a:pPr algn="just"/>
             <a:r>
               <a:rPr lang="es-GT" sz="2800" dirty="0"/>
               <a:t>1 pregunta de la edad de la persona.</a:t>
             </a:r>
           </a:p>
           <a:p>
+            <a:pPr algn="just"/>
             <a:r>
               <a:rPr lang="es-GT" sz="2800" dirty="0"/>
               <a:t>1 pregunta del género de la persona.</a:t>
             </a:r>
           </a:p>
           <a:p>
+            <a:pPr algn="just"/>
             <a:r>
               <a:rPr lang="es-GT" sz="2800" dirty="0"/>
-              <a:t>8</a:t>
-            </a:r>
-            <a:r>
-              <a:rPr lang="es-GT" sz="2800"/>
-              <a:t> </a:t>
-            </a:r>
-            <a:r>
-              <a:rPr lang="es-GT" sz="2800" dirty="0"/>
-              <a:t>preguntas relacionadas a la primera parte de la encuesta.</a:t>
-            </a:r>
-          </a:p>
-          <a:p>
+              <a:t>8 preguntas relacionadas a la primera parte de la encuesta.</a:t>
+            </a:r>
+          </a:p>
+          <a:p>
+            <a:pPr algn="just"/>
             <a:r>
               <a:rPr lang="es-GT" sz="2800" dirty="0"/>
               <a:t>4 preguntas relacionadas a la segunda parte de la encuesta.</a:t>
@@ -27363,7 +27364,7 @@
           <a:bodyPr/>
           <a:lstStyle/>
           <a:p>
-            <a:pPr marL="0" indent="0">
+            <a:pPr marL="0" indent="0" algn="just">
               <a:buNone/>
             </a:pPr>
             <a:r>
@@ -27373,7 +27374,7 @@
             <a:endParaRPr lang="en-US" sz="2400" dirty="0"/>
           </a:p>
           <a:p>
-            <a:pPr lvl="0"/>
+            <a:pPr lvl="0" algn="just"/>
             <a:r>
               <a:rPr lang="es-GT" sz="2400" dirty="0"/>
               <a:t>Ninguno de los miembros del grupo ha utilizado la herramienta de react.js.</a:t>
@@ -27381,7 +27382,7 @@
             <a:endParaRPr lang="en-US" sz="2400" dirty="0"/>
           </a:p>
           <a:p>
-            <a:pPr lvl="0"/>
+            <a:pPr lvl="0" algn="just"/>
             <a:r>
               <a:rPr lang="es-GT" sz="2400" dirty="0"/>
               <a:t>Ninguno de los miembros posee experiencia previa para montar un modelo similar al que se está implementando.</a:t>
@@ -27389,7 +27390,7 @@
             <a:endParaRPr lang="en-US" sz="2400" dirty="0"/>
           </a:p>
           <a:p>
-            <a:pPr lvl="0"/>
+            <a:pPr lvl="0" algn="just"/>
             <a:r>
               <a:rPr lang="es-GT" sz="2400" dirty="0"/>
               <a:t>Ninguno posee conocimientos para implementar un videochat en línea.</a:t>
@@ -27397,7 +27398,7 @@
             <a:endParaRPr lang="en-US" sz="2400" dirty="0"/>
           </a:p>
           <a:p>
-            <a:pPr lvl="0"/>
+            <a:pPr lvl="0" algn="just"/>
             <a:r>
               <a:rPr lang="es-GT" sz="2400" dirty="0"/>
               <a:t>Primera experiencia al desarrollar un proyecto que exige documentación.</a:t>
@@ -27405,7 +27406,7 @@
             <a:endParaRPr lang="en-US" sz="2400" dirty="0"/>
           </a:p>
           <a:p>
-            <a:pPr marL="0" indent="0">
+            <a:pPr marL="0" indent="0" algn="just">
               <a:buNone/>
             </a:pPr>
             <a:endParaRPr lang="en-US" sz="2400" dirty="0"/>
@@ -35606,6 +35607,7 @@
           <a:bodyPr/>
           <a:lstStyle/>
           <a:p>
+            <a:pPr algn="just"/>
             <a:r>
               <a:rPr lang="en-US" noProof="1"/>
               <a:t>La comunicación es </a:t>
@@ -35620,6 +35622,7 @@
             </a:r>
           </a:p>
           <a:p>
+            <a:pPr algn="just"/>
             <a:r>
               <a:rPr lang="en-US" noProof="1"/>
               <a:t>Las reuniones son muy necesarias para analizar el avance y discutir las decisiones a tomar, pero se require invertir tiempo y voluntad. El beneficio más grande que tiene es que se llega a las mejores soluciones posibles de acuerdo a la situación.</a:t>
@@ -35627,6 +35630,7 @@
             <a:endParaRPr lang="en-US" dirty="0"/>
           </a:p>
           <a:p>
+            <a:pPr algn="just"/>
             <a:r>
               <a:rPr lang="en-US" dirty="0" err="1"/>
               <a:t>Conforme</a:t>
@@ -35701,18 +35705,21 @@
             </a:r>
           </a:p>
           <a:p>
+            <a:pPr algn="just"/>
             <a:r>
               <a:rPr lang="en-US" noProof="1"/>
               <a:t>Balancear el tiempo de research y de implementación, es importante para evitar retrasos.</a:t>
             </a:r>
           </a:p>
           <a:p>
+            <a:pPr algn="just"/>
             <a:r>
               <a:rPr lang="en-US" noProof="1"/>
               <a:t>Estimar bien el tiempo. Realizar proyecciones y analizar si el objetivo es alcanzable.</a:t>
             </a:r>
           </a:p>
           <a:p>
+            <a:pPr algn="just"/>
             <a:endParaRPr lang="en-US" noProof="1"/>
           </a:p>
         </p:txBody>
@@ -39152,74 +39159,83 @@
             <p:ph idx="52"/>
           </p:nvPr>
         </p:nvSpPr>
-        <p:spPr/>
+        <p:spPr>
+          <a:xfrm>
+            <a:off x="577022" y="3124209"/>
+            <a:ext cx="4283297" cy="1800000"/>
+          </a:xfrm>
+        </p:spPr>
         <p:txBody>
           <a:bodyPr/>
           <a:lstStyle/>
           <a:p>
-            <a:r>
-              <a:rPr lang="en-US" dirty="0" err="1"/>
+            <a:pPr algn="just"/>
+            <a:r>
+              <a:rPr lang="en-US" sz="2400" dirty="0" err="1"/>
               <a:t>Conectar</a:t>
             </a:r>
             <a:r>
-              <a:rPr lang="en-US" dirty="0"/>
+              <a:rPr lang="en-US" sz="2400" dirty="0"/>
               <a:t> </a:t>
             </a:r>
             <a:r>
-              <a:rPr lang="en-US" dirty="0" err="1"/>
+              <a:rPr lang="en-US" sz="2400" dirty="0" err="1"/>
               <a:t>gente</a:t>
             </a:r>
             <a:r>
-              <a:rPr lang="en-US" dirty="0"/>
+              <a:rPr lang="en-US" sz="2400" dirty="0"/>
               <a:t> </a:t>
             </a:r>
             <a:r>
-              <a:rPr lang="en-US" dirty="0" err="1"/>
+              <a:rPr lang="en-US" sz="2400" dirty="0" err="1"/>
               <a:t>emprendedora</a:t>
             </a:r>
             <a:r>
-              <a:rPr lang="en-US" dirty="0"/>
+              <a:rPr lang="en-US" sz="2400" dirty="0"/>
               <a:t> con </a:t>
             </a:r>
             <a:r>
-              <a:rPr lang="en-US" dirty="0" err="1"/>
+              <a:rPr lang="en-US" sz="2400" dirty="0" err="1"/>
               <a:t>gente</a:t>
             </a:r>
             <a:r>
-              <a:rPr lang="en-US" dirty="0"/>
+              <a:rPr lang="en-US" sz="2400" dirty="0"/>
               <a:t> que </a:t>
             </a:r>
             <a:r>
-              <a:rPr lang="en-US" dirty="0" err="1"/>
+              <a:rPr lang="en-US" sz="2400" dirty="0" err="1"/>
               <a:t>busca</a:t>
             </a:r>
             <a:r>
-              <a:rPr lang="en-US" dirty="0"/>
+              <a:rPr lang="en-US" sz="2400" dirty="0"/>
               <a:t> </a:t>
             </a:r>
             <a:r>
-              <a:rPr lang="en-US" dirty="0" err="1"/>
+              <a:rPr lang="en-US" sz="2400" dirty="0" err="1"/>
               <a:t>innovación</a:t>
             </a:r>
             <a:r>
-              <a:rPr lang="en-US" dirty="0"/>
+              <a:rPr lang="en-US" sz="2400" dirty="0"/>
               <a:t>.</a:t>
             </a:r>
           </a:p>
           <a:p>
-            <a:r>
-              <a:rPr lang="es-ES" dirty="0"/>
+            <a:pPr algn="just"/>
+            <a:r>
+              <a:rPr lang="es-ES" sz="2400" dirty="0"/>
               <a:t>Provee una plataforma en donde las personas saquen provecho a sus recursos</a:t>
             </a:r>
           </a:p>
           <a:p>
-            <a:r>
-              <a:rPr lang="en-US" noProof="1"/>
+            <a:pPr algn="just"/>
+            <a:r>
+              <a:rPr lang="en-US" sz="2400" noProof="1"/>
               <a:t>Palabras clave: conectar y proveer.</a:t>
             </a:r>
           </a:p>
           <a:p>
-            <a:endParaRPr lang="en-US" dirty="0"/>
+            <a:pPr algn="just"/>
+            <a:endParaRPr lang="en-US" sz="2400" dirty="0"/>
           </a:p>
         </p:txBody>
       </p:sp>

--- a/Docs/Presentacion_Final/final.pptx
+++ b/Docs/Presentacion_Final/final.pptx
@@ -322,7 +322,7 @@
           <a:p>
             <a:fld id="{EF1077DB-935E-4A0A-947A-D283B9F9F452}" type="datetimeFigureOut">
               <a:rPr lang="en-US" smtClean="0"/>
-              <a:t>10/26/2019</a:t>
+              <a:t>11/10/2019</a:t>
             </a:fld>
             <a:endParaRPr lang="en-US"/>
           </a:p>
@@ -499,7 +499,7 @@
           <a:p>
             <a:fld id="{19EDBDA2-4480-4D82-8886-1B64A7ECBBAC}" type="datetimeFigureOut">
               <a:rPr lang="en-US" noProof="0" smtClean="0"/>
-              <a:t>10/26/2019</a:t>
+              <a:t>11/10/2019</a:t>
             </a:fld>
             <a:endParaRPr lang="en-US" noProof="0" dirty="0"/>
           </a:p>
@@ -20895,7 +20895,12 @@
             <a:fillRect/>
           </a:stretch>
         </p:blipFill>
-        <p:spPr/>
+        <p:spPr>
+          <a:xfrm>
+            <a:off x="0" y="-216816"/>
+            <a:ext cx="12192000" cy="6704013"/>
+          </a:xfrm>
+        </p:spPr>
       </p:pic>
       <p:sp>
         <p:nvSpPr>
@@ -21013,34 +21018,6 @@
       </p:sp>
       <p:sp>
         <p:nvSpPr>
-          <p:cNvPr id="2" name="Title 1">
-            <a:extLst>
-              <a:ext uri="{FF2B5EF4-FFF2-40B4-BE49-F238E27FC236}">
-                <a16:creationId xmlns:a16="http://schemas.microsoft.com/office/drawing/2014/main" id="{DFB4E65B-AD78-4F8E-AF3D-7759245651EE}"/>
-              </a:ext>
-            </a:extLst>
-          </p:cNvPr>
-          <p:cNvSpPr>
-            <a:spLocks noGrp="1"/>
-          </p:cNvSpPr>
-          <p:nvPr>
-            <p:ph type="ctrTitle"/>
-          </p:nvPr>
-        </p:nvSpPr>
-        <p:spPr/>
-        <p:txBody>
-          <a:bodyPr/>
-          <a:lstStyle/>
-          <a:p>
-            <a:r>
-              <a:rPr lang="en-US" dirty="0"/>
-              <a:t>Quantic Lions</a:t>
-            </a:r>
-          </a:p>
-        </p:txBody>
-      </p:sp>
-      <p:sp>
-        <p:nvSpPr>
           <p:cNvPr id="3" name="Subtitle 2">
             <a:extLst>
               <a:ext uri="{FF2B5EF4-FFF2-40B4-BE49-F238E27FC236}">
@@ -21055,11 +21032,17 @@
             <p:ph type="subTitle" idx="1"/>
           </p:nvPr>
         </p:nvSpPr>
-        <p:spPr/>
+        <p:spPr>
+          <a:xfrm>
+            <a:off x="761005" y="4808315"/>
+            <a:ext cx="5167824" cy="691666"/>
+          </a:xfrm>
+        </p:spPr>
         <p:txBody>
           <a:bodyPr/>
           <a:lstStyle/>
           <a:p>
+            <a:pPr algn="ctr"/>
             <a:r>
               <a:rPr lang="en-US" dirty="0"/>
               <a:t>The Future is now</a:t>
@@ -21572,6 +21555,36 @@
           </a:fontRef>
         </p:style>
       </p:cxnSp>
+      <p:pic>
+        <p:nvPicPr>
+          <p:cNvPr id="18" name="Picture 17" descr="A picture containing object, clock, drawing&#10;&#10;Description automatically generated">
+            <a:extLst>
+              <a:ext uri="{FF2B5EF4-FFF2-40B4-BE49-F238E27FC236}">
+                <a16:creationId xmlns:a16="http://schemas.microsoft.com/office/drawing/2014/main" id="{E1191EA6-1783-4D44-8A3E-65F4FCA2BEBB}"/>
+              </a:ext>
+            </a:extLst>
+          </p:cNvPr>
+          <p:cNvPicPr>
+            <a:picLocks noChangeAspect="1"/>
+          </p:cNvPicPr>
+          <p:nvPr/>
+        </p:nvPicPr>
+        <p:blipFill>
+          <a:blip r:embed="rId6"/>
+          <a:stretch>
+            <a:fillRect/>
+          </a:stretch>
+        </p:blipFill>
+        <p:spPr>
+          <a:xfrm>
+            <a:off x="435584" y="218396"/>
+            <a:ext cx="5812925" cy="4395780"/>
+          </a:xfrm>
+          <a:prstGeom prst="rect">
+            <a:avLst/>
+          </a:prstGeom>
+        </p:spPr>
+      </p:pic>
     </p:spTree>
     <p:extLst>
       <p:ext uri="{BB962C8B-B14F-4D97-AF65-F5344CB8AC3E}">
@@ -21750,6 +21763,36 @@
           </a:p>
         </p:txBody>
       </p:sp>
+      <p:pic>
+        <p:nvPicPr>
+          <p:cNvPr id="5" name="Picture 4" descr="A picture containing object, clock, drawing&#10;&#10;Description automatically generated">
+            <a:extLst>
+              <a:ext uri="{FF2B5EF4-FFF2-40B4-BE49-F238E27FC236}">
+                <a16:creationId xmlns:a16="http://schemas.microsoft.com/office/drawing/2014/main" id="{2964B677-637F-4282-B140-A689A50C6371}"/>
+              </a:ext>
+            </a:extLst>
+          </p:cNvPr>
+          <p:cNvPicPr>
+            <a:picLocks noChangeAspect="1"/>
+          </p:cNvPicPr>
+          <p:nvPr/>
+        </p:nvPicPr>
+        <p:blipFill>
+          <a:blip r:embed="rId2"/>
+          <a:stretch>
+            <a:fillRect/>
+          </a:stretch>
+        </p:blipFill>
+        <p:spPr>
+          <a:xfrm>
+            <a:off x="10575235" y="0"/>
+            <a:ext cx="1603920" cy="1212897"/>
+          </a:xfrm>
+          <a:prstGeom prst="rect">
+            <a:avLst/>
+          </a:prstGeom>
+        </p:spPr>
+      </p:pic>
     </p:spTree>
     <p:extLst>
       <p:ext uri="{BB962C8B-B14F-4D97-AF65-F5344CB8AC3E}">
@@ -21926,6 +21969,36 @@
           </a:p>
         </p:txBody>
       </p:sp>
+      <p:pic>
+        <p:nvPicPr>
+          <p:cNvPr id="5" name="Picture 4" descr="A picture containing object, clock, drawing&#10;&#10;Description automatically generated">
+            <a:extLst>
+              <a:ext uri="{FF2B5EF4-FFF2-40B4-BE49-F238E27FC236}">
+                <a16:creationId xmlns:a16="http://schemas.microsoft.com/office/drawing/2014/main" id="{704AB805-66F0-4C7C-BB33-879EA9A85105}"/>
+              </a:ext>
+            </a:extLst>
+          </p:cNvPr>
+          <p:cNvPicPr>
+            <a:picLocks noChangeAspect="1"/>
+          </p:cNvPicPr>
+          <p:nvPr/>
+        </p:nvPicPr>
+        <p:blipFill>
+          <a:blip r:embed="rId2"/>
+          <a:stretch>
+            <a:fillRect/>
+          </a:stretch>
+        </p:blipFill>
+        <p:spPr>
+          <a:xfrm>
+            <a:off x="10588080" y="17048"/>
+            <a:ext cx="1603920" cy="1212897"/>
+          </a:xfrm>
+          <a:prstGeom prst="rect">
+            <a:avLst/>
+          </a:prstGeom>
+        </p:spPr>
+      </p:pic>
     </p:spTree>
     <p:extLst>
       <p:ext uri="{BB962C8B-B14F-4D97-AF65-F5344CB8AC3E}">
@@ -22144,6 +22217,36 @@
           </a:prstGeom>
         </p:spPr>
       </p:pic>
+      <p:pic>
+        <p:nvPicPr>
+          <p:cNvPr id="6" name="Picture 5" descr="A picture containing object, clock, drawing&#10;&#10;Description automatically generated">
+            <a:extLst>
+              <a:ext uri="{FF2B5EF4-FFF2-40B4-BE49-F238E27FC236}">
+                <a16:creationId xmlns:a16="http://schemas.microsoft.com/office/drawing/2014/main" id="{3B5C5397-93F8-4B25-88E1-8ED5EAD0A268}"/>
+              </a:ext>
+            </a:extLst>
+          </p:cNvPr>
+          <p:cNvPicPr>
+            <a:picLocks noChangeAspect="1"/>
+          </p:cNvPicPr>
+          <p:nvPr/>
+        </p:nvPicPr>
+        <p:blipFill>
+          <a:blip r:embed="rId3"/>
+          <a:stretch>
+            <a:fillRect/>
+          </a:stretch>
+        </p:blipFill>
+        <p:spPr>
+          <a:xfrm>
+            <a:off x="10588080" y="17048"/>
+            <a:ext cx="1603920" cy="1212897"/>
+          </a:xfrm>
+          <a:prstGeom prst="rect">
+            <a:avLst/>
+          </a:prstGeom>
+        </p:spPr>
+      </p:pic>
     </p:spTree>
     <p:extLst>
       <p:ext uri="{BB962C8B-B14F-4D97-AF65-F5344CB8AC3E}">
@@ -22354,6 +22457,36 @@
           <a:xfrm>
             <a:off x="1319211" y="1608827"/>
             <a:ext cx="9720000" cy="4680000"/>
+          </a:xfrm>
+          <a:prstGeom prst="rect">
+            <a:avLst/>
+          </a:prstGeom>
+        </p:spPr>
+      </p:pic>
+      <p:pic>
+        <p:nvPicPr>
+          <p:cNvPr id="7" name="Picture 6" descr="A picture containing object, clock, drawing&#10;&#10;Description automatically generated">
+            <a:extLst>
+              <a:ext uri="{FF2B5EF4-FFF2-40B4-BE49-F238E27FC236}">
+                <a16:creationId xmlns:a16="http://schemas.microsoft.com/office/drawing/2014/main" id="{05D7A439-14B2-4BCA-844B-3587FA5394AC}"/>
+              </a:ext>
+            </a:extLst>
+          </p:cNvPr>
+          <p:cNvPicPr>
+            <a:picLocks noChangeAspect="1"/>
+          </p:cNvPicPr>
+          <p:nvPr/>
+        </p:nvPicPr>
+        <p:blipFill>
+          <a:blip r:embed="rId3"/>
+          <a:stretch>
+            <a:fillRect/>
+          </a:stretch>
+        </p:blipFill>
+        <p:spPr>
+          <a:xfrm>
+            <a:off x="10588080" y="17048"/>
+            <a:ext cx="1603920" cy="1212897"/>
           </a:xfrm>
           <a:prstGeom prst="rect">
             <a:avLst/>
@@ -23635,6 +23768,36 @@
           </a:prstGeom>
         </p:spPr>
       </p:pic>
+      <p:pic>
+        <p:nvPicPr>
+          <p:cNvPr id="29" name="Picture 28" descr="A picture containing object, clock, drawing&#10;&#10;Description automatically generated">
+            <a:extLst>
+              <a:ext uri="{FF2B5EF4-FFF2-40B4-BE49-F238E27FC236}">
+                <a16:creationId xmlns:a16="http://schemas.microsoft.com/office/drawing/2014/main" id="{FAC15CF7-7681-42A6-A0DA-121E247F7BD7}"/>
+              </a:ext>
+            </a:extLst>
+          </p:cNvPr>
+          <p:cNvPicPr>
+            <a:picLocks noChangeAspect="1"/>
+          </p:cNvPicPr>
+          <p:nvPr/>
+        </p:nvPicPr>
+        <p:blipFill>
+          <a:blip r:embed="rId5"/>
+          <a:stretch>
+            <a:fillRect/>
+          </a:stretch>
+        </p:blipFill>
+        <p:spPr>
+          <a:xfrm>
+            <a:off x="10201581" y="307816"/>
+            <a:ext cx="1603920" cy="1212897"/>
+          </a:xfrm>
+          <a:prstGeom prst="rect">
+            <a:avLst/>
+          </a:prstGeom>
+        </p:spPr>
+      </p:pic>
     </p:spTree>
     <p:extLst>
       <p:ext uri="{BB962C8B-B14F-4D97-AF65-F5344CB8AC3E}">
@@ -23809,6 +23972,36 @@
           <a:xfrm>
             <a:off x="1228688" y="1118122"/>
             <a:ext cx="9734624" cy="5139241"/>
+          </a:xfrm>
+          <a:prstGeom prst="rect">
+            <a:avLst/>
+          </a:prstGeom>
+        </p:spPr>
+      </p:pic>
+      <p:pic>
+        <p:nvPicPr>
+          <p:cNvPr id="5" name="Picture 4" descr="A picture containing object, clock, drawing&#10;&#10;Description automatically generated">
+            <a:extLst>
+              <a:ext uri="{FF2B5EF4-FFF2-40B4-BE49-F238E27FC236}">
+                <a16:creationId xmlns:a16="http://schemas.microsoft.com/office/drawing/2014/main" id="{12091745-BE22-47E7-B63B-A0CC403AC7E4}"/>
+              </a:ext>
+            </a:extLst>
+          </p:cNvPr>
+          <p:cNvPicPr>
+            <a:picLocks noChangeAspect="1"/>
+          </p:cNvPicPr>
+          <p:nvPr/>
+        </p:nvPicPr>
+        <p:blipFill>
+          <a:blip r:embed="rId3"/>
+          <a:stretch>
+            <a:fillRect/>
+          </a:stretch>
+        </p:blipFill>
+        <p:spPr>
+          <a:xfrm>
+            <a:off x="10588080" y="17049"/>
+            <a:ext cx="1603920" cy="1101074"/>
           </a:xfrm>
           <a:prstGeom prst="rect">
             <a:avLst/>
@@ -23989,6 +24182,36 @@
           </a:prstGeom>
         </p:spPr>
       </p:pic>
+      <p:pic>
+        <p:nvPicPr>
+          <p:cNvPr id="5" name="Picture 4" descr="A picture containing object, clock, drawing&#10;&#10;Description automatically generated">
+            <a:extLst>
+              <a:ext uri="{FF2B5EF4-FFF2-40B4-BE49-F238E27FC236}">
+                <a16:creationId xmlns:a16="http://schemas.microsoft.com/office/drawing/2014/main" id="{A861609E-B46A-4073-A2F5-8A92700383D0}"/>
+              </a:ext>
+            </a:extLst>
+          </p:cNvPr>
+          <p:cNvPicPr>
+            <a:picLocks noChangeAspect="1"/>
+          </p:cNvPicPr>
+          <p:nvPr/>
+        </p:nvPicPr>
+        <p:blipFill>
+          <a:blip r:embed="rId3"/>
+          <a:stretch>
+            <a:fillRect/>
+          </a:stretch>
+        </p:blipFill>
+        <p:spPr>
+          <a:xfrm>
+            <a:off x="10588080" y="17048"/>
+            <a:ext cx="1603920" cy="953829"/>
+          </a:xfrm>
+          <a:prstGeom prst="rect">
+            <a:avLst/>
+          </a:prstGeom>
+        </p:spPr>
+      </p:pic>
     </p:spTree>
     <p:extLst>
       <p:ext uri="{BB962C8B-B14F-4D97-AF65-F5344CB8AC3E}">
@@ -24157,6 +24380,36 @@
           <a:xfrm>
             <a:off x="1291441" y="930675"/>
             <a:ext cx="9609118" cy="5422500"/>
+          </a:xfrm>
+          <a:prstGeom prst="rect">
+            <a:avLst/>
+          </a:prstGeom>
+        </p:spPr>
+      </p:pic>
+      <p:pic>
+        <p:nvPicPr>
+          <p:cNvPr id="5" name="Picture 4" descr="A picture containing object, clock, drawing&#10;&#10;Description automatically generated">
+            <a:extLst>
+              <a:ext uri="{FF2B5EF4-FFF2-40B4-BE49-F238E27FC236}">
+                <a16:creationId xmlns:a16="http://schemas.microsoft.com/office/drawing/2014/main" id="{F29FAC23-EC4E-4327-8B64-29331375B64D}"/>
+              </a:ext>
+            </a:extLst>
+          </p:cNvPr>
+          <p:cNvPicPr>
+            <a:picLocks noChangeAspect="1"/>
+          </p:cNvPicPr>
+          <p:nvPr/>
+        </p:nvPicPr>
+        <p:blipFill>
+          <a:blip r:embed="rId3"/>
+          <a:stretch>
+            <a:fillRect/>
+          </a:stretch>
+        </p:blipFill>
+        <p:spPr>
+          <a:xfrm>
+            <a:off x="10727702" y="17048"/>
+            <a:ext cx="1464297" cy="913627"/>
           </a:xfrm>
           <a:prstGeom prst="rect">
             <a:avLst/>
@@ -24337,6 +24590,36 @@
           </a:prstGeom>
         </p:spPr>
       </p:pic>
+      <p:pic>
+        <p:nvPicPr>
+          <p:cNvPr id="5" name="Picture 4" descr="A picture containing object, clock, drawing&#10;&#10;Description automatically generated">
+            <a:extLst>
+              <a:ext uri="{FF2B5EF4-FFF2-40B4-BE49-F238E27FC236}">
+                <a16:creationId xmlns:a16="http://schemas.microsoft.com/office/drawing/2014/main" id="{03A50A88-3A1D-4930-9794-BDAD5C85BA87}"/>
+              </a:ext>
+            </a:extLst>
+          </p:cNvPr>
+          <p:cNvPicPr>
+            <a:picLocks noChangeAspect="1"/>
+          </p:cNvPicPr>
+          <p:nvPr/>
+        </p:nvPicPr>
+        <p:blipFill>
+          <a:blip r:embed="rId3"/>
+          <a:stretch>
+            <a:fillRect/>
+          </a:stretch>
+        </p:blipFill>
+        <p:spPr>
+          <a:xfrm>
+            <a:off x="10727702" y="17048"/>
+            <a:ext cx="1464297" cy="913627"/>
+          </a:xfrm>
+          <a:prstGeom prst="rect">
+            <a:avLst/>
+          </a:prstGeom>
+        </p:spPr>
+      </p:pic>
     </p:spTree>
     <p:extLst>
       <p:ext uri="{BB962C8B-B14F-4D97-AF65-F5344CB8AC3E}">
@@ -24505,6 +24788,36 @@
           <a:xfrm>
             <a:off x="1643866" y="959250"/>
             <a:ext cx="8904268" cy="5384400"/>
+          </a:xfrm>
+          <a:prstGeom prst="rect">
+            <a:avLst/>
+          </a:prstGeom>
+        </p:spPr>
+      </p:pic>
+      <p:pic>
+        <p:nvPicPr>
+          <p:cNvPr id="5" name="Picture 4" descr="A picture containing object, clock, drawing&#10;&#10;Description automatically generated">
+            <a:extLst>
+              <a:ext uri="{FF2B5EF4-FFF2-40B4-BE49-F238E27FC236}">
+                <a16:creationId xmlns:a16="http://schemas.microsoft.com/office/drawing/2014/main" id="{AAF9CB6B-B5C4-4590-A2B3-3F7636BD8F04}"/>
+              </a:ext>
+            </a:extLst>
+          </p:cNvPr>
+          <p:cNvPicPr>
+            <a:picLocks noChangeAspect="1"/>
+          </p:cNvPicPr>
+          <p:nvPr/>
+        </p:nvPicPr>
+        <p:blipFill>
+          <a:blip r:embed="rId3"/>
+          <a:stretch>
+            <a:fillRect/>
+          </a:stretch>
+        </p:blipFill>
+        <p:spPr>
+          <a:xfrm>
+            <a:off x="10727702" y="17048"/>
+            <a:ext cx="1464297" cy="913627"/>
           </a:xfrm>
           <a:prstGeom prst="rect">
             <a:avLst/>
@@ -24803,6 +25116,36 @@
           </a:p>
         </p:txBody>
       </p:sp>
+      <p:pic>
+        <p:nvPicPr>
+          <p:cNvPr id="7" name="Picture 6" descr="A picture containing object, clock, drawing&#10;&#10;Description automatically generated">
+            <a:extLst>
+              <a:ext uri="{FF2B5EF4-FFF2-40B4-BE49-F238E27FC236}">
+                <a16:creationId xmlns:a16="http://schemas.microsoft.com/office/drawing/2014/main" id="{67E1F6AA-8A3E-41E0-9099-B3FCDA0A59E4}"/>
+              </a:ext>
+            </a:extLst>
+          </p:cNvPr>
+          <p:cNvPicPr>
+            <a:picLocks noChangeAspect="1"/>
+          </p:cNvPicPr>
+          <p:nvPr/>
+        </p:nvPicPr>
+        <p:blipFill>
+          <a:blip r:embed="rId2"/>
+          <a:stretch>
+            <a:fillRect/>
+          </a:stretch>
+        </p:blipFill>
+        <p:spPr>
+          <a:xfrm>
+            <a:off x="10546285" y="60301"/>
+            <a:ext cx="1603920" cy="1212897"/>
+          </a:xfrm>
+          <a:prstGeom prst="rect">
+            <a:avLst/>
+          </a:prstGeom>
+        </p:spPr>
+      </p:pic>
     </p:spTree>
     <p:extLst>
       <p:ext uri="{BB962C8B-B14F-4D97-AF65-F5344CB8AC3E}">
@@ -24971,6 +25314,36 @@
           <a:xfrm>
             <a:off x="1109223" y="1064025"/>
             <a:ext cx="9973553" cy="5212950"/>
+          </a:xfrm>
+          <a:prstGeom prst="rect">
+            <a:avLst/>
+          </a:prstGeom>
+        </p:spPr>
+      </p:pic>
+      <p:pic>
+        <p:nvPicPr>
+          <p:cNvPr id="5" name="Picture 4" descr="A picture containing object, clock, drawing&#10;&#10;Description automatically generated">
+            <a:extLst>
+              <a:ext uri="{FF2B5EF4-FFF2-40B4-BE49-F238E27FC236}">
+                <a16:creationId xmlns:a16="http://schemas.microsoft.com/office/drawing/2014/main" id="{D12A5EB2-9424-408F-8BB7-081C7ECB68AF}"/>
+              </a:ext>
+            </a:extLst>
+          </p:cNvPr>
+          <p:cNvPicPr>
+            <a:picLocks noChangeAspect="1"/>
+          </p:cNvPicPr>
+          <p:nvPr/>
+        </p:nvPicPr>
+        <p:blipFill>
+          <a:blip r:embed="rId3"/>
+          <a:stretch>
+            <a:fillRect/>
+          </a:stretch>
+        </p:blipFill>
+        <p:spPr>
+          <a:xfrm>
+            <a:off x="10727702" y="17048"/>
+            <a:ext cx="1464297" cy="913627"/>
           </a:xfrm>
           <a:prstGeom prst="rect">
             <a:avLst/>
@@ -26600,6 +26973,36 @@
           </a:prstGeom>
         </p:spPr>
       </p:pic>
+      <p:pic>
+        <p:nvPicPr>
+          <p:cNvPr id="29" name="Picture 28" descr="A picture containing object, clock, drawing&#10;&#10;Description automatically generated">
+            <a:extLst>
+              <a:ext uri="{FF2B5EF4-FFF2-40B4-BE49-F238E27FC236}">
+                <a16:creationId xmlns:a16="http://schemas.microsoft.com/office/drawing/2014/main" id="{B24CF1D0-27DA-4394-8FF3-CEA5EE915C56}"/>
+              </a:ext>
+            </a:extLst>
+          </p:cNvPr>
+          <p:cNvPicPr>
+            <a:picLocks noChangeAspect="1"/>
+          </p:cNvPicPr>
+          <p:nvPr/>
+        </p:nvPicPr>
+        <p:blipFill>
+          <a:blip r:embed="rId5"/>
+          <a:stretch>
+            <a:fillRect/>
+          </a:stretch>
+        </p:blipFill>
+        <p:spPr>
+          <a:xfrm>
+            <a:off x="10281243" y="399404"/>
+            <a:ext cx="1464297" cy="1084040"/>
+          </a:xfrm>
+          <a:prstGeom prst="rect">
+            <a:avLst/>
+          </a:prstGeom>
+        </p:spPr>
+      </p:pic>
     </p:spTree>
     <p:extLst>
       <p:ext uri="{BB962C8B-B14F-4D97-AF65-F5344CB8AC3E}">
@@ -26768,6 +27171,36 @@
           <a:xfrm>
             <a:off x="1618653" y="1007435"/>
             <a:ext cx="8954694" cy="5285788"/>
+          </a:xfrm>
+          <a:prstGeom prst="rect">
+            <a:avLst/>
+          </a:prstGeom>
+        </p:spPr>
+      </p:pic>
+      <p:pic>
+        <p:nvPicPr>
+          <p:cNvPr id="5" name="Picture 4" descr="A picture containing object, clock, drawing&#10;&#10;Description automatically generated">
+            <a:extLst>
+              <a:ext uri="{FF2B5EF4-FFF2-40B4-BE49-F238E27FC236}">
+                <a16:creationId xmlns:a16="http://schemas.microsoft.com/office/drawing/2014/main" id="{5C89B655-3A11-42BA-9A60-F32EE2AF8DE4}"/>
+              </a:ext>
+            </a:extLst>
+          </p:cNvPr>
+          <p:cNvPicPr>
+            <a:picLocks noChangeAspect="1"/>
+          </p:cNvPicPr>
+          <p:nvPr/>
+        </p:nvPicPr>
+        <p:blipFill>
+          <a:blip r:embed="rId3"/>
+          <a:stretch>
+            <a:fillRect/>
+          </a:stretch>
+        </p:blipFill>
+        <p:spPr>
+          <a:xfrm>
+            <a:off x="10727702" y="17048"/>
+            <a:ext cx="1464297" cy="913627"/>
           </a:xfrm>
           <a:prstGeom prst="rect">
             <a:avLst/>
@@ -26954,6 +27387,36 @@
           </a:prstGeom>
         </p:spPr>
       </p:pic>
+      <p:pic>
+        <p:nvPicPr>
+          <p:cNvPr id="5" name="Picture 4" descr="A picture containing object, clock, drawing&#10;&#10;Description automatically generated">
+            <a:extLst>
+              <a:ext uri="{FF2B5EF4-FFF2-40B4-BE49-F238E27FC236}">
+                <a16:creationId xmlns:a16="http://schemas.microsoft.com/office/drawing/2014/main" id="{77ED43A5-917E-424E-A524-A8A65731A562}"/>
+              </a:ext>
+            </a:extLst>
+          </p:cNvPr>
+          <p:cNvPicPr>
+            <a:picLocks noChangeAspect="1"/>
+          </p:cNvPicPr>
+          <p:nvPr/>
+        </p:nvPicPr>
+        <p:blipFill>
+          <a:blip r:embed="rId3"/>
+          <a:stretch>
+            <a:fillRect/>
+          </a:stretch>
+        </p:blipFill>
+        <p:spPr>
+          <a:xfrm>
+            <a:off x="10727702" y="17048"/>
+            <a:ext cx="1464297" cy="913627"/>
+          </a:xfrm>
+          <a:prstGeom prst="rect">
+            <a:avLst/>
+          </a:prstGeom>
+        </p:spPr>
+      </p:pic>
     </p:spTree>
     <p:extLst>
       <p:ext uri="{BB962C8B-B14F-4D97-AF65-F5344CB8AC3E}">
@@ -27128,6 +27591,36 @@
           <a:xfrm>
             <a:off x="1345229" y="993988"/>
             <a:ext cx="9501542" cy="5344059"/>
+          </a:xfrm>
+          <a:prstGeom prst="rect">
+            <a:avLst/>
+          </a:prstGeom>
+        </p:spPr>
+      </p:pic>
+      <p:pic>
+        <p:nvPicPr>
+          <p:cNvPr id="5" name="Picture 4" descr="A picture containing object, clock, drawing&#10;&#10;Description automatically generated">
+            <a:extLst>
+              <a:ext uri="{FF2B5EF4-FFF2-40B4-BE49-F238E27FC236}">
+                <a16:creationId xmlns:a16="http://schemas.microsoft.com/office/drawing/2014/main" id="{87E33F8A-F059-4768-A605-7CDDF3323B6B}"/>
+              </a:ext>
+            </a:extLst>
+          </p:cNvPr>
+          <p:cNvPicPr>
+            <a:picLocks noChangeAspect="1"/>
+          </p:cNvPicPr>
+          <p:nvPr/>
+        </p:nvPicPr>
+        <p:blipFill>
+          <a:blip r:embed="rId3"/>
+          <a:stretch>
+            <a:fillRect/>
+          </a:stretch>
+        </p:blipFill>
+        <p:spPr>
+          <a:xfrm>
+            <a:off x="10727702" y="17048"/>
+            <a:ext cx="1464297" cy="913627"/>
           </a:xfrm>
           <a:prstGeom prst="rect">
             <a:avLst/>
@@ -27308,6 +27801,36 @@
           </a:prstGeom>
         </p:spPr>
       </p:pic>
+      <p:pic>
+        <p:nvPicPr>
+          <p:cNvPr id="5" name="Picture 4" descr="A picture containing object, clock, drawing&#10;&#10;Description automatically generated">
+            <a:extLst>
+              <a:ext uri="{FF2B5EF4-FFF2-40B4-BE49-F238E27FC236}">
+                <a16:creationId xmlns:a16="http://schemas.microsoft.com/office/drawing/2014/main" id="{9E17E80E-35BD-469F-8143-BCFBBFC5B2F0}"/>
+              </a:ext>
+            </a:extLst>
+          </p:cNvPr>
+          <p:cNvPicPr>
+            <a:picLocks noChangeAspect="1"/>
+          </p:cNvPicPr>
+          <p:nvPr/>
+        </p:nvPicPr>
+        <p:blipFill>
+          <a:blip r:embed="rId3"/>
+          <a:stretch>
+            <a:fillRect/>
+          </a:stretch>
+        </p:blipFill>
+        <p:spPr>
+          <a:xfrm>
+            <a:off x="10727702" y="17048"/>
+            <a:ext cx="1464297" cy="913627"/>
+          </a:xfrm>
+          <a:prstGeom prst="rect">
+            <a:avLst/>
+          </a:prstGeom>
+        </p:spPr>
+      </p:pic>
     </p:spTree>
     <p:extLst>
       <p:ext uri="{BB962C8B-B14F-4D97-AF65-F5344CB8AC3E}">
@@ -27496,6 +28019,36 @@
           </a:p>
         </p:txBody>
       </p:sp>
+      <p:pic>
+        <p:nvPicPr>
+          <p:cNvPr id="5" name="Picture 4" descr="A picture containing object, clock, drawing&#10;&#10;Description automatically generated">
+            <a:extLst>
+              <a:ext uri="{FF2B5EF4-FFF2-40B4-BE49-F238E27FC236}">
+                <a16:creationId xmlns:a16="http://schemas.microsoft.com/office/drawing/2014/main" id="{95F457C7-CEDB-41BE-963A-E59F3BAA6B7B}"/>
+              </a:ext>
+            </a:extLst>
+          </p:cNvPr>
+          <p:cNvPicPr>
+            <a:picLocks noChangeAspect="1"/>
+          </p:cNvPicPr>
+          <p:nvPr/>
+        </p:nvPicPr>
+        <p:blipFill>
+          <a:blip r:embed="rId2"/>
+          <a:stretch>
+            <a:fillRect/>
+          </a:stretch>
+        </p:blipFill>
+        <p:spPr>
+          <a:xfrm>
+            <a:off x="10588080" y="17048"/>
+            <a:ext cx="1603920" cy="1212897"/>
+          </a:xfrm>
+          <a:prstGeom prst="rect">
+            <a:avLst/>
+          </a:prstGeom>
+        </p:spPr>
+      </p:pic>
     </p:spTree>
     <p:extLst>
       <p:ext uri="{BB962C8B-B14F-4D97-AF65-F5344CB8AC3E}">
@@ -27721,6 +28274,36 @@
           </a:p>
         </p:txBody>
       </p:sp>
+      <p:pic>
+        <p:nvPicPr>
+          <p:cNvPr id="5" name="Picture 4" descr="A picture containing object, clock, drawing&#10;&#10;Description automatically generated">
+            <a:extLst>
+              <a:ext uri="{FF2B5EF4-FFF2-40B4-BE49-F238E27FC236}">
+                <a16:creationId xmlns:a16="http://schemas.microsoft.com/office/drawing/2014/main" id="{1F71F9B5-01D2-43A3-9302-3EE719C92D52}"/>
+              </a:ext>
+            </a:extLst>
+          </p:cNvPr>
+          <p:cNvPicPr>
+            <a:picLocks noChangeAspect="1"/>
+          </p:cNvPicPr>
+          <p:nvPr/>
+        </p:nvPicPr>
+        <p:blipFill>
+          <a:blip r:embed="rId2"/>
+          <a:stretch>
+            <a:fillRect/>
+          </a:stretch>
+        </p:blipFill>
+        <p:spPr>
+          <a:xfrm>
+            <a:off x="10588080" y="17048"/>
+            <a:ext cx="1603920" cy="1212897"/>
+          </a:xfrm>
+          <a:prstGeom prst="rect">
+            <a:avLst/>
+          </a:prstGeom>
+        </p:spPr>
+      </p:pic>
     </p:spTree>
     <p:extLst>
       <p:ext uri="{BB962C8B-B14F-4D97-AF65-F5344CB8AC3E}">
@@ -28019,6 +28602,36 @@
           </a:p>
         </p:txBody>
       </p:sp>
+      <p:pic>
+        <p:nvPicPr>
+          <p:cNvPr id="7" name="Picture 6" descr="A picture containing object, clock, drawing&#10;&#10;Description automatically generated">
+            <a:extLst>
+              <a:ext uri="{FF2B5EF4-FFF2-40B4-BE49-F238E27FC236}">
+                <a16:creationId xmlns:a16="http://schemas.microsoft.com/office/drawing/2014/main" id="{B78594D7-B9B7-41CB-80B3-E96E613FF0FE}"/>
+              </a:ext>
+            </a:extLst>
+          </p:cNvPr>
+          <p:cNvPicPr>
+            <a:picLocks noChangeAspect="1"/>
+          </p:cNvPicPr>
+          <p:nvPr/>
+        </p:nvPicPr>
+        <p:blipFill>
+          <a:blip r:embed="rId2"/>
+          <a:stretch>
+            <a:fillRect/>
+          </a:stretch>
+        </p:blipFill>
+        <p:spPr>
+          <a:xfrm>
+            <a:off x="10588080" y="0"/>
+            <a:ext cx="1603920" cy="1212897"/>
+          </a:xfrm>
+          <a:prstGeom prst="rect">
+            <a:avLst/>
+          </a:prstGeom>
+        </p:spPr>
+      </p:pic>
     </p:spTree>
     <p:extLst>
       <p:ext uri="{BB962C8B-B14F-4D97-AF65-F5344CB8AC3E}">
@@ -28218,6 +28831,36 @@
           </a:p>
         </p:txBody>
       </p:sp>
+      <p:pic>
+        <p:nvPicPr>
+          <p:cNvPr id="5" name="Picture 4" descr="A picture containing object, clock, drawing&#10;&#10;Description automatically generated">
+            <a:extLst>
+              <a:ext uri="{FF2B5EF4-FFF2-40B4-BE49-F238E27FC236}">
+                <a16:creationId xmlns:a16="http://schemas.microsoft.com/office/drawing/2014/main" id="{28D032E8-2BCE-416C-993F-BAE87595580D}"/>
+              </a:ext>
+            </a:extLst>
+          </p:cNvPr>
+          <p:cNvPicPr>
+            <a:picLocks noChangeAspect="1"/>
+          </p:cNvPicPr>
+          <p:nvPr/>
+        </p:nvPicPr>
+        <p:blipFill>
+          <a:blip r:embed="rId2"/>
+          <a:stretch>
+            <a:fillRect/>
+          </a:stretch>
+        </p:blipFill>
+        <p:spPr>
+          <a:xfrm>
+            <a:off x="10588080" y="17048"/>
+            <a:ext cx="1603920" cy="1212897"/>
+          </a:xfrm>
+          <a:prstGeom prst="rect">
+            <a:avLst/>
+          </a:prstGeom>
+        </p:spPr>
+      </p:pic>
     </p:spTree>
     <p:extLst>
       <p:ext uri="{BB962C8B-B14F-4D97-AF65-F5344CB8AC3E}">
@@ -28437,6 +29080,36 @@
           </a:p>
         </p:txBody>
       </p:sp>
+      <p:pic>
+        <p:nvPicPr>
+          <p:cNvPr id="5" name="Picture 4" descr="A picture containing object, clock, drawing&#10;&#10;Description automatically generated">
+            <a:extLst>
+              <a:ext uri="{FF2B5EF4-FFF2-40B4-BE49-F238E27FC236}">
+                <a16:creationId xmlns:a16="http://schemas.microsoft.com/office/drawing/2014/main" id="{B20EB5D1-CDCC-4B89-9B68-59EB0BC4CFE6}"/>
+              </a:ext>
+            </a:extLst>
+          </p:cNvPr>
+          <p:cNvPicPr>
+            <a:picLocks noChangeAspect="1"/>
+          </p:cNvPicPr>
+          <p:nvPr/>
+        </p:nvPicPr>
+        <p:blipFill>
+          <a:blip r:embed="rId2"/>
+          <a:stretch>
+            <a:fillRect/>
+          </a:stretch>
+        </p:blipFill>
+        <p:spPr>
+          <a:xfrm>
+            <a:off x="10588080" y="17048"/>
+            <a:ext cx="1603920" cy="1212897"/>
+          </a:xfrm>
+          <a:prstGeom prst="rect">
+            <a:avLst/>
+          </a:prstGeom>
+        </p:spPr>
+      </p:pic>
     </p:spTree>
     <p:extLst>
       <p:ext uri="{BB962C8B-B14F-4D97-AF65-F5344CB8AC3E}">
@@ -28677,6 +29350,36 @@
           </a:p>
         </p:txBody>
       </p:sp>
+      <p:pic>
+        <p:nvPicPr>
+          <p:cNvPr id="5" name="Picture 4" descr="A picture containing object, clock, drawing&#10;&#10;Description automatically generated">
+            <a:extLst>
+              <a:ext uri="{FF2B5EF4-FFF2-40B4-BE49-F238E27FC236}">
+                <a16:creationId xmlns:a16="http://schemas.microsoft.com/office/drawing/2014/main" id="{EADE53C2-C196-4F0E-AAC2-A33A9D5C19DE}"/>
+              </a:ext>
+            </a:extLst>
+          </p:cNvPr>
+          <p:cNvPicPr>
+            <a:picLocks noChangeAspect="1"/>
+          </p:cNvPicPr>
+          <p:nvPr/>
+        </p:nvPicPr>
+        <p:blipFill>
+          <a:blip r:embed="rId2"/>
+          <a:stretch>
+            <a:fillRect/>
+          </a:stretch>
+        </p:blipFill>
+        <p:spPr>
+          <a:xfrm>
+            <a:off x="10588080" y="17048"/>
+            <a:ext cx="1603920" cy="1212897"/>
+          </a:xfrm>
+          <a:prstGeom prst="rect">
+            <a:avLst/>
+          </a:prstGeom>
+        </p:spPr>
+      </p:pic>
     </p:spTree>
     <p:extLst>
       <p:ext uri="{BB962C8B-B14F-4D97-AF65-F5344CB8AC3E}">
@@ -28888,6 +29591,36 @@
           </a:p>
         </p:txBody>
       </p:sp>
+      <p:pic>
+        <p:nvPicPr>
+          <p:cNvPr id="11" name="Picture 10" descr="A picture containing object, clock, drawing&#10;&#10;Description automatically generated">
+            <a:extLst>
+              <a:ext uri="{FF2B5EF4-FFF2-40B4-BE49-F238E27FC236}">
+                <a16:creationId xmlns:a16="http://schemas.microsoft.com/office/drawing/2014/main" id="{0B4C37D6-845C-48B4-AA24-F91D2C9663B4}"/>
+              </a:ext>
+            </a:extLst>
+          </p:cNvPr>
+          <p:cNvPicPr>
+            <a:picLocks noChangeAspect="1"/>
+          </p:cNvPicPr>
+          <p:nvPr/>
+        </p:nvPicPr>
+        <p:blipFill>
+          <a:blip r:embed="rId2"/>
+          <a:stretch>
+            <a:fillRect/>
+          </a:stretch>
+        </p:blipFill>
+        <p:spPr>
+          <a:xfrm>
+            <a:off x="10588080" y="17048"/>
+            <a:ext cx="1603920" cy="1212897"/>
+          </a:xfrm>
+          <a:prstGeom prst="rect">
+            <a:avLst/>
+          </a:prstGeom>
+        </p:spPr>
+      </p:pic>
     </p:spTree>
     <p:extLst>
       <p:ext uri="{BB962C8B-B14F-4D97-AF65-F5344CB8AC3E}">
@@ -29287,6 +30020,36 @@
           <a:xfrm>
             <a:off x="8103021" y="1880388"/>
             <a:ext cx="1308679" cy="504924"/>
+          </a:xfrm>
+          <a:prstGeom prst="rect">
+            <a:avLst/>
+          </a:prstGeom>
+        </p:spPr>
+      </p:pic>
+      <p:pic>
+        <p:nvPicPr>
+          <p:cNvPr id="14" name="Picture 13" descr="A picture containing object, clock, drawing&#10;&#10;Description automatically generated">
+            <a:extLst>
+              <a:ext uri="{FF2B5EF4-FFF2-40B4-BE49-F238E27FC236}">
+                <a16:creationId xmlns:a16="http://schemas.microsoft.com/office/drawing/2014/main" id="{D6ED018D-30D7-4D2D-AB7C-0C1FD595F79E}"/>
+              </a:ext>
+            </a:extLst>
+          </p:cNvPr>
+          <p:cNvPicPr>
+            <a:picLocks noChangeAspect="1"/>
+          </p:cNvPicPr>
+          <p:nvPr/>
+        </p:nvPicPr>
+        <p:blipFill>
+          <a:blip r:embed="rId10"/>
+          <a:stretch>
+            <a:fillRect/>
+          </a:stretch>
+        </p:blipFill>
+        <p:spPr>
+          <a:xfrm>
+            <a:off x="10588080" y="17048"/>
+            <a:ext cx="1603920" cy="1212897"/>
           </a:xfrm>
           <a:prstGeom prst="rect">
             <a:avLst/>
@@ -30202,6 +30965,36 @@
           </a:p>
         </p:txBody>
       </p:sp>
+      <p:pic>
+        <p:nvPicPr>
+          <p:cNvPr id="22" name="Picture 21" descr="A picture containing object, clock, drawing&#10;&#10;Description automatically generated">
+            <a:extLst>
+              <a:ext uri="{FF2B5EF4-FFF2-40B4-BE49-F238E27FC236}">
+                <a16:creationId xmlns:a16="http://schemas.microsoft.com/office/drawing/2014/main" id="{4314B57A-AE2D-4E09-93C5-998C34534B9E}"/>
+              </a:ext>
+            </a:extLst>
+          </p:cNvPr>
+          <p:cNvPicPr>
+            <a:picLocks noChangeAspect="1"/>
+          </p:cNvPicPr>
+          <p:nvPr/>
+        </p:nvPicPr>
+        <p:blipFill>
+          <a:blip r:embed="rId2"/>
+          <a:stretch>
+            <a:fillRect/>
+          </a:stretch>
+        </p:blipFill>
+        <p:spPr>
+          <a:xfrm>
+            <a:off x="4613359" y="232139"/>
+            <a:ext cx="1603920" cy="1212897"/>
+          </a:xfrm>
+          <a:prstGeom prst="rect">
+            <a:avLst/>
+          </a:prstGeom>
+        </p:spPr>
+      </p:pic>
     </p:spTree>
     <p:extLst>
       <p:ext uri="{BB962C8B-B14F-4D97-AF65-F5344CB8AC3E}">
@@ -31477,6 +32270,36 @@
           </a:prstGeom>
         </p:spPr>
       </p:pic>
+      <p:pic>
+        <p:nvPicPr>
+          <p:cNvPr id="29" name="Picture 28" descr="A picture containing object, clock, drawing&#10;&#10;Description automatically generated">
+            <a:extLst>
+              <a:ext uri="{FF2B5EF4-FFF2-40B4-BE49-F238E27FC236}">
+                <a16:creationId xmlns:a16="http://schemas.microsoft.com/office/drawing/2014/main" id="{1B4C9DBC-1FD1-4C00-89B4-9A764F01EB59}"/>
+              </a:ext>
+            </a:extLst>
+          </p:cNvPr>
+          <p:cNvPicPr>
+            <a:picLocks noChangeAspect="1"/>
+          </p:cNvPicPr>
+          <p:nvPr/>
+        </p:nvPicPr>
+        <p:blipFill>
+          <a:blip r:embed="rId5"/>
+          <a:stretch>
+            <a:fillRect/>
+          </a:stretch>
+        </p:blipFill>
+        <p:spPr>
+          <a:xfrm>
+            <a:off x="10239288" y="307816"/>
+            <a:ext cx="1603920" cy="1212897"/>
+          </a:xfrm>
+          <a:prstGeom prst="rect">
+            <a:avLst/>
+          </a:prstGeom>
+        </p:spPr>
+      </p:pic>
     </p:spTree>
     <p:extLst>
       <p:ext uri="{BB962C8B-B14F-4D97-AF65-F5344CB8AC3E}">
@@ -31594,6 +32417,36 @@
           <a:xfrm>
             <a:off x="1835405" y="91294"/>
             <a:ext cx="7965820" cy="6595817"/>
+          </a:xfrm>
+          <a:prstGeom prst="rect">
+            <a:avLst/>
+          </a:prstGeom>
+        </p:spPr>
+      </p:pic>
+      <p:pic>
+        <p:nvPicPr>
+          <p:cNvPr id="6" name="Picture 5" descr="A picture containing object, clock, drawing&#10;&#10;Description automatically generated">
+            <a:extLst>
+              <a:ext uri="{FF2B5EF4-FFF2-40B4-BE49-F238E27FC236}">
+                <a16:creationId xmlns:a16="http://schemas.microsoft.com/office/drawing/2014/main" id="{BCDE888A-D983-4138-985E-A39F955698D8}"/>
+              </a:ext>
+            </a:extLst>
+          </p:cNvPr>
+          <p:cNvPicPr>
+            <a:picLocks noChangeAspect="1"/>
+          </p:cNvPicPr>
+          <p:nvPr/>
+        </p:nvPicPr>
+        <p:blipFill>
+          <a:blip r:embed="rId4"/>
+          <a:stretch>
+            <a:fillRect/>
+          </a:stretch>
+        </p:blipFill>
+        <p:spPr>
+          <a:xfrm>
+            <a:off x="10588080" y="17048"/>
+            <a:ext cx="1603920" cy="1212897"/>
           </a:xfrm>
           <a:prstGeom prst="rect">
             <a:avLst/>
@@ -31694,6 +32547,36 @@
           </a:prstGeom>
         </p:spPr>
       </p:pic>
+      <p:pic>
+        <p:nvPicPr>
+          <p:cNvPr id="4" name="Picture 3" descr="A picture containing object, clock, drawing&#10;&#10;Description automatically generated">
+            <a:extLst>
+              <a:ext uri="{FF2B5EF4-FFF2-40B4-BE49-F238E27FC236}">
+                <a16:creationId xmlns:a16="http://schemas.microsoft.com/office/drawing/2014/main" id="{444249FF-80FA-4E9D-88D2-91C2FF6EF082}"/>
+              </a:ext>
+            </a:extLst>
+          </p:cNvPr>
+          <p:cNvPicPr>
+            <a:picLocks noChangeAspect="1"/>
+          </p:cNvPicPr>
+          <p:nvPr/>
+        </p:nvPicPr>
+        <p:blipFill>
+          <a:blip r:embed="rId3"/>
+          <a:stretch>
+            <a:fillRect/>
+          </a:stretch>
+        </p:blipFill>
+        <p:spPr>
+          <a:xfrm>
+            <a:off x="10588080" y="17048"/>
+            <a:ext cx="1603920" cy="1212897"/>
+          </a:xfrm>
+          <a:prstGeom prst="rect">
+            <a:avLst/>
+          </a:prstGeom>
+        </p:spPr>
+      </p:pic>
     </p:spTree>
     <p:extLst>
       <p:ext uri="{BB962C8B-B14F-4D97-AF65-F5344CB8AC3E}">
@@ -31782,6 +32665,36 @@
           <a:xfrm>
             <a:off x="3041876" y="398612"/>
             <a:ext cx="6108248" cy="6060775"/>
+          </a:xfrm>
+          <a:prstGeom prst="rect">
+            <a:avLst/>
+          </a:prstGeom>
+        </p:spPr>
+      </p:pic>
+      <p:pic>
+        <p:nvPicPr>
+          <p:cNvPr id="5" name="Picture 4" descr="A picture containing object, clock, drawing&#10;&#10;Description automatically generated">
+            <a:extLst>
+              <a:ext uri="{FF2B5EF4-FFF2-40B4-BE49-F238E27FC236}">
+                <a16:creationId xmlns:a16="http://schemas.microsoft.com/office/drawing/2014/main" id="{FB9AD985-D1EA-49E2-92C1-4A26A954B804}"/>
+              </a:ext>
+            </a:extLst>
+          </p:cNvPr>
+          <p:cNvPicPr>
+            <a:picLocks noChangeAspect="1"/>
+          </p:cNvPicPr>
+          <p:nvPr/>
+        </p:nvPicPr>
+        <p:blipFill>
+          <a:blip r:embed="rId3"/>
+          <a:stretch>
+            <a:fillRect/>
+          </a:stretch>
+        </p:blipFill>
+        <p:spPr>
+          <a:xfrm>
+            <a:off x="10588080" y="17048"/>
+            <a:ext cx="1603920" cy="1212897"/>
           </a:xfrm>
           <a:prstGeom prst="rect">
             <a:avLst/>
@@ -32569,6 +33482,36 @@
           </p:style>
         </p:cxnSp>
       </p:grpSp>
+      <p:pic>
+        <p:nvPicPr>
+          <p:cNvPr id="25" name="Picture 24" descr="A picture containing object, clock, drawing&#10;&#10;Description automatically generated">
+            <a:extLst>
+              <a:ext uri="{FF2B5EF4-FFF2-40B4-BE49-F238E27FC236}">
+                <a16:creationId xmlns:a16="http://schemas.microsoft.com/office/drawing/2014/main" id="{78D77379-8FBD-4E31-B376-04FF813BF19F}"/>
+              </a:ext>
+            </a:extLst>
+          </p:cNvPr>
+          <p:cNvPicPr>
+            <a:picLocks noChangeAspect="1"/>
+          </p:cNvPicPr>
+          <p:nvPr/>
+        </p:nvPicPr>
+        <p:blipFill>
+          <a:blip r:embed="rId3"/>
+          <a:stretch>
+            <a:fillRect/>
+          </a:stretch>
+        </p:blipFill>
+        <p:spPr>
+          <a:xfrm>
+            <a:off x="4660081" y="151705"/>
+            <a:ext cx="1603920" cy="1212897"/>
+          </a:xfrm>
+          <a:prstGeom prst="rect">
+            <a:avLst/>
+          </a:prstGeom>
+        </p:spPr>
+      </p:pic>
     </p:spTree>
     <p:extLst>
       <p:ext uri="{BB962C8B-B14F-4D97-AF65-F5344CB8AC3E}">
@@ -32657,6 +33600,36 @@
           <a:xfrm>
             <a:off x="3258301" y="303524"/>
             <a:ext cx="5675397" cy="6250952"/>
+          </a:xfrm>
+          <a:prstGeom prst="rect">
+            <a:avLst/>
+          </a:prstGeom>
+        </p:spPr>
+      </p:pic>
+      <p:pic>
+        <p:nvPicPr>
+          <p:cNvPr id="4" name="Picture 3" descr="A picture containing object, clock, drawing&#10;&#10;Description automatically generated">
+            <a:extLst>
+              <a:ext uri="{FF2B5EF4-FFF2-40B4-BE49-F238E27FC236}">
+                <a16:creationId xmlns:a16="http://schemas.microsoft.com/office/drawing/2014/main" id="{2AC135E8-20FA-4FE6-A400-78B6591F7DDD}"/>
+              </a:ext>
+            </a:extLst>
+          </p:cNvPr>
+          <p:cNvPicPr>
+            <a:picLocks noChangeAspect="1"/>
+          </p:cNvPicPr>
+          <p:nvPr/>
+        </p:nvPicPr>
+        <p:blipFill>
+          <a:blip r:embed="rId3"/>
+          <a:stretch>
+            <a:fillRect/>
+          </a:stretch>
+        </p:blipFill>
+        <p:spPr>
+          <a:xfrm>
+            <a:off x="10588080" y="17048"/>
+            <a:ext cx="1603920" cy="1212897"/>
           </a:xfrm>
           <a:prstGeom prst="rect">
             <a:avLst/>
@@ -32787,6 +33760,36 @@
           </a:prstGeom>
         </p:spPr>
       </p:pic>
+      <p:pic>
+        <p:nvPicPr>
+          <p:cNvPr id="6" name="Picture 5" descr="A picture containing object, clock, drawing&#10;&#10;Description automatically generated">
+            <a:extLst>
+              <a:ext uri="{FF2B5EF4-FFF2-40B4-BE49-F238E27FC236}">
+                <a16:creationId xmlns:a16="http://schemas.microsoft.com/office/drawing/2014/main" id="{99CD7B1B-50D9-46B3-9F02-1392D88DC007}"/>
+              </a:ext>
+            </a:extLst>
+          </p:cNvPr>
+          <p:cNvPicPr>
+            <a:picLocks noChangeAspect="1"/>
+          </p:cNvPicPr>
+          <p:nvPr/>
+        </p:nvPicPr>
+        <p:blipFill>
+          <a:blip r:embed="rId4"/>
+          <a:stretch>
+            <a:fillRect/>
+          </a:stretch>
+        </p:blipFill>
+        <p:spPr>
+          <a:xfrm>
+            <a:off x="10588080" y="17048"/>
+            <a:ext cx="1603920" cy="1212897"/>
+          </a:xfrm>
+          <a:prstGeom prst="rect">
+            <a:avLst/>
+          </a:prstGeom>
+        </p:spPr>
+      </p:pic>
     </p:spTree>
     <p:extLst>
       <p:ext uri="{BB962C8B-B14F-4D97-AF65-F5344CB8AC3E}">
@@ -32916,6 +33919,36 @@
           <a:ln>
             <a:noFill/>
           </a:ln>
+        </p:spPr>
+      </p:pic>
+      <p:pic>
+        <p:nvPicPr>
+          <p:cNvPr id="7" name="Picture 6" descr="A picture containing object, clock, drawing&#10;&#10;Description automatically generated">
+            <a:extLst>
+              <a:ext uri="{FF2B5EF4-FFF2-40B4-BE49-F238E27FC236}">
+                <a16:creationId xmlns:a16="http://schemas.microsoft.com/office/drawing/2014/main" id="{F7D7CC9F-8208-4378-9DE4-CBE6F560E1ED}"/>
+              </a:ext>
+            </a:extLst>
+          </p:cNvPr>
+          <p:cNvPicPr>
+            <a:picLocks noChangeAspect="1"/>
+          </p:cNvPicPr>
+          <p:nvPr/>
+        </p:nvPicPr>
+        <p:blipFill>
+          <a:blip r:embed="rId4"/>
+          <a:stretch>
+            <a:fillRect/>
+          </a:stretch>
+        </p:blipFill>
+        <p:spPr>
+          <a:xfrm>
+            <a:off x="10756401" y="17048"/>
+            <a:ext cx="1435599" cy="1085611"/>
+          </a:xfrm>
+          <a:prstGeom prst="rect">
+            <a:avLst/>
+          </a:prstGeom>
         </p:spPr>
       </p:pic>
     </p:spTree>
@@ -33604,6 +34637,36 @@
           </p:style>
         </p:cxnSp>
       </p:grpSp>
+      <p:pic>
+        <p:nvPicPr>
+          <p:cNvPr id="21" name="Picture 20" descr="A picture containing object, clock, drawing&#10;&#10;Description automatically generated">
+            <a:extLst>
+              <a:ext uri="{FF2B5EF4-FFF2-40B4-BE49-F238E27FC236}">
+                <a16:creationId xmlns:a16="http://schemas.microsoft.com/office/drawing/2014/main" id="{C70C571D-7707-4E2B-9EFB-C23FDF65C826}"/>
+              </a:ext>
+            </a:extLst>
+          </p:cNvPr>
+          <p:cNvPicPr>
+            <a:picLocks noChangeAspect="1"/>
+          </p:cNvPicPr>
+          <p:nvPr/>
+        </p:nvPicPr>
+        <p:blipFill>
+          <a:blip r:embed="rId2"/>
+          <a:stretch>
+            <a:fillRect/>
+          </a:stretch>
+        </p:blipFill>
+        <p:spPr>
+          <a:xfrm>
+            <a:off x="4660081" y="184101"/>
+            <a:ext cx="1603920" cy="1212897"/>
+          </a:xfrm>
+          <a:prstGeom prst="rect">
+            <a:avLst/>
+          </a:prstGeom>
+        </p:spPr>
+      </p:pic>
     </p:spTree>
     <p:extLst>
       <p:ext uri="{BB962C8B-B14F-4D97-AF65-F5344CB8AC3E}">
@@ -34290,6 +35353,36 @@
           </p:style>
         </p:cxnSp>
       </p:grpSp>
+      <p:pic>
+        <p:nvPicPr>
+          <p:cNvPr id="21" name="Picture 20" descr="A picture containing object, clock, drawing&#10;&#10;Description automatically generated">
+            <a:extLst>
+              <a:ext uri="{FF2B5EF4-FFF2-40B4-BE49-F238E27FC236}">
+                <a16:creationId xmlns:a16="http://schemas.microsoft.com/office/drawing/2014/main" id="{03EE49C0-8E0A-4D0C-8667-C5B022CAB59F}"/>
+              </a:ext>
+            </a:extLst>
+          </p:cNvPr>
+          <p:cNvPicPr>
+            <a:picLocks noChangeAspect="1"/>
+          </p:cNvPicPr>
+          <p:nvPr/>
+        </p:nvPicPr>
+        <p:blipFill>
+          <a:blip r:embed="rId2"/>
+          <a:stretch>
+            <a:fillRect/>
+          </a:stretch>
+        </p:blipFill>
+        <p:spPr>
+          <a:xfrm>
+            <a:off x="4660081" y="184101"/>
+            <a:ext cx="1603920" cy="1212897"/>
+          </a:xfrm>
+          <a:prstGeom prst="rect">
+            <a:avLst/>
+          </a:prstGeom>
+        </p:spPr>
+      </p:pic>
     </p:spTree>
     <p:extLst>
       <p:ext uri="{BB962C8B-B14F-4D97-AF65-F5344CB8AC3E}">
@@ -35185,6 +36278,36 @@
           </a:p>
         </p:txBody>
       </p:sp>
+      <p:pic>
+        <p:nvPicPr>
+          <p:cNvPr id="22" name="Picture 21" descr="A picture containing object, clock, drawing&#10;&#10;Description automatically generated">
+            <a:extLst>
+              <a:ext uri="{FF2B5EF4-FFF2-40B4-BE49-F238E27FC236}">
+                <a16:creationId xmlns:a16="http://schemas.microsoft.com/office/drawing/2014/main" id="{BD11E4C4-7B4E-4B84-BFC6-581E5A6C558F}"/>
+              </a:ext>
+            </a:extLst>
+          </p:cNvPr>
+          <p:cNvPicPr>
+            <a:picLocks noChangeAspect="1"/>
+          </p:cNvPicPr>
+          <p:nvPr/>
+        </p:nvPicPr>
+        <p:blipFill>
+          <a:blip r:embed="rId3"/>
+          <a:stretch>
+            <a:fillRect/>
+          </a:stretch>
+        </p:blipFill>
+        <p:spPr>
+          <a:xfrm>
+            <a:off x="4660081" y="184101"/>
+            <a:ext cx="1603920" cy="1212897"/>
+          </a:xfrm>
+          <a:prstGeom prst="rect">
+            <a:avLst/>
+          </a:prstGeom>
+        </p:spPr>
+      </p:pic>
     </p:spTree>
     <p:extLst>
       <p:ext uri="{BB962C8B-B14F-4D97-AF65-F5344CB8AC3E}">
@@ -35625,7 +36748,7 @@
             <a:pPr algn="just"/>
             <a:r>
               <a:rPr lang="en-US" noProof="1"/>
-              <a:t>Las reuniones son muy necesarias para analizar el avance y discutir las decisiones a tomar, pero se require invertir tiempo y voluntad. El beneficio más grande que tiene es que se llega a las mejores soluciones posibles de acuerdo a la situación.</a:t>
+              <a:t>Las reuniones son muy necesarias para analizar el avance y discutir las decisiones a tomar, pero se requiere invertir tiempo y voluntad. El beneficio más grande que tiene es que se llega a las mejores soluciones posibles de acuerdo a la situación.</a:t>
             </a:r>
             <a:endParaRPr lang="en-US" dirty="0"/>
           </a:p>
@@ -36340,6 +37463,36 @@
           </p:style>
         </p:cxnSp>
       </p:grpSp>
+      <p:pic>
+        <p:nvPicPr>
+          <p:cNvPr id="28" name="Picture 27" descr="A picture containing object, clock, drawing&#10;&#10;Description automatically generated">
+            <a:extLst>
+              <a:ext uri="{FF2B5EF4-FFF2-40B4-BE49-F238E27FC236}">
+                <a16:creationId xmlns:a16="http://schemas.microsoft.com/office/drawing/2014/main" id="{D70B4C57-B976-4688-8EBF-C24327840FEF}"/>
+              </a:ext>
+            </a:extLst>
+          </p:cNvPr>
+          <p:cNvPicPr>
+            <a:picLocks noChangeAspect="1"/>
+          </p:cNvPicPr>
+          <p:nvPr/>
+        </p:nvPicPr>
+        <p:blipFill>
+          <a:blip r:embed="rId3"/>
+          <a:stretch>
+            <a:fillRect/>
+          </a:stretch>
+        </p:blipFill>
+        <p:spPr>
+          <a:xfrm>
+            <a:off x="10588080" y="17048"/>
+            <a:ext cx="1603920" cy="1212897"/>
+          </a:xfrm>
+          <a:prstGeom prst="rect">
+            <a:avLst/>
+          </a:prstGeom>
+        </p:spPr>
+      </p:pic>
     </p:spTree>
     <p:extLst>
       <p:ext uri="{BB962C8B-B14F-4D97-AF65-F5344CB8AC3E}">
@@ -36372,10 +37525,10 @@
       </p:grpSpPr>
       <p:sp>
         <p:nvSpPr>
-          <p:cNvPr id="30" name="Rectangle 29">
-            <a:extLst>
-              <a:ext uri="{FF2B5EF4-FFF2-40B4-BE49-F238E27FC236}">
-                <a16:creationId xmlns:a16="http://schemas.microsoft.com/office/drawing/2014/main" id="{B3AA8824-BE92-4856-86D2-FAB3C18306B5}"/>
+          <p:cNvPr id="31" name="Rectangle 30">
+            <a:extLst>
+              <a:ext uri="{FF2B5EF4-FFF2-40B4-BE49-F238E27FC236}">
+                <a16:creationId xmlns:a16="http://schemas.microsoft.com/office/drawing/2014/main" id="{BE32A17F-2099-4D5E-A4EC-AADCA9D7E68D}"/>
               </a:ext>
               <a:ext uri="{C183D7F6-B498-43B3-948B-1728B52AA6E4}">
                 <adec:decorative xmlns:adec="http://schemas.microsoft.com/office/drawing/2017/decorative" val="1"/>
@@ -36387,15 +37540,15 @@
         </p:nvSpPr>
         <p:spPr bwMode="ltGray">
           <a:xfrm>
-            <a:off x="6894288" y="2378066"/>
-            <a:ext cx="5008820" cy="4382304"/>
+            <a:off x="6894288" y="210465"/>
+            <a:ext cx="5008820" cy="2167601"/>
           </a:xfrm>
           <a:prstGeom prst="rect">
             <a:avLst/>
           </a:prstGeom>
           <a:solidFill>
             <a:schemeClr val="tx1">
-              <a:alpha val="70000"/>
+              <a:alpha val="94000"/>
             </a:schemeClr>
           </a:solidFill>
           <a:ln>
@@ -36429,63 +37582,6 @@
       </p:sp>
       <p:sp>
         <p:nvSpPr>
-          <p:cNvPr id="31" name="Rectangle 30">
-            <a:extLst>
-              <a:ext uri="{FF2B5EF4-FFF2-40B4-BE49-F238E27FC236}">
-                <a16:creationId xmlns:a16="http://schemas.microsoft.com/office/drawing/2014/main" id="{BE32A17F-2099-4D5E-A4EC-AADCA9D7E68D}"/>
-              </a:ext>
-              <a:ext uri="{C183D7F6-B498-43B3-948B-1728B52AA6E4}">
-                <adec:decorative xmlns:adec="http://schemas.microsoft.com/office/drawing/2017/decorative" val="1"/>
-              </a:ext>
-            </a:extLst>
-          </p:cNvPr>
-          <p:cNvSpPr/>
-          <p:nvPr/>
-        </p:nvSpPr>
-        <p:spPr bwMode="ltGray">
-          <a:xfrm>
-            <a:off x="6894288" y="210465"/>
-            <a:ext cx="5008820" cy="2167601"/>
-          </a:xfrm>
-          <a:prstGeom prst="rect">
-            <a:avLst/>
-          </a:prstGeom>
-          <a:solidFill>
-            <a:schemeClr val="tx1">
-              <a:alpha val="94000"/>
-            </a:schemeClr>
-          </a:solidFill>
-          <a:ln>
-            <a:noFill/>
-          </a:ln>
-        </p:spPr>
-        <p:style>
-          <a:lnRef idx="2">
-            <a:schemeClr val="accent1">
-              <a:shade val="50000"/>
-            </a:schemeClr>
-          </a:lnRef>
-          <a:fillRef idx="1">
-            <a:schemeClr val="accent1"/>
-          </a:fillRef>
-          <a:effectRef idx="0">
-            <a:schemeClr val="accent1"/>
-          </a:effectRef>
-          <a:fontRef idx="minor">
-            <a:schemeClr val="lt1"/>
-          </a:fontRef>
-        </p:style>
-        <p:txBody>
-          <a:bodyPr rtlCol="0" anchor="ctr"/>
-          <a:lstStyle/>
-          <a:p>
-            <a:pPr algn="ctr"/>
-            <a:endParaRPr lang="en-US" dirty="0"/>
-          </a:p>
-        </p:txBody>
-      </p:sp>
-      <p:sp>
-        <p:nvSpPr>
           <p:cNvPr id="3" name="Title 2">
             <a:extLst>
               <a:ext uri="{FF2B5EF4-FFF2-40B4-BE49-F238E27FC236}">
@@ -36509,123 +37605,6 @@
               <a:rPr lang="en-US" dirty="0"/>
               <a:t>GRACIAS</a:t>
             </a:r>
-          </a:p>
-        </p:txBody>
-      </p:sp>
-      <p:sp>
-        <p:nvSpPr>
-          <p:cNvPr id="4" name="Subtitle 3">
-            <a:extLst>
-              <a:ext uri="{FF2B5EF4-FFF2-40B4-BE49-F238E27FC236}">
-                <a16:creationId xmlns:a16="http://schemas.microsoft.com/office/drawing/2014/main" id="{37530160-A714-49C8-85A0-932553905B40}"/>
-              </a:ext>
-            </a:extLst>
-          </p:cNvPr>
-          <p:cNvSpPr>
-            <a:spLocks noGrp="1"/>
-          </p:cNvSpPr>
-          <p:nvPr>
-            <p:ph type="subTitle" idx="1"/>
-          </p:nvPr>
-        </p:nvSpPr>
-        <p:spPr/>
-        <p:txBody>
-          <a:bodyPr/>
-          <a:lstStyle/>
-          <a:p>
-            <a:r>
-              <a:rPr lang="en-US" noProof="1"/>
-              <a:t>Allan Mattsson</a:t>
-            </a:r>
-          </a:p>
-        </p:txBody>
-      </p:sp>
-      <p:sp>
-        <p:nvSpPr>
-          <p:cNvPr id="6" name="Text Placeholder 5">
-            <a:extLst>
-              <a:ext uri="{FF2B5EF4-FFF2-40B4-BE49-F238E27FC236}">
-                <a16:creationId xmlns:a16="http://schemas.microsoft.com/office/drawing/2014/main" id="{282CA365-4170-41B8-B4B3-7A2FA6DBD751}"/>
-              </a:ext>
-            </a:extLst>
-          </p:cNvPr>
-          <p:cNvSpPr>
-            <a:spLocks noGrp="1"/>
-          </p:cNvSpPr>
-          <p:nvPr>
-            <p:ph type="body" sz="quarter" idx="15"/>
-          </p:nvPr>
-        </p:nvSpPr>
-        <p:spPr/>
-        <p:txBody>
-          <a:bodyPr/>
-          <a:lstStyle/>
-          <a:p>
-            <a:r>
-              <a:rPr lang="en-US"/>
-              <a:t>+1 555-0100</a:t>
-            </a:r>
-            <a:endParaRPr lang="en-US" dirty="0"/>
-          </a:p>
-        </p:txBody>
-      </p:sp>
-      <p:sp>
-        <p:nvSpPr>
-          <p:cNvPr id="7" name="Text Placeholder 6">
-            <a:extLst>
-              <a:ext uri="{FF2B5EF4-FFF2-40B4-BE49-F238E27FC236}">
-                <a16:creationId xmlns:a16="http://schemas.microsoft.com/office/drawing/2014/main" id="{75739431-ADAD-416E-818C-4B616D2870E5}"/>
-              </a:ext>
-            </a:extLst>
-          </p:cNvPr>
-          <p:cNvSpPr>
-            <a:spLocks noGrp="1"/>
-          </p:cNvSpPr>
-          <p:nvPr>
-            <p:ph type="body" sz="quarter" idx="16"/>
-          </p:nvPr>
-        </p:nvSpPr>
-        <p:spPr/>
-        <p:txBody>
-          <a:bodyPr/>
-          <a:lstStyle/>
-          <a:p>
-            <a:r>
-              <a:rPr lang="en-US"/>
-              <a:t>allan@contoso.com</a:t>
-            </a:r>
-          </a:p>
-          <a:p>
-            <a:endParaRPr lang="en-US" dirty="0"/>
-          </a:p>
-        </p:txBody>
-      </p:sp>
-      <p:sp>
-        <p:nvSpPr>
-          <p:cNvPr id="8" name="Text Placeholder 7">
-            <a:extLst>
-              <a:ext uri="{FF2B5EF4-FFF2-40B4-BE49-F238E27FC236}">
-                <a16:creationId xmlns:a16="http://schemas.microsoft.com/office/drawing/2014/main" id="{2258B848-99A6-4681-9D22-50069C0BDE97}"/>
-              </a:ext>
-            </a:extLst>
-          </p:cNvPr>
-          <p:cNvSpPr>
-            <a:spLocks noGrp="1"/>
-          </p:cNvSpPr>
-          <p:nvPr>
-            <p:ph type="body" sz="quarter" idx="17"/>
-          </p:nvPr>
-        </p:nvSpPr>
-        <p:spPr/>
-        <p:txBody>
-          <a:bodyPr/>
-          <a:lstStyle/>
-          <a:p>
-            <a:r>
-              <a:rPr lang="en-US"/>
-              <a:t>www.contoso.com</a:t>
-            </a:r>
-            <a:endParaRPr lang="en-US" dirty="0"/>
           </a:p>
         </p:txBody>
       </p:sp>
@@ -36823,10 +37802,10 @@
       </p:cxnSp>
       <p:pic>
         <p:nvPicPr>
-          <p:cNvPr id="12" name="Graphic 11" descr="User" title="Icon - Presenter Name">
-            <a:extLst>
-              <a:ext uri="{FF2B5EF4-FFF2-40B4-BE49-F238E27FC236}">
-                <a16:creationId xmlns:a16="http://schemas.microsoft.com/office/drawing/2014/main" id="{3FD34FCD-807B-4BBC-8AFE-2162CCE29BE9}"/>
+          <p:cNvPr id="17" name="Picture 16" descr="A picture containing object, clock, drawing&#10;&#10;Description automatically generated">
+            <a:extLst>
+              <a:ext uri="{FF2B5EF4-FFF2-40B4-BE49-F238E27FC236}">
+                <a16:creationId xmlns:a16="http://schemas.microsoft.com/office/drawing/2014/main" id="{1C6E1526-15D9-48C0-9879-21F14FEF99B6}"/>
               </a:ext>
             </a:extLst>
           </p:cNvPr>
@@ -36836,141 +37815,15 @@
           <p:nvPr/>
         </p:nvPicPr>
         <p:blipFill>
-          <a:blip r:embed="rId5" cstate="screen">
-            <a:extLst>
-              <a:ext uri="{28A0092B-C50C-407E-A947-70E740481C1C}">
-                <a14:useLocalDpi xmlns:a14="http://schemas.microsoft.com/office/drawing/2010/main"/>
-              </a:ext>
-              <a:ext uri="{96DAC541-7B7A-43D3-8B79-37D633B846F1}">
-                <asvg:svgBlip xmlns:asvg="http://schemas.microsoft.com/office/drawing/2016/SVG/main" r:embed="rId6"/>
-              </a:ext>
-            </a:extLst>
-          </a:blip>
+          <a:blip r:embed="rId5"/>
           <a:stretch>
             <a:fillRect/>
           </a:stretch>
         </p:blipFill>
-        <p:spPr bwMode="black">
-          <a:xfrm>
-            <a:off x="11400284" y="5059754"/>
-            <a:ext cx="218900" cy="218900"/>
-          </a:xfrm>
-          <a:prstGeom prst="rect">
-            <a:avLst/>
-          </a:prstGeom>
-        </p:spPr>
-      </p:pic>
-      <p:pic>
-        <p:nvPicPr>
-          <p:cNvPr id="14" name="Graphic 13" descr="Smart Phone" title="Icon - Presenter Phone Number">
-            <a:extLst>
-              <a:ext uri="{FF2B5EF4-FFF2-40B4-BE49-F238E27FC236}">
-                <a16:creationId xmlns:a16="http://schemas.microsoft.com/office/drawing/2014/main" id="{E51263B5-564A-401A-810D-0896F97EF0CB}"/>
-              </a:ext>
-            </a:extLst>
-          </p:cNvPr>
-          <p:cNvPicPr>
-            <a:picLocks noChangeAspect="1"/>
-          </p:cNvPicPr>
-          <p:nvPr/>
-        </p:nvPicPr>
-        <p:blipFill>
-          <a:blip r:embed="rId7" cstate="screen">
-            <a:extLst>
-              <a:ext uri="{28A0092B-C50C-407E-A947-70E740481C1C}">
-                <a14:useLocalDpi xmlns:a14="http://schemas.microsoft.com/office/drawing/2010/main"/>
-              </a:ext>
-              <a:ext uri="{96DAC541-7B7A-43D3-8B79-37D633B846F1}">
-                <asvg:svgBlip xmlns:asvg="http://schemas.microsoft.com/office/drawing/2016/SVG/main" r:embed="rId8"/>
-              </a:ext>
-            </a:extLst>
-          </a:blip>
-          <a:stretch>
-            <a:fillRect/>
-          </a:stretch>
-        </p:blipFill>
-        <p:spPr bwMode="black">
-          <a:xfrm>
-            <a:off x="11400284" y="5468514"/>
-            <a:ext cx="218900" cy="218900"/>
-          </a:xfrm>
-          <a:prstGeom prst="rect">
-            <a:avLst/>
-          </a:prstGeom>
-        </p:spPr>
-      </p:pic>
-      <p:pic>
-        <p:nvPicPr>
-          <p:cNvPr id="13" name="Graphic 12" descr="Envelope" title="Icon Presenter Email">
-            <a:extLst>
-              <a:ext uri="{FF2B5EF4-FFF2-40B4-BE49-F238E27FC236}">
-                <a16:creationId xmlns:a16="http://schemas.microsoft.com/office/drawing/2014/main" id="{A24A1417-AE3F-44AE-98EB-3E6ADA1E2017}"/>
-              </a:ext>
-            </a:extLst>
-          </p:cNvPr>
-          <p:cNvPicPr>
-            <a:picLocks noChangeAspect="1"/>
-          </p:cNvPicPr>
-          <p:nvPr/>
-        </p:nvPicPr>
-        <p:blipFill>
-          <a:blip r:embed="rId9" cstate="screen">
-            <a:extLst>
-              <a:ext uri="{28A0092B-C50C-407E-A947-70E740481C1C}">
-                <a14:useLocalDpi xmlns:a14="http://schemas.microsoft.com/office/drawing/2010/main"/>
-              </a:ext>
-              <a:ext uri="{96DAC541-7B7A-43D3-8B79-37D633B846F1}">
-                <asvg:svgBlip xmlns:asvg="http://schemas.microsoft.com/office/drawing/2016/SVG/main" r:embed="rId10"/>
-              </a:ext>
-            </a:extLst>
-          </a:blip>
-          <a:stretch>
-            <a:fillRect/>
-          </a:stretch>
-        </p:blipFill>
-        <p:spPr bwMode="black">
-          <a:xfrm>
-            <a:off x="11400284" y="5836232"/>
-            <a:ext cx="218900" cy="218900"/>
-          </a:xfrm>
-          <a:prstGeom prst="rect">
-            <a:avLst/>
-          </a:prstGeom>
-        </p:spPr>
-      </p:pic>
-      <p:pic>
-        <p:nvPicPr>
-          <p:cNvPr id="15" name="Graphic 14" descr="Link">
-            <a:extLst>
-              <a:ext uri="{FF2B5EF4-FFF2-40B4-BE49-F238E27FC236}">
-                <a16:creationId xmlns:a16="http://schemas.microsoft.com/office/drawing/2014/main" id="{0161B5EF-405A-4DEA-8E00-0A6A7B71F7BA}"/>
-              </a:ext>
-            </a:extLst>
-          </p:cNvPr>
-          <p:cNvPicPr>
-            <a:picLocks noChangeAspect="1"/>
-          </p:cNvPicPr>
-          <p:nvPr/>
-        </p:nvPicPr>
-        <p:blipFill>
-          <a:blip r:embed="rId11" cstate="screen">
-            <a:extLst>
-              <a:ext uri="{28A0092B-C50C-407E-A947-70E740481C1C}">
-                <a14:useLocalDpi xmlns:a14="http://schemas.microsoft.com/office/drawing/2010/main"/>
-              </a:ext>
-              <a:ext uri="{96DAC541-7B7A-43D3-8B79-37D633B846F1}">
-                <asvg:svgBlip xmlns:asvg="http://schemas.microsoft.com/office/drawing/2016/SVG/main" r:embed="rId12"/>
-              </a:ext>
-            </a:extLst>
-          </a:blip>
-          <a:stretch>
-            <a:fillRect/>
-          </a:stretch>
-        </p:blipFill>
-        <p:spPr bwMode="black">
-          <a:xfrm>
-            <a:off x="11383425" y="6203950"/>
-            <a:ext cx="244786" cy="244786"/>
+        <p:spPr>
+          <a:xfrm>
+            <a:off x="10299188" y="105176"/>
+            <a:ext cx="1603920" cy="1212897"/>
           </a:xfrm>
           <a:prstGeom prst="rect">
             <a:avLst/>
@@ -37329,6 +38182,36 @@
           </a:xfrm>
         </p:spPr>
       </p:sp>
+      <p:pic>
+        <p:nvPicPr>
+          <p:cNvPr id="12" name="Picture 11" descr="A picture containing object, clock, drawing&#10;&#10;Description automatically generated">
+            <a:extLst>
+              <a:ext uri="{FF2B5EF4-FFF2-40B4-BE49-F238E27FC236}">
+                <a16:creationId xmlns:a16="http://schemas.microsoft.com/office/drawing/2014/main" id="{AAF09C87-6557-4407-9B07-8FABA232DA5F}"/>
+              </a:ext>
+            </a:extLst>
+          </p:cNvPr>
+          <p:cNvPicPr>
+            <a:picLocks noChangeAspect="1"/>
+          </p:cNvPicPr>
+          <p:nvPr/>
+        </p:nvPicPr>
+        <p:blipFill>
+          <a:blip r:embed="rId3"/>
+          <a:stretch>
+            <a:fillRect/>
+          </a:stretch>
+        </p:blipFill>
+        <p:spPr>
+          <a:xfrm>
+            <a:off x="10588080" y="0"/>
+            <a:ext cx="1603920" cy="1212897"/>
+          </a:xfrm>
+          <a:prstGeom prst="rect">
+            <a:avLst/>
+          </a:prstGeom>
+        </p:spPr>
+      </p:pic>
     </p:spTree>
     <p:extLst>
       <p:ext uri="{BB962C8B-B14F-4D97-AF65-F5344CB8AC3E}">
@@ -38009,6 +38892,36 @@
           </p:style>
         </p:cxnSp>
       </p:grpSp>
+      <p:pic>
+        <p:nvPicPr>
+          <p:cNvPr id="14" name="Picture 13" descr="A picture containing object, clock, drawing&#10;&#10;Description automatically generated">
+            <a:extLst>
+              <a:ext uri="{FF2B5EF4-FFF2-40B4-BE49-F238E27FC236}">
+                <a16:creationId xmlns:a16="http://schemas.microsoft.com/office/drawing/2014/main" id="{62DB9040-180D-4389-94B1-2A3CEED85B84}"/>
+              </a:ext>
+            </a:extLst>
+          </p:cNvPr>
+          <p:cNvPicPr>
+            <a:picLocks noChangeAspect="1"/>
+          </p:cNvPicPr>
+          <p:nvPr/>
+        </p:nvPicPr>
+        <p:blipFill>
+          <a:blip r:embed="rId2"/>
+          <a:stretch>
+            <a:fillRect/>
+          </a:stretch>
+        </p:blipFill>
+        <p:spPr>
+          <a:xfrm>
+            <a:off x="4660081" y="29088"/>
+            <a:ext cx="1603920" cy="1212897"/>
+          </a:xfrm>
+          <a:prstGeom prst="rect">
+            <a:avLst/>
+          </a:prstGeom>
+        </p:spPr>
+      </p:pic>
     </p:spTree>
     <p:extLst>
       <p:ext uri="{BB962C8B-B14F-4D97-AF65-F5344CB8AC3E}">
@@ -39073,6 +39986,36 @@
           </a:p>
         </p:txBody>
       </p:sp>
+      <p:pic>
+        <p:nvPicPr>
+          <p:cNvPr id="13" name="Picture 12" descr="A picture containing object, clock, drawing&#10;&#10;Description automatically generated">
+            <a:extLst>
+              <a:ext uri="{FF2B5EF4-FFF2-40B4-BE49-F238E27FC236}">
+                <a16:creationId xmlns:a16="http://schemas.microsoft.com/office/drawing/2014/main" id="{54AB5234-CEBF-48D1-B5EF-DA34108F9D80}"/>
+              </a:ext>
+            </a:extLst>
+          </p:cNvPr>
+          <p:cNvPicPr>
+            <a:picLocks noChangeAspect="1"/>
+          </p:cNvPicPr>
+          <p:nvPr/>
+        </p:nvPicPr>
+        <p:blipFill>
+          <a:blip r:embed="rId8"/>
+          <a:stretch>
+            <a:fillRect/>
+          </a:stretch>
+        </p:blipFill>
+        <p:spPr>
+          <a:xfrm>
+            <a:off x="10569901" y="28576"/>
+            <a:ext cx="1603920" cy="1212897"/>
+          </a:xfrm>
+          <a:prstGeom prst="rect">
+            <a:avLst/>
+          </a:prstGeom>
+        </p:spPr>
+      </p:pic>
     </p:spTree>
     <p:extLst>
       <p:ext uri="{BB962C8B-B14F-4D97-AF65-F5344CB8AC3E}">
@@ -39291,6 +40234,36 @@
         </p:nvSpPr>
         <p:spPr/>
       </p:sp>
+      <p:pic>
+        <p:nvPicPr>
+          <p:cNvPr id="7" name="Picture 6" descr="A picture containing object, clock, drawing&#10;&#10;Description automatically generated">
+            <a:extLst>
+              <a:ext uri="{FF2B5EF4-FFF2-40B4-BE49-F238E27FC236}">
+                <a16:creationId xmlns:a16="http://schemas.microsoft.com/office/drawing/2014/main" id="{4FD97AFA-EE22-4451-B26C-8459239940AB}"/>
+              </a:ext>
+            </a:extLst>
+          </p:cNvPr>
+          <p:cNvPicPr>
+            <a:picLocks noChangeAspect="1"/>
+          </p:cNvPicPr>
+          <p:nvPr/>
+        </p:nvPicPr>
+        <p:blipFill>
+          <a:blip r:embed="rId3"/>
+          <a:stretch>
+            <a:fillRect/>
+          </a:stretch>
+        </p:blipFill>
+        <p:spPr>
+          <a:xfrm>
+            <a:off x="10727701" y="0"/>
+            <a:ext cx="1278003" cy="772998"/>
+          </a:xfrm>
+          <a:prstGeom prst="rect">
+            <a:avLst/>
+          </a:prstGeom>
+        </p:spPr>
+      </p:pic>
     </p:spTree>
     <p:extLst>
       <p:ext uri="{BB962C8B-B14F-4D97-AF65-F5344CB8AC3E}">
@@ -39971,6 +40944,36 @@
           </p:style>
         </p:cxnSp>
       </p:grpSp>
+      <p:pic>
+        <p:nvPicPr>
+          <p:cNvPr id="14" name="Picture 13" descr="A picture containing object, clock, drawing&#10;&#10;Description automatically generated">
+            <a:extLst>
+              <a:ext uri="{FF2B5EF4-FFF2-40B4-BE49-F238E27FC236}">
+                <a16:creationId xmlns:a16="http://schemas.microsoft.com/office/drawing/2014/main" id="{2120CFFD-2FA4-45B5-B8FD-D3BD95BE22F6}"/>
+              </a:ext>
+            </a:extLst>
+          </p:cNvPr>
+          <p:cNvPicPr>
+            <a:picLocks noChangeAspect="1"/>
+          </p:cNvPicPr>
+          <p:nvPr/>
+        </p:nvPicPr>
+        <p:blipFill>
+          <a:blip r:embed="rId2"/>
+          <a:stretch>
+            <a:fillRect/>
+          </a:stretch>
+        </p:blipFill>
+        <p:spPr>
+          <a:xfrm>
+            <a:off x="4613359" y="74371"/>
+            <a:ext cx="1603920" cy="1212897"/>
+          </a:xfrm>
+          <a:prstGeom prst="rect">
+            <a:avLst/>
+          </a:prstGeom>
+        </p:spPr>
+      </p:pic>
     </p:spTree>
     <p:extLst>
       <p:ext uri="{BB962C8B-B14F-4D97-AF65-F5344CB8AC3E}">

--- a/Docs/Presentacion_Final/final.pptx
+++ b/Docs/Presentacion_Final/final.pptx
@@ -39114,7 +39114,7 @@
       </p:pic>
       <p:pic>
         <p:nvPicPr>
-          <p:cNvPr id="7" name="Picture Placeholder 42" descr="Pause">
+          <p:cNvPr id="7" name="Picture Placeholder 42" descr="Question mark">
             <a:extLst>
               <a:ext uri="{FF2B5EF4-FFF2-40B4-BE49-F238E27FC236}">
                 <a16:creationId xmlns:a16="http://schemas.microsoft.com/office/drawing/2014/main" id="{4377B447-FC28-477B-A6E1-FF19B34BEFA0}"/>
@@ -39767,7 +39767,7 @@
             </a:pPr>
             <a:r>
               <a:rPr lang="es-GT" sz="2400" dirty="0"/>
-              <a:t>El recurso existe, pero no se saca ningún provecho</a:t>
+              <a:t>¿Las ideas se desperdician?</a:t>
             </a:r>
             <a:endParaRPr lang="en-US" sz="2400" dirty="0"/>
           </a:p>
@@ -40160,13 +40160,6 @@
             <a:r>
               <a:rPr lang="en-US" sz="2400" dirty="0"/>
               <a:t>.</a:t>
-            </a:r>
-          </a:p>
-          <a:p>
-            <a:pPr algn="just"/>
-            <a:r>
-              <a:rPr lang="es-ES" sz="2400" dirty="0"/>
-              <a:t>Provee una plataforma en donde las personas saquen provecho a sus recursos</a:t>
             </a:r>
           </a:p>
           <a:p>

--- a/Docs/Presentacion_Final/final.pptx
+++ b/Docs/Presentacion_Final/final.pptx
@@ -33,7 +33,7 @@
     <p:sldId id="315" r:id="rId21"/>
     <p:sldId id="317" r:id="rId22"/>
     <p:sldId id="297" r:id="rId23"/>
-    <p:sldId id="271" r:id="rId24"/>
+    <p:sldId id="332" r:id="rId24"/>
     <p:sldId id="298" r:id="rId25"/>
     <p:sldId id="300" r:id="rId26"/>
     <p:sldId id="262" r:id="rId27"/>
@@ -172,7 +172,7 @@
             <p14:sldId id="315"/>
             <p14:sldId id="317"/>
             <p14:sldId id="297"/>
-            <p14:sldId id="271"/>
+            <p14:sldId id="332"/>
             <p14:sldId id="298"/>
             <p14:sldId id="300"/>
             <p14:sldId id="262"/>
@@ -893,90 +893,6 @@
           <a:p>
             <a:fld id="{EFDDBACE-0F8F-43FD-98F0-DEE13552DADA}" type="slidenum">
               <a:rPr lang="en-US" noProof="0" smtClean="0"/>
-              <a:t>31</a:t>
-            </a:fld>
-            <a:endParaRPr lang="en-US" noProof="0" dirty="0"/>
-          </a:p>
-        </p:txBody>
-      </p:sp>
-    </p:spTree>
-    <p:extLst>
-      <p:ext uri="{BB962C8B-B14F-4D97-AF65-F5344CB8AC3E}">
-        <p14:creationId xmlns:p14="http://schemas.microsoft.com/office/powerpoint/2010/main" val="1866816590"/>
-      </p:ext>
-    </p:extLst>
-  </p:cSld>
-  <p:clrMapOvr>
-    <a:masterClrMapping/>
-  </p:clrMapOvr>
-</p:notes>
-</file>
-
-<file path=ppt/notesSlides/notesSlide11.xml><?xml version="1.0" encoding="utf-8"?>
-<p:notes xmlns:a="http://schemas.openxmlformats.org/drawingml/2006/main" xmlns:r="http://schemas.openxmlformats.org/officeDocument/2006/relationships" xmlns:p="http://schemas.openxmlformats.org/presentationml/2006/main">
-  <p:cSld>
-    <p:spTree>
-      <p:nvGrpSpPr>
-        <p:cNvPr id="1" name=""/>
-        <p:cNvGrpSpPr/>
-        <p:nvPr/>
-      </p:nvGrpSpPr>
-      <p:grpSpPr>
-        <a:xfrm>
-          <a:off x="0" y="0"/>
-          <a:ext cx="0" cy="0"/>
-          <a:chOff x="0" y="0"/>
-          <a:chExt cx="0" cy="0"/>
-        </a:xfrm>
-      </p:grpSpPr>
-      <p:sp>
-        <p:nvSpPr>
-          <p:cNvPr id="2" name="Slide Image Placeholder 1"/>
-          <p:cNvSpPr>
-            <a:spLocks noGrp="1" noRot="1" noChangeAspect="1"/>
-          </p:cNvSpPr>
-          <p:nvPr>
-            <p:ph type="sldImg"/>
-          </p:nvPr>
-        </p:nvSpPr>
-        <p:spPr/>
-      </p:sp>
-      <p:sp>
-        <p:nvSpPr>
-          <p:cNvPr id="3" name="Notes Placeholder 2"/>
-          <p:cNvSpPr>
-            <a:spLocks noGrp="1"/>
-          </p:cNvSpPr>
-          <p:nvPr>
-            <p:ph type="body" idx="1"/>
-          </p:nvPr>
-        </p:nvSpPr>
-        <p:spPr/>
-        <p:txBody>
-          <a:bodyPr/>
-          <a:lstStyle/>
-          <a:p>
-            <a:endParaRPr lang="en-US"/>
-          </a:p>
-        </p:txBody>
-      </p:sp>
-      <p:sp>
-        <p:nvSpPr>
-          <p:cNvPr id="4" name="Slide Number Placeholder 3"/>
-          <p:cNvSpPr>
-            <a:spLocks noGrp="1"/>
-          </p:cNvSpPr>
-          <p:nvPr>
-            <p:ph type="sldNum" sz="quarter" idx="5"/>
-          </p:nvPr>
-        </p:nvSpPr>
-        <p:spPr/>
-        <p:txBody>
-          <a:bodyPr/>
-          <a:lstStyle/>
-          <a:p>
-            <a:fld id="{EFDDBACE-0F8F-43FD-98F0-DEE13552DADA}" type="slidenum">
-              <a:rPr lang="en-US" noProof="0" smtClean="0"/>
               <a:t>35</a:t>
             </a:fld>
             <a:endParaRPr lang="en-US" noProof="0" dirty="0"/>
@@ -996,7 +912,7 @@
 </p:notes>
 </file>
 
-<file path=ppt/notesSlides/notesSlide12.xml><?xml version="1.0" encoding="utf-8"?>
+<file path=ppt/notesSlides/notesSlide11.xml><?xml version="1.0" encoding="utf-8"?>
 <p:notes xmlns:a="http://schemas.openxmlformats.org/drawingml/2006/main" xmlns:r="http://schemas.openxmlformats.org/officeDocument/2006/relationships" xmlns:p="http://schemas.openxmlformats.org/presentationml/2006/main">
   <p:cSld>
     <p:spTree>
@@ -1481,7 +1397,7 @@
           <a:p>
             <a:fld id="{EFDDBACE-0F8F-43FD-98F0-DEE13552DADA}" type="slidenum">
               <a:rPr lang="en-US" noProof="0" smtClean="0"/>
-              <a:t>23</a:t>
+              <a:t>25</a:t>
             </a:fld>
             <a:endParaRPr lang="en-US" noProof="0" dirty="0"/>
           </a:p>
@@ -1490,7 +1406,7 @@
     </p:spTree>
     <p:extLst>
       <p:ext uri="{BB962C8B-B14F-4D97-AF65-F5344CB8AC3E}">
-        <p14:creationId xmlns:p14="http://schemas.microsoft.com/office/powerpoint/2010/main" val="561397410"/>
+        <p14:creationId xmlns:p14="http://schemas.microsoft.com/office/powerpoint/2010/main" val="371448067"/>
       </p:ext>
     </p:extLst>
   </p:cSld>
@@ -1565,7 +1481,7 @@
           <a:p>
             <a:fld id="{EFDDBACE-0F8F-43FD-98F0-DEE13552DADA}" type="slidenum">
               <a:rPr lang="en-US" noProof="0" smtClean="0"/>
-              <a:t>25</a:t>
+              <a:t>26</a:t>
             </a:fld>
             <a:endParaRPr lang="en-US" noProof="0" dirty="0"/>
           </a:p>
@@ -1574,7 +1490,7 @@
     </p:spTree>
     <p:extLst>
       <p:ext uri="{BB962C8B-B14F-4D97-AF65-F5344CB8AC3E}">
-        <p14:creationId xmlns:p14="http://schemas.microsoft.com/office/powerpoint/2010/main" val="371448067"/>
+        <p14:creationId xmlns:p14="http://schemas.microsoft.com/office/powerpoint/2010/main" val="3944802090"/>
       </p:ext>
     </p:extLst>
   </p:cSld>
@@ -1649,7 +1565,7 @@
           <a:p>
             <a:fld id="{EFDDBACE-0F8F-43FD-98F0-DEE13552DADA}" type="slidenum">
               <a:rPr lang="en-US" noProof="0" smtClean="0"/>
-              <a:t>26</a:t>
+              <a:t>30</a:t>
             </a:fld>
             <a:endParaRPr lang="en-US" noProof="0" dirty="0"/>
           </a:p>
@@ -1658,7 +1574,7 @@
     </p:spTree>
     <p:extLst>
       <p:ext uri="{BB962C8B-B14F-4D97-AF65-F5344CB8AC3E}">
-        <p14:creationId xmlns:p14="http://schemas.microsoft.com/office/powerpoint/2010/main" val="3944802090"/>
+        <p14:creationId xmlns:p14="http://schemas.microsoft.com/office/powerpoint/2010/main" val="3205158427"/>
       </p:ext>
     </p:extLst>
   </p:cSld>
@@ -1733,7 +1649,7 @@
           <a:p>
             <a:fld id="{EFDDBACE-0F8F-43FD-98F0-DEE13552DADA}" type="slidenum">
               <a:rPr lang="en-US" noProof="0" smtClean="0"/>
-              <a:t>30</a:t>
+              <a:t>31</a:t>
             </a:fld>
             <a:endParaRPr lang="en-US" noProof="0" dirty="0"/>
           </a:p>
@@ -1742,7 +1658,7 @@
     </p:spTree>
     <p:extLst>
       <p:ext uri="{BB962C8B-B14F-4D97-AF65-F5344CB8AC3E}">
-        <p14:creationId xmlns:p14="http://schemas.microsoft.com/office/powerpoint/2010/main" val="3205158427"/>
+        <p14:creationId xmlns:p14="http://schemas.microsoft.com/office/powerpoint/2010/main" val="1866816590"/>
       </p:ext>
     </p:extLst>
   </p:cSld>
@@ -25378,35 +25294,6 @@
       </p:grpSpPr>
       <p:sp>
         <p:nvSpPr>
-          <p:cNvPr id="4" name="Text Placeholder 3">
-            <a:extLst>
-              <a:ext uri="{FF2B5EF4-FFF2-40B4-BE49-F238E27FC236}">
-                <a16:creationId xmlns:a16="http://schemas.microsoft.com/office/drawing/2014/main" id="{F59FC198-83AA-48E0-B422-5C8D9FA5E5DA}"/>
-              </a:ext>
-            </a:extLst>
-          </p:cNvPr>
-          <p:cNvSpPr>
-            <a:spLocks noGrp="1"/>
-          </p:cNvSpPr>
-          <p:nvPr>
-            <p:ph type="body" idx="1"/>
-          </p:nvPr>
-        </p:nvSpPr>
-        <p:spPr/>
-        <p:txBody>
-          <a:bodyPr/>
-          <a:lstStyle/>
-          <a:p>
-            <a:r>
-              <a:rPr lang="es-GT" dirty="0"/>
-              <a:t>Kickstarter</a:t>
-            </a:r>
-            <a:endParaRPr lang="en-US" dirty="0"/>
-          </a:p>
-        </p:txBody>
-      </p:sp>
-      <p:sp>
-        <p:nvSpPr>
           <p:cNvPr id="5" name="Content Placeholder 4">
             <a:extLst>
               <a:ext uri="{FF2B5EF4-FFF2-40B4-BE49-F238E27FC236}">
@@ -25421,12 +25308,42 @@
             <p:ph sz="half" idx="2"/>
           </p:nvPr>
         </p:nvSpPr>
-        <p:spPr/>
+        <p:spPr>
+          <a:xfrm>
+            <a:off x="601682" y="2534644"/>
+            <a:ext cx="5400000" cy="3656606"/>
+          </a:xfrm>
+        </p:spPr>
         <p:txBody>
           <a:bodyPr/>
           <a:lstStyle/>
           <a:p>
+            <a:r>
+              <a:rPr lang="es-GT" dirty="0"/>
+              <a:t>Es una plataforma para </a:t>
+            </a:r>
+            <a:r>
+              <a:rPr lang="es-GT" b="1" dirty="0" err="1"/>
+              <a:t>equity</a:t>
+            </a:r>
+            <a:r>
+              <a:rPr lang="es-GT" b="1" dirty="0"/>
+              <a:t> crowdfunding</a:t>
+            </a:r>
+            <a:r>
+              <a:rPr lang="es-GT" dirty="0"/>
+              <a:t>, cubre muchas industrias, los inversores reciben acciones o bonos convertibles(se puede canjear por acciones, mientras no ejerza el derecho de conversión el comprador recibirá intereses de acuerdo a un contrato establecido).</a:t>
+            </a:r>
             <a:endParaRPr lang="en-US" dirty="0"/>
+          </a:p>
+          <a:p>
+            <a:pPr marL="0" indent="0">
+              <a:buNone/>
+            </a:pPr>
+            <a:r>
+              <a:rPr lang="en-US" dirty="0"/>
+              <a:t>     https://www.startengine.com/</a:t>
+            </a:r>
           </a:p>
         </p:txBody>
       </p:sp>
@@ -25446,41 +25363,62 @@
             <p:ph type="body" sz="quarter" idx="12"/>
           </p:nvPr>
         </p:nvSpPr>
-        <p:spPr/>
+        <p:spPr>
+          <a:xfrm>
+            <a:off x="6237111" y="2534644"/>
+            <a:ext cx="5638716" cy="2738744"/>
+          </a:xfrm>
+        </p:spPr>
         <p:txBody>
           <a:bodyPr/>
           <a:lstStyle/>
           <a:p>
-            <a:endParaRPr lang="en-US"/>
-          </a:p>
-        </p:txBody>
-      </p:sp>
-      <p:sp>
-        <p:nvSpPr>
-          <p:cNvPr id="9" name="Text Placeholder 8">
-            <a:extLst>
-              <a:ext uri="{FF2B5EF4-FFF2-40B4-BE49-F238E27FC236}">
-                <a16:creationId xmlns:a16="http://schemas.microsoft.com/office/drawing/2014/main" id="{0B91FC01-12C7-4596-841B-FEAA1063FEEB}"/>
-              </a:ext>
-            </a:extLst>
-          </p:cNvPr>
-          <p:cNvSpPr>
-            <a:spLocks noGrp="1"/>
-          </p:cNvSpPr>
-          <p:nvPr>
-            <p:ph type="body" sz="quarter" idx="13"/>
-          </p:nvPr>
-        </p:nvSpPr>
-        <p:spPr/>
-        <p:txBody>
-          <a:bodyPr/>
-          <a:lstStyle/>
-          <a:p>
+            <a:r>
+              <a:rPr lang="es-GT" dirty="0"/>
+              <a:t> Es una plataforma para </a:t>
+            </a:r>
+            <a:r>
+              <a:rPr lang="es-GT" b="1" dirty="0" err="1"/>
+              <a:t>reward</a:t>
+            </a:r>
+            <a:r>
+              <a:rPr lang="es-GT" b="1" dirty="0"/>
+              <a:t> crowdfunding</a:t>
+            </a:r>
+            <a:r>
+              <a:rPr lang="es-GT" dirty="0"/>
+              <a:t>, su misión es que proyectos creativos se vuelvan realidad, han tenido 167,947 proyectos que lograron ser financiados. Funciona baja el concepto  de </a:t>
+            </a:r>
             <a:r>
               <a:rPr lang="es-GT" dirty="0" err="1"/>
-              <a:t>Patreon</a:t>
-            </a:r>
-            <a:endParaRPr lang="en-US" dirty="0"/>
+              <a:t>funding</a:t>
+            </a:r>
+            <a:r>
+              <a:rPr lang="es-GT" dirty="0"/>
+              <a:t> </a:t>
+            </a:r>
+            <a:r>
+              <a:rPr lang="es-GT" dirty="0" err="1"/>
+              <a:t>all-or-nothing</a:t>
+            </a:r>
+            <a:r>
+              <a:rPr lang="es-GT" dirty="0"/>
+              <a:t>, si el emprendedor no consigue llegar a la meta que se establece recaudar el proyecto se declara como fallido y no se realizan los cobros a los inversores.</a:t>
+            </a:r>
+          </a:p>
+          <a:p>
+            <a:pPr marL="0" indent="0">
+              <a:buNone/>
+            </a:pPr>
+            <a:r>
+              <a:rPr lang="es-GT" dirty="0"/>
+              <a:t>     </a:t>
+            </a:r>
+            <a:r>
+              <a:rPr lang="en-US" dirty="0"/>
+              <a:t> https://www.kickstarter.com/</a:t>
+            </a:r>
+            <a:endParaRPr lang="es-GT" dirty="0"/>
           </a:p>
         </p:txBody>
       </p:sp>
@@ -25581,6 +25519,66 @@
           <a:xfrm>
             <a:off x="10588080" y="17048"/>
             <a:ext cx="1603920" cy="1212897"/>
+          </a:xfrm>
+          <a:prstGeom prst="rect">
+            <a:avLst/>
+          </a:prstGeom>
+        </p:spPr>
+      </p:pic>
+      <p:pic>
+        <p:nvPicPr>
+          <p:cNvPr id="18" name="Picture 17" descr="A close up of a sign&#10;&#10;Description automatically generated">
+            <a:extLst>
+              <a:ext uri="{FF2B5EF4-FFF2-40B4-BE49-F238E27FC236}">
+                <a16:creationId xmlns:a16="http://schemas.microsoft.com/office/drawing/2014/main" id="{C0D571E5-6043-49B8-AFA8-DCB8D4643C69}"/>
+              </a:ext>
+            </a:extLst>
+          </p:cNvPr>
+          <p:cNvPicPr>
+            <a:picLocks noChangeAspect="1"/>
+          </p:cNvPicPr>
+          <p:nvPr/>
+        </p:nvPicPr>
+        <p:blipFill>
+          <a:blip r:embed="rId3"/>
+          <a:stretch>
+            <a:fillRect/>
+          </a:stretch>
+        </p:blipFill>
+        <p:spPr>
+          <a:xfrm>
+            <a:off x="746748" y="1027984"/>
+            <a:ext cx="2386978" cy="1342675"/>
+          </a:xfrm>
+          <a:prstGeom prst="rect">
+            <a:avLst/>
+          </a:prstGeom>
+        </p:spPr>
+      </p:pic>
+      <p:pic>
+        <p:nvPicPr>
+          <p:cNvPr id="23" name="Picture 22">
+            <a:extLst>
+              <a:ext uri="{FF2B5EF4-FFF2-40B4-BE49-F238E27FC236}">
+                <a16:creationId xmlns:a16="http://schemas.microsoft.com/office/drawing/2014/main" id="{33526D47-6511-4765-8E8F-7C47AA43ABE0}"/>
+              </a:ext>
+            </a:extLst>
+          </p:cNvPr>
+          <p:cNvPicPr>
+            <a:picLocks noChangeAspect="1"/>
+          </p:cNvPicPr>
+          <p:nvPr/>
+        </p:nvPicPr>
+        <p:blipFill>
+          <a:blip r:embed="rId4"/>
+          <a:stretch>
+            <a:fillRect/>
+          </a:stretch>
+        </p:blipFill>
+        <p:spPr>
+          <a:xfrm>
+            <a:off x="6651189" y="1546674"/>
+            <a:ext cx="4065882" cy="432000"/>
           </a:xfrm>
           <a:prstGeom prst="rect">
             <a:avLst/>
@@ -25619,10 +25617,97 @@
       </p:grpSpPr>
       <p:sp>
         <p:nvSpPr>
-          <p:cNvPr id="2" name="Title 1">
-            <a:extLst>
-              <a:ext uri="{FF2B5EF4-FFF2-40B4-BE49-F238E27FC236}">
-                <a16:creationId xmlns:a16="http://schemas.microsoft.com/office/drawing/2014/main" id="{935C0770-A36E-4500-AA2E-F3DE8416AD1E}"/>
+          <p:cNvPr id="7" name="Text Placeholder 6">
+            <a:extLst>
+              <a:ext uri="{FF2B5EF4-FFF2-40B4-BE49-F238E27FC236}">
+                <a16:creationId xmlns:a16="http://schemas.microsoft.com/office/drawing/2014/main" id="{5DB66C1B-8526-4D59-89FD-F370E4695D29}"/>
+              </a:ext>
+            </a:extLst>
+          </p:cNvPr>
+          <p:cNvSpPr>
+            <a:spLocks noGrp="1"/>
+          </p:cNvSpPr>
+          <p:nvPr>
+            <p:ph type="body" sz="quarter" idx="12"/>
+          </p:nvPr>
+        </p:nvSpPr>
+        <p:spPr>
+          <a:xfrm>
+            <a:off x="1089960" y="1950758"/>
+            <a:ext cx="5396565" cy="2192618"/>
+          </a:xfrm>
+        </p:spPr>
+        <p:txBody>
+          <a:bodyPr/>
+          <a:lstStyle/>
+          <a:p>
+            <a:r>
+              <a:rPr lang="es-GT" dirty="0"/>
+              <a:t> Se describen como un lugar donde puedes encontrar proyectos de innovación, desarrollo comunitario, causas sociales, etc. Los proyectos tendrán recompensas y precios especiales a cambio de apoyo. (Esta es una pagina guatemalteca para crowdfunding) </a:t>
+            </a:r>
+            <a:r>
+              <a:rPr lang="es-GT" b="1" dirty="0"/>
+              <a:t>Ellos serian la competencia mas cercana.</a:t>
+            </a:r>
+            <a:endParaRPr lang="en-US" dirty="0"/>
+          </a:p>
+          <a:p>
+            <a:r>
+              <a:rPr lang="en-US" dirty="0"/>
+              <a:t>https://www.emprendi-la.com/</a:t>
+            </a:r>
+          </a:p>
+        </p:txBody>
+      </p:sp>
+      <p:sp>
+        <p:nvSpPr>
+          <p:cNvPr id="8" name="Slide Number Placeholder 2">
+            <a:extLst>
+              <a:ext uri="{FF2B5EF4-FFF2-40B4-BE49-F238E27FC236}">
+                <a16:creationId xmlns:a16="http://schemas.microsoft.com/office/drawing/2014/main" id="{8BFA39BC-1211-462F-9D69-C975AEBBD25D}"/>
+              </a:ext>
+            </a:extLst>
+          </p:cNvPr>
+          <p:cNvSpPr>
+            <a:spLocks noGrp="1"/>
+          </p:cNvSpPr>
+          <p:nvPr>
+            <p:ph type="sldNum" sz="quarter" idx="15"/>
+          </p:nvPr>
+        </p:nvSpPr>
+        <p:spPr/>
+        <p:txBody>
+          <a:bodyPr/>
+          <a:lstStyle/>
+          <a:p>
+            <a:pPr>
+              <a:spcAft>
+                <a:spcPts val="600"/>
+              </a:spcAft>
+            </a:pPr>
+            <a:r>
+              <a:rPr lang="en-US" noProof="0"/>
+              <a:t>page </a:t>
+            </a:r>
+            <a:fld id="{19B51A1E-902D-48AF-9020-955120F399B6}" type="slidenum">
+              <a:rPr lang="en-US" b="1" i="1" noProof="0" smtClean="0"/>
+              <a:pPr>
+                <a:spcAft>
+                  <a:spcPts val="600"/>
+                </a:spcAft>
+              </a:pPr>
+              <a:t>23</a:t>
+            </a:fld>
+            <a:endParaRPr lang="en-US" b="1" i="1" noProof="0"/>
+          </a:p>
+        </p:txBody>
+      </p:sp>
+      <p:sp>
+        <p:nvSpPr>
+          <p:cNvPr id="10" name="Title 3">
+            <a:extLst>
+              <a:ext uri="{FF2B5EF4-FFF2-40B4-BE49-F238E27FC236}">
+                <a16:creationId xmlns:a16="http://schemas.microsoft.com/office/drawing/2014/main" id="{DA549DEC-8647-48AF-99DA-414191E5B086}"/>
               </a:ext>
             </a:extLst>
           </p:cNvPr>
@@ -25638,171 +25723,51 @@
           <a:bodyPr/>
           <a:lstStyle/>
           <a:p>
-            <a:r>
-              <a:rPr lang="en-US" dirty="0" err="1"/>
+            <a:pPr algn="ctr"/>
+            <a:r>
+              <a:rPr lang="es-GT" dirty="0"/>
               <a:t>Competidores</a:t>
             </a:r>
-            <a:endParaRPr lang="en-US" dirty="0"/>
-          </a:p>
-        </p:txBody>
-      </p:sp>
-      <p:sp>
-        <p:nvSpPr>
-          <p:cNvPr id="7" name="Text Placeholder 6">
-            <a:extLst>
-              <a:ext uri="{FF2B5EF4-FFF2-40B4-BE49-F238E27FC236}">
-                <a16:creationId xmlns:a16="http://schemas.microsoft.com/office/drawing/2014/main" id="{E9C0C8B1-2DBC-40B1-BBA7-7B3D396478A1}"/>
-              </a:ext>
-            </a:extLst>
-          </p:cNvPr>
-          <p:cNvSpPr>
-            <a:spLocks noGrp="1"/>
-          </p:cNvSpPr>
-          <p:nvPr>
-            <p:ph type="body" sz="quarter" idx="14"/>
-          </p:nvPr>
-        </p:nvSpPr>
-        <p:spPr/>
-        <p:txBody>
-          <a:bodyPr/>
-          <a:lstStyle/>
-          <a:p>
-            <a:r>
-              <a:rPr lang="en-US" dirty="0"/>
-              <a:t>Convenience</a:t>
-            </a:r>
-          </a:p>
-        </p:txBody>
-      </p:sp>
-      <p:sp>
-        <p:nvSpPr>
-          <p:cNvPr id="8" name="Text Placeholder 7">
-            <a:extLst>
-              <a:ext uri="{FF2B5EF4-FFF2-40B4-BE49-F238E27FC236}">
-                <a16:creationId xmlns:a16="http://schemas.microsoft.com/office/drawing/2014/main" id="{B2F06784-6A30-4941-B70A-A58B611950D4}"/>
-              </a:ext>
-            </a:extLst>
-          </p:cNvPr>
-          <p:cNvSpPr>
-            <a:spLocks noGrp="1"/>
-          </p:cNvSpPr>
-          <p:nvPr>
-            <p:ph type="body" sz="quarter" idx="15"/>
-          </p:nvPr>
-        </p:nvSpPr>
-        <p:spPr>
-          <a:xfrm>
-            <a:off x="5021400" y="6001809"/>
-            <a:ext cx="1980000" cy="252000"/>
-          </a:xfrm>
-        </p:spPr>
-        <p:txBody>
-          <a:bodyPr/>
-          <a:lstStyle/>
-          <a:p>
-            <a:r>
-              <a:rPr lang="en-US" dirty="0"/>
-              <a:t>Inconvenient</a:t>
-            </a:r>
-          </a:p>
-        </p:txBody>
-      </p:sp>
-      <p:sp>
-        <p:nvSpPr>
-          <p:cNvPr id="15" name="Text Placeholder 14">
-            <a:extLst>
-              <a:ext uri="{FF2B5EF4-FFF2-40B4-BE49-F238E27FC236}">
-                <a16:creationId xmlns:a16="http://schemas.microsoft.com/office/drawing/2014/main" id="{50187FCC-C985-4E22-87B0-249CE8F02313}"/>
-              </a:ext>
-            </a:extLst>
-          </p:cNvPr>
-          <p:cNvSpPr>
-            <a:spLocks noGrp="1"/>
-          </p:cNvSpPr>
-          <p:nvPr>
-            <p:ph type="body" sz="quarter" idx="16"/>
-          </p:nvPr>
-        </p:nvSpPr>
-        <p:spPr/>
-        <p:txBody>
-          <a:bodyPr/>
-          <a:lstStyle/>
-          <a:p>
-            <a:r>
-              <a:rPr lang="en-US" dirty="0"/>
-              <a:t>Expensive</a:t>
-            </a:r>
-          </a:p>
-        </p:txBody>
-      </p:sp>
-      <p:sp>
-        <p:nvSpPr>
-          <p:cNvPr id="16" name="Text Placeholder 15">
-            <a:extLst>
-              <a:ext uri="{FF2B5EF4-FFF2-40B4-BE49-F238E27FC236}">
-                <a16:creationId xmlns:a16="http://schemas.microsoft.com/office/drawing/2014/main" id="{FF4D0530-8F08-463A-A616-6F8674223171}"/>
-              </a:ext>
-            </a:extLst>
-          </p:cNvPr>
-          <p:cNvSpPr>
-            <a:spLocks noGrp="1"/>
-          </p:cNvSpPr>
-          <p:nvPr>
-            <p:ph type="body" sz="quarter" idx="17"/>
-          </p:nvPr>
-        </p:nvSpPr>
-        <p:spPr/>
-        <p:txBody>
-          <a:bodyPr/>
-          <a:lstStyle/>
-          <a:p>
-            <a:r>
-              <a:rPr lang="en-US" dirty="0"/>
-              <a:t>Affordable</a:t>
-            </a:r>
-          </a:p>
-        </p:txBody>
-      </p:sp>
-      <p:sp>
-        <p:nvSpPr>
-          <p:cNvPr id="4" name="Slide Number Placeholder 3">
-            <a:extLst>
-              <a:ext uri="{FF2B5EF4-FFF2-40B4-BE49-F238E27FC236}">
-                <a16:creationId xmlns:a16="http://schemas.microsoft.com/office/drawing/2014/main" id="{5CE495FC-7E0A-4342-A40D-3B65DCA780C6}"/>
-              </a:ext>
-            </a:extLst>
-          </p:cNvPr>
-          <p:cNvSpPr>
-            <a:spLocks noGrp="1"/>
-          </p:cNvSpPr>
-          <p:nvPr>
-            <p:ph type="sldNum" sz="quarter" idx="19"/>
-          </p:nvPr>
-        </p:nvSpPr>
-        <p:spPr/>
-        <p:txBody>
-          <a:bodyPr/>
-          <a:lstStyle/>
-          <a:p>
-            <a:r>
-              <a:rPr lang="en-US" dirty="0"/>
-              <a:t>page </a:t>
-            </a:r>
-            <a:fld id="{19B51A1E-902D-48AF-9020-955120F399B6}" type="slidenum">
-              <a:rPr lang="en-US" smtClean="0"/>
-              <a:pPr/>
-              <a:t>23</a:t>
-            </a:fld>
             <a:endParaRPr lang="en-US" dirty="0"/>
           </a:p>
         </p:txBody>
       </p:sp>
       <p:pic>
         <p:nvPicPr>
-          <p:cNvPr id="9" name="Picture 8" title="Placeholder Logo">
-            <a:extLst>
-              <a:ext uri="{FF2B5EF4-FFF2-40B4-BE49-F238E27FC236}">
-                <a16:creationId xmlns:a16="http://schemas.microsoft.com/office/drawing/2014/main" id="{D750F3EB-2A4C-4CE3-B6EB-D382233EC5A4}"/>
+          <p:cNvPr id="11" name="Picture 10" descr="A picture containing object, clock, drawing&#10;&#10;Description automatically generated">
+            <a:extLst>
+              <a:ext uri="{FF2B5EF4-FFF2-40B4-BE49-F238E27FC236}">
+                <a16:creationId xmlns:a16="http://schemas.microsoft.com/office/drawing/2014/main" id="{0B4C37D6-845C-48B4-AA24-F91D2C9663B4}"/>
+              </a:ext>
+            </a:extLst>
+          </p:cNvPr>
+          <p:cNvPicPr>
+            <a:picLocks noChangeAspect="1"/>
+          </p:cNvPicPr>
+          <p:nvPr/>
+        </p:nvPicPr>
+        <p:blipFill>
+          <a:blip r:embed="rId2"/>
+          <a:stretch>
+            <a:fillRect/>
+          </a:stretch>
+        </p:blipFill>
+        <p:spPr>
+          <a:xfrm>
+            <a:off x="10588080" y="17048"/>
+            <a:ext cx="1603920" cy="1212897"/>
+          </a:xfrm>
+          <a:prstGeom prst="rect">
+            <a:avLst/>
+          </a:prstGeom>
+        </p:spPr>
+      </p:pic>
+      <p:pic>
+        <p:nvPicPr>
+          <p:cNvPr id="13" name="Picture 12">
+            <a:extLst>
+              <a:ext uri="{FF2B5EF4-FFF2-40B4-BE49-F238E27FC236}">
+                <a16:creationId xmlns:a16="http://schemas.microsoft.com/office/drawing/2014/main" id="{A6E54C84-4846-4CCA-9637-EFAB6BE20EBF}"/>
               </a:ext>
             </a:extLst>
           </p:cNvPr>
@@ -25819,8 +25784,8 @@
         </p:blipFill>
         <p:spPr>
           <a:xfrm>
-            <a:off x="907704" y="1739080"/>
-            <a:ext cx="2121592" cy="646232"/>
+            <a:off x="7234458" y="1500810"/>
+            <a:ext cx="3353622" cy="4547439"/>
           </a:xfrm>
           <a:prstGeom prst="rect">
             <a:avLst/>
@@ -25829,10 +25794,10 @@
       </p:pic>
       <p:pic>
         <p:nvPicPr>
-          <p:cNvPr id="10" name="Picture 9" title="Placeholder Logo">
-            <a:extLst>
-              <a:ext uri="{FF2B5EF4-FFF2-40B4-BE49-F238E27FC236}">
-                <a16:creationId xmlns:a16="http://schemas.microsoft.com/office/drawing/2014/main" id="{EC96513E-DCDA-415F-9EB1-582688BD0219}"/>
+          <p:cNvPr id="16" name="Picture 15" descr="A picture containing light&#10;&#10;Description automatically generated">
+            <a:extLst>
+              <a:ext uri="{FF2B5EF4-FFF2-40B4-BE49-F238E27FC236}">
+                <a16:creationId xmlns:a16="http://schemas.microsoft.com/office/drawing/2014/main" id="{95CF6A15-CCFC-4DC9-A29A-FAC6A6619676}"/>
               </a:ext>
             </a:extLst>
           </p:cNvPr>
@@ -25849,173 +25814,8 @@
         </p:blipFill>
         <p:spPr>
           <a:xfrm>
-            <a:off x="6917549" y="4590410"/>
-            <a:ext cx="2127688" cy="646232"/>
-          </a:xfrm>
-          <a:prstGeom prst="rect">
-            <a:avLst/>
-          </a:prstGeom>
-        </p:spPr>
-      </p:pic>
-      <p:pic>
-        <p:nvPicPr>
-          <p:cNvPr id="11" name="Picture 10" title="Placeholder Logo">
-            <a:extLst>
-              <a:ext uri="{FF2B5EF4-FFF2-40B4-BE49-F238E27FC236}">
-                <a16:creationId xmlns:a16="http://schemas.microsoft.com/office/drawing/2014/main" id="{BD681EF7-3DA2-4CA5-AE25-A2B35BC331AA}"/>
-              </a:ext>
-            </a:extLst>
-          </p:cNvPr>
-          <p:cNvPicPr>
-            <a:picLocks noChangeAspect="1"/>
-          </p:cNvPicPr>
-          <p:nvPr/>
-        </p:nvPicPr>
-        <p:blipFill>
-          <a:blip r:embed="rId5"/>
-          <a:stretch>
-            <a:fillRect/>
-          </a:stretch>
-        </p:blipFill>
-        <p:spPr>
-          <a:xfrm>
-            <a:off x="8347856" y="4142764"/>
-            <a:ext cx="2127688" cy="646232"/>
-          </a:xfrm>
-          <a:prstGeom prst="rect">
-            <a:avLst/>
-          </a:prstGeom>
-        </p:spPr>
-      </p:pic>
-      <p:pic>
-        <p:nvPicPr>
-          <p:cNvPr id="12" name="Picture 11" title="Placeholder Logo">
-            <a:extLst>
-              <a:ext uri="{FF2B5EF4-FFF2-40B4-BE49-F238E27FC236}">
-                <a16:creationId xmlns:a16="http://schemas.microsoft.com/office/drawing/2014/main" id="{04148509-495D-4F33-8410-C9B4582D5D50}"/>
-              </a:ext>
-            </a:extLst>
-          </p:cNvPr>
-          <p:cNvPicPr>
-            <a:picLocks noChangeAspect="1"/>
-          </p:cNvPicPr>
-          <p:nvPr/>
-        </p:nvPicPr>
-        <p:blipFill>
-          <a:blip r:embed="rId6"/>
-          <a:stretch>
-            <a:fillRect/>
-          </a:stretch>
-        </p:blipFill>
-        <p:spPr>
-          <a:xfrm>
-            <a:off x="1685974" y="4135473"/>
-            <a:ext cx="2158171" cy="646232"/>
-          </a:xfrm>
-          <a:prstGeom prst="rect">
-            <a:avLst/>
-          </a:prstGeom>
-        </p:spPr>
-      </p:pic>
-      <p:pic>
-        <p:nvPicPr>
-          <p:cNvPr id="13" name="Picture 12" title="Placeholder Logo">
-            <a:extLst>
-              <a:ext uri="{FF2B5EF4-FFF2-40B4-BE49-F238E27FC236}">
-                <a16:creationId xmlns:a16="http://schemas.microsoft.com/office/drawing/2014/main" id="{C2682884-81CF-4B60-9E35-E2598C937FC3}"/>
-              </a:ext>
-            </a:extLst>
-          </p:cNvPr>
-          <p:cNvPicPr>
-            <a:picLocks noChangeAspect="1"/>
-          </p:cNvPicPr>
-          <p:nvPr/>
-        </p:nvPicPr>
-        <p:blipFill>
-          <a:blip r:embed="rId7"/>
-          <a:stretch>
-            <a:fillRect/>
-          </a:stretch>
-        </p:blipFill>
-        <p:spPr>
-          <a:xfrm>
-            <a:off x="2215384" y="4634914"/>
-            <a:ext cx="2133785" cy="646232"/>
-          </a:xfrm>
-          <a:prstGeom prst="rect">
-            <a:avLst/>
-          </a:prstGeom>
-        </p:spPr>
-      </p:pic>
-      <p:pic>
-        <p:nvPicPr>
-          <p:cNvPr id="20" name="Picture 19" descr="Contoso Logo">
-            <a:extLst>
-              <a:ext uri="{FF2B5EF4-FFF2-40B4-BE49-F238E27FC236}">
-                <a16:creationId xmlns:a16="http://schemas.microsoft.com/office/drawing/2014/main" id="{B85BD58D-4C8E-4FE7-817D-DA724AEA6270}"/>
-              </a:ext>
-            </a:extLst>
-          </p:cNvPr>
-          <p:cNvPicPr>
-            <a:picLocks noChangeAspect="1"/>
-          </p:cNvPicPr>
-          <p:nvPr/>
-        </p:nvPicPr>
-        <p:blipFill>
-          <a:blip r:embed="rId8" cstate="screen">
-            <a:extLst>
-              <a:ext uri="{BEBA8EAE-BF5A-486C-A8C5-ECC9F3942E4B}">
-                <a14:imgProps xmlns:a14="http://schemas.microsoft.com/office/drawing/2010/main">
-                  <a14:imgLayer r:embed="rId9">
-                    <a14:imgEffect>
-                      <a14:brightnessContrast bright="100000"/>
-                    </a14:imgEffect>
-                  </a14:imgLayer>
-                </a14:imgProps>
-              </a:ext>
-              <a:ext uri="{28A0092B-C50C-407E-A947-70E740481C1C}">
-                <a14:useLocalDpi xmlns:a14="http://schemas.microsoft.com/office/drawing/2010/main"/>
-              </a:ext>
-            </a:extLst>
-          </a:blip>
-          <a:stretch>
-            <a:fillRect/>
-          </a:stretch>
-        </p:blipFill>
-        <p:spPr>
-          <a:xfrm>
-            <a:off x="8103021" y="1880388"/>
-            <a:ext cx="1308679" cy="504924"/>
-          </a:xfrm>
-          <a:prstGeom prst="rect">
-            <a:avLst/>
-          </a:prstGeom>
-        </p:spPr>
-      </p:pic>
-      <p:pic>
-        <p:nvPicPr>
-          <p:cNvPr id="14" name="Picture 13" descr="A picture containing object, clock, drawing&#10;&#10;Description automatically generated">
-            <a:extLst>
-              <a:ext uri="{FF2B5EF4-FFF2-40B4-BE49-F238E27FC236}">
-                <a16:creationId xmlns:a16="http://schemas.microsoft.com/office/drawing/2014/main" id="{D6ED018D-30D7-4D2D-AB7C-0C1FD595F79E}"/>
-              </a:ext>
-            </a:extLst>
-          </p:cNvPr>
-          <p:cNvPicPr>
-            <a:picLocks noChangeAspect="1"/>
-          </p:cNvPicPr>
-          <p:nvPr/>
-        </p:nvPicPr>
-        <p:blipFill>
-          <a:blip r:embed="rId10"/>
-          <a:stretch>
-            <a:fillRect/>
-          </a:stretch>
-        </p:blipFill>
-        <p:spPr>
-          <a:xfrm>
-            <a:off x="10588080" y="17048"/>
-            <a:ext cx="1603920" cy="1212897"/>
+            <a:off x="1616765" y="-204810"/>
+            <a:ext cx="2869510" cy="2869510"/>
           </a:xfrm>
           <a:prstGeom prst="rect">
             <a:avLst/>
@@ -26025,7 +25825,7 @@
     </p:spTree>
     <p:extLst>
       <p:ext uri="{BB962C8B-B14F-4D97-AF65-F5344CB8AC3E}">
-        <p14:creationId xmlns:p14="http://schemas.microsoft.com/office/powerpoint/2010/main" val="1417396711"/>
+        <p14:creationId xmlns:p14="http://schemas.microsoft.com/office/powerpoint/2010/main" val="2390197059"/>
       </p:ext>
     </p:extLst>
   </p:cSld>

--- a/Docs/Presentacion_Final/final.pptx
+++ b/Docs/Presentacion_Final/final.pptx
@@ -34230,29 +34230,36 @@
           </a:p>
         </p:txBody>
       </p:sp>
-      <p:sp>
-        <p:nvSpPr>
-          <p:cNvPr id="35" name="Picture Placeholder 34">
-            <a:extLst>
-              <a:ext uri="{FF2B5EF4-FFF2-40B4-BE49-F238E27FC236}">
-                <a16:creationId xmlns:a16="http://schemas.microsoft.com/office/drawing/2014/main" id="{B51BD9F4-6ECF-4F3E-B53A-8C67F4108F99}"/>
-              </a:ext>
-            </a:extLst>
-          </p:cNvPr>
-          <p:cNvSpPr>
-            <a:spLocks noGrp="1"/>
-          </p:cNvSpPr>
+      <p:pic>
+        <p:nvPicPr>
+          <p:cNvPr id="9" name="Picture Placeholder 8" descr="A person that is standing in the grass&#10;&#10;Description automatically generated">
+            <a:extLst>
+              <a:ext uri="{FF2B5EF4-FFF2-40B4-BE49-F238E27FC236}">
+                <a16:creationId xmlns:a16="http://schemas.microsoft.com/office/drawing/2014/main" id="{1FAA5BCC-A8EF-4A08-AB48-5729F12289F2}"/>
+              </a:ext>
+            </a:extLst>
+          </p:cNvPr>
+          <p:cNvPicPr>
+            <a:picLocks noGrp="1" noChangeAspect="1"/>
+          </p:cNvPicPr>
           <p:nvPr>
             <p:ph type="pic" sz="quarter" idx="38"/>
           </p:nvPr>
-        </p:nvSpPr>
-        <p:spPr>
-          <a:xfrm>
-            <a:off x="6651099" y="1952049"/>
-            <a:ext cx="1476951" cy="1476951"/>
-          </a:xfrm>
-        </p:spPr>
-      </p:sp>
+        </p:nvPicPr>
+        <p:blipFill>
+          <a:blip r:embed="rId3"/>
+          <a:srcRect t="12500" b="12500"/>
+          <a:stretch>
+            <a:fillRect/>
+          </a:stretch>
+        </p:blipFill>
+        <p:spPr>
+          <a:xfrm>
+            <a:off x="6651625" y="1952625"/>
+            <a:ext cx="1476375" cy="1476375"/>
+          </a:xfrm>
+        </p:spPr>
+      </p:pic>
       <p:sp>
         <p:nvSpPr>
           <p:cNvPr id="37" name="Picture Placeholder 36">
@@ -34291,7 +34298,7 @@
           <p:nvPr/>
         </p:nvPicPr>
         <p:blipFill>
-          <a:blip r:embed="rId3"/>
+          <a:blip r:embed="rId4"/>
           <a:stretch>
             <a:fillRect/>
           </a:stretch>

--- a/Docs/Presentacion_Final/final.pptx
+++ b/Docs/Presentacion_Final/final.pptx
@@ -5,10 +5,10 @@
     <p:sldMasterId id="2147483648" r:id="rId1"/>
   </p:sldMasterIdLst>
   <p:notesMasterIdLst>
-    <p:notesMasterId r:id="rId38"/>
+    <p:notesMasterId r:id="rId39"/>
   </p:notesMasterIdLst>
   <p:handoutMasterIdLst>
-    <p:handoutMasterId r:id="rId39"/>
+    <p:handoutMasterId r:id="rId40"/>
   </p:handoutMasterIdLst>
   <p:sldIdLst>
     <p:sldId id="286" r:id="rId2"/>
@@ -18,35 +18,36 @@
     <p:sldId id="276" r:id="rId6"/>
     <p:sldId id="290" r:id="rId7"/>
     <p:sldId id="288" r:id="rId8"/>
-    <p:sldId id="264" r:id="rId9"/>
-    <p:sldId id="291" r:id="rId10"/>
-    <p:sldId id="296" r:id="rId11"/>
-    <p:sldId id="306" r:id="rId12"/>
-    <p:sldId id="293" r:id="rId13"/>
-    <p:sldId id="308" r:id="rId14"/>
-    <p:sldId id="309" r:id="rId15"/>
-    <p:sldId id="310" r:id="rId16"/>
-    <p:sldId id="311" r:id="rId17"/>
-    <p:sldId id="312" r:id="rId18"/>
-    <p:sldId id="313" r:id="rId19"/>
-    <p:sldId id="314" r:id="rId20"/>
-    <p:sldId id="315" r:id="rId21"/>
-    <p:sldId id="317" r:id="rId22"/>
-    <p:sldId id="297" r:id="rId23"/>
-    <p:sldId id="332" r:id="rId24"/>
-    <p:sldId id="298" r:id="rId25"/>
-    <p:sldId id="300" r:id="rId26"/>
-    <p:sldId id="262" r:id="rId27"/>
-    <p:sldId id="328" r:id="rId28"/>
-    <p:sldId id="330" r:id="rId29"/>
-    <p:sldId id="331" r:id="rId30"/>
-    <p:sldId id="301" r:id="rId31"/>
-    <p:sldId id="302" r:id="rId32"/>
-    <p:sldId id="303" r:id="rId33"/>
-    <p:sldId id="304" r:id="rId34"/>
-    <p:sldId id="305" r:id="rId35"/>
-    <p:sldId id="279" r:id="rId36"/>
-    <p:sldId id="280" r:id="rId37"/>
+    <p:sldId id="333" r:id="rId9"/>
+    <p:sldId id="264" r:id="rId10"/>
+    <p:sldId id="291" r:id="rId11"/>
+    <p:sldId id="296" r:id="rId12"/>
+    <p:sldId id="306" r:id="rId13"/>
+    <p:sldId id="293" r:id="rId14"/>
+    <p:sldId id="308" r:id="rId15"/>
+    <p:sldId id="309" r:id="rId16"/>
+    <p:sldId id="310" r:id="rId17"/>
+    <p:sldId id="311" r:id="rId18"/>
+    <p:sldId id="312" r:id="rId19"/>
+    <p:sldId id="313" r:id="rId20"/>
+    <p:sldId id="314" r:id="rId21"/>
+    <p:sldId id="315" r:id="rId22"/>
+    <p:sldId id="317" r:id="rId23"/>
+    <p:sldId id="297" r:id="rId24"/>
+    <p:sldId id="332" r:id="rId25"/>
+    <p:sldId id="298" r:id="rId26"/>
+    <p:sldId id="300" r:id="rId27"/>
+    <p:sldId id="262" r:id="rId28"/>
+    <p:sldId id="328" r:id="rId29"/>
+    <p:sldId id="330" r:id="rId30"/>
+    <p:sldId id="331" r:id="rId31"/>
+    <p:sldId id="301" r:id="rId32"/>
+    <p:sldId id="302" r:id="rId33"/>
+    <p:sldId id="303" r:id="rId34"/>
+    <p:sldId id="304" r:id="rId35"/>
+    <p:sldId id="305" r:id="rId36"/>
+    <p:sldId id="279" r:id="rId37"/>
+    <p:sldId id="280" r:id="rId38"/>
   </p:sldIdLst>
   <p:sldSz cx="12192000" cy="6858000"/>
   <p:notesSz cx="6858000" cy="9144000"/>
@@ -157,6 +158,7 @@
             <p14:sldId id="276"/>
             <p14:sldId id="290"/>
             <p14:sldId id="288"/>
+            <p14:sldId id="333"/>
             <p14:sldId id="264"/>
             <p14:sldId id="291"/>
             <p14:sldId id="296"/>
@@ -893,7 +895,7 @@
           <a:p>
             <a:fld id="{EFDDBACE-0F8F-43FD-98F0-DEE13552DADA}" type="slidenum">
               <a:rPr lang="en-US" noProof="0" smtClean="0"/>
-              <a:t>35</a:t>
+              <a:t>36</a:t>
             </a:fld>
             <a:endParaRPr lang="en-US" noProof="0" dirty="0"/>
           </a:p>
@@ -977,7 +979,7 @@
           <a:p>
             <a:fld id="{EFDDBACE-0F8F-43FD-98F0-DEE13552DADA}" type="slidenum">
               <a:rPr lang="en-US" smtClean="0"/>
-              <a:t>36</a:t>
+              <a:t>37</a:t>
             </a:fld>
             <a:endParaRPr lang="en-US"/>
           </a:p>
@@ -1229,7 +1231,7 @@
           <a:p>
             <a:fld id="{EFDDBACE-0F8F-43FD-98F0-DEE13552DADA}" type="slidenum">
               <a:rPr lang="en-US" noProof="0" smtClean="0"/>
-              <a:t>8</a:t>
+              <a:t>9</a:t>
             </a:fld>
             <a:endParaRPr lang="en-US" noProof="0" dirty="0"/>
           </a:p>
@@ -1313,7 +1315,7 @@
           <a:p>
             <a:fld id="{EFDDBACE-0F8F-43FD-98F0-DEE13552DADA}" type="slidenum">
               <a:rPr lang="en-US" noProof="0" smtClean="0"/>
-              <a:t>13</a:t>
+              <a:t>14</a:t>
             </a:fld>
             <a:endParaRPr lang="en-US" noProof="0" dirty="0"/>
           </a:p>
@@ -1397,7 +1399,7 @@
           <a:p>
             <a:fld id="{EFDDBACE-0F8F-43FD-98F0-DEE13552DADA}" type="slidenum">
               <a:rPr lang="en-US" noProof="0" smtClean="0"/>
-              <a:t>25</a:t>
+              <a:t>26</a:t>
             </a:fld>
             <a:endParaRPr lang="en-US" noProof="0" dirty="0"/>
           </a:p>
@@ -1481,7 +1483,7 @@
           <a:p>
             <a:fld id="{EFDDBACE-0F8F-43FD-98F0-DEE13552DADA}" type="slidenum">
               <a:rPr lang="en-US" noProof="0" smtClean="0"/>
-              <a:t>26</a:t>
+              <a:t>27</a:t>
             </a:fld>
             <a:endParaRPr lang="en-US" noProof="0" dirty="0"/>
           </a:p>
@@ -1565,7 +1567,7 @@
           <a:p>
             <a:fld id="{EFDDBACE-0F8F-43FD-98F0-DEE13552DADA}" type="slidenum">
               <a:rPr lang="en-US" noProof="0" smtClean="0"/>
-              <a:t>30</a:t>
+              <a:t>31</a:t>
             </a:fld>
             <a:endParaRPr lang="en-US" noProof="0" dirty="0"/>
           </a:p>
@@ -1649,7 +1651,7 @@
           <a:p>
             <a:fld id="{EFDDBACE-0F8F-43FD-98F0-DEE13552DADA}" type="slidenum">
               <a:rPr lang="en-US" noProof="0" smtClean="0"/>
-              <a:t>31</a:t>
+              <a:t>32</a:t>
             </a:fld>
             <a:endParaRPr lang="en-US" noProof="0" dirty="0"/>
           </a:p>
@@ -21427,10 +21429,10 @@
       </p:grpSpPr>
       <p:sp>
         <p:nvSpPr>
-          <p:cNvPr id="6" name="Content Placeholder 1">
-            <a:extLst>
-              <a:ext uri="{FF2B5EF4-FFF2-40B4-BE49-F238E27FC236}">
-                <a16:creationId xmlns:a16="http://schemas.microsoft.com/office/drawing/2014/main" id="{77D12060-DBC1-4F3C-A03D-1BB5453B2A9D}"/>
+          <p:cNvPr id="22" name="Title 21">
+            <a:extLst>
+              <a:ext uri="{FF2B5EF4-FFF2-40B4-BE49-F238E27FC236}">
+                <a16:creationId xmlns:a16="http://schemas.microsoft.com/office/drawing/2014/main" id="{6E373D3B-47D6-44DC-9D27-F5C5B0252D74}"/>
               </a:ext>
             </a:extLst>
           </p:cNvPr>
@@ -21438,64 +21440,28 @@
             <a:spLocks noGrp="1"/>
           </p:cNvSpPr>
           <p:nvPr>
-            <p:ph idx="1"/>
+            <p:ph type="ctrTitle"/>
           </p:nvPr>
         </p:nvSpPr>
-        <p:spPr>
-          <a:xfrm>
-            <a:off x="601682" y="1152000"/>
-            <a:ext cx="10999767" cy="5039250"/>
-          </a:xfrm>
-        </p:spPr>
+        <p:spPr/>
         <p:txBody>
           <a:bodyPr/>
           <a:lstStyle/>
           <a:p>
-            <a:pPr algn="just"/>
-            <a:r>
-              <a:rPr lang="es-GT" sz="2600" dirty="0"/>
-              <a:t>Se realizó una encuesta (hecha en Google </a:t>
-            </a:r>
-            <a:r>
-              <a:rPr lang="es-GT" sz="2600" dirty="0" err="1"/>
-              <a:t>forms</a:t>
-            </a:r>
-            <a:r>
-              <a:rPr lang="es-GT" sz="2600" dirty="0"/>
-              <a:t>) a un total de 53 personas cuyas edades se encontraban dentro del rango de 18 a 44 años.</a:t>
-            </a:r>
-            <a:endParaRPr lang="en-US" sz="2600" dirty="0"/>
-          </a:p>
-          <a:p>
-            <a:pPr algn="just"/>
-            <a:r>
-              <a:rPr lang="es-GT" sz="2600" dirty="0"/>
-              <a:t>Primera sección: evalúa si la gente le parecía interesante y estaban de acuerdo con una aplicación que conecta a los financistas y emprendedores.</a:t>
-            </a:r>
-          </a:p>
-          <a:p>
-            <a:pPr algn="just"/>
-            <a:r>
-              <a:rPr lang="es-GT" sz="2600" dirty="0"/>
-              <a:t>Segunda sección: evalúa si las personas creen útil tener la opción de poder ofrecer o adquirir recursos que otras personas no usan para sacarle provecho de acuerdo con sus fines personales.</a:t>
-            </a:r>
-          </a:p>
-          <a:p>
-            <a:pPr algn="just"/>
-            <a:r>
-              <a:rPr lang="es-GT" sz="2600" dirty="0"/>
-              <a:t>Adicionalmente, se les pedía a las personas ingresar su género y su edad.</a:t>
-            </a:r>
-            <a:endParaRPr lang="en-US" sz="2600" dirty="0"/>
-          </a:p>
-        </p:txBody>
-      </p:sp>
-      <p:sp>
-        <p:nvSpPr>
-          <p:cNvPr id="8" name="Slide Number Placeholder 2">
-            <a:extLst>
-              <a:ext uri="{FF2B5EF4-FFF2-40B4-BE49-F238E27FC236}">
-                <a16:creationId xmlns:a16="http://schemas.microsoft.com/office/drawing/2014/main" id="{8BFA39BC-1211-462F-9D69-C975AEBBD25D}"/>
+            <a:r>
+              <a:rPr lang="es-GT" dirty="0"/>
+              <a:t>Competencia</a:t>
+            </a:r>
+            <a:endParaRPr lang="en-US" dirty="0"/>
+          </a:p>
+        </p:txBody>
+      </p:sp>
+      <p:sp>
+        <p:nvSpPr>
+          <p:cNvPr id="15" name="Slide Number Placeholder 14">
+            <a:extLst>
+              <a:ext uri="{FF2B5EF4-FFF2-40B4-BE49-F238E27FC236}">
+                <a16:creationId xmlns:a16="http://schemas.microsoft.com/office/drawing/2014/main" id="{8080A6CF-4C34-448E-9885-BD408B2A16CD}"/>
               </a:ext>
             </a:extLst>
           </p:cNvPr>
@@ -21503,82 +21469,620 @@
             <a:spLocks noGrp="1"/>
           </p:cNvSpPr>
           <p:nvPr>
-            <p:ph type="sldNum" sz="quarter" idx="13"/>
+            <p:ph type="sldNum" sz="quarter" idx="4294967295"/>
           </p:nvPr>
         </p:nvSpPr>
         <p:spPr>
           <a:xfrm>
-            <a:off x="11601450" y="6687111"/>
-            <a:ext cx="548755" cy="153841"/>
+            <a:off x="11642725" y="6686550"/>
+            <a:ext cx="549275" cy="153988"/>
           </a:xfrm>
         </p:spPr>
         <p:txBody>
           <a:bodyPr/>
           <a:lstStyle/>
           <a:p>
-            <a:pPr>
-              <a:spcAft>
-                <a:spcPts val="600"/>
-              </a:spcAft>
-            </a:pPr>
             <a:r>
               <a:rPr lang="en-US" noProof="0"/>
               <a:t>page </a:t>
             </a:r>
             <a:fld id="{19B51A1E-902D-48AF-9020-955120F399B6}" type="slidenum">
               <a:rPr lang="en-US" b="1" i="1" noProof="0" smtClean="0"/>
-              <a:pPr>
-                <a:spcAft>
-                  <a:spcPts val="600"/>
-                </a:spcAft>
-              </a:pPr>
+              <a:pPr/>
               <a:t>10</a:t>
             </a:fld>
-            <a:endParaRPr lang="en-US" b="1" i="1" noProof="0"/>
-          </a:p>
-        </p:txBody>
-      </p:sp>
-      <p:sp>
-        <p:nvSpPr>
-          <p:cNvPr id="10" name="Title 3">
-            <a:extLst>
-              <a:ext uri="{FF2B5EF4-FFF2-40B4-BE49-F238E27FC236}">
-                <a16:creationId xmlns:a16="http://schemas.microsoft.com/office/drawing/2014/main" id="{DA549DEC-8647-48AF-99DA-414191E5B086}"/>
-              </a:ext>
-            </a:extLst>
-          </p:cNvPr>
-          <p:cNvSpPr>
-            <a:spLocks noGrp="1"/>
-          </p:cNvSpPr>
-          <p:nvPr>
-            <p:ph type="title"/>
-          </p:nvPr>
-        </p:nvSpPr>
-        <p:spPr>
-          <a:xfrm>
-            <a:off x="601682" y="432000"/>
-            <a:ext cx="9973553" cy="432000"/>
-          </a:xfrm>
-        </p:spPr>
-        <p:txBody>
-          <a:bodyPr/>
-          <a:lstStyle/>
-          <a:p>
-            <a:pPr algn="ctr"/>
-            <a:r>
-              <a:rPr lang="es-GT" dirty="0"/>
-              <a:t>Factibilidad Funcional</a:t>
-            </a:r>
-            <a:endParaRPr lang="en-US" dirty="0"/>
-          </a:p>
-        </p:txBody>
-      </p:sp>
+            <a:endParaRPr lang="en-US" b="1" i="1" noProof="0" dirty="0"/>
+          </a:p>
+        </p:txBody>
+      </p:sp>
+      <p:grpSp>
+        <p:nvGrpSpPr>
+          <p:cNvPr id="4" name="Group 3">
+            <a:extLst>
+              <a:ext uri="{FF2B5EF4-FFF2-40B4-BE49-F238E27FC236}">
+                <a16:creationId xmlns:a16="http://schemas.microsoft.com/office/drawing/2014/main" id="{B16E2E2B-385C-4EE8-A20D-129F9A76652F}"/>
+              </a:ext>
+              <a:ext uri="{C183D7F6-B498-43B3-948B-1728B52AA6E4}">
+                <adec:decorative xmlns:adec="http://schemas.microsoft.com/office/drawing/2017/decorative" val="1"/>
+              </a:ext>
+            </a:extLst>
+          </p:cNvPr>
+          <p:cNvGrpSpPr/>
+          <p:nvPr/>
+        </p:nvGrpSpPr>
+        <p:grpSpPr>
+          <a:xfrm>
+            <a:off x="958369" y="819920"/>
+            <a:ext cx="4025781" cy="2720745"/>
+            <a:chOff x="7699827" y="846814"/>
+            <a:chExt cx="4025781" cy="2720745"/>
+          </a:xfrm>
+        </p:grpSpPr>
+        <p:sp>
+          <p:nvSpPr>
+            <p:cNvPr id="5" name="Oval 4">
+              <a:extLst>
+                <a:ext uri="{FF2B5EF4-FFF2-40B4-BE49-F238E27FC236}">
+                  <a16:creationId xmlns:a16="http://schemas.microsoft.com/office/drawing/2014/main" id="{D71123F1-75FB-4C5B-B321-F098D8405F3E}"/>
+                </a:ext>
+              </a:extLst>
+            </p:cNvPr>
+            <p:cNvSpPr/>
+            <p:nvPr/>
+          </p:nvSpPr>
+          <p:spPr>
+            <a:xfrm>
+              <a:off x="8182897" y="1713921"/>
+              <a:ext cx="1022532" cy="1022532"/>
+            </a:xfrm>
+            <a:prstGeom prst="ellipse">
+              <a:avLst/>
+            </a:prstGeom>
+            <a:noFill/>
+            <a:ln w="3175">
+              <a:solidFill>
+                <a:schemeClr val="bg1"/>
+              </a:solidFill>
+            </a:ln>
+            <a:effectLst>
+              <a:glow rad="165100">
+                <a:schemeClr val="bg1">
+                  <a:alpha val="9000"/>
+                </a:schemeClr>
+              </a:glow>
+            </a:effectLst>
+          </p:spPr>
+          <p:style>
+            <a:lnRef idx="2">
+              <a:schemeClr val="accent1">
+                <a:shade val="50000"/>
+              </a:schemeClr>
+            </a:lnRef>
+            <a:fillRef idx="1">
+              <a:schemeClr val="accent1"/>
+            </a:fillRef>
+            <a:effectRef idx="0">
+              <a:schemeClr val="accent1"/>
+            </a:effectRef>
+            <a:fontRef idx="minor">
+              <a:schemeClr val="lt1"/>
+            </a:fontRef>
+          </p:style>
+          <p:txBody>
+            <a:bodyPr rot="0" spcFirstLastPara="0" vertOverflow="overflow" horzOverflow="overflow" vert="horz" wrap="square" lIns="91440" tIns="45720" rIns="91440" bIns="45720" numCol="1" spcCol="0" rtlCol="0" fromWordArt="0" anchor="ctr" anchorCtr="0" forceAA="0" compatLnSpc="1">
+              <a:prstTxWarp prst="textNoShape">
+                <a:avLst/>
+              </a:prstTxWarp>
+              <a:noAutofit/>
+            </a:bodyPr>
+            <a:lstStyle/>
+            <a:p>
+              <a:pPr algn="ctr"/>
+              <a:endParaRPr lang="en-US" dirty="0"/>
+            </a:p>
+          </p:txBody>
+        </p:sp>
+        <p:sp>
+          <p:nvSpPr>
+            <p:cNvPr id="6" name="Oval 5">
+              <a:extLst>
+                <a:ext uri="{FF2B5EF4-FFF2-40B4-BE49-F238E27FC236}">
+                  <a16:creationId xmlns:a16="http://schemas.microsoft.com/office/drawing/2014/main" id="{83FECF17-86A2-41C4-A15D-463D07A2C737}"/>
+                </a:ext>
+              </a:extLst>
+            </p:cNvPr>
+            <p:cNvSpPr/>
+            <p:nvPr/>
+          </p:nvSpPr>
+          <p:spPr>
+            <a:xfrm>
+              <a:off x="11201630" y="2022136"/>
+              <a:ext cx="399819" cy="406102"/>
+            </a:xfrm>
+            <a:prstGeom prst="ellipse">
+              <a:avLst/>
+            </a:prstGeom>
+            <a:noFill/>
+            <a:ln w="3175">
+              <a:solidFill>
+                <a:schemeClr val="bg1"/>
+              </a:solidFill>
+            </a:ln>
+            <a:effectLst>
+              <a:glow rad="114300">
+                <a:schemeClr val="bg1">
+                  <a:alpha val="15000"/>
+                </a:schemeClr>
+              </a:glow>
+            </a:effectLst>
+          </p:spPr>
+          <p:style>
+            <a:lnRef idx="2">
+              <a:schemeClr val="accent1">
+                <a:shade val="50000"/>
+              </a:schemeClr>
+            </a:lnRef>
+            <a:fillRef idx="1">
+              <a:schemeClr val="accent1"/>
+            </a:fillRef>
+            <a:effectRef idx="0">
+              <a:schemeClr val="accent1"/>
+            </a:effectRef>
+            <a:fontRef idx="minor">
+              <a:schemeClr val="lt1"/>
+            </a:fontRef>
+          </p:style>
+          <p:txBody>
+            <a:bodyPr rot="0" spcFirstLastPara="0" vertOverflow="overflow" horzOverflow="overflow" vert="horz" wrap="square" lIns="91440" tIns="45720" rIns="91440" bIns="45720" numCol="1" spcCol="0" rtlCol="0" fromWordArt="0" anchor="ctr" anchorCtr="0" forceAA="0" compatLnSpc="1">
+              <a:prstTxWarp prst="textNoShape">
+                <a:avLst/>
+              </a:prstTxWarp>
+              <a:noAutofit/>
+            </a:bodyPr>
+            <a:lstStyle/>
+            <a:p>
+              <a:pPr algn="ctr"/>
+              <a:endParaRPr lang="en-US" dirty="0"/>
+            </a:p>
+          </p:txBody>
+        </p:sp>
+        <p:sp>
+          <p:nvSpPr>
+            <p:cNvPr id="7" name="Oval 6">
+              <a:extLst>
+                <a:ext uri="{FF2B5EF4-FFF2-40B4-BE49-F238E27FC236}">
+                  <a16:creationId xmlns:a16="http://schemas.microsoft.com/office/drawing/2014/main" id="{E5CE72CE-8743-4DE0-B6F3-EBACB9668B50}"/>
+                </a:ext>
+              </a:extLst>
+            </p:cNvPr>
+            <p:cNvSpPr/>
+            <p:nvPr/>
+          </p:nvSpPr>
+          <p:spPr>
+            <a:xfrm>
+              <a:off x="9754515" y="2186345"/>
+              <a:ext cx="77685" cy="77685"/>
+            </a:xfrm>
+            <a:prstGeom prst="ellipse">
+              <a:avLst/>
+            </a:prstGeom>
+            <a:gradFill flip="none" rotWithShape="1">
+              <a:gsLst>
+                <a:gs pos="0">
+                  <a:srgbClr val="FFFFFF"/>
+                </a:gs>
+                <a:gs pos="70000">
+                  <a:schemeClr val="accent2">
+                    <a:lumMod val="20000"/>
+                    <a:lumOff val="80000"/>
+                  </a:schemeClr>
+                </a:gs>
+                <a:gs pos="65000">
+                  <a:srgbClr val="F7FFFF"/>
+                </a:gs>
+              </a:gsLst>
+              <a:path path="circle">
+                <a:fillToRect l="50000" t="50000" r="50000" b="50000"/>
+              </a:path>
+              <a:tileRect/>
+            </a:gradFill>
+            <a:ln>
+              <a:noFill/>
+            </a:ln>
+            <a:effectLst>
+              <a:glow rad="165100">
+                <a:schemeClr val="accent2">
+                  <a:satMod val="175000"/>
+                  <a:alpha val="40000"/>
+                </a:schemeClr>
+              </a:glow>
+            </a:effectLst>
+          </p:spPr>
+          <p:style>
+            <a:lnRef idx="2">
+              <a:schemeClr val="accent1">
+                <a:shade val="50000"/>
+              </a:schemeClr>
+            </a:lnRef>
+            <a:fillRef idx="1">
+              <a:schemeClr val="accent1"/>
+            </a:fillRef>
+            <a:effectRef idx="0">
+              <a:schemeClr val="accent1"/>
+            </a:effectRef>
+            <a:fontRef idx="minor">
+              <a:schemeClr val="lt1"/>
+            </a:fontRef>
+          </p:style>
+          <p:txBody>
+            <a:bodyPr rtlCol="0" anchor="ctr"/>
+            <a:lstStyle/>
+            <a:p>
+              <a:pPr algn="ctr"/>
+              <a:endParaRPr lang="en-US" dirty="0"/>
+            </a:p>
+          </p:txBody>
+        </p:sp>
+        <p:sp>
+          <p:nvSpPr>
+            <p:cNvPr id="8" name="Oval 7">
+              <a:extLst>
+                <a:ext uri="{FF2B5EF4-FFF2-40B4-BE49-F238E27FC236}">
+                  <a16:creationId xmlns:a16="http://schemas.microsoft.com/office/drawing/2014/main" id="{D72BE7B5-CD78-4988-A850-72C94B8B936B}"/>
+                </a:ext>
+              </a:extLst>
+            </p:cNvPr>
+            <p:cNvSpPr/>
+            <p:nvPr/>
+          </p:nvSpPr>
+          <p:spPr>
+            <a:xfrm>
+              <a:off x="8676163" y="846814"/>
+              <a:ext cx="2678654" cy="2720745"/>
+            </a:xfrm>
+            <a:prstGeom prst="ellipse">
+              <a:avLst/>
+            </a:prstGeom>
+            <a:noFill/>
+            <a:ln w="111125">
+              <a:solidFill>
+                <a:schemeClr val="bg1">
+                  <a:alpha val="6000"/>
+                </a:schemeClr>
+              </a:solidFill>
+            </a:ln>
+            <a:effectLst/>
+          </p:spPr>
+          <p:style>
+            <a:lnRef idx="2">
+              <a:schemeClr val="accent1">
+                <a:shade val="50000"/>
+              </a:schemeClr>
+            </a:lnRef>
+            <a:fillRef idx="1">
+              <a:schemeClr val="accent1"/>
+            </a:fillRef>
+            <a:effectRef idx="0">
+              <a:schemeClr val="accent1"/>
+            </a:effectRef>
+            <a:fontRef idx="minor">
+              <a:schemeClr val="lt1"/>
+            </a:fontRef>
+          </p:style>
+          <p:txBody>
+            <a:bodyPr rot="0" spcFirstLastPara="0" vertOverflow="overflow" horzOverflow="overflow" vert="horz" wrap="square" lIns="91440" tIns="45720" rIns="91440" bIns="45720" numCol="1" spcCol="0" rtlCol="0" fromWordArt="0" anchor="ctr" anchorCtr="0" forceAA="0" compatLnSpc="1">
+              <a:prstTxWarp prst="textNoShape">
+                <a:avLst/>
+              </a:prstTxWarp>
+              <a:noAutofit/>
+            </a:bodyPr>
+            <a:lstStyle/>
+            <a:p>
+              <a:pPr algn="ctr"/>
+              <a:endParaRPr lang="en-US" dirty="0"/>
+            </a:p>
+          </p:txBody>
+        </p:sp>
+        <p:cxnSp>
+          <p:nvCxnSpPr>
+            <p:cNvPr id="9" name="Straight Connector 8">
+              <a:extLst>
+                <a:ext uri="{FF2B5EF4-FFF2-40B4-BE49-F238E27FC236}">
+                  <a16:creationId xmlns:a16="http://schemas.microsoft.com/office/drawing/2014/main" id="{7E2A983F-A0C5-4341-8235-3BEA65C8EDBD}"/>
+                </a:ext>
+              </a:extLst>
+            </p:cNvPr>
+            <p:cNvCxnSpPr>
+              <a:cxnSpLocks/>
+            </p:cNvCxnSpPr>
+            <p:nvPr/>
+          </p:nvCxnSpPr>
+          <p:spPr>
+            <a:xfrm>
+              <a:off x="7699827" y="2225187"/>
+              <a:ext cx="4025781" cy="0"/>
+            </a:xfrm>
+            <a:prstGeom prst="line">
+              <a:avLst/>
+            </a:prstGeom>
+            <a:ln>
+              <a:solidFill>
+                <a:schemeClr val="bg2">
+                  <a:alpha val="30000"/>
+                </a:schemeClr>
+              </a:solidFill>
+            </a:ln>
+          </p:spPr>
+          <p:style>
+            <a:lnRef idx="1">
+              <a:schemeClr val="accent1"/>
+            </a:lnRef>
+            <a:fillRef idx="0">
+              <a:schemeClr val="accent1"/>
+            </a:fillRef>
+            <a:effectRef idx="0">
+              <a:schemeClr val="accent1"/>
+            </a:effectRef>
+            <a:fontRef idx="minor">
+              <a:schemeClr val="tx1"/>
+            </a:fontRef>
+          </p:style>
+        </p:cxnSp>
+        <p:sp>
+          <p:nvSpPr>
+            <p:cNvPr id="10" name="Oval 9">
+              <a:extLst>
+                <a:ext uri="{FF2B5EF4-FFF2-40B4-BE49-F238E27FC236}">
+                  <a16:creationId xmlns:a16="http://schemas.microsoft.com/office/drawing/2014/main" id="{94721631-652B-433E-BF10-175A55469973}"/>
+                </a:ext>
+              </a:extLst>
+            </p:cNvPr>
+            <p:cNvSpPr/>
+            <p:nvPr/>
+          </p:nvSpPr>
+          <p:spPr>
+            <a:xfrm>
+              <a:off x="8676163" y="2207187"/>
+              <a:ext cx="36000" cy="36000"/>
+            </a:xfrm>
+            <a:prstGeom prst="ellipse">
+              <a:avLst/>
+            </a:prstGeom>
+            <a:gradFill flip="none" rotWithShape="1">
+              <a:gsLst>
+                <a:gs pos="0">
+                  <a:srgbClr val="FFFFFF"/>
+                </a:gs>
+                <a:gs pos="70000">
+                  <a:schemeClr val="accent2">
+                    <a:lumMod val="20000"/>
+                    <a:lumOff val="80000"/>
+                  </a:schemeClr>
+                </a:gs>
+                <a:gs pos="65000">
+                  <a:srgbClr val="F7FFFF"/>
+                </a:gs>
+              </a:gsLst>
+              <a:path path="circle">
+                <a:fillToRect l="50000" t="50000" r="50000" b="50000"/>
+              </a:path>
+              <a:tileRect/>
+            </a:gradFill>
+            <a:ln>
+              <a:noFill/>
+            </a:ln>
+            <a:effectLst>
+              <a:glow rad="165100">
+                <a:schemeClr val="accent2">
+                  <a:satMod val="175000"/>
+                  <a:alpha val="40000"/>
+                </a:schemeClr>
+              </a:glow>
+            </a:effectLst>
+          </p:spPr>
+          <p:style>
+            <a:lnRef idx="2">
+              <a:schemeClr val="accent1">
+                <a:shade val="50000"/>
+              </a:schemeClr>
+            </a:lnRef>
+            <a:fillRef idx="1">
+              <a:schemeClr val="accent1"/>
+            </a:fillRef>
+            <a:effectRef idx="0">
+              <a:schemeClr val="accent1"/>
+            </a:effectRef>
+            <a:fontRef idx="minor">
+              <a:schemeClr val="lt1"/>
+            </a:fontRef>
+          </p:style>
+          <p:txBody>
+            <a:bodyPr rtlCol="0" anchor="ctr"/>
+            <a:lstStyle/>
+            <a:p>
+              <a:pPr algn="ctr"/>
+              <a:endParaRPr lang="en-US" dirty="0"/>
+            </a:p>
+          </p:txBody>
+        </p:sp>
+        <p:sp>
+          <p:nvSpPr>
+            <p:cNvPr id="11" name="Oval 10">
+              <a:extLst>
+                <a:ext uri="{FF2B5EF4-FFF2-40B4-BE49-F238E27FC236}">
+                  <a16:creationId xmlns:a16="http://schemas.microsoft.com/office/drawing/2014/main" id="{226FBE2D-20C0-4B32-873E-7F301BC67055}"/>
+                </a:ext>
+              </a:extLst>
+            </p:cNvPr>
+            <p:cNvSpPr/>
+            <p:nvPr/>
+          </p:nvSpPr>
+          <p:spPr>
+            <a:xfrm>
+              <a:off x="8837524" y="2905351"/>
+              <a:ext cx="248256" cy="252158"/>
+            </a:xfrm>
+            <a:prstGeom prst="ellipse">
+              <a:avLst/>
+            </a:prstGeom>
+            <a:noFill/>
+            <a:ln w="3175">
+              <a:solidFill>
+                <a:schemeClr val="tx1">
+                  <a:lumMod val="50000"/>
+                  <a:lumOff val="50000"/>
+                </a:schemeClr>
+              </a:solidFill>
+              <a:prstDash val="sysDash"/>
+            </a:ln>
+            <a:effectLst/>
+          </p:spPr>
+          <p:style>
+            <a:lnRef idx="2">
+              <a:schemeClr val="accent1">
+                <a:shade val="50000"/>
+              </a:schemeClr>
+            </a:lnRef>
+            <a:fillRef idx="1">
+              <a:schemeClr val="accent1"/>
+            </a:fillRef>
+            <a:effectRef idx="0">
+              <a:schemeClr val="accent1"/>
+            </a:effectRef>
+            <a:fontRef idx="minor">
+              <a:schemeClr val="lt1"/>
+            </a:fontRef>
+          </p:style>
+          <p:txBody>
+            <a:bodyPr rot="0" spcFirstLastPara="0" vertOverflow="overflow" horzOverflow="overflow" vert="horz" wrap="square" lIns="91440" tIns="45720" rIns="91440" bIns="45720" numCol="1" spcCol="0" rtlCol="0" fromWordArt="0" anchor="ctr" anchorCtr="0" forceAA="0" compatLnSpc="1">
+              <a:prstTxWarp prst="textNoShape">
+                <a:avLst/>
+              </a:prstTxWarp>
+              <a:noAutofit/>
+            </a:bodyPr>
+            <a:lstStyle/>
+            <a:p>
+              <a:pPr algn="ctr"/>
+              <a:endParaRPr lang="en-US" dirty="0"/>
+            </a:p>
+          </p:txBody>
+        </p:sp>
+        <p:sp>
+          <p:nvSpPr>
+            <p:cNvPr id="12" name="Oval 11">
+              <a:extLst>
+                <a:ext uri="{FF2B5EF4-FFF2-40B4-BE49-F238E27FC236}">
+                  <a16:creationId xmlns:a16="http://schemas.microsoft.com/office/drawing/2014/main" id="{946FDEDE-FA2A-4BE7-A924-18643BE2BC9D}"/>
+                </a:ext>
+              </a:extLst>
+            </p:cNvPr>
+            <p:cNvSpPr/>
+            <p:nvPr/>
+          </p:nvSpPr>
+          <p:spPr>
+            <a:xfrm>
+              <a:off x="7886691" y="2146902"/>
+              <a:ext cx="154147" cy="156570"/>
+            </a:xfrm>
+            <a:prstGeom prst="ellipse">
+              <a:avLst/>
+            </a:prstGeom>
+            <a:noFill/>
+            <a:ln w="3175">
+              <a:solidFill>
+                <a:schemeClr val="bg1"/>
+              </a:solidFill>
+            </a:ln>
+            <a:effectLst>
+              <a:glow rad="114300">
+                <a:schemeClr val="bg1">
+                  <a:alpha val="15000"/>
+                </a:schemeClr>
+              </a:glow>
+            </a:effectLst>
+          </p:spPr>
+          <p:style>
+            <a:lnRef idx="2">
+              <a:schemeClr val="accent1">
+                <a:shade val="50000"/>
+              </a:schemeClr>
+            </a:lnRef>
+            <a:fillRef idx="1">
+              <a:schemeClr val="accent1"/>
+            </a:fillRef>
+            <a:effectRef idx="0">
+              <a:schemeClr val="accent1"/>
+            </a:effectRef>
+            <a:fontRef idx="minor">
+              <a:schemeClr val="lt1"/>
+            </a:fontRef>
+          </p:style>
+          <p:txBody>
+            <a:bodyPr rot="0" spcFirstLastPara="0" vertOverflow="overflow" horzOverflow="overflow" vert="horz" wrap="square" lIns="91440" tIns="45720" rIns="91440" bIns="45720" numCol="1" spcCol="0" rtlCol="0" fromWordArt="0" anchor="ctr" anchorCtr="0" forceAA="0" compatLnSpc="1">
+              <a:prstTxWarp prst="textNoShape">
+                <a:avLst/>
+              </a:prstTxWarp>
+              <a:noAutofit/>
+            </a:bodyPr>
+            <a:lstStyle/>
+            <a:p>
+              <a:pPr algn="ctr"/>
+              <a:endParaRPr lang="en-US" dirty="0"/>
+            </a:p>
+          </p:txBody>
+        </p:sp>
+        <p:cxnSp>
+          <p:nvCxnSpPr>
+            <p:cNvPr id="13" name="Straight Connector 12">
+              <a:extLst>
+                <a:ext uri="{FF2B5EF4-FFF2-40B4-BE49-F238E27FC236}">
+                  <a16:creationId xmlns:a16="http://schemas.microsoft.com/office/drawing/2014/main" id="{C5D9A499-6979-4BAC-937F-247015FF8D38}"/>
+                </a:ext>
+              </a:extLst>
+            </p:cNvPr>
+            <p:cNvCxnSpPr>
+              <a:cxnSpLocks/>
+            </p:cNvCxnSpPr>
+            <p:nvPr/>
+          </p:nvCxnSpPr>
+          <p:spPr>
+            <a:xfrm flipV="1">
+              <a:off x="8513160" y="2225010"/>
+              <a:ext cx="1269930" cy="1269930"/>
+            </a:xfrm>
+            <a:prstGeom prst="line">
+              <a:avLst/>
+            </a:prstGeom>
+            <a:ln>
+              <a:solidFill>
+                <a:schemeClr val="bg2">
+                  <a:alpha val="30000"/>
+                </a:schemeClr>
+              </a:solidFill>
+            </a:ln>
+          </p:spPr>
+          <p:style>
+            <a:lnRef idx="1">
+              <a:schemeClr val="accent1"/>
+            </a:lnRef>
+            <a:fillRef idx="0">
+              <a:schemeClr val="accent1"/>
+            </a:fillRef>
+            <a:effectRef idx="0">
+              <a:schemeClr val="accent1"/>
+            </a:effectRef>
+            <a:fontRef idx="minor">
+              <a:schemeClr val="tx1"/>
+            </a:fontRef>
+          </p:style>
+        </p:cxnSp>
+      </p:grpSp>
       <p:pic>
         <p:nvPicPr>
-          <p:cNvPr id="5" name="Picture 4" descr="A picture containing object, clock, drawing&#10;&#10;Description automatically generated">
-            <a:extLst>
-              <a:ext uri="{FF2B5EF4-FFF2-40B4-BE49-F238E27FC236}">
-                <a16:creationId xmlns:a16="http://schemas.microsoft.com/office/drawing/2014/main" id="{2964B677-637F-4282-B140-A689A50C6371}"/>
+          <p:cNvPr id="14" name="Picture 13" descr="A picture containing object, clock, drawing&#10;&#10;Description automatically generated">
+            <a:extLst>
+              <a:ext uri="{FF2B5EF4-FFF2-40B4-BE49-F238E27FC236}">
+                <a16:creationId xmlns:a16="http://schemas.microsoft.com/office/drawing/2014/main" id="{2120CFFD-2FA4-45B5-B8FD-D3BD95BE22F6}"/>
               </a:ext>
             </a:extLst>
           </p:cNvPr>
@@ -21595,7 +22099,7 @@
         </p:blipFill>
         <p:spPr>
           <a:xfrm>
-            <a:off x="10575235" y="0"/>
+            <a:off x="4613359" y="74371"/>
             <a:ext cx="1603920" cy="1212897"/>
           </a:xfrm>
           <a:prstGeom prst="rect">
@@ -21606,7 +22110,7 @@
     </p:spTree>
     <p:extLst>
       <p:ext uri="{BB962C8B-B14F-4D97-AF65-F5344CB8AC3E}">
-        <p14:creationId xmlns:p14="http://schemas.microsoft.com/office/powerpoint/2010/main" val="3758351761"/>
+        <p14:creationId xmlns:p14="http://schemas.microsoft.com/office/powerpoint/2010/main" val="59478693"/>
       </p:ext>
     </p:extLst>
   </p:cSld>
@@ -21661,36 +22165,38 @@
           <a:p>
             <a:pPr algn="just"/>
             <a:r>
-              <a:rPr lang="es-GT" sz="2800" dirty="0"/>
-              <a:t>14 preguntas.</a:t>
-            </a:r>
+              <a:rPr lang="es-GT" sz="2600" dirty="0"/>
+              <a:t>Se realizó una encuesta (hecha en Google </a:t>
+            </a:r>
+            <a:r>
+              <a:rPr lang="es-GT" sz="2600" dirty="0" err="1"/>
+              <a:t>forms</a:t>
+            </a:r>
+            <a:r>
+              <a:rPr lang="es-GT" sz="2600" dirty="0"/>
+              <a:t>) a un total de 53 personas cuyas edades se encontraban dentro del rango de 18 a 44 años.</a:t>
+            </a:r>
+            <a:endParaRPr lang="en-US" sz="2600" dirty="0"/>
           </a:p>
           <a:p>
             <a:pPr algn="just"/>
             <a:r>
-              <a:rPr lang="es-GT" sz="2800" dirty="0"/>
-              <a:t>1 pregunta de la edad de la persona.</a:t>
+              <a:rPr lang="es-GT" sz="2600" dirty="0"/>
+              <a:t>Primera sección: evalúa si la gente le parecía interesante y estaban de acuerdo con una aplicación que conecta a los financistas y emprendedores.</a:t>
             </a:r>
           </a:p>
           <a:p>
             <a:pPr algn="just"/>
             <a:r>
-              <a:rPr lang="es-GT" sz="2800" dirty="0"/>
-              <a:t>1 pregunta del género de la persona.</a:t>
+              <a:rPr lang="es-GT" sz="2600" dirty="0"/>
+              <a:t>Segunda sección: evalúa si las personas creen útil tener la opción de poder ofrecer o adquirir recursos que otras personas no usan para sacarle provecho de acuerdo con sus fines personales.</a:t>
             </a:r>
           </a:p>
           <a:p>
             <a:pPr algn="just"/>
             <a:r>
-              <a:rPr lang="es-GT" sz="2800" dirty="0"/>
-              <a:t>8 preguntas relacionadas a la primera parte de la encuesta.</a:t>
-            </a:r>
-          </a:p>
-          <a:p>
-            <a:pPr algn="just"/>
-            <a:r>
-              <a:rPr lang="es-GT" sz="2800" dirty="0"/>
-              <a:t>4 preguntas relacionadas a la segunda parte de la encuesta.</a:t>
+              <a:rPr lang="es-GT" sz="2600" dirty="0"/>
+              <a:t>Adicionalmente, se les pedía a las personas ingresar su género y su edad.</a:t>
             </a:r>
             <a:endParaRPr lang="en-US" sz="2600" dirty="0"/>
           </a:p>
@@ -21739,6 +22245,212 @@
                 </a:spcAft>
               </a:pPr>
               <a:t>11</a:t>
+            </a:fld>
+            <a:endParaRPr lang="en-US" b="1" i="1" noProof="0"/>
+          </a:p>
+        </p:txBody>
+      </p:sp>
+      <p:sp>
+        <p:nvSpPr>
+          <p:cNvPr id="10" name="Title 3">
+            <a:extLst>
+              <a:ext uri="{FF2B5EF4-FFF2-40B4-BE49-F238E27FC236}">
+                <a16:creationId xmlns:a16="http://schemas.microsoft.com/office/drawing/2014/main" id="{DA549DEC-8647-48AF-99DA-414191E5B086}"/>
+              </a:ext>
+            </a:extLst>
+          </p:cNvPr>
+          <p:cNvSpPr>
+            <a:spLocks noGrp="1"/>
+          </p:cNvSpPr>
+          <p:nvPr>
+            <p:ph type="title"/>
+          </p:nvPr>
+        </p:nvSpPr>
+        <p:spPr>
+          <a:xfrm>
+            <a:off x="601682" y="432000"/>
+            <a:ext cx="9973553" cy="432000"/>
+          </a:xfrm>
+        </p:spPr>
+        <p:txBody>
+          <a:bodyPr/>
+          <a:lstStyle/>
+          <a:p>
+            <a:pPr algn="ctr"/>
+            <a:r>
+              <a:rPr lang="es-GT" dirty="0"/>
+              <a:t>Factibilidad Funcional</a:t>
+            </a:r>
+            <a:endParaRPr lang="en-US" dirty="0"/>
+          </a:p>
+        </p:txBody>
+      </p:sp>
+      <p:pic>
+        <p:nvPicPr>
+          <p:cNvPr id="5" name="Picture 4" descr="A picture containing object, clock, drawing&#10;&#10;Description automatically generated">
+            <a:extLst>
+              <a:ext uri="{FF2B5EF4-FFF2-40B4-BE49-F238E27FC236}">
+                <a16:creationId xmlns:a16="http://schemas.microsoft.com/office/drawing/2014/main" id="{2964B677-637F-4282-B140-A689A50C6371}"/>
+              </a:ext>
+            </a:extLst>
+          </p:cNvPr>
+          <p:cNvPicPr>
+            <a:picLocks noChangeAspect="1"/>
+          </p:cNvPicPr>
+          <p:nvPr/>
+        </p:nvPicPr>
+        <p:blipFill>
+          <a:blip r:embed="rId2"/>
+          <a:stretch>
+            <a:fillRect/>
+          </a:stretch>
+        </p:blipFill>
+        <p:spPr>
+          <a:xfrm>
+            <a:off x="10575235" y="0"/>
+            <a:ext cx="1603920" cy="1212897"/>
+          </a:xfrm>
+          <a:prstGeom prst="rect">
+            <a:avLst/>
+          </a:prstGeom>
+        </p:spPr>
+      </p:pic>
+    </p:spTree>
+    <p:extLst>
+      <p:ext uri="{BB962C8B-B14F-4D97-AF65-F5344CB8AC3E}">
+        <p14:creationId xmlns:p14="http://schemas.microsoft.com/office/powerpoint/2010/main" val="3758351761"/>
+      </p:ext>
+    </p:extLst>
+  </p:cSld>
+  <p:clrMapOvr>
+    <a:masterClrMapping/>
+  </p:clrMapOvr>
+</p:sld>
+</file>
+
+<file path=ppt/slides/slide12.xml><?xml version="1.0" encoding="utf-8"?>
+<p:sld xmlns:a="http://schemas.openxmlformats.org/drawingml/2006/main" xmlns:r="http://schemas.openxmlformats.org/officeDocument/2006/relationships" xmlns:p="http://schemas.openxmlformats.org/presentationml/2006/main">
+  <p:cSld>
+    <p:spTree>
+      <p:nvGrpSpPr>
+        <p:cNvPr id="1" name=""/>
+        <p:cNvGrpSpPr/>
+        <p:nvPr/>
+      </p:nvGrpSpPr>
+      <p:grpSpPr>
+        <a:xfrm>
+          <a:off x="0" y="0"/>
+          <a:ext cx="0" cy="0"/>
+          <a:chOff x="0" y="0"/>
+          <a:chExt cx="0" cy="0"/>
+        </a:xfrm>
+      </p:grpSpPr>
+      <p:sp>
+        <p:nvSpPr>
+          <p:cNvPr id="6" name="Content Placeholder 1">
+            <a:extLst>
+              <a:ext uri="{FF2B5EF4-FFF2-40B4-BE49-F238E27FC236}">
+                <a16:creationId xmlns:a16="http://schemas.microsoft.com/office/drawing/2014/main" id="{77D12060-DBC1-4F3C-A03D-1BB5453B2A9D}"/>
+              </a:ext>
+            </a:extLst>
+          </p:cNvPr>
+          <p:cNvSpPr>
+            <a:spLocks noGrp="1"/>
+          </p:cNvSpPr>
+          <p:nvPr>
+            <p:ph idx="1"/>
+          </p:nvPr>
+        </p:nvSpPr>
+        <p:spPr>
+          <a:xfrm>
+            <a:off x="601682" y="1152000"/>
+            <a:ext cx="10999767" cy="5039250"/>
+          </a:xfrm>
+        </p:spPr>
+        <p:txBody>
+          <a:bodyPr/>
+          <a:lstStyle/>
+          <a:p>
+            <a:pPr algn="just"/>
+            <a:r>
+              <a:rPr lang="es-GT" sz="2800" dirty="0"/>
+              <a:t>14 preguntas.</a:t>
+            </a:r>
+          </a:p>
+          <a:p>
+            <a:pPr algn="just"/>
+            <a:r>
+              <a:rPr lang="es-GT" sz="2800" dirty="0"/>
+              <a:t>1 pregunta de la edad de la persona.</a:t>
+            </a:r>
+          </a:p>
+          <a:p>
+            <a:pPr algn="just"/>
+            <a:r>
+              <a:rPr lang="es-GT" sz="2800" dirty="0"/>
+              <a:t>1 pregunta del género de la persona.</a:t>
+            </a:r>
+          </a:p>
+          <a:p>
+            <a:pPr algn="just"/>
+            <a:r>
+              <a:rPr lang="es-GT" sz="2800" dirty="0"/>
+              <a:t>8 preguntas relacionadas a la primera parte de la encuesta.</a:t>
+            </a:r>
+          </a:p>
+          <a:p>
+            <a:pPr algn="just"/>
+            <a:r>
+              <a:rPr lang="es-GT" sz="2800" dirty="0"/>
+              <a:t>4 preguntas relacionadas a la segunda parte de la encuesta.</a:t>
+            </a:r>
+            <a:endParaRPr lang="en-US" sz="2600" dirty="0"/>
+          </a:p>
+        </p:txBody>
+      </p:sp>
+      <p:sp>
+        <p:nvSpPr>
+          <p:cNvPr id="8" name="Slide Number Placeholder 2">
+            <a:extLst>
+              <a:ext uri="{FF2B5EF4-FFF2-40B4-BE49-F238E27FC236}">
+                <a16:creationId xmlns:a16="http://schemas.microsoft.com/office/drawing/2014/main" id="{8BFA39BC-1211-462F-9D69-C975AEBBD25D}"/>
+              </a:ext>
+            </a:extLst>
+          </p:cNvPr>
+          <p:cNvSpPr>
+            <a:spLocks noGrp="1"/>
+          </p:cNvSpPr>
+          <p:nvPr>
+            <p:ph type="sldNum" sz="quarter" idx="13"/>
+          </p:nvPr>
+        </p:nvSpPr>
+        <p:spPr>
+          <a:xfrm>
+            <a:off x="11601450" y="6687111"/>
+            <a:ext cx="548755" cy="153841"/>
+          </a:xfrm>
+        </p:spPr>
+        <p:txBody>
+          <a:bodyPr/>
+          <a:lstStyle/>
+          <a:p>
+            <a:pPr>
+              <a:spcAft>
+                <a:spcPts val="600"/>
+              </a:spcAft>
+            </a:pPr>
+            <a:r>
+              <a:rPr lang="en-US" noProof="0"/>
+              <a:t>page </a:t>
+            </a:r>
+            <a:fld id="{19B51A1E-902D-48AF-9020-955120F399B6}" type="slidenum">
+              <a:rPr lang="en-US" b="1" i="1" noProof="0" smtClean="0"/>
+              <a:pPr>
+                <a:spcAft>
+                  <a:spcPts val="600"/>
+                </a:spcAft>
+              </a:pPr>
+              <a:t>12</a:t>
             </a:fld>
             <a:endParaRPr lang="en-US" b="1" i="1" noProof="0"/>
           </a:p>
@@ -21822,7 +22534,7 @@
 </p:sld>
 </file>
 
-<file path=ppt/slides/slide12.xml><?xml version="1.0" encoding="utf-8"?>
+<file path=ppt/slides/slide13.xml><?xml version="1.0" encoding="utf-8"?>
 <p:sld xmlns:a="http://schemas.openxmlformats.org/drawingml/2006/main" xmlns:r="http://schemas.openxmlformats.org/officeDocument/2006/relationships" xmlns:p="http://schemas.openxmlformats.org/presentationml/2006/main">
   <p:cSld>
     <p:bg>
@@ -21941,7 +22653,7 @@
                   <a:spcPts val="600"/>
                 </a:spcAft>
               </a:pPr>
-              <a:t>12</a:t>
+              <a:t>13</a:t>
             </a:fld>
             <a:endParaRPr lang="en-US" sz="900" b="1" i="1" noProof="0">
               <a:solidFill>
@@ -22070,7 +22782,7 @@
 </p:sld>
 </file>
 
-<file path=ppt/slides/slide13.xml><?xml version="1.0" encoding="utf-8"?>
+<file path=ppt/slides/slide14.xml><?xml version="1.0" encoding="utf-8"?>
 <p:sld xmlns:a="http://schemas.openxmlformats.org/drawingml/2006/main" xmlns:r="http://schemas.openxmlformats.org/officeDocument/2006/relationships" xmlns:p="http://schemas.openxmlformats.org/presentationml/2006/main">
   <p:cSld>
     <p:spTree>
@@ -22638,7 +23350,7 @@
             <a:fld id="{19B51A1E-902D-48AF-9020-955120F399B6}" type="slidenum">
               <a:rPr lang="en-US" b="1" i="1" smtClean="0"/>
               <a:pPr/>
-              <a:t>13</a:t>
+              <a:t>14</a:t>
             </a:fld>
             <a:endParaRPr lang="en-US" b="1" i="1" dirty="0"/>
           </a:p>
@@ -23375,216 +24087,6 @@
 </p:sld>
 </file>
 
-<file path=ppt/slides/slide14.xml><?xml version="1.0" encoding="utf-8"?>
-<p:sld xmlns:a="http://schemas.openxmlformats.org/drawingml/2006/main" xmlns:r="http://schemas.openxmlformats.org/officeDocument/2006/relationships" xmlns:p="http://schemas.openxmlformats.org/presentationml/2006/main">
-  <p:cSld>
-    <p:spTree>
-      <p:nvGrpSpPr>
-        <p:cNvPr id="1" name=""/>
-        <p:cNvGrpSpPr/>
-        <p:nvPr/>
-      </p:nvGrpSpPr>
-      <p:grpSpPr>
-        <a:xfrm>
-          <a:off x="0" y="0"/>
-          <a:ext cx="0" cy="0"/>
-          <a:chOff x="0" y="0"/>
-          <a:chExt cx="0" cy="0"/>
-        </a:xfrm>
-      </p:grpSpPr>
-      <p:sp>
-        <p:nvSpPr>
-          <p:cNvPr id="8" name="Slide Number Placeholder 2">
-            <a:extLst>
-              <a:ext uri="{FF2B5EF4-FFF2-40B4-BE49-F238E27FC236}">
-                <a16:creationId xmlns:a16="http://schemas.microsoft.com/office/drawing/2014/main" id="{8BFA39BC-1211-462F-9D69-C975AEBBD25D}"/>
-              </a:ext>
-            </a:extLst>
-          </p:cNvPr>
-          <p:cNvSpPr>
-            <a:spLocks noGrp="1"/>
-          </p:cNvSpPr>
-          <p:nvPr>
-            <p:ph type="sldNum" sz="quarter" idx="13"/>
-          </p:nvPr>
-        </p:nvSpPr>
-        <p:spPr>
-          <a:xfrm>
-            <a:off x="11601450" y="6687111"/>
-            <a:ext cx="548755" cy="153841"/>
-          </a:xfrm>
-          <a:prstGeom prst="rect">
-            <a:avLst/>
-          </a:prstGeom>
-          <a:ln w="3175">
-            <a:noFill/>
-          </a:ln>
-        </p:spPr>
-        <p:txBody>
-          <a:bodyPr anchor="ctr">
-            <a:normAutofit/>
-          </a:bodyPr>
-          <a:lstStyle/>
-          <a:p>
-            <a:pPr>
-              <a:spcAft>
-                <a:spcPts val="600"/>
-              </a:spcAft>
-            </a:pPr>
-            <a:r>
-              <a:rPr lang="en-US" sz="900" noProof="0">
-                <a:solidFill>
-                  <a:schemeClr val="bg1"/>
-                </a:solidFill>
-              </a:rPr>
-              <a:t>page </a:t>
-            </a:r>
-            <a:fld id="{19B51A1E-902D-48AF-9020-955120F399B6}" type="slidenum">
-              <a:rPr lang="en-US" sz="900" b="1" i="1" noProof="0" smtClean="0">
-                <a:solidFill>
-                  <a:schemeClr val="bg1"/>
-                </a:solidFill>
-              </a:rPr>
-              <a:pPr>
-                <a:spcAft>
-                  <a:spcPts val="600"/>
-                </a:spcAft>
-              </a:pPr>
-              <a:t>14</a:t>
-            </a:fld>
-            <a:endParaRPr lang="en-US" sz="900" b="1" i="1" noProof="0">
-              <a:solidFill>
-                <a:schemeClr val="bg1"/>
-              </a:solidFill>
-            </a:endParaRPr>
-          </a:p>
-        </p:txBody>
-      </p:sp>
-      <p:sp>
-        <p:nvSpPr>
-          <p:cNvPr id="10" name="Title 3">
-            <a:extLst>
-              <a:ext uri="{FF2B5EF4-FFF2-40B4-BE49-F238E27FC236}">
-                <a16:creationId xmlns:a16="http://schemas.microsoft.com/office/drawing/2014/main" id="{DA549DEC-8647-48AF-99DA-414191E5B086}"/>
-              </a:ext>
-            </a:extLst>
-          </p:cNvPr>
-          <p:cNvSpPr>
-            <a:spLocks noGrp="1"/>
-          </p:cNvSpPr>
-          <p:nvPr>
-            <p:ph type="title"/>
-          </p:nvPr>
-        </p:nvSpPr>
-        <p:spPr>
-          <a:xfrm>
-            <a:off x="601682" y="432000"/>
-            <a:ext cx="9973553" cy="432000"/>
-          </a:xfrm>
-          <a:prstGeom prst="rect">
-            <a:avLst/>
-          </a:prstGeom>
-        </p:spPr>
-        <p:txBody>
-          <a:bodyPr anchor="ctr">
-            <a:normAutofit/>
-          </a:bodyPr>
-          <a:lstStyle/>
-          <a:p>
-            <a:pPr algn="ctr"/>
-            <a:r>
-              <a:rPr lang="es-GT" sz="3000" dirty="0">
-                <a:solidFill>
-                  <a:schemeClr val="bg1"/>
-                </a:solidFill>
-              </a:rPr>
-              <a:t>Encuestas</a:t>
-            </a:r>
-            <a:endParaRPr lang="en-US" sz="3000" dirty="0">
-              <a:solidFill>
-                <a:schemeClr val="bg1"/>
-              </a:solidFill>
-            </a:endParaRPr>
-          </a:p>
-        </p:txBody>
-      </p:sp>
-      <p:pic>
-        <p:nvPicPr>
-          <p:cNvPr id="4" name="Picture 3">
-            <a:extLst>
-              <a:ext uri="{FF2B5EF4-FFF2-40B4-BE49-F238E27FC236}">
-                <a16:creationId xmlns:a16="http://schemas.microsoft.com/office/drawing/2014/main" id="{C84C3250-9A25-4CF9-B3F5-2110D82C53FE}"/>
-              </a:ext>
-            </a:extLst>
-          </p:cNvPr>
-          <p:cNvPicPr/>
-          <p:nvPr/>
-        </p:nvPicPr>
-        <p:blipFill>
-          <a:blip r:embed="rId2">
-            <a:extLst>
-              <a:ext uri="{28A0092B-C50C-407E-A947-70E740481C1C}">
-                <a14:useLocalDpi xmlns:a14="http://schemas.microsoft.com/office/drawing/2010/main" val="0"/>
-              </a:ext>
-            </a:extLst>
-          </a:blip>
-          <a:stretch>
-            <a:fillRect/>
-          </a:stretch>
-        </p:blipFill>
-        <p:spPr>
-          <a:xfrm>
-            <a:off x="1228688" y="1118122"/>
-            <a:ext cx="9734624" cy="5139241"/>
-          </a:xfrm>
-          <a:prstGeom prst="rect">
-            <a:avLst/>
-          </a:prstGeom>
-        </p:spPr>
-      </p:pic>
-      <p:pic>
-        <p:nvPicPr>
-          <p:cNvPr id="5" name="Picture 4" descr="A picture containing object, clock, drawing&#10;&#10;Description automatically generated">
-            <a:extLst>
-              <a:ext uri="{FF2B5EF4-FFF2-40B4-BE49-F238E27FC236}">
-                <a16:creationId xmlns:a16="http://schemas.microsoft.com/office/drawing/2014/main" id="{12091745-BE22-47E7-B63B-A0CC403AC7E4}"/>
-              </a:ext>
-            </a:extLst>
-          </p:cNvPr>
-          <p:cNvPicPr>
-            <a:picLocks noChangeAspect="1"/>
-          </p:cNvPicPr>
-          <p:nvPr/>
-        </p:nvPicPr>
-        <p:blipFill>
-          <a:blip r:embed="rId3"/>
-          <a:stretch>
-            <a:fillRect/>
-          </a:stretch>
-        </p:blipFill>
-        <p:spPr>
-          <a:xfrm>
-            <a:off x="10588080" y="17049"/>
-            <a:ext cx="1603920" cy="1101074"/>
-          </a:xfrm>
-          <a:prstGeom prst="rect">
-            <a:avLst/>
-          </a:prstGeom>
-        </p:spPr>
-      </p:pic>
-    </p:spTree>
-    <p:extLst>
-      <p:ext uri="{BB962C8B-B14F-4D97-AF65-F5344CB8AC3E}">
-        <p14:creationId xmlns:p14="http://schemas.microsoft.com/office/powerpoint/2010/main" val="2019747202"/>
-      </p:ext>
-    </p:extLst>
-  </p:cSld>
-  <p:clrMapOvr>
-    <a:masterClrMapping/>
-  </p:clrMapOvr>
-</p:sld>
-</file>
-
 <file path=ppt/slides/slide15.xml><?xml version="1.0" encoding="utf-8"?>
 <p:sld xmlns:a="http://schemas.openxmlformats.org/drawingml/2006/main" xmlns:r="http://schemas.openxmlformats.org/officeDocument/2006/relationships" xmlns:p="http://schemas.openxmlformats.org/presentationml/2006/main">
   <p:cSld>
@@ -23723,7 +24225,7 @@
           <p:cNvPr id="4" name="Picture 3">
             <a:extLst>
               <a:ext uri="{FF2B5EF4-FFF2-40B4-BE49-F238E27FC236}">
-                <a16:creationId xmlns:a16="http://schemas.microsoft.com/office/drawing/2014/main" id="{C462BCC1-4AF6-49DE-AE9A-F78722BC84A3}"/>
+                <a16:creationId xmlns:a16="http://schemas.microsoft.com/office/drawing/2014/main" id="{C84C3250-9A25-4CF9-B3F5-2110D82C53FE}"/>
               </a:ext>
             </a:extLst>
           </p:cNvPr>
@@ -23731,15 +24233,21 @@
           <p:nvPr/>
         </p:nvPicPr>
         <p:blipFill>
-          <a:blip r:embed="rId2"/>
+          <a:blip r:embed="rId2">
+            <a:extLst>
+              <a:ext uri="{28A0092B-C50C-407E-A947-70E740481C1C}">
+                <a14:useLocalDpi xmlns:a14="http://schemas.microsoft.com/office/drawing/2010/main" val="0"/>
+              </a:ext>
+            </a:extLst>
+          </a:blip>
           <a:stretch>
             <a:fillRect/>
           </a:stretch>
         </p:blipFill>
         <p:spPr>
           <a:xfrm>
-            <a:off x="1162853" y="970877"/>
-            <a:ext cx="9866293" cy="5382298"/>
+            <a:off x="1228688" y="1118122"/>
+            <a:ext cx="9734624" cy="5139241"/>
           </a:xfrm>
           <a:prstGeom prst="rect">
             <a:avLst/>
@@ -23751,7 +24259,7 @@
           <p:cNvPr id="5" name="Picture 4" descr="A picture containing object, clock, drawing&#10;&#10;Description automatically generated">
             <a:extLst>
               <a:ext uri="{FF2B5EF4-FFF2-40B4-BE49-F238E27FC236}">
-                <a16:creationId xmlns:a16="http://schemas.microsoft.com/office/drawing/2014/main" id="{A861609E-B46A-4073-A2F5-8A92700383D0}"/>
+                <a16:creationId xmlns:a16="http://schemas.microsoft.com/office/drawing/2014/main" id="{12091745-BE22-47E7-B63B-A0CC403AC7E4}"/>
               </a:ext>
             </a:extLst>
           </p:cNvPr>
@@ -23768,8 +24276,8 @@
         </p:blipFill>
         <p:spPr>
           <a:xfrm>
-            <a:off x="10588080" y="17048"/>
-            <a:ext cx="1603920" cy="953829"/>
+            <a:off x="10588080" y="17049"/>
+            <a:ext cx="1603920" cy="1101074"/>
           </a:xfrm>
           <a:prstGeom prst="rect">
             <a:avLst/>
@@ -23779,7 +24287,7 @@
     </p:spTree>
     <p:extLst>
       <p:ext uri="{BB962C8B-B14F-4D97-AF65-F5344CB8AC3E}">
-        <p14:creationId xmlns:p14="http://schemas.microsoft.com/office/powerpoint/2010/main" val="3230148840"/>
+        <p14:creationId xmlns:p14="http://schemas.microsoft.com/office/powerpoint/2010/main" val="2019747202"/>
       </p:ext>
     </p:extLst>
   </p:cSld>
@@ -23927,7 +24435,7 @@
           <p:cNvPr id="4" name="Picture 3">
             <a:extLst>
               <a:ext uri="{FF2B5EF4-FFF2-40B4-BE49-F238E27FC236}">
-                <a16:creationId xmlns:a16="http://schemas.microsoft.com/office/drawing/2014/main" id="{A637445C-9773-4992-9629-C40BA3264A66}"/>
+                <a16:creationId xmlns:a16="http://schemas.microsoft.com/office/drawing/2014/main" id="{C462BCC1-4AF6-49DE-AE9A-F78722BC84A3}"/>
               </a:ext>
             </a:extLst>
           </p:cNvPr>
@@ -23942,8 +24450,8 @@
         </p:blipFill>
         <p:spPr>
           <a:xfrm>
-            <a:off x="1291441" y="930675"/>
-            <a:ext cx="9609118" cy="5422500"/>
+            <a:off x="1162853" y="970877"/>
+            <a:ext cx="9866293" cy="5382298"/>
           </a:xfrm>
           <a:prstGeom prst="rect">
             <a:avLst/>
@@ -23955,7 +24463,7 @@
           <p:cNvPr id="5" name="Picture 4" descr="A picture containing object, clock, drawing&#10;&#10;Description automatically generated">
             <a:extLst>
               <a:ext uri="{FF2B5EF4-FFF2-40B4-BE49-F238E27FC236}">
-                <a16:creationId xmlns:a16="http://schemas.microsoft.com/office/drawing/2014/main" id="{F29FAC23-EC4E-4327-8B64-29331375B64D}"/>
+                <a16:creationId xmlns:a16="http://schemas.microsoft.com/office/drawing/2014/main" id="{A861609E-B46A-4073-A2F5-8A92700383D0}"/>
               </a:ext>
             </a:extLst>
           </p:cNvPr>
@@ -23972,8 +24480,8 @@
         </p:blipFill>
         <p:spPr>
           <a:xfrm>
-            <a:off x="10727702" y="17048"/>
-            <a:ext cx="1464297" cy="913627"/>
+            <a:off x="10588080" y="17048"/>
+            <a:ext cx="1603920" cy="953829"/>
           </a:xfrm>
           <a:prstGeom prst="rect">
             <a:avLst/>
@@ -23983,7 +24491,7 @@
     </p:spTree>
     <p:extLst>
       <p:ext uri="{BB962C8B-B14F-4D97-AF65-F5344CB8AC3E}">
-        <p14:creationId xmlns:p14="http://schemas.microsoft.com/office/powerpoint/2010/main" val="1041451665"/>
+        <p14:creationId xmlns:p14="http://schemas.microsoft.com/office/powerpoint/2010/main" val="3230148840"/>
       </p:ext>
     </p:extLst>
   </p:cSld>
@@ -24131,7 +24639,7 @@
           <p:cNvPr id="4" name="Picture 3">
             <a:extLst>
               <a:ext uri="{FF2B5EF4-FFF2-40B4-BE49-F238E27FC236}">
-                <a16:creationId xmlns:a16="http://schemas.microsoft.com/office/drawing/2014/main" id="{DEF0C481-1E78-48EA-A4C3-D40439DAA39E}"/>
+                <a16:creationId xmlns:a16="http://schemas.microsoft.com/office/drawing/2014/main" id="{A637445C-9773-4992-9629-C40BA3264A66}"/>
               </a:ext>
             </a:extLst>
           </p:cNvPr>
@@ -24146,8 +24654,8 @@
         </p:blipFill>
         <p:spPr>
           <a:xfrm>
-            <a:off x="958066" y="987825"/>
-            <a:ext cx="10275868" cy="5365350"/>
+            <a:off x="1291441" y="930675"/>
+            <a:ext cx="9609118" cy="5422500"/>
           </a:xfrm>
           <a:prstGeom prst="rect">
             <a:avLst/>
@@ -24159,7 +24667,7 @@
           <p:cNvPr id="5" name="Picture 4" descr="A picture containing object, clock, drawing&#10;&#10;Description automatically generated">
             <a:extLst>
               <a:ext uri="{FF2B5EF4-FFF2-40B4-BE49-F238E27FC236}">
-                <a16:creationId xmlns:a16="http://schemas.microsoft.com/office/drawing/2014/main" id="{03A50A88-3A1D-4930-9794-BDAD5C85BA87}"/>
+                <a16:creationId xmlns:a16="http://schemas.microsoft.com/office/drawing/2014/main" id="{F29FAC23-EC4E-4327-8B64-29331375B64D}"/>
               </a:ext>
             </a:extLst>
           </p:cNvPr>
@@ -24187,7 +24695,7 @@
     </p:spTree>
     <p:extLst>
       <p:ext uri="{BB962C8B-B14F-4D97-AF65-F5344CB8AC3E}">
-        <p14:creationId xmlns:p14="http://schemas.microsoft.com/office/powerpoint/2010/main" val="799527119"/>
+        <p14:creationId xmlns:p14="http://schemas.microsoft.com/office/powerpoint/2010/main" val="1041451665"/>
       </p:ext>
     </p:extLst>
   </p:cSld>
@@ -24335,7 +24843,7 @@
           <p:cNvPr id="4" name="Picture 3">
             <a:extLst>
               <a:ext uri="{FF2B5EF4-FFF2-40B4-BE49-F238E27FC236}">
-                <a16:creationId xmlns:a16="http://schemas.microsoft.com/office/drawing/2014/main" id="{02B17F88-797B-4F3E-BF52-DECFB6417EC9}"/>
+                <a16:creationId xmlns:a16="http://schemas.microsoft.com/office/drawing/2014/main" id="{DEF0C481-1E78-48EA-A4C3-D40439DAA39E}"/>
               </a:ext>
             </a:extLst>
           </p:cNvPr>
@@ -24350,8 +24858,8 @@
         </p:blipFill>
         <p:spPr>
           <a:xfrm>
-            <a:off x="1643866" y="959250"/>
-            <a:ext cx="8904268" cy="5384400"/>
+            <a:off x="958066" y="987825"/>
+            <a:ext cx="10275868" cy="5365350"/>
           </a:xfrm>
           <a:prstGeom prst="rect">
             <a:avLst/>
@@ -24363,7 +24871,7 @@
           <p:cNvPr id="5" name="Picture 4" descr="A picture containing object, clock, drawing&#10;&#10;Description automatically generated">
             <a:extLst>
               <a:ext uri="{FF2B5EF4-FFF2-40B4-BE49-F238E27FC236}">
-                <a16:creationId xmlns:a16="http://schemas.microsoft.com/office/drawing/2014/main" id="{AAF9CB6B-B5C4-4590-A2B3-3F7636BD8F04}"/>
+                <a16:creationId xmlns:a16="http://schemas.microsoft.com/office/drawing/2014/main" id="{03A50A88-3A1D-4930-9794-BDAD5C85BA87}"/>
               </a:ext>
             </a:extLst>
           </p:cNvPr>
@@ -24391,7 +24899,7 @@
     </p:spTree>
     <p:extLst>
       <p:ext uri="{BB962C8B-B14F-4D97-AF65-F5344CB8AC3E}">
-        <p14:creationId xmlns:p14="http://schemas.microsoft.com/office/powerpoint/2010/main" val="4262908993"/>
+        <p14:creationId xmlns:p14="http://schemas.microsoft.com/office/powerpoint/2010/main" val="799527119"/>
       </p:ext>
     </p:extLst>
   </p:cSld>
@@ -24539,7 +25047,7 @@
           <p:cNvPr id="4" name="Picture 3">
             <a:extLst>
               <a:ext uri="{FF2B5EF4-FFF2-40B4-BE49-F238E27FC236}">
-                <a16:creationId xmlns:a16="http://schemas.microsoft.com/office/drawing/2014/main" id="{7E5F1E9B-E492-455E-899B-AEDB286EBABB}"/>
+                <a16:creationId xmlns:a16="http://schemas.microsoft.com/office/drawing/2014/main" id="{02B17F88-797B-4F3E-BF52-DECFB6417EC9}"/>
               </a:ext>
             </a:extLst>
           </p:cNvPr>
@@ -24554,8 +25062,8 @@
         </p:blipFill>
         <p:spPr>
           <a:xfrm>
-            <a:off x="1109223" y="1064025"/>
-            <a:ext cx="9973553" cy="5212950"/>
+            <a:off x="1643866" y="959250"/>
+            <a:ext cx="8904268" cy="5384400"/>
           </a:xfrm>
           <a:prstGeom prst="rect">
             <a:avLst/>
@@ -24567,7 +25075,7 @@
           <p:cNvPr id="5" name="Picture 4" descr="A picture containing object, clock, drawing&#10;&#10;Description automatically generated">
             <a:extLst>
               <a:ext uri="{FF2B5EF4-FFF2-40B4-BE49-F238E27FC236}">
-                <a16:creationId xmlns:a16="http://schemas.microsoft.com/office/drawing/2014/main" id="{D12A5EB2-9424-408F-8BB7-081C7ECB68AF}"/>
+                <a16:creationId xmlns:a16="http://schemas.microsoft.com/office/drawing/2014/main" id="{AAF9CB6B-B5C4-4590-A2B3-3F7636BD8F04}"/>
               </a:ext>
             </a:extLst>
           </p:cNvPr>
@@ -24595,7 +25103,7 @@
     </p:spTree>
     <p:extLst>
       <p:ext uri="{BB962C8B-B14F-4D97-AF65-F5344CB8AC3E}">
-        <p14:creationId xmlns:p14="http://schemas.microsoft.com/office/powerpoint/2010/main" val="509084776"/>
+        <p14:creationId xmlns:p14="http://schemas.microsoft.com/office/powerpoint/2010/main" val="4262908993"/>
       </p:ext>
     </p:extLst>
   </p:cSld>
@@ -25065,7 +25573,7 @@
           <p:cNvPr id="4" name="Picture 3">
             <a:extLst>
               <a:ext uri="{FF2B5EF4-FFF2-40B4-BE49-F238E27FC236}">
-                <a16:creationId xmlns:a16="http://schemas.microsoft.com/office/drawing/2014/main" id="{80C0B629-F0E0-4F42-B30A-07C258C10C29}"/>
+                <a16:creationId xmlns:a16="http://schemas.microsoft.com/office/drawing/2014/main" id="{7E5F1E9B-E492-455E-899B-AEDB286EBABB}"/>
               </a:ext>
             </a:extLst>
           </p:cNvPr>
@@ -25080,8 +25588,38 @@
         </p:blipFill>
         <p:spPr>
           <a:xfrm>
-            <a:off x="1281916" y="1006874"/>
-            <a:ext cx="9628168" cy="5260575"/>
+            <a:off x="1109223" y="1064025"/>
+            <a:ext cx="9973553" cy="5212950"/>
+          </a:xfrm>
+          <a:prstGeom prst="rect">
+            <a:avLst/>
+          </a:prstGeom>
+        </p:spPr>
+      </p:pic>
+      <p:pic>
+        <p:nvPicPr>
+          <p:cNvPr id="5" name="Picture 4" descr="A picture containing object, clock, drawing&#10;&#10;Description automatically generated">
+            <a:extLst>
+              <a:ext uri="{FF2B5EF4-FFF2-40B4-BE49-F238E27FC236}">
+                <a16:creationId xmlns:a16="http://schemas.microsoft.com/office/drawing/2014/main" id="{D12A5EB2-9424-408F-8BB7-081C7ECB68AF}"/>
+              </a:ext>
+            </a:extLst>
+          </p:cNvPr>
+          <p:cNvPicPr>
+            <a:picLocks noChangeAspect="1"/>
+          </p:cNvPicPr>
+          <p:nvPr/>
+        </p:nvPicPr>
+        <p:blipFill>
+          <a:blip r:embed="rId3"/>
+          <a:stretch>
+            <a:fillRect/>
+          </a:stretch>
+        </p:blipFill>
+        <p:spPr>
+          <a:xfrm>
+            <a:off x="10727702" y="17048"/>
+            <a:ext cx="1464297" cy="913627"/>
           </a:xfrm>
           <a:prstGeom prst="rect">
             <a:avLst/>
@@ -25091,7 +25629,7 @@
     </p:spTree>
     <p:extLst>
       <p:ext uri="{BB962C8B-B14F-4D97-AF65-F5344CB8AC3E}">
-        <p14:creationId xmlns:p14="http://schemas.microsoft.com/office/powerpoint/2010/main" val="419216507"/>
+        <p14:creationId xmlns:p14="http://schemas.microsoft.com/office/powerpoint/2010/main" val="509084776"/>
       </p:ext>
     </p:extLst>
   </p:cSld>
@@ -25239,7 +25777,7 @@
           <p:cNvPr id="4" name="Picture 3">
             <a:extLst>
               <a:ext uri="{FF2B5EF4-FFF2-40B4-BE49-F238E27FC236}">
-                <a16:creationId xmlns:a16="http://schemas.microsoft.com/office/drawing/2014/main" id="{4DF6E5A6-316E-4927-A1AC-B03C3367304D}"/>
+                <a16:creationId xmlns:a16="http://schemas.microsoft.com/office/drawing/2014/main" id="{80C0B629-F0E0-4F42-B30A-07C258C10C29}"/>
               </a:ext>
             </a:extLst>
           </p:cNvPr>
@@ -25254,8 +25792,8 @@
         </p:blipFill>
         <p:spPr>
           <a:xfrm>
-            <a:off x="1109223" y="1006875"/>
-            <a:ext cx="9973553" cy="5270100"/>
+            <a:off x="1281916" y="1006874"/>
+            <a:ext cx="9628168" cy="5260575"/>
           </a:xfrm>
           <a:prstGeom prst="rect">
             <a:avLst/>
@@ -25265,7 +25803,7 @@
     </p:spTree>
     <p:extLst>
       <p:ext uri="{BB962C8B-B14F-4D97-AF65-F5344CB8AC3E}">
-        <p14:creationId xmlns:p14="http://schemas.microsoft.com/office/powerpoint/2010/main" val="1558005278"/>
+        <p14:creationId xmlns:p14="http://schemas.microsoft.com/office/powerpoint/2010/main" val="419216507"/>
       </p:ext>
     </p:extLst>
   </p:cSld>
@@ -25294,10 +25832,10 @@
       </p:grpSpPr>
       <p:sp>
         <p:nvSpPr>
-          <p:cNvPr id="5" name="Content Placeholder 4">
-            <a:extLst>
-              <a:ext uri="{FF2B5EF4-FFF2-40B4-BE49-F238E27FC236}">
-                <a16:creationId xmlns:a16="http://schemas.microsoft.com/office/drawing/2014/main" id="{501AA189-692E-42AB-8FA0-345CF3ABCF43}"/>
+          <p:cNvPr id="8" name="Slide Number Placeholder 2">
+            <a:extLst>
+              <a:ext uri="{FF2B5EF4-FFF2-40B4-BE49-F238E27FC236}">
+                <a16:creationId xmlns:a16="http://schemas.microsoft.com/office/drawing/2014/main" id="{8BFA39BC-1211-462F-9D69-C975AEBBD25D}"/>
               </a:ext>
             </a:extLst>
           </p:cNvPr>
@@ -25305,142 +25843,25 @@
             <a:spLocks noGrp="1"/>
           </p:cNvSpPr>
           <p:nvPr>
-            <p:ph sz="half" idx="2"/>
+            <p:ph type="sldNum" sz="quarter" idx="13"/>
           </p:nvPr>
         </p:nvSpPr>
         <p:spPr>
           <a:xfrm>
-            <a:off x="601682" y="2534644"/>
-            <a:ext cx="5400000" cy="3656606"/>
-          </a:xfrm>
-        </p:spPr>
-        <p:txBody>
-          <a:bodyPr/>
-          <a:lstStyle/>
-          <a:p>
-            <a:r>
-              <a:rPr lang="es-GT" dirty="0"/>
-              <a:t>Es una plataforma para </a:t>
-            </a:r>
-            <a:r>
-              <a:rPr lang="es-GT" b="1" dirty="0" err="1"/>
-              <a:t>equity</a:t>
-            </a:r>
-            <a:r>
-              <a:rPr lang="es-GT" b="1" dirty="0"/>
-              <a:t> crowdfunding</a:t>
-            </a:r>
-            <a:r>
-              <a:rPr lang="es-GT" dirty="0"/>
-              <a:t>, cubre muchas industrias, los inversores reciben acciones o bonos convertibles(se puede canjear por acciones, mientras no ejerza el derecho de conversión el comprador recibirá intereses de acuerdo a un contrato establecido).</a:t>
-            </a:r>
-            <a:endParaRPr lang="en-US" dirty="0"/>
-          </a:p>
-          <a:p>
-            <a:pPr marL="0" indent="0">
-              <a:buNone/>
-            </a:pPr>
-            <a:r>
-              <a:rPr lang="en-US" dirty="0"/>
-              <a:t>     https://www.startengine.com/</a:t>
-            </a:r>
-          </a:p>
-        </p:txBody>
-      </p:sp>
-      <p:sp>
-        <p:nvSpPr>
-          <p:cNvPr id="7" name="Text Placeholder 6">
-            <a:extLst>
-              <a:ext uri="{FF2B5EF4-FFF2-40B4-BE49-F238E27FC236}">
-                <a16:creationId xmlns:a16="http://schemas.microsoft.com/office/drawing/2014/main" id="{5DB66C1B-8526-4D59-89FD-F370E4695D29}"/>
-              </a:ext>
-            </a:extLst>
-          </p:cNvPr>
-          <p:cNvSpPr>
-            <a:spLocks noGrp="1"/>
-          </p:cNvSpPr>
-          <p:nvPr>
-            <p:ph type="body" sz="quarter" idx="12"/>
-          </p:nvPr>
-        </p:nvSpPr>
-        <p:spPr>
-          <a:xfrm>
-            <a:off x="6237111" y="2534644"/>
-            <a:ext cx="5638716" cy="2738744"/>
-          </a:xfrm>
-        </p:spPr>
-        <p:txBody>
-          <a:bodyPr/>
-          <a:lstStyle/>
-          <a:p>
-            <a:r>
-              <a:rPr lang="es-GT" dirty="0"/>
-              <a:t> Es una plataforma para </a:t>
-            </a:r>
-            <a:r>
-              <a:rPr lang="es-GT" b="1" dirty="0" err="1"/>
-              <a:t>reward</a:t>
-            </a:r>
-            <a:r>
-              <a:rPr lang="es-GT" b="1" dirty="0"/>
-              <a:t> crowdfunding</a:t>
-            </a:r>
-            <a:r>
-              <a:rPr lang="es-GT" dirty="0"/>
-              <a:t>, su misión es que proyectos creativos se vuelvan realidad, han tenido 167,947 proyectos que lograron ser financiados. Funciona baja el concepto  de </a:t>
-            </a:r>
-            <a:r>
-              <a:rPr lang="es-GT" dirty="0" err="1"/>
-              <a:t>funding</a:t>
-            </a:r>
-            <a:r>
-              <a:rPr lang="es-GT" dirty="0"/>
-              <a:t> </a:t>
-            </a:r>
-            <a:r>
-              <a:rPr lang="es-GT" dirty="0" err="1"/>
-              <a:t>all-or-nothing</a:t>
-            </a:r>
-            <a:r>
-              <a:rPr lang="es-GT" dirty="0"/>
-              <a:t>, si el emprendedor no consigue llegar a la meta que se establece recaudar el proyecto se declara como fallido y no se realizan los cobros a los inversores.</a:t>
-            </a:r>
-          </a:p>
-          <a:p>
-            <a:pPr marL="0" indent="0">
-              <a:buNone/>
-            </a:pPr>
-            <a:r>
-              <a:rPr lang="es-GT" dirty="0"/>
-              <a:t>     </a:t>
-            </a:r>
-            <a:r>
-              <a:rPr lang="en-US" dirty="0"/>
-              <a:t> https://www.kickstarter.com/</a:t>
-            </a:r>
-            <a:endParaRPr lang="es-GT" dirty="0"/>
-          </a:p>
-        </p:txBody>
-      </p:sp>
-      <p:sp>
-        <p:nvSpPr>
-          <p:cNvPr id="8" name="Slide Number Placeholder 2">
-            <a:extLst>
-              <a:ext uri="{FF2B5EF4-FFF2-40B4-BE49-F238E27FC236}">
-                <a16:creationId xmlns:a16="http://schemas.microsoft.com/office/drawing/2014/main" id="{8BFA39BC-1211-462F-9D69-C975AEBBD25D}"/>
-              </a:ext>
-            </a:extLst>
-          </p:cNvPr>
-          <p:cNvSpPr>
-            <a:spLocks noGrp="1"/>
-          </p:cNvSpPr>
-          <p:nvPr>
-            <p:ph type="sldNum" sz="quarter" idx="15"/>
-          </p:nvPr>
-        </p:nvSpPr>
-        <p:spPr/>
-        <p:txBody>
-          <a:bodyPr/>
+            <a:off x="11601450" y="6687111"/>
+            <a:ext cx="548755" cy="153841"/>
+          </a:xfrm>
+          <a:prstGeom prst="rect">
+            <a:avLst/>
+          </a:prstGeom>
+          <a:ln w="3175">
+            <a:noFill/>
+          </a:ln>
+        </p:spPr>
+        <p:txBody>
+          <a:bodyPr anchor="ctr">
+            <a:normAutofit/>
+          </a:bodyPr>
           <a:lstStyle/>
           <a:p>
             <a:pPr>
@@ -25449,11 +25870,19 @@
               </a:spcAft>
             </a:pPr>
             <a:r>
-              <a:rPr lang="en-US" noProof="0"/>
+              <a:rPr lang="en-US" sz="900" noProof="0">
+                <a:solidFill>
+                  <a:schemeClr val="bg1"/>
+                </a:solidFill>
+              </a:rPr>
               <a:t>page </a:t>
             </a:r>
             <a:fld id="{19B51A1E-902D-48AF-9020-955120F399B6}" type="slidenum">
-              <a:rPr lang="en-US" b="1" i="1" noProof="0" smtClean="0"/>
+              <a:rPr lang="en-US" sz="900" b="1" i="1" noProof="0" smtClean="0">
+                <a:solidFill>
+                  <a:schemeClr val="bg1"/>
+                </a:solidFill>
+              </a:rPr>
               <a:pPr>
                 <a:spcAft>
                   <a:spcPts val="600"/>
@@ -25461,7 +25890,11 @@
               </a:pPr>
               <a:t>22</a:t>
             </a:fld>
-            <a:endParaRPr lang="en-US" b="1" i="1" noProof="0"/>
+            <a:endParaRPr lang="en-US" sz="900" b="1" i="1" noProof="0">
+              <a:solidFill>
+                <a:schemeClr val="bg1"/>
+              </a:solidFill>
+            </a:endParaRPr>
           </a:p>
         </p:txBody>
       </p:sp>
@@ -25481,32 +25914,48 @@
             <p:ph type="title"/>
           </p:nvPr>
         </p:nvSpPr>
-        <p:spPr/>
-        <p:txBody>
-          <a:bodyPr/>
+        <p:spPr>
+          <a:xfrm>
+            <a:off x="601682" y="432000"/>
+            <a:ext cx="9973553" cy="432000"/>
+          </a:xfrm>
+          <a:prstGeom prst="rect">
+            <a:avLst/>
+          </a:prstGeom>
+        </p:spPr>
+        <p:txBody>
+          <a:bodyPr anchor="ctr">
+            <a:normAutofit/>
+          </a:bodyPr>
           <a:lstStyle/>
           <a:p>
             <a:pPr algn="ctr"/>
             <a:r>
-              <a:rPr lang="es-GT" dirty="0"/>
-              <a:t>Competidores</a:t>
-            </a:r>
-            <a:endParaRPr lang="en-US" dirty="0"/>
+              <a:rPr lang="es-GT" sz="3000" dirty="0">
+                <a:solidFill>
+                  <a:schemeClr val="bg1"/>
+                </a:solidFill>
+              </a:rPr>
+              <a:t>Encuestas</a:t>
+            </a:r>
+            <a:endParaRPr lang="en-US" sz="3000" dirty="0">
+              <a:solidFill>
+                <a:schemeClr val="bg1"/>
+              </a:solidFill>
+            </a:endParaRPr>
           </a:p>
         </p:txBody>
       </p:sp>
       <p:pic>
         <p:nvPicPr>
-          <p:cNvPr id="11" name="Picture 10" descr="A picture containing object, clock, drawing&#10;&#10;Description automatically generated">
-            <a:extLst>
-              <a:ext uri="{FF2B5EF4-FFF2-40B4-BE49-F238E27FC236}">
-                <a16:creationId xmlns:a16="http://schemas.microsoft.com/office/drawing/2014/main" id="{0B4C37D6-845C-48B4-AA24-F91D2C9663B4}"/>
-              </a:ext>
-            </a:extLst>
-          </p:cNvPr>
-          <p:cNvPicPr>
-            <a:picLocks noChangeAspect="1"/>
-          </p:cNvPicPr>
+          <p:cNvPr id="4" name="Picture 3">
+            <a:extLst>
+              <a:ext uri="{FF2B5EF4-FFF2-40B4-BE49-F238E27FC236}">
+                <a16:creationId xmlns:a16="http://schemas.microsoft.com/office/drawing/2014/main" id="{4DF6E5A6-316E-4927-A1AC-B03C3367304D}"/>
+              </a:ext>
+            </a:extLst>
+          </p:cNvPr>
+          <p:cNvPicPr/>
           <p:nvPr/>
         </p:nvPicPr>
         <p:blipFill>
@@ -25517,68 +25966,8 @@
         </p:blipFill>
         <p:spPr>
           <a:xfrm>
-            <a:off x="10588080" y="17048"/>
-            <a:ext cx="1603920" cy="1212897"/>
-          </a:xfrm>
-          <a:prstGeom prst="rect">
-            <a:avLst/>
-          </a:prstGeom>
-        </p:spPr>
-      </p:pic>
-      <p:pic>
-        <p:nvPicPr>
-          <p:cNvPr id="18" name="Picture 17" descr="A close up of a sign&#10;&#10;Description automatically generated">
-            <a:extLst>
-              <a:ext uri="{FF2B5EF4-FFF2-40B4-BE49-F238E27FC236}">
-                <a16:creationId xmlns:a16="http://schemas.microsoft.com/office/drawing/2014/main" id="{C0D571E5-6043-49B8-AFA8-DCB8D4643C69}"/>
-              </a:ext>
-            </a:extLst>
-          </p:cNvPr>
-          <p:cNvPicPr>
-            <a:picLocks noChangeAspect="1"/>
-          </p:cNvPicPr>
-          <p:nvPr/>
-        </p:nvPicPr>
-        <p:blipFill>
-          <a:blip r:embed="rId3"/>
-          <a:stretch>
-            <a:fillRect/>
-          </a:stretch>
-        </p:blipFill>
-        <p:spPr>
-          <a:xfrm>
-            <a:off x="746748" y="1027984"/>
-            <a:ext cx="2386978" cy="1342675"/>
-          </a:xfrm>
-          <a:prstGeom prst="rect">
-            <a:avLst/>
-          </a:prstGeom>
-        </p:spPr>
-      </p:pic>
-      <p:pic>
-        <p:nvPicPr>
-          <p:cNvPr id="23" name="Picture 22">
-            <a:extLst>
-              <a:ext uri="{FF2B5EF4-FFF2-40B4-BE49-F238E27FC236}">
-                <a16:creationId xmlns:a16="http://schemas.microsoft.com/office/drawing/2014/main" id="{33526D47-6511-4765-8E8F-7C47AA43ABE0}"/>
-              </a:ext>
-            </a:extLst>
-          </p:cNvPr>
-          <p:cNvPicPr>
-            <a:picLocks noChangeAspect="1"/>
-          </p:cNvPicPr>
-          <p:nvPr/>
-        </p:nvPicPr>
-        <p:blipFill>
-          <a:blip r:embed="rId4"/>
-          <a:stretch>
-            <a:fillRect/>
-          </a:stretch>
-        </p:blipFill>
-        <p:spPr>
-          <a:xfrm>
-            <a:off x="6651189" y="1546674"/>
-            <a:ext cx="4065882" cy="432000"/>
+            <a:off x="1109223" y="1006875"/>
+            <a:ext cx="9973553" cy="5270100"/>
           </a:xfrm>
           <a:prstGeom prst="rect">
             <a:avLst/>
@@ -25588,7 +25977,7 @@
     </p:spTree>
     <p:extLst>
       <p:ext uri="{BB962C8B-B14F-4D97-AF65-F5344CB8AC3E}">
-        <p14:creationId xmlns:p14="http://schemas.microsoft.com/office/powerpoint/2010/main" val="395633704"/>
+        <p14:creationId xmlns:p14="http://schemas.microsoft.com/office/powerpoint/2010/main" val="1558005278"/>
       </p:ext>
     </p:extLst>
   </p:cSld>
@@ -25617,6 +26006,61 @@
       </p:grpSpPr>
       <p:sp>
         <p:nvSpPr>
+          <p:cNvPr id="5" name="Content Placeholder 4">
+            <a:extLst>
+              <a:ext uri="{FF2B5EF4-FFF2-40B4-BE49-F238E27FC236}">
+                <a16:creationId xmlns:a16="http://schemas.microsoft.com/office/drawing/2014/main" id="{501AA189-692E-42AB-8FA0-345CF3ABCF43}"/>
+              </a:ext>
+            </a:extLst>
+          </p:cNvPr>
+          <p:cNvSpPr>
+            <a:spLocks noGrp="1"/>
+          </p:cNvSpPr>
+          <p:nvPr>
+            <p:ph sz="half" idx="2"/>
+          </p:nvPr>
+        </p:nvSpPr>
+        <p:spPr>
+          <a:xfrm>
+            <a:off x="601682" y="2534644"/>
+            <a:ext cx="5400000" cy="3656606"/>
+          </a:xfrm>
+        </p:spPr>
+        <p:txBody>
+          <a:bodyPr/>
+          <a:lstStyle/>
+          <a:p>
+            <a:r>
+              <a:rPr lang="es-GT" dirty="0"/>
+              <a:t>Es una plataforma para </a:t>
+            </a:r>
+            <a:r>
+              <a:rPr lang="es-GT" b="1" dirty="0" err="1"/>
+              <a:t>equity</a:t>
+            </a:r>
+            <a:r>
+              <a:rPr lang="es-GT" b="1" dirty="0"/>
+              <a:t> crowdfunding</a:t>
+            </a:r>
+            <a:r>
+              <a:rPr lang="es-GT" dirty="0"/>
+              <a:t>, cubre muchas industrias, los inversores reciben acciones o bonos convertibles(se puede canjear por acciones, mientras no ejerza el derecho de conversión el comprador recibirá intereses de acuerdo a un contrato establecido).</a:t>
+            </a:r>
+            <a:endParaRPr lang="en-US" dirty="0"/>
+          </a:p>
+          <a:p>
+            <a:pPr marL="0" indent="0">
+              <a:buNone/>
+            </a:pPr>
+            <a:r>
+              <a:rPr lang="en-US" dirty="0"/>
+              <a:t>     https://www.startengine.com/</a:t>
+            </a:r>
+          </a:p>
+        </p:txBody>
+      </p:sp>
+      <p:sp>
+        <p:nvSpPr>
           <p:cNvPr id="7" name="Text Placeholder 6">
             <a:extLst>
               <a:ext uri="{FF2B5EF4-FFF2-40B4-BE49-F238E27FC236}">
@@ -25633,8 +26077,8 @@
         </p:nvSpPr>
         <p:spPr>
           <a:xfrm>
-            <a:off x="1089960" y="1950758"/>
-            <a:ext cx="5396565" cy="2192618"/>
+            <a:off x="6237111" y="2534644"/>
+            <a:ext cx="5638716" cy="2738744"/>
           </a:xfrm>
         </p:spPr>
         <p:txBody>
@@ -25643,19 +26087,50 @@
           <a:p>
             <a:r>
               <a:rPr lang="es-GT" dirty="0"/>
-              <a:t> Se describen como un lugar donde puedes encontrar proyectos de innovación, desarrollo comunitario, causas sociales, etc. Los proyectos tendrán recompensas y precios especiales a cambio de apoyo. (Esta es una pagina guatemalteca para crowdfunding) </a:t>
+              <a:t> Es una plataforma para </a:t>
+            </a:r>
+            <a:r>
+              <a:rPr lang="es-GT" b="1" dirty="0" err="1"/>
+              <a:t>reward</a:t>
             </a:r>
             <a:r>
               <a:rPr lang="es-GT" b="1" dirty="0"/>
-              <a:t>Ellos serian la competencia mas cercana.</a:t>
-            </a:r>
-            <a:endParaRPr lang="en-US" dirty="0"/>
-          </a:p>
-          <a:p>
+              <a:t> crowdfunding</a:t>
+            </a:r>
+            <a:r>
+              <a:rPr lang="es-GT" dirty="0"/>
+              <a:t>, su misión es que proyectos creativos se vuelvan realidad, han tenido 167,947 proyectos que lograron ser financiados. Funciona baja el concepto  de </a:t>
+            </a:r>
+            <a:r>
+              <a:rPr lang="es-GT" dirty="0" err="1"/>
+              <a:t>funding</a:t>
+            </a:r>
+            <a:r>
+              <a:rPr lang="es-GT" dirty="0"/>
+              <a:t> </a:t>
+            </a:r>
+            <a:r>
+              <a:rPr lang="es-GT" dirty="0" err="1"/>
+              <a:t>all-or-nothing</a:t>
+            </a:r>
+            <a:r>
+              <a:rPr lang="es-GT" dirty="0"/>
+              <a:t>, si el emprendedor no consigue llegar a la meta que se establece recaudar el proyecto se declara como fallido y no se realizan los cobros a los inversores.</a:t>
+            </a:r>
+          </a:p>
+          <a:p>
+            <a:pPr marL="0" indent="0">
+              <a:buNone/>
+            </a:pPr>
+            <a:r>
+              <a:rPr lang="es-GT" dirty="0"/>
+              <a:t>     </a:t>
+            </a:r>
             <a:r>
               <a:rPr lang="en-US" dirty="0"/>
-              <a:t>https://www.emprendi-la.com/</a:t>
-            </a:r>
+              <a:t> https://www.kickstarter.com/</a:t>
+            </a:r>
+            <a:endParaRPr lang="es-GT" dirty="0"/>
           </a:p>
         </p:txBody>
       </p:sp>
@@ -25764,10 +26239,10 @@
       </p:pic>
       <p:pic>
         <p:nvPicPr>
-          <p:cNvPr id="13" name="Picture 12">
-            <a:extLst>
-              <a:ext uri="{FF2B5EF4-FFF2-40B4-BE49-F238E27FC236}">
-                <a16:creationId xmlns:a16="http://schemas.microsoft.com/office/drawing/2014/main" id="{A6E54C84-4846-4CCA-9637-EFAB6BE20EBF}"/>
+          <p:cNvPr id="18" name="Picture 17" descr="A close up of a sign&#10;&#10;Description automatically generated">
+            <a:extLst>
+              <a:ext uri="{FF2B5EF4-FFF2-40B4-BE49-F238E27FC236}">
+                <a16:creationId xmlns:a16="http://schemas.microsoft.com/office/drawing/2014/main" id="{C0D571E5-6043-49B8-AFA8-DCB8D4643C69}"/>
               </a:ext>
             </a:extLst>
           </p:cNvPr>
@@ -25784,8 +26259,8 @@
         </p:blipFill>
         <p:spPr>
           <a:xfrm>
-            <a:off x="7234458" y="1500810"/>
-            <a:ext cx="3353622" cy="4547439"/>
+            <a:off x="746748" y="1027984"/>
+            <a:ext cx="2386978" cy="1342675"/>
           </a:xfrm>
           <a:prstGeom prst="rect">
             <a:avLst/>
@@ -25794,10 +26269,10 @@
       </p:pic>
       <p:pic>
         <p:nvPicPr>
-          <p:cNvPr id="16" name="Picture 15" descr="A picture containing light&#10;&#10;Description automatically generated">
-            <a:extLst>
-              <a:ext uri="{FF2B5EF4-FFF2-40B4-BE49-F238E27FC236}">
-                <a16:creationId xmlns:a16="http://schemas.microsoft.com/office/drawing/2014/main" id="{95CF6A15-CCFC-4DC9-A29A-FAC6A6619676}"/>
+          <p:cNvPr id="23" name="Picture 22">
+            <a:extLst>
+              <a:ext uri="{FF2B5EF4-FFF2-40B4-BE49-F238E27FC236}">
+                <a16:creationId xmlns:a16="http://schemas.microsoft.com/office/drawing/2014/main" id="{33526D47-6511-4765-8E8F-7C47AA43ABE0}"/>
               </a:ext>
             </a:extLst>
           </p:cNvPr>
@@ -25814,8 +26289,8 @@
         </p:blipFill>
         <p:spPr>
           <a:xfrm>
-            <a:off x="1616765" y="-204810"/>
-            <a:ext cx="2869510" cy="2869510"/>
+            <a:off x="6651189" y="1546674"/>
+            <a:ext cx="4065882" cy="432000"/>
           </a:xfrm>
           <a:prstGeom prst="rect">
             <a:avLst/>
@@ -25825,7 +26300,7 @@
     </p:spTree>
     <p:extLst>
       <p:ext uri="{BB962C8B-B14F-4D97-AF65-F5344CB8AC3E}">
-        <p14:creationId xmlns:p14="http://schemas.microsoft.com/office/powerpoint/2010/main" val="2390197059"/>
+        <p14:creationId xmlns:p14="http://schemas.microsoft.com/office/powerpoint/2010/main" val="395633704"/>
       </p:ext>
     </p:extLst>
   </p:cSld>
@@ -25854,6 +26329,243 @@
       </p:grpSpPr>
       <p:sp>
         <p:nvSpPr>
+          <p:cNvPr id="7" name="Text Placeholder 6">
+            <a:extLst>
+              <a:ext uri="{FF2B5EF4-FFF2-40B4-BE49-F238E27FC236}">
+                <a16:creationId xmlns:a16="http://schemas.microsoft.com/office/drawing/2014/main" id="{5DB66C1B-8526-4D59-89FD-F370E4695D29}"/>
+              </a:ext>
+            </a:extLst>
+          </p:cNvPr>
+          <p:cNvSpPr>
+            <a:spLocks noGrp="1"/>
+          </p:cNvSpPr>
+          <p:nvPr>
+            <p:ph type="body" sz="quarter" idx="12"/>
+          </p:nvPr>
+        </p:nvSpPr>
+        <p:spPr>
+          <a:xfrm>
+            <a:off x="1089960" y="1950758"/>
+            <a:ext cx="5396565" cy="2192618"/>
+          </a:xfrm>
+        </p:spPr>
+        <p:txBody>
+          <a:bodyPr/>
+          <a:lstStyle/>
+          <a:p>
+            <a:r>
+              <a:rPr lang="es-GT" dirty="0"/>
+              <a:t> Se describen como un lugar donde puedes encontrar proyectos de innovación, desarrollo comunitario, causas sociales, etc. Los proyectos tendrán recompensas y precios especiales a cambio de apoyo. (Esta es una pagina guatemalteca para crowdfunding) </a:t>
+            </a:r>
+            <a:r>
+              <a:rPr lang="es-GT" b="1" dirty="0"/>
+              <a:t>Ellos serian la competencia mas cercana.</a:t>
+            </a:r>
+            <a:endParaRPr lang="en-US" dirty="0"/>
+          </a:p>
+          <a:p>
+            <a:r>
+              <a:rPr lang="en-US" dirty="0"/>
+              <a:t>https://www.emprendi-la.com/</a:t>
+            </a:r>
+          </a:p>
+        </p:txBody>
+      </p:sp>
+      <p:sp>
+        <p:nvSpPr>
+          <p:cNvPr id="8" name="Slide Number Placeholder 2">
+            <a:extLst>
+              <a:ext uri="{FF2B5EF4-FFF2-40B4-BE49-F238E27FC236}">
+                <a16:creationId xmlns:a16="http://schemas.microsoft.com/office/drawing/2014/main" id="{8BFA39BC-1211-462F-9D69-C975AEBBD25D}"/>
+              </a:ext>
+            </a:extLst>
+          </p:cNvPr>
+          <p:cNvSpPr>
+            <a:spLocks noGrp="1"/>
+          </p:cNvSpPr>
+          <p:nvPr>
+            <p:ph type="sldNum" sz="quarter" idx="15"/>
+          </p:nvPr>
+        </p:nvSpPr>
+        <p:spPr/>
+        <p:txBody>
+          <a:bodyPr/>
+          <a:lstStyle/>
+          <a:p>
+            <a:pPr>
+              <a:spcAft>
+                <a:spcPts val="600"/>
+              </a:spcAft>
+            </a:pPr>
+            <a:r>
+              <a:rPr lang="en-US" noProof="0"/>
+              <a:t>page </a:t>
+            </a:r>
+            <a:fld id="{19B51A1E-902D-48AF-9020-955120F399B6}" type="slidenum">
+              <a:rPr lang="en-US" b="1" i="1" noProof="0" smtClean="0"/>
+              <a:pPr>
+                <a:spcAft>
+                  <a:spcPts val="600"/>
+                </a:spcAft>
+              </a:pPr>
+              <a:t>24</a:t>
+            </a:fld>
+            <a:endParaRPr lang="en-US" b="1" i="1" noProof="0"/>
+          </a:p>
+        </p:txBody>
+      </p:sp>
+      <p:sp>
+        <p:nvSpPr>
+          <p:cNvPr id="10" name="Title 3">
+            <a:extLst>
+              <a:ext uri="{FF2B5EF4-FFF2-40B4-BE49-F238E27FC236}">
+                <a16:creationId xmlns:a16="http://schemas.microsoft.com/office/drawing/2014/main" id="{DA549DEC-8647-48AF-99DA-414191E5B086}"/>
+              </a:ext>
+            </a:extLst>
+          </p:cNvPr>
+          <p:cNvSpPr>
+            <a:spLocks noGrp="1"/>
+          </p:cNvSpPr>
+          <p:nvPr>
+            <p:ph type="title"/>
+          </p:nvPr>
+        </p:nvSpPr>
+        <p:spPr/>
+        <p:txBody>
+          <a:bodyPr/>
+          <a:lstStyle/>
+          <a:p>
+            <a:pPr algn="ctr"/>
+            <a:r>
+              <a:rPr lang="es-GT" dirty="0"/>
+              <a:t>Competidores</a:t>
+            </a:r>
+            <a:endParaRPr lang="en-US" dirty="0"/>
+          </a:p>
+        </p:txBody>
+      </p:sp>
+      <p:pic>
+        <p:nvPicPr>
+          <p:cNvPr id="11" name="Picture 10" descr="A picture containing object, clock, drawing&#10;&#10;Description automatically generated">
+            <a:extLst>
+              <a:ext uri="{FF2B5EF4-FFF2-40B4-BE49-F238E27FC236}">
+                <a16:creationId xmlns:a16="http://schemas.microsoft.com/office/drawing/2014/main" id="{0B4C37D6-845C-48B4-AA24-F91D2C9663B4}"/>
+              </a:ext>
+            </a:extLst>
+          </p:cNvPr>
+          <p:cNvPicPr>
+            <a:picLocks noChangeAspect="1"/>
+          </p:cNvPicPr>
+          <p:nvPr/>
+        </p:nvPicPr>
+        <p:blipFill>
+          <a:blip r:embed="rId2"/>
+          <a:stretch>
+            <a:fillRect/>
+          </a:stretch>
+        </p:blipFill>
+        <p:spPr>
+          <a:xfrm>
+            <a:off x="10588080" y="17048"/>
+            <a:ext cx="1603920" cy="1212897"/>
+          </a:xfrm>
+          <a:prstGeom prst="rect">
+            <a:avLst/>
+          </a:prstGeom>
+        </p:spPr>
+      </p:pic>
+      <p:pic>
+        <p:nvPicPr>
+          <p:cNvPr id="13" name="Picture 12">
+            <a:extLst>
+              <a:ext uri="{FF2B5EF4-FFF2-40B4-BE49-F238E27FC236}">
+                <a16:creationId xmlns:a16="http://schemas.microsoft.com/office/drawing/2014/main" id="{A6E54C84-4846-4CCA-9637-EFAB6BE20EBF}"/>
+              </a:ext>
+            </a:extLst>
+          </p:cNvPr>
+          <p:cNvPicPr>
+            <a:picLocks noChangeAspect="1"/>
+          </p:cNvPicPr>
+          <p:nvPr/>
+        </p:nvPicPr>
+        <p:blipFill>
+          <a:blip r:embed="rId3"/>
+          <a:stretch>
+            <a:fillRect/>
+          </a:stretch>
+        </p:blipFill>
+        <p:spPr>
+          <a:xfrm>
+            <a:off x="7234458" y="1500810"/>
+            <a:ext cx="3353622" cy="4547439"/>
+          </a:xfrm>
+          <a:prstGeom prst="rect">
+            <a:avLst/>
+          </a:prstGeom>
+        </p:spPr>
+      </p:pic>
+      <p:pic>
+        <p:nvPicPr>
+          <p:cNvPr id="16" name="Picture 15" descr="A picture containing light&#10;&#10;Description automatically generated">
+            <a:extLst>
+              <a:ext uri="{FF2B5EF4-FFF2-40B4-BE49-F238E27FC236}">
+                <a16:creationId xmlns:a16="http://schemas.microsoft.com/office/drawing/2014/main" id="{95CF6A15-CCFC-4DC9-A29A-FAC6A6619676}"/>
+              </a:ext>
+            </a:extLst>
+          </p:cNvPr>
+          <p:cNvPicPr>
+            <a:picLocks noChangeAspect="1"/>
+          </p:cNvPicPr>
+          <p:nvPr/>
+        </p:nvPicPr>
+        <p:blipFill>
+          <a:blip r:embed="rId4"/>
+          <a:stretch>
+            <a:fillRect/>
+          </a:stretch>
+        </p:blipFill>
+        <p:spPr>
+          <a:xfrm>
+            <a:off x="1616765" y="-204810"/>
+            <a:ext cx="2869510" cy="2869510"/>
+          </a:xfrm>
+          <a:prstGeom prst="rect">
+            <a:avLst/>
+          </a:prstGeom>
+        </p:spPr>
+      </p:pic>
+    </p:spTree>
+    <p:extLst>
+      <p:ext uri="{BB962C8B-B14F-4D97-AF65-F5344CB8AC3E}">
+        <p14:creationId xmlns:p14="http://schemas.microsoft.com/office/powerpoint/2010/main" val="2390197059"/>
+      </p:ext>
+    </p:extLst>
+  </p:cSld>
+  <p:clrMapOvr>
+    <a:masterClrMapping/>
+  </p:clrMapOvr>
+</p:sld>
+</file>
+
+<file path=ppt/slides/slide25.xml><?xml version="1.0" encoding="utf-8"?>
+<p:sld xmlns:a="http://schemas.openxmlformats.org/drawingml/2006/main" xmlns:r="http://schemas.openxmlformats.org/officeDocument/2006/relationships" xmlns:p="http://schemas.openxmlformats.org/presentationml/2006/main">
+  <p:cSld>
+    <p:spTree>
+      <p:nvGrpSpPr>
+        <p:cNvPr id="1" name=""/>
+        <p:cNvGrpSpPr/>
+        <p:nvPr/>
+      </p:nvGrpSpPr>
+      <p:grpSpPr>
+        <a:xfrm>
+          <a:off x="0" y="0"/>
+          <a:ext cx="0" cy="0"/>
+          <a:chOff x="0" y="0"/>
+          <a:chExt cx="0" cy="0"/>
+        </a:xfrm>
+      </p:grpSpPr>
+      <p:sp>
+        <p:nvSpPr>
           <p:cNvPr id="8" name="Title 7">
             <a:extLst>
               <a:ext uri="{FF2B5EF4-FFF2-40B4-BE49-F238E27FC236}">
@@ -25914,7 +26626,7 @@
             <a:fld id="{19B51A1E-902D-48AF-9020-955120F399B6}" type="slidenum">
               <a:rPr lang="en-US" b="1" i="1" noProof="0" smtClean="0"/>
               <a:pPr/>
-              <a:t>24</a:t>
+              <a:t>25</a:t>
             </a:fld>
             <a:endParaRPr lang="en-US" b="1" i="1" noProof="0" dirty="0"/>
           </a:p>
@@ -26774,7 +27486,7 @@
 </p:sld>
 </file>
 
-<file path=ppt/slides/slide25.xml><?xml version="1.0" encoding="utf-8"?>
+<file path=ppt/slides/slide26.xml><?xml version="1.0" encoding="utf-8"?>
 <p:sld xmlns:a="http://schemas.openxmlformats.org/drawingml/2006/main" xmlns:r="http://schemas.openxmlformats.org/officeDocument/2006/relationships" xmlns:p="http://schemas.openxmlformats.org/presentationml/2006/main">
   <p:cSld>
     <p:spTree>
@@ -27337,7 +28049,7 @@
             <a:fld id="{19B51A1E-902D-48AF-9020-955120F399B6}" type="slidenum">
               <a:rPr lang="en-US" b="1" i="1" smtClean="0"/>
               <a:pPr/>
-              <a:t>25</a:t>
+              <a:t>26</a:t>
             </a:fld>
             <a:endParaRPr lang="en-US" b="1" i="1" dirty="0"/>
           </a:p>
@@ -28079,159 +28791,6 @@
 </p:sld>
 </file>
 
-<file path=ppt/slides/slide26.xml><?xml version="1.0" encoding="utf-8"?>
-<p:sld xmlns:a="http://schemas.openxmlformats.org/drawingml/2006/main" xmlns:r="http://schemas.openxmlformats.org/officeDocument/2006/relationships" xmlns:p="http://schemas.openxmlformats.org/presentationml/2006/main">
-  <p:cSld>
-    <p:spTree>
-      <p:nvGrpSpPr>
-        <p:cNvPr id="1" name=""/>
-        <p:cNvGrpSpPr/>
-        <p:nvPr/>
-      </p:nvGrpSpPr>
-      <p:grpSpPr>
-        <a:xfrm>
-          <a:off x="0" y="0"/>
-          <a:ext cx="0" cy="0"/>
-          <a:chOff x="0" y="0"/>
-          <a:chExt cx="0" cy="0"/>
-        </a:xfrm>
-      </p:grpSpPr>
-      <p:sp>
-        <p:nvSpPr>
-          <p:cNvPr id="5" name="Slide Number Placeholder 4">
-            <a:extLst>
-              <a:ext uri="{FF2B5EF4-FFF2-40B4-BE49-F238E27FC236}">
-                <a16:creationId xmlns:a16="http://schemas.microsoft.com/office/drawing/2014/main" id="{350FC2AC-377D-452C-9D03-2F9F7AC5B560}"/>
-              </a:ext>
-            </a:extLst>
-          </p:cNvPr>
-          <p:cNvSpPr>
-            <a:spLocks noGrp="1"/>
-          </p:cNvSpPr>
-          <p:nvPr>
-            <p:ph type="sldNum" sz="quarter" idx="11"/>
-          </p:nvPr>
-        </p:nvSpPr>
-        <p:spPr/>
-        <p:txBody>
-          <a:bodyPr/>
-          <a:lstStyle/>
-          <a:p>
-            <a:r>
-              <a:rPr lang="en-US" dirty="0"/>
-              <a:t>page </a:t>
-            </a:r>
-            <a:fld id="{19B51A1E-902D-48AF-9020-955120F399B6}" type="slidenum">
-              <a:rPr lang="en-US" smtClean="0"/>
-              <a:pPr/>
-              <a:t>26</a:t>
-            </a:fld>
-            <a:endParaRPr lang="en-US" dirty="0"/>
-          </a:p>
-        </p:txBody>
-      </p:sp>
-      <p:sp>
-        <p:nvSpPr>
-          <p:cNvPr id="12" name="Title 11">
-            <a:extLst>
-              <a:ext uri="{FF2B5EF4-FFF2-40B4-BE49-F238E27FC236}">
-                <a16:creationId xmlns:a16="http://schemas.microsoft.com/office/drawing/2014/main" id="{0487BE4A-36C3-48DA-B4B2-741ADE94E2BE}"/>
-              </a:ext>
-            </a:extLst>
-          </p:cNvPr>
-          <p:cNvSpPr>
-            <a:spLocks noGrp="1"/>
-          </p:cNvSpPr>
-          <p:nvPr>
-            <p:ph type="title"/>
-          </p:nvPr>
-        </p:nvSpPr>
-        <p:spPr/>
-        <p:txBody>
-          <a:bodyPr/>
-          <a:lstStyle/>
-          <a:p>
-            <a:pPr algn="ctr"/>
-            <a:r>
-              <a:rPr lang="es-GT" dirty="0"/>
-              <a:t>¿Qué Hace?</a:t>
-            </a:r>
-            <a:endParaRPr lang="en-US" dirty="0"/>
-          </a:p>
-        </p:txBody>
-      </p:sp>
-      <p:pic>
-        <p:nvPicPr>
-          <p:cNvPr id="3" name="Picture 2" descr="A close up of a map&#10;&#10;Description automatically generated">
-            <a:extLst>
-              <a:ext uri="{FF2B5EF4-FFF2-40B4-BE49-F238E27FC236}">
-                <a16:creationId xmlns:a16="http://schemas.microsoft.com/office/drawing/2014/main" id="{C98AA18F-10E6-41EE-A5F4-270425D21528}"/>
-              </a:ext>
-            </a:extLst>
-          </p:cNvPr>
-          <p:cNvPicPr>
-            <a:picLocks noChangeAspect="1"/>
-          </p:cNvPicPr>
-          <p:nvPr/>
-        </p:nvPicPr>
-        <p:blipFill rotWithShape="1">
-          <a:blip r:embed="rId3"/>
-          <a:srcRect l="11420" t="6460" r="7134" b="3905"/>
-          <a:stretch/>
-        </p:blipFill>
-        <p:spPr>
-          <a:xfrm>
-            <a:off x="1835405" y="91294"/>
-            <a:ext cx="7965820" cy="6595817"/>
-          </a:xfrm>
-          <a:prstGeom prst="rect">
-            <a:avLst/>
-          </a:prstGeom>
-        </p:spPr>
-      </p:pic>
-      <p:pic>
-        <p:nvPicPr>
-          <p:cNvPr id="6" name="Picture 5" descr="A picture containing object, clock, drawing&#10;&#10;Description automatically generated">
-            <a:extLst>
-              <a:ext uri="{FF2B5EF4-FFF2-40B4-BE49-F238E27FC236}">
-                <a16:creationId xmlns:a16="http://schemas.microsoft.com/office/drawing/2014/main" id="{BCDE888A-D983-4138-985E-A39F955698D8}"/>
-              </a:ext>
-            </a:extLst>
-          </p:cNvPr>
-          <p:cNvPicPr>
-            <a:picLocks noChangeAspect="1"/>
-          </p:cNvPicPr>
-          <p:nvPr/>
-        </p:nvPicPr>
-        <p:blipFill>
-          <a:blip r:embed="rId4"/>
-          <a:stretch>
-            <a:fillRect/>
-          </a:stretch>
-        </p:blipFill>
-        <p:spPr>
-          <a:xfrm>
-            <a:off x="10588080" y="17048"/>
-            <a:ext cx="1603920" cy="1212897"/>
-          </a:xfrm>
-          <a:prstGeom prst="rect">
-            <a:avLst/>
-          </a:prstGeom>
-        </p:spPr>
-      </p:pic>
-    </p:spTree>
-    <p:extLst>
-      <p:ext uri="{BB962C8B-B14F-4D97-AF65-F5344CB8AC3E}">
-        <p14:creationId xmlns:p14="http://schemas.microsoft.com/office/powerpoint/2010/main" val="3378458110"/>
-      </p:ext>
-    </p:extLst>
-  </p:cSld>
-  <p:clrMapOvr>
-    <a:masterClrMapping/>
-  </p:clrMapOvr>
-</p:sld>
-</file>
-
 <file path=ppt/slides/slide27.xml><?xml version="1.0" encoding="utf-8"?>
 <p:sld xmlns:a="http://schemas.openxmlformats.org/drawingml/2006/main" xmlns:r="http://schemas.openxmlformats.org/officeDocument/2006/relationships" xmlns:p="http://schemas.openxmlformats.org/presentationml/2006/main">
   <p:cSld>
@@ -28251,10 +28810,10 @@
       </p:grpSpPr>
       <p:sp>
         <p:nvSpPr>
-          <p:cNvPr id="2" name="Slide Number Placeholder 1">
-            <a:extLst>
-              <a:ext uri="{FF2B5EF4-FFF2-40B4-BE49-F238E27FC236}">
-                <a16:creationId xmlns:a16="http://schemas.microsoft.com/office/drawing/2014/main" id="{9D9B87FF-E45A-4692-B553-0739E40792C5}"/>
+          <p:cNvPr id="5" name="Slide Number Placeholder 4">
+            <a:extLst>
+              <a:ext uri="{FF2B5EF4-FFF2-40B4-BE49-F238E27FC236}">
+                <a16:creationId xmlns:a16="http://schemas.microsoft.com/office/drawing/2014/main" id="{350FC2AC-377D-452C-9D03-2F9F7AC5B560}"/>
               </a:ext>
             </a:extLst>
           </p:cNvPr>
@@ -28271,24 +28830,83 @@
           <a:lstStyle/>
           <a:p>
             <a:r>
-              <a:rPr lang="en-US" noProof="0"/>
+              <a:rPr lang="en-US" dirty="0"/>
               <a:t>page </a:t>
             </a:r>
             <a:fld id="{19B51A1E-902D-48AF-9020-955120F399B6}" type="slidenum">
-              <a:rPr lang="en-US" b="1" i="1" noProof="0" smtClean="0"/>
+              <a:rPr lang="en-US" smtClean="0"/>
               <a:pPr/>
               <a:t>27</a:t>
             </a:fld>
-            <a:endParaRPr lang="en-US" b="1" i="1" noProof="0" dirty="0"/>
+            <a:endParaRPr lang="en-US" dirty="0"/>
+          </a:p>
+        </p:txBody>
+      </p:sp>
+      <p:sp>
+        <p:nvSpPr>
+          <p:cNvPr id="12" name="Title 11">
+            <a:extLst>
+              <a:ext uri="{FF2B5EF4-FFF2-40B4-BE49-F238E27FC236}">
+                <a16:creationId xmlns:a16="http://schemas.microsoft.com/office/drawing/2014/main" id="{0487BE4A-36C3-48DA-B4B2-741ADE94E2BE}"/>
+              </a:ext>
+            </a:extLst>
+          </p:cNvPr>
+          <p:cNvSpPr>
+            <a:spLocks noGrp="1"/>
+          </p:cNvSpPr>
+          <p:nvPr>
+            <p:ph type="title"/>
+          </p:nvPr>
+        </p:nvSpPr>
+        <p:spPr/>
+        <p:txBody>
+          <a:bodyPr/>
+          <a:lstStyle/>
+          <a:p>
+            <a:pPr algn="ctr"/>
+            <a:r>
+              <a:rPr lang="es-GT" dirty="0"/>
+              <a:t>¿Qué Hace?</a:t>
+            </a:r>
+            <a:endParaRPr lang="en-US" dirty="0"/>
           </a:p>
         </p:txBody>
       </p:sp>
       <p:pic>
         <p:nvPicPr>
-          <p:cNvPr id="5" name="Picture 4" descr="A close up of a map&#10;&#10;Description automatically generated">
-            <a:extLst>
-              <a:ext uri="{FF2B5EF4-FFF2-40B4-BE49-F238E27FC236}">
-                <a16:creationId xmlns:a16="http://schemas.microsoft.com/office/drawing/2014/main" id="{0DBB781D-5F6C-4C35-874B-A5266BA7A2C2}"/>
+          <p:cNvPr id="3" name="Picture 2" descr="A close up of a map&#10;&#10;Description automatically generated">
+            <a:extLst>
+              <a:ext uri="{FF2B5EF4-FFF2-40B4-BE49-F238E27FC236}">
+                <a16:creationId xmlns:a16="http://schemas.microsoft.com/office/drawing/2014/main" id="{C98AA18F-10E6-41EE-A5F4-270425D21528}"/>
+              </a:ext>
+            </a:extLst>
+          </p:cNvPr>
+          <p:cNvPicPr>
+            <a:picLocks noChangeAspect="1"/>
+          </p:cNvPicPr>
+          <p:nvPr/>
+        </p:nvPicPr>
+        <p:blipFill rotWithShape="1">
+          <a:blip r:embed="rId3"/>
+          <a:srcRect l="11420" t="6460" r="7134" b="3905"/>
+          <a:stretch/>
+        </p:blipFill>
+        <p:spPr>
+          <a:xfrm>
+            <a:off x="1835405" y="91294"/>
+            <a:ext cx="7965820" cy="6595817"/>
+          </a:xfrm>
+          <a:prstGeom prst="rect">
+            <a:avLst/>
+          </a:prstGeom>
+        </p:spPr>
+      </p:pic>
+      <p:pic>
+        <p:nvPicPr>
+          <p:cNvPr id="6" name="Picture 5" descr="A picture containing object, clock, drawing&#10;&#10;Description automatically generated">
+            <a:extLst>
+              <a:ext uri="{FF2B5EF4-FFF2-40B4-BE49-F238E27FC236}">
+                <a16:creationId xmlns:a16="http://schemas.microsoft.com/office/drawing/2014/main" id="{BCDE888A-D983-4138-985E-A39F955698D8}"/>
               </a:ext>
             </a:extLst>
           </p:cNvPr>
@@ -28298,43 +28916,13 @@
           <p:nvPr/>
         </p:nvPicPr>
         <p:blipFill>
-          <a:blip r:embed="rId2"/>
+          <a:blip r:embed="rId4"/>
           <a:stretch>
             <a:fillRect/>
           </a:stretch>
         </p:blipFill>
         <p:spPr>
           <a:xfrm>
-            <a:off x="2901835" y="326335"/>
-            <a:ext cx="6388329" cy="6205330"/>
-          </a:xfrm>
-          <a:prstGeom prst="rect">
-            <a:avLst/>
-          </a:prstGeom>
-        </p:spPr>
-      </p:pic>
-      <p:pic>
-        <p:nvPicPr>
-          <p:cNvPr id="4" name="Picture 3" descr="A picture containing object, clock, drawing&#10;&#10;Description automatically generated">
-            <a:extLst>
-              <a:ext uri="{FF2B5EF4-FFF2-40B4-BE49-F238E27FC236}">
-                <a16:creationId xmlns:a16="http://schemas.microsoft.com/office/drawing/2014/main" id="{444249FF-80FA-4E9D-88D2-91C2FF6EF082}"/>
-              </a:ext>
-            </a:extLst>
-          </p:cNvPr>
-          <p:cNvPicPr>
-            <a:picLocks noChangeAspect="1"/>
-          </p:cNvPicPr>
-          <p:nvPr/>
-        </p:nvPicPr>
-        <p:blipFill>
-          <a:blip r:embed="rId3"/>
-          <a:stretch>
-            <a:fillRect/>
-          </a:stretch>
-        </p:blipFill>
-        <p:spPr>
-          <a:xfrm>
             <a:off x="10588080" y="17048"/>
             <a:ext cx="1603920" cy="1212897"/>
           </a:xfrm>
@@ -28346,7 +28934,7 @@
     </p:spTree>
     <p:extLst>
       <p:ext uri="{BB962C8B-B14F-4D97-AF65-F5344CB8AC3E}">
-        <p14:creationId xmlns:p14="http://schemas.microsoft.com/office/powerpoint/2010/main" val="3801388789"/>
+        <p14:creationId xmlns:p14="http://schemas.microsoft.com/office/powerpoint/2010/main" val="3378458110"/>
       </p:ext>
     </p:extLst>
   </p:cSld>
@@ -28409,10 +28997,10 @@
       </p:sp>
       <p:pic>
         <p:nvPicPr>
-          <p:cNvPr id="4" name="Picture 3" descr="A close up of a map&#10;&#10;Description automatically generated">
-            <a:extLst>
-              <a:ext uri="{FF2B5EF4-FFF2-40B4-BE49-F238E27FC236}">
-                <a16:creationId xmlns:a16="http://schemas.microsoft.com/office/drawing/2014/main" id="{DC2CA8BD-A145-454B-97CF-E1268BFA0D91}"/>
+          <p:cNvPr id="5" name="Picture 4" descr="A close up of a map&#10;&#10;Description automatically generated">
+            <a:extLst>
+              <a:ext uri="{FF2B5EF4-FFF2-40B4-BE49-F238E27FC236}">
+                <a16:creationId xmlns:a16="http://schemas.microsoft.com/office/drawing/2014/main" id="{0DBB781D-5F6C-4C35-874B-A5266BA7A2C2}"/>
               </a:ext>
             </a:extLst>
           </p:cNvPr>
@@ -28429,8 +29017,8 @@
         </p:blipFill>
         <p:spPr>
           <a:xfrm>
-            <a:off x="3041876" y="398612"/>
-            <a:ext cx="6108248" cy="6060775"/>
+            <a:off x="2901835" y="326335"/>
+            <a:ext cx="6388329" cy="6205330"/>
           </a:xfrm>
           <a:prstGeom prst="rect">
             <a:avLst/>
@@ -28439,10 +29027,10 @@
       </p:pic>
       <p:pic>
         <p:nvPicPr>
-          <p:cNvPr id="5" name="Picture 4" descr="A picture containing object, clock, drawing&#10;&#10;Description automatically generated">
-            <a:extLst>
-              <a:ext uri="{FF2B5EF4-FFF2-40B4-BE49-F238E27FC236}">
-                <a16:creationId xmlns:a16="http://schemas.microsoft.com/office/drawing/2014/main" id="{FB9AD985-D1EA-49E2-92C1-4A26A954B804}"/>
+          <p:cNvPr id="4" name="Picture 3" descr="A picture containing object, clock, drawing&#10;&#10;Description automatically generated">
+            <a:extLst>
+              <a:ext uri="{FF2B5EF4-FFF2-40B4-BE49-F238E27FC236}">
+                <a16:creationId xmlns:a16="http://schemas.microsoft.com/office/drawing/2014/main" id="{444249FF-80FA-4E9D-88D2-91C2FF6EF082}"/>
               </a:ext>
             </a:extLst>
           </p:cNvPr>
@@ -28470,7 +29058,7 @@
     </p:spTree>
     <p:extLst>
       <p:ext uri="{BB962C8B-B14F-4D97-AF65-F5344CB8AC3E}">
-        <p14:creationId xmlns:p14="http://schemas.microsoft.com/office/powerpoint/2010/main" val="3914044278"/>
+        <p14:creationId xmlns:p14="http://schemas.microsoft.com/office/powerpoint/2010/main" val="3801388789"/>
       </p:ext>
     </p:extLst>
   </p:cSld>
@@ -28502,7 +29090,7 @@
           <p:cNvPr id="2" name="Slide Number Placeholder 1">
             <a:extLst>
               <a:ext uri="{FF2B5EF4-FFF2-40B4-BE49-F238E27FC236}">
-                <a16:creationId xmlns:a16="http://schemas.microsoft.com/office/drawing/2014/main" id="{CCCCB2DD-C9C7-41C3-9A7F-9F963D054278}"/>
+                <a16:creationId xmlns:a16="http://schemas.microsoft.com/office/drawing/2014/main" id="{9D9B87FF-E45A-4692-B553-0739E40792C5}"/>
               </a:ext>
             </a:extLst>
           </p:cNvPr>
@@ -28533,10 +29121,10 @@
       </p:sp>
       <p:pic>
         <p:nvPicPr>
-          <p:cNvPr id="5" name="Picture 4" descr="A close up of a map&#10;&#10;Description automatically generated">
-            <a:extLst>
-              <a:ext uri="{FF2B5EF4-FFF2-40B4-BE49-F238E27FC236}">
-                <a16:creationId xmlns:a16="http://schemas.microsoft.com/office/drawing/2014/main" id="{E484D8E6-BAEF-4C83-BD1B-FD4A750BE133}"/>
+          <p:cNvPr id="4" name="Picture 3" descr="A close up of a map&#10;&#10;Description automatically generated">
+            <a:extLst>
+              <a:ext uri="{FF2B5EF4-FFF2-40B4-BE49-F238E27FC236}">
+                <a16:creationId xmlns:a16="http://schemas.microsoft.com/office/drawing/2014/main" id="{DC2CA8BD-A145-454B-97CF-E1268BFA0D91}"/>
               </a:ext>
             </a:extLst>
           </p:cNvPr>
@@ -28553,8 +29141,8 @@
         </p:blipFill>
         <p:spPr>
           <a:xfrm>
-            <a:off x="3258301" y="303524"/>
-            <a:ext cx="5675397" cy="6250952"/>
+            <a:off x="3041876" y="398612"/>
+            <a:ext cx="6108248" cy="6060775"/>
           </a:xfrm>
           <a:prstGeom prst="rect">
             <a:avLst/>
@@ -28563,10 +29151,10 @@
       </p:pic>
       <p:pic>
         <p:nvPicPr>
-          <p:cNvPr id="4" name="Picture 3" descr="A picture containing object, clock, drawing&#10;&#10;Description automatically generated">
-            <a:extLst>
-              <a:ext uri="{FF2B5EF4-FFF2-40B4-BE49-F238E27FC236}">
-                <a16:creationId xmlns:a16="http://schemas.microsoft.com/office/drawing/2014/main" id="{2AC135E8-20FA-4FE6-A400-78B6591F7DDD}"/>
+          <p:cNvPr id="5" name="Picture 4" descr="A picture containing object, clock, drawing&#10;&#10;Description automatically generated">
+            <a:extLst>
+              <a:ext uri="{FF2B5EF4-FFF2-40B4-BE49-F238E27FC236}">
+                <a16:creationId xmlns:a16="http://schemas.microsoft.com/office/drawing/2014/main" id="{FB9AD985-D1EA-49E2-92C1-4A26A954B804}"/>
               </a:ext>
             </a:extLst>
           </p:cNvPr>
@@ -28594,7 +29182,7 @@
     </p:spTree>
     <p:extLst>
       <p:ext uri="{BB962C8B-B14F-4D97-AF65-F5344CB8AC3E}">
-        <p14:creationId xmlns:p14="http://schemas.microsoft.com/office/powerpoint/2010/main" val="708953092"/>
+        <p14:creationId xmlns:p14="http://schemas.microsoft.com/office/powerpoint/2010/main" val="3914044278"/>
       </p:ext>
     </p:extLst>
   </p:cSld>
@@ -28951,10 +29539,10 @@
       </p:grpSpPr>
       <p:sp>
         <p:nvSpPr>
-          <p:cNvPr id="5" name="Slide Number Placeholder 4">
-            <a:extLst>
-              <a:ext uri="{FF2B5EF4-FFF2-40B4-BE49-F238E27FC236}">
-                <a16:creationId xmlns:a16="http://schemas.microsoft.com/office/drawing/2014/main" id="{350FC2AC-377D-452C-9D03-2F9F7AC5B560}"/>
+          <p:cNvPr id="2" name="Slide Number Placeholder 1">
+            <a:extLst>
+              <a:ext uri="{FF2B5EF4-FFF2-40B4-BE49-F238E27FC236}">
+                <a16:creationId xmlns:a16="http://schemas.microsoft.com/office/drawing/2014/main" id="{CCCCB2DD-C9C7-41C3-9A7F-9F963D054278}"/>
               </a:ext>
             </a:extLst>
           </p:cNvPr>
@@ -28971,54 +29559,54 @@
           <a:lstStyle/>
           <a:p>
             <a:r>
-              <a:rPr lang="en-US" dirty="0"/>
+              <a:rPr lang="en-US" noProof="0"/>
               <a:t>page </a:t>
             </a:r>
             <a:fld id="{19B51A1E-902D-48AF-9020-955120F399B6}" type="slidenum">
-              <a:rPr lang="en-US" smtClean="0"/>
+              <a:rPr lang="en-US" b="1" i="1" noProof="0" smtClean="0"/>
               <a:pPr/>
               <a:t>30</a:t>
             </a:fld>
-            <a:endParaRPr lang="en-US" dirty="0"/>
-          </a:p>
-        </p:txBody>
-      </p:sp>
-      <p:sp>
-        <p:nvSpPr>
-          <p:cNvPr id="12" name="Title 11">
-            <a:extLst>
-              <a:ext uri="{FF2B5EF4-FFF2-40B4-BE49-F238E27FC236}">
-                <a16:creationId xmlns:a16="http://schemas.microsoft.com/office/drawing/2014/main" id="{0487BE4A-36C3-48DA-B4B2-741ADE94E2BE}"/>
-              </a:ext>
-            </a:extLst>
-          </p:cNvPr>
-          <p:cNvSpPr>
-            <a:spLocks noGrp="1"/>
-          </p:cNvSpPr>
-          <p:nvPr>
-            <p:ph type="title"/>
-          </p:nvPr>
-        </p:nvSpPr>
-        <p:spPr/>
-        <p:txBody>
-          <a:bodyPr/>
-          <a:lstStyle/>
-          <a:p>
-            <a:pPr algn="ctr"/>
-            <a:r>
-              <a:rPr lang="es-GT" dirty="0"/>
-              <a:t>¿Qué Hace?</a:t>
-            </a:r>
-            <a:endParaRPr lang="en-US" dirty="0"/>
+            <a:endParaRPr lang="en-US" b="1" i="1" noProof="0" dirty="0"/>
           </a:p>
         </p:txBody>
       </p:sp>
       <p:pic>
         <p:nvPicPr>
-          <p:cNvPr id="3" name="Picture 2" descr="A close up of a map&#10;&#10;Description automatically generated">
-            <a:extLst>
-              <a:ext uri="{FF2B5EF4-FFF2-40B4-BE49-F238E27FC236}">
-                <a16:creationId xmlns:a16="http://schemas.microsoft.com/office/drawing/2014/main" id="{62056EDA-9B08-498B-939D-980564242712}"/>
+          <p:cNvPr id="5" name="Picture 4" descr="A close up of a map&#10;&#10;Description automatically generated">
+            <a:extLst>
+              <a:ext uri="{FF2B5EF4-FFF2-40B4-BE49-F238E27FC236}">
+                <a16:creationId xmlns:a16="http://schemas.microsoft.com/office/drawing/2014/main" id="{E484D8E6-BAEF-4C83-BD1B-FD4A750BE133}"/>
+              </a:ext>
+            </a:extLst>
+          </p:cNvPr>
+          <p:cNvPicPr>
+            <a:picLocks noChangeAspect="1"/>
+          </p:cNvPicPr>
+          <p:nvPr/>
+        </p:nvPicPr>
+        <p:blipFill>
+          <a:blip r:embed="rId2"/>
+          <a:stretch>
+            <a:fillRect/>
+          </a:stretch>
+        </p:blipFill>
+        <p:spPr>
+          <a:xfrm>
+            <a:off x="3258301" y="303524"/>
+            <a:ext cx="5675397" cy="6250952"/>
+          </a:xfrm>
+          <a:prstGeom prst="rect">
+            <a:avLst/>
+          </a:prstGeom>
+        </p:spPr>
+      </p:pic>
+      <p:pic>
+        <p:nvPicPr>
+          <p:cNvPr id="4" name="Picture 3" descr="A picture containing object, clock, drawing&#10;&#10;Description automatically generated">
+            <a:extLst>
+              <a:ext uri="{FF2B5EF4-FFF2-40B4-BE49-F238E27FC236}">
+                <a16:creationId xmlns:a16="http://schemas.microsoft.com/office/drawing/2014/main" id="{2AC135E8-20FA-4FE6-A400-78B6591F7DDD}"/>
               </a:ext>
             </a:extLst>
           </p:cNvPr>
@@ -29035,36 +29623,6 @@
         </p:blipFill>
         <p:spPr>
           <a:xfrm>
-            <a:off x="3199279" y="0"/>
-            <a:ext cx="5793442" cy="6858000"/>
-          </a:xfrm>
-          <a:prstGeom prst="rect">
-            <a:avLst/>
-          </a:prstGeom>
-        </p:spPr>
-      </p:pic>
-      <p:pic>
-        <p:nvPicPr>
-          <p:cNvPr id="6" name="Picture 5" descr="A picture containing object, clock, drawing&#10;&#10;Description automatically generated">
-            <a:extLst>
-              <a:ext uri="{FF2B5EF4-FFF2-40B4-BE49-F238E27FC236}">
-                <a16:creationId xmlns:a16="http://schemas.microsoft.com/office/drawing/2014/main" id="{99CD7B1B-50D9-46B3-9F02-1392D88DC007}"/>
-              </a:ext>
-            </a:extLst>
-          </p:cNvPr>
-          <p:cNvPicPr>
-            <a:picLocks noChangeAspect="1"/>
-          </p:cNvPicPr>
-          <p:nvPr/>
-        </p:nvPicPr>
-        <p:blipFill>
-          <a:blip r:embed="rId4"/>
-          <a:stretch>
-            <a:fillRect/>
-          </a:stretch>
-        </p:blipFill>
-        <p:spPr>
-          <a:xfrm>
             <a:off x="10588080" y="17048"/>
             <a:ext cx="1603920" cy="1212897"/>
           </a:xfrm>
@@ -29076,7 +29634,7 @@
     </p:spTree>
     <p:extLst>
       <p:ext uri="{BB962C8B-B14F-4D97-AF65-F5344CB8AC3E}">
-        <p14:creationId xmlns:p14="http://schemas.microsoft.com/office/powerpoint/2010/main" val="4024966873"/>
+        <p14:creationId xmlns:p14="http://schemas.microsoft.com/office/powerpoint/2010/main" val="708953092"/>
       </p:ext>
     </p:extLst>
   </p:cSld>
@@ -29161,7 +29719,7 @@
             <a:pPr algn="ctr"/>
             <a:r>
               <a:rPr lang="es-GT" dirty="0"/>
-              <a:t>¿Cómo está estructurado?</a:t>
+              <a:t>¿Qué Hace?</a:t>
             </a:r>
             <a:endParaRPr lang="en-US" dirty="0"/>
           </a:p>
@@ -29169,47 +29727,40 @@
       </p:sp>
       <p:pic>
         <p:nvPicPr>
-          <p:cNvPr id="6" name="Picture 5">
-            <a:extLst>
-              <a:ext uri="{FF2B5EF4-FFF2-40B4-BE49-F238E27FC236}">
-                <a16:creationId xmlns:a16="http://schemas.microsoft.com/office/drawing/2014/main" id="{2847F7F8-90DF-4E4D-B160-A172C6B37DFC}"/>
-              </a:ext>
-            </a:extLst>
-          </p:cNvPr>
-          <p:cNvPicPr/>
+          <p:cNvPr id="3" name="Picture 2" descr="A close up of a map&#10;&#10;Description automatically generated">
+            <a:extLst>
+              <a:ext uri="{FF2B5EF4-FFF2-40B4-BE49-F238E27FC236}">
+                <a16:creationId xmlns:a16="http://schemas.microsoft.com/office/drawing/2014/main" id="{62056EDA-9B08-498B-939D-980564242712}"/>
+              </a:ext>
+            </a:extLst>
+          </p:cNvPr>
+          <p:cNvPicPr>
+            <a:picLocks noChangeAspect="1"/>
+          </p:cNvPicPr>
           <p:nvPr/>
         </p:nvPicPr>
-        <p:blipFill rotWithShape="1">
-          <a:blip r:embed="rId3">
-            <a:extLst>
-              <a:ext uri="{28A0092B-C50C-407E-A947-70E740481C1C}">
-                <a14:useLocalDpi xmlns:a14="http://schemas.microsoft.com/office/drawing/2010/main" val="0"/>
-              </a:ext>
-            </a:extLst>
-          </a:blip>
-          <a:srcRect t="10158"/>
-          <a:stretch/>
+        <p:blipFill>
+          <a:blip r:embed="rId3"/>
+          <a:stretch>
+            <a:fillRect/>
+          </a:stretch>
         </p:blipFill>
-        <p:spPr bwMode="auto">
-          <a:xfrm>
-            <a:off x="1163955" y="1102659"/>
-            <a:ext cx="9864090" cy="4932708"/>
+        <p:spPr>
+          <a:xfrm>
+            <a:off x="3199279" y="0"/>
+            <a:ext cx="5793442" cy="6858000"/>
           </a:xfrm>
           <a:prstGeom prst="rect">
             <a:avLst/>
           </a:prstGeom>
-          <a:noFill/>
-          <a:ln>
-            <a:noFill/>
-          </a:ln>
         </p:spPr>
       </p:pic>
       <p:pic>
         <p:nvPicPr>
-          <p:cNvPr id="7" name="Picture 6" descr="A picture containing object, clock, drawing&#10;&#10;Description automatically generated">
-            <a:extLst>
-              <a:ext uri="{FF2B5EF4-FFF2-40B4-BE49-F238E27FC236}">
-                <a16:creationId xmlns:a16="http://schemas.microsoft.com/office/drawing/2014/main" id="{F7D7CC9F-8208-4378-9DE4-CBE6F560E1ED}"/>
+          <p:cNvPr id="6" name="Picture 5" descr="A picture containing object, clock, drawing&#10;&#10;Description automatically generated">
+            <a:extLst>
+              <a:ext uri="{FF2B5EF4-FFF2-40B4-BE49-F238E27FC236}">
+                <a16:creationId xmlns:a16="http://schemas.microsoft.com/office/drawing/2014/main" id="{99CD7B1B-50D9-46B3-9F02-1392D88DC007}"/>
               </a:ext>
             </a:extLst>
           </p:cNvPr>
@@ -29226,8 +29777,8 @@
         </p:blipFill>
         <p:spPr>
           <a:xfrm>
-            <a:off x="10756401" y="17048"/>
-            <a:ext cx="1435599" cy="1085611"/>
+            <a:off x="10588080" y="17048"/>
+            <a:ext cx="1603920" cy="1212897"/>
           </a:xfrm>
           <a:prstGeom prst="rect">
             <a:avLst/>
@@ -29237,7 +29788,7 @@
     </p:spTree>
     <p:extLst>
       <p:ext uri="{BB962C8B-B14F-4D97-AF65-F5344CB8AC3E}">
-        <p14:creationId xmlns:p14="http://schemas.microsoft.com/office/powerpoint/2010/main" val="2981946894"/>
+        <p14:creationId xmlns:p14="http://schemas.microsoft.com/office/powerpoint/2010/main" val="4024966873"/>
       </p:ext>
     </p:extLst>
   </p:cSld>
@@ -29266,6 +29817,167 @@
       </p:grpSpPr>
       <p:sp>
         <p:nvSpPr>
+          <p:cNvPr id="5" name="Slide Number Placeholder 4">
+            <a:extLst>
+              <a:ext uri="{FF2B5EF4-FFF2-40B4-BE49-F238E27FC236}">
+                <a16:creationId xmlns:a16="http://schemas.microsoft.com/office/drawing/2014/main" id="{350FC2AC-377D-452C-9D03-2F9F7AC5B560}"/>
+              </a:ext>
+            </a:extLst>
+          </p:cNvPr>
+          <p:cNvSpPr>
+            <a:spLocks noGrp="1"/>
+          </p:cNvSpPr>
+          <p:nvPr>
+            <p:ph type="sldNum" sz="quarter" idx="11"/>
+          </p:nvPr>
+        </p:nvSpPr>
+        <p:spPr/>
+        <p:txBody>
+          <a:bodyPr/>
+          <a:lstStyle/>
+          <a:p>
+            <a:r>
+              <a:rPr lang="en-US" dirty="0"/>
+              <a:t>page </a:t>
+            </a:r>
+            <a:fld id="{19B51A1E-902D-48AF-9020-955120F399B6}" type="slidenum">
+              <a:rPr lang="en-US" smtClean="0"/>
+              <a:pPr/>
+              <a:t>32</a:t>
+            </a:fld>
+            <a:endParaRPr lang="en-US" dirty="0"/>
+          </a:p>
+        </p:txBody>
+      </p:sp>
+      <p:sp>
+        <p:nvSpPr>
+          <p:cNvPr id="12" name="Title 11">
+            <a:extLst>
+              <a:ext uri="{FF2B5EF4-FFF2-40B4-BE49-F238E27FC236}">
+                <a16:creationId xmlns:a16="http://schemas.microsoft.com/office/drawing/2014/main" id="{0487BE4A-36C3-48DA-B4B2-741ADE94E2BE}"/>
+              </a:ext>
+            </a:extLst>
+          </p:cNvPr>
+          <p:cNvSpPr>
+            <a:spLocks noGrp="1"/>
+          </p:cNvSpPr>
+          <p:nvPr>
+            <p:ph type="title"/>
+          </p:nvPr>
+        </p:nvSpPr>
+        <p:spPr/>
+        <p:txBody>
+          <a:bodyPr/>
+          <a:lstStyle/>
+          <a:p>
+            <a:pPr algn="ctr"/>
+            <a:r>
+              <a:rPr lang="es-GT" dirty="0"/>
+              <a:t>¿Cómo está estructurado?</a:t>
+            </a:r>
+            <a:endParaRPr lang="en-US" dirty="0"/>
+          </a:p>
+        </p:txBody>
+      </p:sp>
+      <p:pic>
+        <p:nvPicPr>
+          <p:cNvPr id="6" name="Picture 5">
+            <a:extLst>
+              <a:ext uri="{FF2B5EF4-FFF2-40B4-BE49-F238E27FC236}">
+                <a16:creationId xmlns:a16="http://schemas.microsoft.com/office/drawing/2014/main" id="{2847F7F8-90DF-4E4D-B160-A172C6B37DFC}"/>
+              </a:ext>
+            </a:extLst>
+          </p:cNvPr>
+          <p:cNvPicPr/>
+          <p:nvPr/>
+        </p:nvPicPr>
+        <p:blipFill rotWithShape="1">
+          <a:blip r:embed="rId3">
+            <a:extLst>
+              <a:ext uri="{28A0092B-C50C-407E-A947-70E740481C1C}">
+                <a14:useLocalDpi xmlns:a14="http://schemas.microsoft.com/office/drawing/2010/main" val="0"/>
+              </a:ext>
+            </a:extLst>
+          </a:blip>
+          <a:srcRect t="10158"/>
+          <a:stretch/>
+        </p:blipFill>
+        <p:spPr bwMode="auto">
+          <a:xfrm>
+            <a:off x="1163955" y="1102659"/>
+            <a:ext cx="9864090" cy="4932708"/>
+          </a:xfrm>
+          <a:prstGeom prst="rect">
+            <a:avLst/>
+          </a:prstGeom>
+          <a:noFill/>
+          <a:ln>
+            <a:noFill/>
+          </a:ln>
+        </p:spPr>
+      </p:pic>
+      <p:pic>
+        <p:nvPicPr>
+          <p:cNvPr id="7" name="Picture 6" descr="A picture containing object, clock, drawing&#10;&#10;Description automatically generated">
+            <a:extLst>
+              <a:ext uri="{FF2B5EF4-FFF2-40B4-BE49-F238E27FC236}">
+                <a16:creationId xmlns:a16="http://schemas.microsoft.com/office/drawing/2014/main" id="{F7D7CC9F-8208-4378-9DE4-CBE6F560E1ED}"/>
+              </a:ext>
+            </a:extLst>
+          </p:cNvPr>
+          <p:cNvPicPr>
+            <a:picLocks noChangeAspect="1"/>
+          </p:cNvPicPr>
+          <p:nvPr/>
+        </p:nvPicPr>
+        <p:blipFill>
+          <a:blip r:embed="rId4"/>
+          <a:stretch>
+            <a:fillRect/>
+          </a:stretch>
+        </p:blipFill>
+        <p:spPr>
+          <a:xfrm>
+            <a:off x="10756401" y="17048"/>
+            <a:ext cx="1435599" cy="1085611"/>
+          </a:xfrm>
+          <a:prstGeom prst="rect">
+            <a:avLst/>
+          </a:prstGeom>
+        </p:spPr>
+      </p:pic>
+    </p:spTree>
+    <p:extLst>
+      <p:ext uri="{BB962C8B-B14F-4D97-AF65-F5344CB8AC3E}">
+        <p14:creationId xmlns:p14="http://schemas.microsoft.com/office/powerpoint/2010/main" val="2981946894"/>
+      </p:ext>
+    </p:extLst>
+  </p:cSld>
+  <p:clrMapOvr>
+    <a:masterClrMapping/>
+  </p:clrMapOvr>
+</p:sld>
+</file>
+
+<file path=ppt/slides/slide33.xml><?xml version="1.0" encoding="utf-8"?>
+<p:sld xmlns:a="http://schemas.openxmlformats.org/drawingml/2006/main" xmlns:r="http://schemas.openxmlformats.org/officeDocument/2006/relationships" xmlns:p="http://schemas.openxmlformats.org/presentationml/2006/main">
+  <p:cSld>
+    <p:spTree>
+      <p:nvGrpSpPr>
+        <p:cNvPr id="1" name=""/>
+        <p:cNvGrpSpPr/>
+        <p:nvPr/>
+      </p:nvGrpSpPr>
+      <p:grpSpPr>
+        <a:xfrm>
+          <a:off x="0" y="0"/>
+          <a:ext cx="0" cy="0"/>
+          <a:chOff x="0" y="0"/>
+          <a:chExt cx="0" cy="0"/>
+        </a:xfrm>
+      </p:grpSpPr>
+      <p:sp>
+        <p:nvSpPr>
           <p:cNvPr id="8" name="Title 7">
             <a:extLst>
               <a:ext uri="{FF2B5EF4-FFF2-40B4-BE49-F238E27FC236}">
@@ -29332,7 +30044,7 @@
             <a:fld id="{19B51A1E-902D-48AF-9020-955120F399B6}" type="slidenum">
               <a:rPr lang="en-US" b="1" i="1" noProof="0" smtClean="0"/>
               <a:pPr/>
-              <a:t>32</a:t>
+              <a:t>33</a:t>
             </a:fld>
             <a:endParaRPr lang="en-US" b="1" i="1" noProof="0" dirty="0"/>
           </a:p>
@@ -29963,7 +30675,7 @@
 </p:sld>
 </file>
 
-<file path=ppt/slides/slide33.xml><?xml version="1.0" encoding="utf-8"?>
+<file path=ppt/slides/slide34.xml><?xml version="1.0" encoding="utf-8"?>
 <p:sld xmlns:a="http://schemas.openxmlformats.org/drawingml/2006/main" xmlns:r="http://schemas.openxmlformats.org/officeDocument/2006/relationships" xmlns:p="http://schemas.openxmlformats.org/presentationml/2006/main">
   <p:cSld>
     <p:spTree>
@@ -30048,7 +30760,7 @@
             <a:fld id="{19B51A1E-902D-48AF-9020-955120F399B6}" type="slidenum">
               <a:rPr lang="en-US" b="1" i="1" noProof="0" smtClean="0"/>
               <a:pPr/>
-              <a:t>33</a:t>
+              <a:t>34</a:t>
             </a:fld>
             <a:endParaRPr lang="en-US" b="1" i="1" noProof="0" dirty="0"/>
           </a:p>
@@ -30679,7 +31391,7 @@
 </p:sld>
 </file>
 
-<file path=ppt/slides/slide34.xml><?xml version="1.0" encoding="utf-8"?>
+<file path=ppt/slides/slide35.xml><?xml version="1.0" encoding="utf-8"?>
 <p:sld xmlns:a="http://schemas.openxmlformats.org/drawingml/2006/main" xmlns:r="http://schemas.openxmlformats.org/officeDocument/2006/relationships" xmlns:p="http://schemas.openxmlformats.org/presentationml/2006/main">
   <p:cSld>
     <p:spTree>
@@ -30764,7 +31476,7 @@
             <a:fld id="{19B51A1E-902D-48AF-9020-955120F399B6}" type="slidenum">
               <a:rPr lang="en-US" b="1" i="1" noProof="0" smtClean="0"/>
               <a:pPr/>
-              <a:t>34</a:t>
+              <a:t>35</a:t>
             </a:fld>
             <a:endParaRPr lang="en-US" b="1" i="1" noProof="0" dirty="0"/>
           </a:p>
@@ -31604,7 +32316,7 @@
 </p:sld>
 </file>
 
-<file path=ppt/slides/slide35.xml><?xml version="1.0" encoding="utf-8"?>
+<file path=ppt/slides/slide36.xml><?xml version="1.0" encoding="utf-8"?>
 <p:sld xmlns:a="http://schemas.openxmlformats.org/drawingml/2006/main" xmlns:r="http://schemas.openxmlformats.org/officeDocument/2006/relationships" xmlns:p="http://schemas.openxmlformats.org/presentationml/2006/main">
   <p:cSld>
     <p:spTree>
@@ -32158,7 +32870,7 @@
             <a:fld id="{19B51A1E-902D-48AF-9020-955120F399B6}" type="slidenum">
               <a:rPr lang="en-US" smtClean="0"/>
               <a:pPr/>
-              <a:t>35</a:t>
+              <a:t>36</a:t>
             </a:fld>
             <a:endParaRPr lang="en-US" dirty="0"/>
           </a:p>
@@ -32789,7 +33501,7 @@
 </p:sld>
 </file>
 
-<file path=ppt/slides/slide36.xml><?xml version="1.0" encoding="utf-8"?>
+<file path=ppt/slides/slide37.xml><?xml version="1.0" encoding="utf-8"?>
 <p:sld xmlns:a="http://schemas.openxmlformats.org/drawingml/2006/main" xmlns:r="http://schemas.openxmlformats.org/officeDocument/2006/relationships" xmlns:p="http://schemas.openxmlformats.org/presentationml/2006/main">
   <p:cSld>
     <p:spTree>
@@ -34044,7 +34756,11 @@
           <a:lstStyle/>
           <a:p>
             <a:r>
-              <a:rPr lang="en-US" dirty="0"/>
+              <a:rPr lang="en-US" dirty="0">
+                <a:solidFill>
+                  <a:schemeClr val="bg1"/>
+                </a:solidFill>
+              </a:rPr>
               <a:t>Co-Founder</a:t>
             </a:r>
           </a:p>
@@ -34179,14 +34895,26 @@
           <a:lstStyle/>
           <a:p>
             <a:r>
-              <a:rPr lang="es-GT" dirty="0"/>
+              <a:rPr lang="es-GT" dirty="0">
+                <a:solidFill>
+                  <a:schemeClr val="bg1"/>
+                </a:solidFill>
+              </a:rPr>
               <a:t>Co-</a:t>
             </a:r>
             <a:r>
-              <a:rPr lang="es-GT" dirty="0" err="1"/>
+              <a:rPr lang="es-GT" dirty="0" err="1">
+                <a:solidFill>
+                  <a:schemeClr val="bg1"/>
+                </a:solidFill>
+              </a:rPr>
               <a:t>Founder</a:t>
             </a:r>
-            <a:endParaRPr lang="en-US" dirty="0"/>
+            <a:endParaRPr lang="en-US" dirty="0">
+              <a:solidFill>
+                <a:schemeClr val="bg1"/>
+              </a:solidFill>
+            </a:endParaRPr>
           </a:p>
         </p:txBody>
       </p:sp>
@@ -34217,16 +34945,28 @@
           <a:lstStyle/>
           <a:p>
             <a:r>
-              <a:rPr lang="es-GT" dirty="0"/>
+              <a:rPr lang="es-GT" dirty="0">
+                <a:solidFill>
+                  <a:schemeClr val="bg1"/>
+                </a:solidFill>
+              </a:rPr>
               <a:t>Estudiante de Ingeniería de Sistemas de Tercer año en la Universidad Galileo.</a:t>
             </a:r>
           </a:p>
           <a:p>
             <a:r>
-              <a:rPr lang="es-GT" dirty="0"/>
+              <a:rPr lang="es-GT" dirty="0">
+                <a:solidFill>
+                  <a:schemeClr val="bg1"/>
+                </a:solidFill>
+              </a:rPr>
               <a:t>Diseñador, programador y músico.</a:t>
             </a:r>
-            <a:endParaRPr lang="en-US" dirty="0"/>
+            <a:endParaRPr lang="en-US" dirty="0">
+              <a:solidFill>
+                <a:schemeClr val="bg1"/>
+              </a:solidFill>
+            </a:endParaRPr>
           </a:p>
         </p:txBody>
       </p:sp>
@@ -36133,6 +36873,14 @@
 <file path=ppt/slides/slide8.xml><?xml version="1.0" encoding="utf-8"?>
 <p:sld xmlns:a="http://schemas.openxmlformats.org/drawingml/2006/main" xmlns:r="http://schemas.openxmlformats.org/officeDocument/2006/relationships" xmlns:p="http://schemas.openxmlformats.org/presentationml/2006/main">
   <p:cSld>
+    <p:bg>
+      <p:bgPr>
+        <a:solidFill>
+          <a:schemeClr val="tx1"/>
+        </a:solidFill>
+        <a:effectLst/>
+      </p:bgPr>
+    </p:bg>
     <p:spTree>
       <p:nvGrpSpPr>
         <p:cNvPr id="1" name=""/>
@@ -36147,12 +36895,41 @@
           <a:chExt cx="0" cy="0"/>
         </a:xfrm>
       </p:grpSpPr>
-      <p:sp>
-        <p:nvSpPr>
-          <p:cNvPr id="3" name="Title 2">
-            <a:extLst>
-              <a:ext uri="{FF2B5EF4-FFF2-40B4-BE49-F238E27FC236}">
-                <a16:creationId xmlns:a16="http://schemas.microsoft.com/office/drawing/2014/main" id="{362AC071-0624-430C-AEB0-AD3EBFC1CD1D}"/>
+      <p:pic>
+        <p:nvPicPr>
+          <p:cNvPr id="4" name="Picture 3">
+            <a:extLst>
+              <a:ext uri="{FF2B5EF4-FFF2-40B4-BE49-F238E27FC236}">
+                <a16:creationId xmlns:a16="http://schemas.microsoft.com/office/drawing/2014/main" id="{B4E09969-E904-4F5D-A87E-C19C53CEA71E}"/>
+              </a:ext>
+            </a:extLst>
+          </p:cNvPr>
+          <p:cNvPicPr/>
+          <p:nvPr/>
+        </p:nvPicPr>
+        <p:blipFill>
+          <a:blip r:embed="rId2"/>
+          <a:stretch>
+            <a:fillRect/>
+          </a:stretch>
+        </p:blipFill>
+        <p:spPr>
+          <a:xfrm>
+            <a:off x="5092700" y="1121823"/>
+            <a:ext cx="6486481" cy="4897292"/>
+          </a:xfrm>
+          <a:prstGeom prst="rect">
+            <a:avLst/>
+          </a:prstGeom>
+          <a:noFill/>
+        </p:spPr>
+      </p:pic>
+      <p:sp>
+        <p:nvSpPr>
+          <p:cNvPr id="9" name="Text Placeholder 2">
+            <a:extLst>
+              <a:ext uri="{FF2B5EF4-FFF2-40B4-BE49-F238E27FC236}">
+                <a16:creationId xmlns:a16="http://schemas.microsoft.com/office/drawing/2014/main" id="{3EF4E0BA-6F4A-481E-BA3D-A40E77CD1A0C}"/>
               </a:ext>
             </a:extLst>
           </p:cNvPr>
@@ -36160,39 +36937,56 @@
             <a:spLocks noGrp="1"/>
           </p:cNvSpPr>
           <p:nvPr>
-            <p:ph type="ctrTitle"/>
+            <p:ph type="body" sz="half" idx="2"/>
           </p:nvPr>
         </p:nvSpPr>
-        <p:spPr/>
+        <p:spPr>
+          <a:xfrm>
+            <a:off x="601681" y="3960000"/>
+            <a:ext cx="4114800" cy="2164938"/>
+          </a:xfrm>
+        </p:spPr>
         <p:txBody>
           <a:bodyPr/>
           <a:lstStyle/>
           <a:p>
-            <a:pPr algn="ctr"/>
-            <a:r>
-              <a:rPr lang="en-US" dirty="0"/>
-              <a:t>La </a:t>
-            </a:r>
-            <a:r>
-              <a:rPr lang="en-US" dirty="0" err="1"/>
-              <a:t>solución</a:t>
-            </a:r>
-            <a:br>
-              <a:rPr lang="en-US" dirty="0"/>
-            </a:br>
-            <a:r>
-              <a:rPr lang="en-US" i="1" dirty="0"/>
-              <a:t>NETZ</a:t>
-            </a:r>
-          </a:p>
-        </p:txBody>
-      </p:sp>
-      <p:sp>
-        <p:nvSpPr>
-          <p:cNvPr id="5" name="Content Placeholder 4">
-            <a:extLst>
-              <a:ext uri="{FF2B5EF4-FFF2-40B4-BE49-F238E27FC236}">
-                <a16:creationId xmlns:a16="http://schemas.microsoft.com/office/drawing/2014/main" id="{5F606456-BEB8-424C-8C7C-E9B311D7C337}"/>
+            <a:pPr marL="285750" indent="-285750">
+              <a:buFont typeface="Arial" panose="020B0604020202020204" pitchFamily="34" charset="0"/>
+              <a:buChar char="•"/>
+            </a:pPr>
+            <a:r>
+              <a:rPr lang="es-GT" dirty="0"/>
+              <a:t>Guatemala es un país con mucho emprendimiento (según GEM)</a:t>
+            </a:r>
+          </a:p>
+          <a:p>
+            <a:pPr marL="285750" indent="-285750">
+              <a:buFont typeface="Arial" panose="020B0604020202020204" pitchFamily="34" charset="0"/>
+              <a:buChar char="•"/>
+            </a:pPr>
+            <a:r>
+              <a:rPr lang="es-GT" dirty="0"/>
+              <a:t>Muchos proyectos son informales</a:t>
+            </a:r>
+          </a:p>
+          <a:p>
+            <a:pPr marL="285750" indent="-285750">
+              <a:buFont typeface="Arial" panose="020B0604020202020204" pitchFamily="34" charset="0"/>
+              <a:buChar char="•"/>
+            </a:pPr>
+            <a:r>
+              <a:rPr lang="es-GT" dirty="0"/>
+              <a:t>Bajo presupuesto y poco crecimiento</a:t>
+            </a:r>
+          </a:p>
+        </p:txBody>
+      </p:sp>
+      <p:sp>
+        <p:nvSpPr>
+          <p:cNvPr id="3" name="Title 2">
+            <a:extLst>
+              <a:ext uri="{FF2B5EF4-FFF2-40B4-BE49-F238E27FC236}">
+                <a16:creationId xmlns:a16="http://schemas.microsoft.com/office/drawing/2014/main" id="{A0D4F824-9075-4171-A75E-B9AC388BB2B4}"/>
               </a:ext>
             </a:extLst>
           </p:cNvPr>
@@ -36200,88 +36994,38 @@
             <a:spLocks noGrp="1"/>
           </p:cNvSpPr>
           <p:nvPr>
-            <p:ph idx="52"/>
+            <p:ph type="title"/>
           </p:nvPr>
         </p:nvSpPr>
         <p:spPr>
           <a:xfrm>
-            <a:off x="577022" y="3124209"/>
-            <a:ext cx="4283297" cy="1800000"/>
-          </a:xfrm>
-        </p:spPr>
-        <p:txBody>
-          <a:bodyPr/>
+            <a:off x="601681" y="1016000"/>
+            <a:ext cx="4114800" cy="2744226"/>
+          </a:xfrm>
+          <a:prstGeom prst="rect">
+            <a:avLst/>
+          </a:prstGeom>
+        </p:spPr>
+        <p:txBody>
+          <a:bodyPr anchor="b">
+            <a:normAutofit/>
+          </a:bodyPr>
           <a:lstStyle/>
           <a:p>
-            <a:pPr algn="just"/>
-            <a:r>
-              <a:rPr lang="en-US" sz="2400" dirty="0" err="1"/>
-              <a:t>Conectar</a:t>
-            </a:r>
-            <a:r>
-              <a:rPr lang="en-US" sz="2400" dirty="0"/>
-              <a:t> </a:t>
-            </a:r>
-            <a:r>
-              <a:rPr lang="en-US" sz="2400" dirty="0" err="1"/>
-              <a:t>gente</a:t>
-            </a:r>
-            <a:r>
-              <a:rPr lang="en-US" sz="2400" dirty="0"/>
-              <a:t> </a:t>
-            </a:r>
-            <a:r>
-              <a:rPr lang="en-US" sz="2400" dirty="0" err="1"/>
-              <a:t>emprendedora</a:t>
-            </a:r>
-            <a:r>
-              <a:rPr lang="en-US" sz="2400" dirty="0"/>
-              <a:t> con </a:t>
-            </a:r>
-            <a:r>
-              <a:rPr lang="en-US" sz="2400" dirty="0" err="1"/>
-              <a:t>gente</a:t>
-            </a:r>
-            <a:r>
-              <a:rPr lang="en-US" sz="2400" dirty="0"/>
-              <a:t> que </a:t>
-            </a:r>
-            <a:r>
-              <a:rPr lang="en-US" sz="2400" dirty="0" err="1"/>
-              <a:t>busca</a:t>
-            </a:r>
-            <a:r>
-              <a:rPr lang="en-US" sz="2400" dirty="0"/>
-              <a:t> </a:t>
-            </a:r>
-            <a:r>
-              <a:rPr lang="en-US" sz="2400" dirty="0" err="1"/>
-              <a:t>innovación</a:t>
-            </a:r>
-            <a:r>
-              <a:rPr lang="en-US" sz="2400" dirty="0"/>
-              <a:t>.</a:t>
-            </a:r>
-          </a:p>
-          <a:p>
-            <a:pPr algn="just"/>
-            <a:r>
-              <a:rPr lang="en-US" sz="2400" noProof="1"/>
-              <a:t>Palabras clave: conectar y proveer.</a:t>
-            </a:r>
-          </a:p>
-          <a:p>
-            <a:pPr algn="just"/>
-            <a:endParaRPr lang="en-US" sz="2400" dirty="0"/>
-          </a:p>
-        </p:txBody>
-      </p:sp>
-      <p:sp>
-        <p:nvSpPr>
-          <p:cNvPr id="4" name="Slide Number Placeholder 3">
-            <a:extLst>
-              <a:ext uri="{FF2B5EF4-FFF2-40B4-BE49-F238E27FC236}">
-                <a16:creationId xmlns:a16="http://schemas.microsoft.com/office/drawing/2014/main" id="{D3CC57C3-9D13-4E2B-8E1F-6AF5D1A5BE69}"/>
+            <a:r>
+              <a:rPr lang="es-GT" dirty="0"/>
+              <a:t>Investigación Preliminar</a:t>
+            </a:r>
+            <a:endParaRPr lang="en-US"/>
+          </a:p>
+        </p:txBody>
+      </p:sp>
+      <p:sp>
+        <p:nvSpPr>
+          <p:cNvPr id="2" name="Slide Number Placeholder 1">
+            <a:extLst>
+              <a:ext uri="{FF2B5EF4-FFF2-40B4-BE49-F238E27FC236}">
+                <a16:creationId xmlns:a16="http://schemas.microsoft.com/office/drawing/2014/main" id="{86BD08F8-E96A-4243-B8C8-75B61251FA61}"/>
               </a:ext>
             </a:extLst>
           </p:cNvPr>
@@ -36289,79 +37033,53 @@
             <a:spLocks noGrp="1"/>
           </p:cNvSpPr>
           <p:nvPr>
-            <p:ph type="sldNum" sz="quarter" idx="50"/>
+            <p:ph type="sldNum" sz="quarter" idx="11"/>
           </p:nvPr>
         </p:nvSpPr>
-        <p:spPr/>
-        <p:txBody>
-          <a:bodyPr/>
-          <a:lstStyle/>
-          <a:p>
-            <a:r>
-              <a:rPr lang="en-US" dirty="0"/>
-              <a:t>page </a:t>
-            </a:r>
-            <a:fld id="{19B51A1E-902D-48AF-9020-955120F399B6}" type="slidenum">
-              <a:rPr lang="en-US" smtClean="0"/>
-              <a:pPr/>
-              <a:t>8</a:t>
-            </a:fld>
-            <a:endParaRPr lang="en-US" dirty="0"/>
-          </a:p>
-        </p:txBody>
-      </p:sp>
-      <p:sp>
-        <p:nvSpPr>
-          <p:cNvPr id="9" name="Picture Placeholder 8">
-            <a:extLst>
-              <a:ext uri="{FF2B5EF4-FFF2-40B4-BE49-F238E27FC236}">
-                <a16:creationId xmlns:a16="http://schemas.microsoft.com/office/drawing/2014/main" id="{8072C87C-AB7E-4DC0-A326-6C610C89E921}"/>
-              </a:ext>
-            </a:extLst>
-          </p:cNvPr>
-          <p:cNvSpPr>
-            <a:spLocks noGrp="1"/>
-          </p:cNvSpPr>
-          <p:nvPr>
-            <p:ph type="pic" sz="quarter" idx="13"/>
-          </p:nvPr>
-        </p:nvSpPr>
-        <p:spPr/>
-      </p:sp>
-      <p:pic>
-        <p:nvPicPr>
-          <p:cNvPr id="7" name="Picture 6" descr="A picture containing object, clock, drawing&#10;&#10;Description automatically generated">
-            <a:extLst>
-              <a:ext uri="{FF2B5EF4-FFF2-40B4-BE49-F238E27FC236}">
-                <a16:creationId xmlns:a16="http://schemas.microsoft.com/office/drawing/2014/main" id="{4FD97AFA-EE22-4451-B26C-8459239940AB}"/>
-              </a:ext>
-            </a:extLst>
-          </p:cNvPr>
-          <p:cNvPicPr>
-            <a:picLocks noChangeAspect="1"/>
-          </p:cNvPicPr>
-          <p:nvPr/>
-        </p:nvPicPr>
-        <p:blipFill>
-          <a:blip r:embed="rId3"/>
-          <a:stretch>
-            <a:fillRect/>
-          </a:stretch>
-        </p:blipFill>
-        <p:spPr>
-          <a:xfrm>
-            <a:off x="10727701" y="0"/>
-            <a:ext cx="1278003" cy="772998"/>
+        <p:spPr>
+          <a:xfrm>
+            <a:off x="11601450" y="6687111"/>
+            <a:ext cx="548755" cy="153841"/>
           </a:xfrm>
           <a:prstGeom prst="rect">
             <a:avLst/>
           </a:prstGeom>
-        </p:spPr>
-      </p:pic>
+          <a:ln w="3175">
+            <a:noFill/>
+          </a:ln>
+        </p:spPr>
+        <p:txBody>
+          <a:bodyPr anchor="ctr">
+            <a:normAutofit/>
+          </a:bodyPr>
+          <a:lstStyle/>
+          <a:p>
+            <a:pPr>
+              <a:spcAft>
+                <a:spcPts val="600"/>
+              </a:spcAft>
+            </a:pPr>
+            <a:r>
+              <a:rPr lang="en-US" noProof="0"/>
+              <a:t>page </a:t>
+            </a:r>
+            <a:fld id="{19B51A1E-902D-48AF-9020-955120F399B6}" type="slidenum">
+              <a:rPr lang="en-US" b="1" i="1" noProof="0" smtClean="0"/>
+              <a:pPr>
+                <a:spcAft>
+                  <a:spcPts val="600"/>
+                </a:spcAft>
+              </a:pPr>
+              <a:t>8</a:t>
+            </a:fld>
+            <a:endParaRPr lang="en-US" b="1" i="1" noProof="0"/>
+          </a:p>
+        </p:txBody>
+      </p:sp>
     </p:spTree>
     <p:extLst>
       <p:ext uri="{BB962C8B-B14F-4D97-AF65-F5344CB8AC3E}">
-        <p14:creationId xmlns:p14="http://schemas.microsoft.com/office/powerpoint/2010/main" val="1344647200"/>
+        <p14:creationId xmlns:p14="http://schemas.microsoft.com/office/powerpoint/2010/main" val="3468091305"/>
       </p:ext>
     </p:extLst>
   </p:cSld>
@@ -36390,10 +37108,10 @@
       </p:grpSpPr>
       <p:sp>
         <p:nvSpPr>
-          <p:cNvPr id="22" name="Title 21">
-            <a:extLst>
-              <a:ext uri="{FF2B5EF4-FFF2-40B4-BE49-F238E27FC236}">
-                <a16:creationId xmlns:a16="http://schemas.microsoft.com/office/drawing/2014/main" id="{6E373D3B-47D6-44DC-9D27-F5C5B0252D74}"/>
+          <p:cNvPr id="3" name="Title 2">
+            <a:extLst>
+              <a:ext uri="{FF2B5EF4-FFF2-40B4-BE49-F238E27FC236}">
+                <a16:creationId xmlns:a16="http://schemas.microsoft.com/office/drawing/2014/main" id="{362AC071-0624-430C-AEB0-AD3EBFC1CD1D}"/>
               </a:ext>
             </a:extLst>
           </p:cNvPr>
@@ -36409,20 +37127,31 @@
           <a:bodyPr/>
           <a:lstStyle/>
           <a:p>
-            <a:r>
-              <a:rPr lang="es-GT" dirty="0"/>
-              <a:t>Competencia</a:t>
-            </a:r>
-            <a:endParaRPr lang="en-US" dirty="0"/>
-          </a:p>
-        </p:txBody>
-      </p:sp>
-      <p:sp>
-        <p:nvSpPr>
-          <p:cNvPr id="15" name="Slide Number Placeholder 14">
-            <a:extLst>
-              <a:ext uri="{FF2B5EF4-FFF2-40B4-BE49-F238E27FC236}">
-                <a16:creationId xmlns:a16="http://schemas.microsoft.com/office/drawing/2014/main" id="{8080A6CF-4C34-448E-9885-BD408B2A16CD}"/>
+            <a:pPr algn="ctr"/>
+            <a:r>
+              <a:rPr lang="en-US" dirty="0"/>
+              <a:t>La </a:t>
+            </a:r>
+            <a:r>
+              <a:rPr lang="en-US" dirty="0" err="1"/>
+              <a:t>solución</a:t>
+            </a:r>
+            <a:br>
+              <a:rPr lang="en-US" dirty="0"/>
+            </a:br>
+            <a:r>
+              <a:rPr lang="en-US" i="1" dirty="0"/>
+              <a:t>NETZ</a:t>
+            </a:r>
+          </a:p>
+        </p:txBody>
+      </p:sp>
+      <p:sp>
+        <p:nvSpPr>
+          <p:cNvPr id="5" name="Content Placeholder 4">
+            <a:extLst>
+              <a:ext uri="{FF2B5EF4-FFF2-40B4-BE49-F238E27FC236}">
+                <a16:creationId xmlns:a16="http://schemas.microsoft.com/office/drawing/2014/main" id="{5F606456-BEB8-424C-8C7C-E9B311D7C337}"/>
               </a:ext>
             </a:extLst>
           </p:cNvPr>
@@ -36430,620 +37159,140 @@
             <a:spLocks noGrp="1"/>
           </p:cNvSpPr>
           <p:nvPr>
-            <p:ph type="sldNum" sz="quarter" idx="4294967295"/>
+            <p:ph idx="52"/>
           </p:nvPr>
         </p:nvSpPr>
         <p:spPr>
           <a:xfrm>
-            <a:off x="11642725" y="6686550"/>
-            <a:ext cx="549275" cy="153988"/>
+            <a:off x="577022" y="3124209"/>
+            <a:ext cx="4283297" cy="1800000"/>
           </a:xfrm>
         </p:spPr>
         <p:txBody>
           <a:bodyPr/>
           <a:lstStyle/>
           <a:p>
-            <a:r>
-              <a:rPr lang="en-US" noProof="0"/>
+            <a:pPr algn="just"/>
+            <a:r>
+              <a:rPr lang="en-US" sz="2400" dirty="0" err="1"/>
+              <a:t>Conectar</a:t>
+            </a:r>
+            <a:r>
+              <a:rPr lang="en-US" sz="2400" dirty="0"/>
+              <a:t> </a:t>
+            </a:r>
+            <a:r>
+              <a:rPr lang="en-US" sz="2400" dirty="0" err="1"/>
+              <a:t>gente</a:t>
+            </a:r>
+            <a:r>
+              <a:rPr lang="en-US" sz="2400" dirty="0"/>
+              <a:t> </a:t>
+            </a:r>
+            <a:r>
+              <a:rPr lang="en-US" sz="2400" dirty="0" err="1"/>
+              <a:t>emprendedora</a:t>
+            </a:r>
+            <a:r>
+              <a:rPr lang="en-US" sz="2400" dirty="0"/>
+              <a:t> con </a:t>
+            </a:r>
+            <a:r>
+              <a:rPr lang="en-US" sz="2400" dirty="0" err="1"/>
+              <a:t>gente</a:t>
+            </a:r>
+            <a:r>
+              <a:rPr lang="en-US" sz="2400" dirty="0"/>
+              <a:t> que </a:t>
+            </a:r>
+            <a:r>
+              <a:rPr lang="en-US" sz="2400" dirty="0" err="1"/>
+              <a:t>busca</a:t>
+            </a:r>
+            <a:r>
+              <a:rPr lang="en-US" sz="2400" dirty="0"/>
+              <a:t> </a:t>
+            </a:r>
+            <a:r>
+              <a:rPr lang="en-US" sz="2400" dirty="0" err="1"/>
+              <a:t>innovación</a:t>
+            </a:r>
+            <a:r>
+              <a:rPr lang="en-US" sz="2400" dirty="0"/>
+              <a:t>.</a:t>
+            </a:r>
+          </a:p>
+          <a:p>
+            <a:pPr algn="just"/>
+            <a:r>
+              <a:rPr lang="en-US" sz="2400" noProof="1"/>
+              <a:t>Palabras clave: conectar y proveer.</a:t>
+            </a:r>
+          </a:p>
+          <a:p>
+            <a:pPr algn="just"/>
+            <a:endParaRPr lang="en-US" sz="2400" dirty="0"/>
+          </a:p>
+        </p:txBody>
+      </p:sp>
+      <p:sp>
+        <p:nvSpPr>
+          <p:cNvPr id="4" name="Slide Number Placeholder 3">
+            <a:extLst>
+              <a:ext uri="{FF2B5EF4-FFF2-40B4-BE49-F238E27FC236}">
+                <a16:creationId xmlns:a16="http://schemas.microsoft.com/office/drawing/2014/main" id="{D3CC57C3-9D13-4E2B-8E1F-6AF5D1A5BE69}"/>
+              </a:ext>
+            </a:extLst>
+          </p:cNvPr>
+          <p:cNvSpPr>
+            <a:spLocks noGrp="1"/>
+          </p:cNvSpPr>
+          <p:nvPr>
+            <p:ph type="sldNum" sz="quarter" idx="50"/>
+          </p:nvPr>
+        </p:nvSpPr>
+        <p:spPr/>
+        <p:txBody>
+          <a:bodyPr/>
+          <a:lstStyle/>
+          <a:p>
+            <a:r>
+              <a:rPr lang="en-US" dirty="0"/>
               <a:t>page </a:t>
             </a:r>
             <a:fld id="{19B51A1E-902D-48AF-9020-955120F399B6}" type="slidenum">
-              <a:rPr lang="en-US" b="1" i="1" noProof="0" smtClean="0"/>
+              <a:rPr lang="en-US" smtClean="0"/>
               <a:pPr/>
               <a:t>9</a:t>
             </a:fld>
-            <a:endParaRPr lang="en-US" b="1" i="1" noProof="0" dirty="0"/>
-          </a:p>
-        </p:txBody>
-      </p:sp>
-      <p:grpSp>
-        <p:nvGrpSpPr>
-          <p:cNvPr id="4" name="Group 3">
-            <a:extLst>
-              <a:ext uri="{FF2B5EF4-FFF2-40B4-BE49-F238E27FC236}">
-                <a16:creationId xmlns:a16="http://schemas.microsoft.com/office/drawing/2014/main" id="{B16E2E2B-385C-4EE8-A20D-129F9A76652F}"/>
-              </a:ext>
-              <a:ext uri="{C183D7F6-B498-43B3-948B-1728B52AA6E4}">
-                <adec:decorative xmlns:adec="http://schemas.microsoft.com/office/drawing/2017/decorative" val="1"/>
-              </a:ext>
-            </a:extLst>
-          </p:cNvPr>
-          <p:cNvGrpSpPr/>
-          <p:nvPr/>
-        </p:nvGrpSpPr>
-        <p:grpSpPr>
-          <a:xfrm>
-            <a:off x="958369" y="819920"/>
-            <a:ext cx="4025781" cy="2720745"/>
-            <a:chOff x="7699827" y="846814"/>
-            <a:chExt cx="4025781" cy="2720745"/>
-          </a:xfrm>
-        </p:grpSpPr>
-        <p:sp>
-          <p:nvSpPr>
-            <p:cNvPr id="5" name="Oval 4">
-              <a:extLst>
-                <a:ext uri="{FF2B5EF4-FFF2-40B4-BE49-F238E27FC236}">
-                  <a16:creationId xmlns:a16="http://schemas.microsoft.com/office/drawing/2014/main" id="{D71123F1-75FB-4C5B-B321-F098D8405F3E}"/>
-                </a:ext>
-              </a:extLst>
-            </p:cNvPr>
-            <p:cNvSpPr/>
-            <p:nvPr/>
-          </p:nvSpPr>
-          <p:spPr>
-            <a:xfrm>
-              <a:off x="8182897" y="1713921"/>
-              <a:ext cx="1022532" cy="1022532"/>
-            </a:xfrm>
-            <a:prstGeom prst="ellipse">
-              <a:avLst/>
-            </a:prstGeom>
-            <a:noFill/>
-            <a:ln w="3175">
-              <a:solidFill>
-                <a:schemeClr val="bg1"/>
-              </a:solidFill>
-            </a:ln>
-            <a:effectLst>
-              <a:glow rad="165100">
-                <a:schemeClr val="bg1">
-                  <a:alpha val="9000"/>
-                </a:schemeClr>
-              </a:glow>
-            </a:effectLst>
-          </p:spPr>
-          <p:style>
-            <a:lnRef idx="2">
-              <a:schemeClr val="accent1">
-                <a:shade val="50000"/>
-              </a:schemeClr>
-            </a:lnRef>
-            <a:fillRef idx="1">
-              <a:schemeClr val="accent1"/>
-            </a:fillRef>
-            <a:effectRef idx="0">
-              <a:schemeClr val="accent1"/>
-            </a:effectRef>
-            <a:fontRef idx="minor">
-              <a:schemeClr val="lt1"/>
-            </a:fontRef>
-          </p:style>
-          <p:txBody>
-            <a:bodyPr rot="0" spcFirstLastPara="0" vertOverflow="overflow" horzOverflow="overflow" vert="horz" wrap="square" lIns="91440" tIns="45720" rIns="91440" bIns="45720" numCol="1" spcCol="0" rtlCol="0" fromWordArt="0" anchor="ctr" anchorCtr="0" forceAA="0" compatLnSpc="1">
-              <a:prstTxWarp prst="textNoShape">
-                <a:avLst/>
-              </a:prstTxWarp>
-              <a:noAutofit/>
-            </a:bodyPr>
-            <a:lstStyle/>
-            <a:p>
-              <a:pPr algn="ctr"/>
-              <a:endParaRPr lang="en-US" dirty="0"/>
-            </a:p>
-          </p:txBody>
-        </p:sp>
-        <p:sp>
-          <p:nvSpPr>
-            <p:cNvPr id="6" name="Oval 5">
-              <a:extLst>
-                <a:ext uri="{FF2B5EF4-FFF2-40B4-BE49-F238E27FC236}">
-                  <a16:creationId xmlns:a16="http://schemas.microsoft.com/office/drawing/2014/main" id="{83FECF17-86A2-41C4-A15D-463D07A2C737}"/>
-                </a:ext>
-              </a:extLst>
-            </p:cNvPr>
-            <p:cNvSpPr/>
-            <p:nvPr/>
-          </p:nvSpPr>
-          <p:spPr>
-            <a:xfrm>
-              <a:off x="11201630" y="2022136"/>
-              <a:ext cx="399819" cy="406102"/>
-            </a:xfrm>
-            <a:prstGeom prst="ellipse">
-              <a:avLst/>
-            </a:prstGeom>
-            <a:noFill/>
-            <a:ln w="3175">
-              <a:solidFill>
-                <a:schemeClr val="bg1"/>
-              </a:solidFill>
-            </a:ln>
-            <a:effectLst>
-              <a:glow rad="114300">
-                <a:schemeClr val="bg1">
-                  <a:alpha val="15000"/>
-                </a:schemeClr>
-              </a:glow>
-            </a:effectLst>
-          </p:spPr>
-          <p:style>
-            <a:lnRef idx="2">
-              <a:schemeClr val="accent1">
-                <a:shade val="50000"/>
-              </a:schemeClr>
-            </a:lnRef>
-            <a:fillRef idx="1">
-              <a:schemeClr val="accent1"/>
-            </a:fillRef>
-            <a:effectRef idx="0">
-              <a:schemeClr val="accent1"/>
-            </a:effectRef>
-            <a:fontRef idx="minor">
-              <a:schemeClr val="lt1"/>
-            </a:fontRef>
-          </p:style>
-          <p:txBody>
-            <a:bodyPr rot="0" spcFirstLastPara="0" vertOverflow="overflow" horzOverflow="overflow" vert="horz" wrap="square" lIns="91440" tIns="45720" rIns="91440" bIns="45720" numCol="1" spcCol="0" rtlCol="0" fromWordArt="0" anchor="ctr" anchorCtr="0" forceAA="0" compatLnSpc="1">
-              <a:prstTxWarp prst="textNoShape">
-                <a:avLst/>
-              </a:prstTxWarp>
-              <a:noAutofit/>
-            </a:bodyPr>
-            <a:lstStyle/>
-            <a:p>
-              <a:pPr algn="ctr"/>
-              <a:endParaRPr lang="en-US" dirty="0"/>
-            </a:p>
-          </p:txBody>
-        </p:sp>
-        <p:sp>
-          <p:nvSpPr>
-            <p:cNvPr id="7" name="Oval 6">
-              <a:extLst>
-                <a:ext uri="{FF2B5EF4-FFF2-40B4-BE49-F238E27FC236}">
-                  <a16:creationId xmlns:a16="http://schemas.microsoft.com/office/drawing/2014/main" id="{E5CE72CE-8743-4DE0-B6F3-EBACB9668B50}"/>
-                </a:ext>
-              </a:extLst>
-            </p:cNvPr>
-            <p:cNvSpPr/>
-            <p:nvPr/>
-          </p:nvSpPr>
-          <p:spPr>
-            <a:xfrm>
-              <a:off x="9754515" y="2186345"/>
-              <a:ext cx="77685" cy="77685"/>
-            </a:xfrm>
-            <a:prstGeom prst="ellipse">
-              <a:avLst/>
-            </a:prstGeom>
-            <a:gradFill flip="none" rotWithShape="1">
-              <a:gsLst>
-                <a:gs pos="0">
-                  <a:srgbClr val="FFFFFF"/>
-                </a:gs>
-                <a:gs pos="70000">
-                  <a:schemeClr val="accent2">
-                    <a:lumMod val="20000"/>
-                    <a:lumOff val="80000"/>
-                  </a:schemeClr>
-                </a:gs>
-                <a:gs pos="65000">
-                  <a:srgbClr val="F7FFFF"/>
-                </a:gs>
-              </a:gsLst>
-              <a:path path="circle">
-                <a:fillToRect l="50000" t="50000" r="50000" b="50000"/>
-              </a:path>
-              <a:tileRect/>
-            </a:gradFill>
-            <a:ln>
-              <a:noFill/>
-            </a:ln>
-            <a:effectLst>
-              <a:glow rad="165100">
-                <a:schemeClr val="accent2">
-                  <a:satMod val="175000"/>
-                  <a:alpha val="40000"/>
-                </a:schemeClr>
-              </a:glow>
-            </a:effectLst>
-          </p:spPr>
-          <p:style>
-            <a:lnRef idx="2">
-              <a:schemeClr val="accent1">
-                <a:shade val="50000"/>
-              </a:schemeClr>
-            </a:lnRef>
-            <a:fillRef idx="1">
-              <a:schemeClr val="accent1"/>
-            </a:fillRef>
-            <a:effectRef idx="0">
-              <a:schemeClr val="accent1"/>
-            </a:effectRef>
-            <a:fontRef idx="minor">
-              <a:schemeClr val="lt1"/>
-            </a:fontRef>
-          </p:style>
-          <p:txBody>
-            <a:bodyPr rtlCol="0" anchor="ctr"/>
-            <a:lstStyle/>
-            <a:p>
-              <a:pPr algn="ctr"/>
-              <a:endParaRPr lang="en-US" dirty="0"/>
-            </a:p>
-          </p:txBody>
-        </p:sp>
-        <p:sp>
-          <p:nvSpPr>
-            <p:cNvPr id="8" name="Oval 7">
-              <a:extLst>
-                <a:ext uri="{FF2B5EF4-FFF2-40B4-BE49-F238E27FC236}">
-                  <a16:creationId xmlns:a16="http://schemas.microsoft.com/office/drawing/2014/main" id="{D72BE7B5-CD78-4988-A850-72C94B8B936B}"/>
-                </a:ext>
-              </a:extLst>
-            </p:cNvPr>
-            <p:cNvSpPr/>
-            <p:nvPr/>
-          </p:nvSpPr>
-          <p:spPr>
-            <a:xfrm>
-              <a:off x="8676163" y="846814"/>
-              <a:ext cx="2678654" cy="2720745"/>
-            </a:xfrm>
-            <a:prstGeom prst="ellipse">
-              <a:avLst/>
-            </a:prstGeom>
-            <a:noFill/>
-            <a:ln w="111125">
-              <a:solidFill>
-                <a:schemeClr val="bg1">
-                  <a:alpha val="6000"/>
-                </a:schemeClr>
-              </a:solidFill>
-            </a:ln>
-            <a:effectLst/>
-          </p:spPr>
-          <p:style>
-            <a:lnRef idx="2">
-              <a:schemeClr val="accent1">
-                <a:shade val="50000"/>
-              </a:schemeClr>
-            </a:lnRef>
-            <a:fillRef idx="1">
-              <a:schemeClr val="accent1"/>
-            </a:fillRef>
-            <a:effectRef idx="0">
-              <a:schemeClr val="accent1"/>
-            </a:effectRef>
-            <a:fontRef idx="minor">
-              <a:schemeClr val="lt1"/>
-            </a:fontRef>
-          </p:style>
-          <p:txBody>
-            <a:bodyPr rot="0" spcFirstLastPara="0" vertOverflow="overflow" horzOverflow="overflow" vert="horz" wrap="square" lIns="91440" tIns="45720" rIns="91440" bIns="45720" numCol="1" spcCol="0" rtlCol="0" fromWordArt="0" anchor="ctr" anchorCtr="0" forceAA="0" compatLnSpc="1">
-              <a:prstTxWarp prst="textNoShape">
-                <a:avLst/>
-              </a:prstTxWarp>
-              <a:noAutofit/>
-            </a:bodyPr>
-            <a:lstStyle/>
-            <a:p>
-              <a:pPr algn="ctr"/>
-              <a:endParaRPr lang="en-US" dirty="0"/>
-            </a:p>
-          </p:txBody>
-        </p:sp>
-        <p:cxnSp>
-          <p:nvCxnSpPr>
-            <p:cNvPr id="9" name="Straight Connector 8">
-              <a:extLst>
-                <a:ext uri="{FF2B5EF4-FFF2-40B4-BE49-F238E27FC236}">
-                  <a16:creationId xmlns:a16="http://schemas.microsoft.com/office/drawing/2014/main" id="{7E2A983F-A0C5-4341-8235-3BEA65C8EDBD}"/>
-                </a:ext>
-              </a:extLst>
-            </p:cNvPr>
-            <p:cNvCxnSpPr>
-              <a:cxnSpLocks/>
-            </p:cNvCxnSpPr>
-            <p:nvPr/>
-          </p:nvCxnSpPr>
-          <p:spPr>
-            <a:xfrm>
-              <a:off x="7699827" y="2225187"/>
-              <a:ext cx="4025781" cy="0"/>
-            </a:xfrm>
-            <a:prstGeom prst="line">
-              <a:avLst/>
-            </a:prstGeom>
-            <a:ln>
-              <a:solidFill>
-                <a:schemeClr val="bg2">
-                  <a:alpha val="30000"/>
-                </a:schemeClr>
-              </a:solidFill>
-            </a:ln>
-          </p:spPr>
-          <p:style>
-            <a:lnRef idx="1">
-              <a:schemeClr val="accent1"/>
-            </a:lnRef>
-            <a:fillRef idx="0">
-              <a:schemeClr val="accent1"/>
-            </a:fillRef>
-            <a:effectRef idx="0">
-              <a:schemeClr val="accent1"/>
-            </a:effectRef>
-            <a:fontRef idx="minor">
-              <a:schemeClr val="tx1"/>
-            </a:fontRef>
-          </p:style>
-        </p:cxnSp>
-        <p:sp>
-          <p:nvSpPr>
-            <p:cNvPr id="10" name="Oval 9">
-              <a:extLst>
-                <a:ext uri="{FF2B5EF4-FFF2-40B4-BE49-F238E27FC236}">
-                  <a16:creationId xmlns:a16="http://schemas.microsoft.com/office/drawing/2014/main" id="{94721631-652B-433E-BF10-175A55469973}"/>
-                </a:ext>
-              </a:extLst>
-            </p:cNvPr>
-            <p:cNvSpPr/>
-            <p:nvPr/>
-          </p:nvSpPr>
-          <p:spPr>
-            <a:xfrm>
-              <a:off x="8676163" y="2207187"/>
-              <a:ext cx="36000" cy="36000"/>
-            </a:xfrm>
-            <a:prstGeom prst="ellipse">
-              <a:avLst/>
-            </a:prstGeom>
-            <a:gradFill flip="none" rotWithShape="1">
-              <a:gsLst>
-                <a:gs pos="0">
-                  <a:srgbClr val="FFFFFF"/>
-                </a:gs>
-                <a:gs pos="70000">
-                  <a:schemeClr val="accent2">
-                    <a:lumMod val="20000"/>
-                    <a:lumOff val="80000"/>
-                  </a:schemeClr>
-                </a:gs>
-                <a:gs pos="65000">
-                  <a:srgbClr val="F7FFFF"/>
-                </a:gs>
-              </a:gsLst>
-              <a:path path="circle">
-                <a:fillToRect l="50000" t="50000" r="50000" b="50000"/>
-              </a:path>
-              <a:tileRect/>
-            </a:gradFill>
-            <a:ln>
-              <a:noFill/>
-            </a:ln>
-            <a:effectLst>
-              <a:glow rad="165100">
-                <a:schemeClr val="accent2">
-                  <a:satMod val="175000"/>
-                  <a:alpha val="40000"/>
-                </a:schemeClr>
-              </a:glow>
-            </a:effectLst>
-          </p:spPr>
-          <p:style>
-            <a:lnRef idx="2">
-              <a:schemeClr val="accent1">
-                <a:shade val="50000"/>
-              </a:schemeClr>
-            </a:lnRef>
-            <a:fillRef idx="1">
-              <a:schemeClr val="accent1"/>
-            </a:fillRef>
-            <a:effectRef idx="0">
-              <a:schemeClr val="accent1"/>
-            </a:effectRef>
-            <a:fontRef idx="minor">
-              <a:schemeClr val="lt1"/>
-            </a:fontRef>
-          </p:style>
-          <p:txBody>
-            <a:bodyPr rtlCol="0" anchor="ctr"/>
-            <a:lstStyle/>
-            <a:p>
-              <a:pPr algn="ctr"/>
-              <a:endParaRPr lang="en-US" dirty="0"/>
-            </a:p>
-          </p:txBody>
-        </p:sp>
-        <p:sp>
-          <p:nvSpPr>
-            <p:cNvPr id="11" name="Oval 10">
-              <a:extLst>
-                <a:ext uri="{FF2B5EF4-FFF2-40B4-BE49-F238E27FC236}">
-                  <a16:creationId xmlns:a16="http://schemas.microsoft.com/office/drawing/2014/main" id="{226FBE2D-20C0-4B32-873E-7F301BC67055}"/>
-                </a:ext>
-              </a:extLst>
-            </p:cNvPr>
-            <p:cNvSpPr/>
-            <p:nvPr/>
-          </p:nvSpPr>
-          <p:spPr>
-            <a:xfrm>
-              <a:off x="8837524" y="2905351"/>
-              <a:ext cx="248256" cy="252158"/>
-            </a:xfrm>
-            <a:prstGeom prst="ellipse">
-              <a:avLst/>
-            </a:prstGeom>
-            <a:noFill/>
-            <a:ln w="3175">
-              <a:solidFill>
-                <a:schemeClr val="tx1">
-                  <a:lumMod val="50000"/>
-                  <a:lumOff val="50000"/>
-                </a:schemeClr>
-              </a:solidFill>
-              <a:prstDash val="sysDash"/>
-            </a:ln>
-            <a:effectLst/>
-          </p:spPr>
-          <p:style>
-            <a:lnRef idx="2">
-              <a:schemeClr val="accent1">
-                <a:shade val="50000"/>
-              </a:schemeClr>
-            </a:lnRef>
-            <a:fillRef idx="1">
-              <a:schemeClr val="accent1"/>
-            </a:fillRef>
-            <a:effectRef idx="0">
-              <a:schemeClr val="accent1"/>
-            </a:effectRef>
-            <a:fontRef idx="minor">
-              <a:schemeClr val="lt1"/>
-            </a:fontRef>
-          </p:style>
-          <p:txBody>
-            <a:bodyPr rot="0" spcFirstLastPara="0" vertOverflow="overflow" horzOverflow="overflow" vert="horz" wrap="square" lIns="91440" tIns="45720" rIns="91440" bIns="45720" numCol="1" spcCol="0" rtlCol="0" fromWordArt="0" anchor="ctr" anchorCtr="0" forceAA="0" compatLnSpc="1">
-              <a:prstTxWarp prst="textNoShape">
-                <a:avLst/>
-              </a:prstTxWarp>
-              <a:noAutofit/>
-            </a:bodyPr>
-            <a:lstStyle/>
-            <a:p>
-              <a:pPr algn="ctr"/>
-              <a:endParaRPr lang="en-US" dirty="0"/>
-            </a:p>
-          </p:txBody>
-        </p:sp>
-        <p:sp>
-          <p:nvSpPr>
-            <p:cNvPr id="12" name="Oval 11">
-              <a:extLst>
-                <a:ext uri="{FF2B5EF4-FFF2-40B4-BE49-F238E27FC236}">
-                  <a16:creationId xmlns:a16="http://schemas.microsoft.com/office/drawing/2014/main" id="{946FDEDE-FA2A-4BE7-A924-18643BE2BC9D}"/>
-                </a:ext>
-              </a:extLst>
-            </p:cNvPr>
-            <p:cNvSpPr/>
-            <p:nvPr/>
-          </p:nvSpPr>
-          <p:spPr>
-            <a:xfrm>
-              <a:off x="7886691" y="2146902"/>
-              <a:ext cx="154147" cy="156570"/>
-            </a:xfrm>
-            <a:prstGeom prst="ellipse">
-              <a:avLst/>
-            </a:prstGeom>
-            <a:noFill/>
-            <a:ln w="3175">
-              <a:solidFill>
-                <a:schemeClr val="bg1"/>
-              </a:solidFill>
-            </a:ln>
-            <a:effectLst>
-              <a:glow rad="114300">
-                <a:schemeClr val="bg1">
-                  <a:alpha val="15000"/>
-                </a:schemeClr>
-              </a:glow>
-            </a:effectLst>
-          </p:spPr>
-          <p:style>
-            <a:lnRef idx="2">
-              <a:schemeClr val="accent1">
-                <a:shade val="50000"/>
-              </a:schemeClr>
-            </a:lnRef>
-            <a:fillRef idx="1">
-              <a:schemeClr val="accent1"/>
-            </a:fillRef>
-            <a:effectRef idx="0">
-              <a:schemeClr val="accent1"/>
-            </a:effectRef>
-            <a:fontRef idx="minor">
-              <a:schemeClr val="lt1"/>
-            </a:fontRef>
-          </p:style>
-          <p:txBody>
-            <a:bodyPr rot="0" spcFirstLastPara="0" vertOverflow="overflow" horzOverflow="overflow" vert="horz" wrap="square" lIns="91440" tIns="45720" rIns="91440" bIns="45720" numCol="1" spcCol="0" rtlCol="0" fromWordArt="0" anchor="ctr" anchorCtr="0" forceAA="0" compatLnSpc="1">
-              <a:prstTxWarp prst="textNoShape">
-                <a:avLst/>
-              </a:prstTxWarp>
-              <a:noAutofit/>
-            </a:bodyPr>
-            <a:lstStyle/>
-            <a:p>
-              <a:pPr algn="ctr"/>
-              <a:endParaRPr lang="en-US" dirty="0"/>
-            </a:p>
-          </p:txBody>
-        </p:sp>
-        <p:cxnSp>
-          <p:nvCxnSpPr>
-            <p:cNvPr id="13" name="Straight Connector 12">
-              <a:extLst>
-                <a:ext uri="{FF2B5EF4-FFF2-40B4-BE49-F238E27FC236}">
-                  <a16:creationId xmlns:a16="http://schemas.microsoft.com/office/drawing/2014/main" id="{C5D9A499-6979-4BAC-937F-247015FF8D38}"/>
-                </a:ext>
-              </a:extLst>
-            </p:cNvPr>
-            <p:cNvCxnSpPr>
-              <a:cxnSpLocks/>
-            </p:cNvCxnSpPr>
-            <p:nvPr/>
-          </p:nvCxnSpPr>
-          <p:spPr>
-            <a:xfrm flipV="1">
-              <a:off x="8513160" y="2225010"/>
-              <a:ext cx="1269930" cy="1269930"/>
-            </a:xfrm>
-            <a:prstGeom prst="line">
-              <a:avLst/>
-            </a:prstGeom>
-            <a:ln>
-              <a:solidFill>
-                <a:schemeClr val="bg2">
-                  <a:alpha val="30000"/>
-                </a:schemeClr>
-              </a:solidFill>
-            </a:ln>
-          </p:spPr>
-          <p:style>
-            <a:lnRef idx="1">
-              <a:schemeClr val="accent1"/>
-            </a:lnRef>
-            <a:fillRef idx="0">
-              <a:schemeClr val="accent1"/>
-            </a:fillRef>
-            <a:effectRef idx="0">
-              <a:schemeClr val="accent1"/>
-            </a:effectRef>
-            <a:fontRef idx="minor">
-              <a:schemeClr val="tx1"/>
-            </a:fontRef>
-          </p:style>
-        </p:cxnSp>
-      </p:grpSp>
+            <a:endParaRPr lang="en-US" dirty="0"/>
+          </a:p>
+        </p:txBody>
+      </p:sp>
+      <p:sp>
+        <p:nvSpPr>
+          <p:cNvPr id="9" name="Picture Placeholder 8">
+            <a:extLst>
+              <a:ext uri="{FF2B5EF4-FFF2-40B4-BE49-F238E27FC236}">
+                <a16:creationId xmlns:a16="http://schemas.microsoft.com/office/drawing/2014/main" id="{8072C87C-AB7E-4DC0-A326-6C610C89E921}"/>
+              </a:ext>
+            </a:extLst>
+          </p:cNvPr>
+          <p:cNvSpPr>
+            <a:spLocks noGrp="1"/>
+          </p:cNvSpPr>
+          <p:nvPr>
+            <p:ph type="pic" sz="quarter" idx="13"/>
+          </p:nvPr>
+        </p:nvSpPr>
+        <p:spPr/>
+      </p:sp>
       <p:pic>
         <p:nvPicPr>
-          <p:cNvPr id="14" name="Picture 13" descr="A picture containing object, clock, drawing&#10;&#10;Description automatically generated">
-            <a:extLst>
-              <a:ext uri="{FF2B5EF4-FFF2-40B4-BE49-F238E27FC236}">
-                <a16:creationId xmlns:a16="http://schemas.microsoft.com/office/drawing/2014/main" id="{2120CFFD-2FA4-45B5-B8FD-D3BD95BE22F6}"/>
+          <p:cNvPr id="7" name="Picture 6" descr="A picture containing object, clock, drawing&#10;&#10;Description automatically generated">
+            <a:extLst>
+              <a:ext uri="{FF2B5EF4-FFF2-40B4-BE49-F238E27FC236}">
+                <a16:creationId xmlns:a16="http://schemas.microsoft.com/office/drawing/2014/main" id="{4FD97AFA-EE22-4451-B26C-8459239940AB}"/>
               </a:ext>
             </a:extLst>
           </p:cNvPr>
@@ -37053,15 +37302,15 @@
           <p:nvPr/>
         </p:nvPicPr>
         <p:blipFill>
-          <a:blip r:embed="rId2"/>
+          <a:blip r:embed="rId3"/>
           <a:stretch>
             <a:fillRect/>
           </a:stretch>
         </p:blipFill>
         <p:spPr>
           <a:xfrm>
-            <a:off x="4613359" y="74371"/>
-            <a:ext cx="1603920" cy="1212897"/>
+            <a:off x="10727701" y="0"/>
+            <a:ext cx="1278003" cy="772998"/>
           </a:xfrm>
           <a:prstGeom prst="rect">
             <a:avLst/>
@@ -37071,7 +37320,7 @@
     </p:spTree>
     <p:extLst>
       <p:ext uri="{BB962C8B-B14F-4D97-AF65-F5344CB8AC3E}">
-        <p14:creationId xmlns:p14="http://schemas.microsoft.com/office/powerpoint/2010/main" val="59478693"/>
+        <p14:creationId xmlns:p14="http://schemas.microsoft.com/office/powerpoint/2010/main" val="1344647200"/>
       </p:ext>
     </p:extLst>
   </p:cSld>

--- a/Docs/Presentacion_Final/final.pptx
+++ b/Docs/Presentacion_Final/final.pptx
@@ -34077,8 +34077,50 @@
           <a:lstStyle/>
           <a:p>
             <a:r>
-              <a:rPr lang="es-GT" dirty="0"/>
-              <a:t>Short Bio</a:t>
+              <a:rPr lang="en-US" dirty="0"/>
+              <a:t>¾ de </a:t>
+            </a:r>
+            <a:r>
+              <a:rPr lang="en-US" dirty="0" err="1"/>
+              <a:t>Ingeniero</a:t>
+            </a:r>
+            <a:r>
+              <a:rPr lang="en-US" dirty="0"/>
+              <a:t> </a:t>
+            </a:r>
+            <a:r>
+              <a:rPr lang="en-US" dirty="0" err="1"/>
+              <a:t>en</a:t>
+            </a:r>
+            <a:r>
+              <a:rPr lang="en-US" dirty="0"/>
+              <a:t> </a:t>
+            </a:r>
+            <a:r>
+              <a:rPr lang="en-US" dirty="0" err="1"/>
+              <a:t>sistemas</a:t>
+            </a:r>
+            <a:r>
+              <a:rPr lang="en-US" dirty="0"/>
+              <a:t>.</a:t>
+            </a:r>
+          </a:p>
+          <a:p>
+            <a:r>
+              <a:rPr lang="en-US" dirty="0"/>
+              <a:t>Full-Stack Developer  </a:t>
+            </a:r>
+            <a:r>
+              <a:rPr lang="en-US" dirty="0" err="1"/>
+              <a:t>en</a:t>
+            </a:r>
+            <a:r>
+              <a:rPr lang="en-US" dirty="0"/>
+              <a:t> </a:t>
+            </a:r>
+            <a:r>
+              <a:rPr lang="en-US" dirty="0" err="1"/>
+              <a:t>proceso</a:t>
             </a:r>
             <a:endParaRPr lang="en-US" dirty="0"/>
           </a:p>
@@ -34260,29 +34302,36 @@
           </a:xfrm>
         </p:spPr>
       </p:pic>
-      <p:sp>
-        <p:nvSpPr>
-          <p:cNvPr id="37" name="Picture Placeholder 36">
-            <a:extLst>
-              <a:ext uri="{FF2B5EF4-FFF2-40B4-BE49-F238E27FC236}">
-                <a16:creationId xmlns:a16="http://schemas.microsoft.com/office/drawing/2014/main" id="{AB3F021A-E175-44A5-8E60-41BA343E4FF6}"/>
-              </a:ext>
-            </a:extLst>
-          </p:cNvPr>
-          <p:cNvSpPr>
-            <a:spLocks noGrp="1"/>
-          </p:cNvSpPr>
+      <p:pic>
+        <p:nvPicPr>
+          <p:cNvPr id="16" name="Picture Placeholder 15" descr="A person posing for the camera&#10;&#10;Description automatically generated">
+            <a:extLst>
+              <a:ext uri="{FF2B5EF4-FFF2-40B4-BE49-F238E27FC236}">
+                <a16:creationId xmlns:a16="http://schemas.microsoft.com/office/drawing/2014/main" id="{AF15F593-00C4-424C-91E3-747D869833D7}"/>
+              </a:ext>
+            </a:extLst>
+          </p:cNvPr>
+          <p:cNvPicPr>
+            <a:picLocks noGrp="1" noChangeAspect="1"/>
+          </p:cNvPicPr>
           <p:nvPr>
             <p:ph type="pic" sz="quarter" idx="14"/>
           </p:nvPr>
-        </p:nvSpPr>
-        <p:spPr>
-          <a:xfrm>
-            <a:off x="1820400" y="1952049"/>
-            <a:ext cx="1476951" cy="1476951"/>
-          </a:xfrm>
-        </p:spPr>
-      </p:sp>
+        </p:nvPicPr>
+        <p:blipFill>
+          <a:blip r:embed="rId4"/>
+          <a:srcRect t="12500" b="12500"/>
+          <a:stretch>
+            <a:fillRect/>
+          </a:stretch>
+        </p:blipFill>
+        <p:spPr>
+          <a:xfrm>
+            <a:off x="1820863" y="1952625"/>
+            <a:ext cx="1476375" cy="1476375"/>
+          </a:xfrm>
+        </p:spPr>
+      </p:pic>
       <p:pic>
         <p:nvPicPr>
           <p:cNvPr id="12" name="Picture 11" descr="A picture containing object, clock, drawing&#10;&#10;Description automatically generated">
@@ -34298,7 +34347,7 @@
           <p:nvPr/>
         </p:nvPicPr>
         <p:blipFill>
-          <a:blip r:embed="rId4"/>
+          <a:blip r:embed="rId5"/>
           <a:stretch>
             <a:fillRect/>
           </a:stretch>

--- a/Docs/Presentacion_Final/final.pptx
+++ b/Docs/Presentacion_Final/final.pptx
@@ -34044,7 +34044,11 @@
           <a:lstStyle/>
           <a:p>
             <a:r>
-              <a:rPr lang="en-US" dirty="0"/>
+              <a:rPr lang="en-US" dirty="0">
+                <a:solidFill>
+                  <a:schemeClr val="bg1"/>
+                </a:solidFill>
+              </a:rPr>
               <a:t>Co-Founder</a:t>
             </a:r>
           </a:p>
@@ -34077,52 +34081,100 @@
           <a:lstStyle/>
           <a:p>
             <a:r>
-              <a:rPr lang="en-US" dirty="0"/>
+              <a:rPr lang="en-US" dirty="0">
+                <a:solidFill>
+                  <a:schemeClr val="bg1"/>
+                </a:solidFill>
+              </a:rPr>
               <a:t>¾ de </a:t>
             </a:r>
             <a:r>
-              <a:rPr lang="en-US" dirty="0" err="1"/>
+              <a:rPr lang="en-US" dirty="0" err="1">
+                <a:solidFill>
+                  <a:schemeClr val="bg1"/>
+                </a:solidFill>
+              </a:rPr>
               <a:t>Ingeniero</a:t>
             </a:r>
             <a:r>
-              <a:rPr lang="en-US" dirty="0"/>
+              <a:rPr lang="en-US" dirty="0">
+                <a:solidFill>
+                  <a:schemeClr val="bg1"/>
+                </a:solidFill>
+              </a:rPr>
               <a:t> </a:t>
             </a:r>
             <a:r>
-              <a:rPr lang="en-US" dirty="0" err="1"/>
+              <a:rPr lang="en-US" dirty="0" err="1">
+                <a:solidFill>
+                  <a:schemeClr val="bg1"/>
+                </a:solidFill>
+              </a:rPr>
               <a:t>en</a:t>
             </a:r>
             <a:r>
-              <a:rPr lang="en-US" dirty="0"/>
+              <a:rPr lang="en-US" dirty="0">
+                <a:solidFill>
+                  <a:schemeClr val="bg1"/>
+                </a:solidFill>
+              </a:rPr>
               <a:t> </a:t>
             </a:r>
             <a:r>
-              <a:rPr lang="en-US" dirty="0" err="1"/>
+              <a:rPr lang="en-US" dirty="0" err="1">
+                <a:solidFill>
+                  <a:schemeClr val="bg1"/>
+                </a:solidFill>
+              </a:rPr>
               <a:t>sistemas</a:t>
             </a:r>
             <a:r>
-              <a:rPr lang="en-US" dirty="0"/>
+              <a:rPr lang="en-US" dirty="0">
+                <a:solidFill>
+                  <a:schemeClr val="bg1"/>
+                </a:solidFill>
+              </a:rPr>
               <a:t>.</a:t>
             </a:r>
           </a:p>
           <a:p>
             <a:r>
-              <a:rPr lang="en-US" dirty="0"/>
+              <a:rPr lang="en-US" dirty="0">
+                <a:solidFill>
+                  <a:schemeClr val="bg1"/>
+                </a:solidFill>
+              </a:rPr>
               <a:t>Full-Stack Developer  </a:t>
             </a:r>
             <a:r>
-              <a:rPr lang="en-US" dirty="0" err="1"/>
+              <a:rPr lang="en-US" dirty="0" err="1">
+                <a:solidFill>
+                  <a:schemeClr val="bg1"/>
+                </a:solidFill>
+              </a:rPr>
               <a:t>en</a:t>
             </a:r>
             <a:r>
-              <a:rPr lang="en-US" dirty="0"/>
+              <a:rPr lang="en-US" dirty="0">
+                <a:solidFill>
+                  <a:schemeClr val="bg1"/>
+                </a:solidFill>
+              </a:rPr>
               <a:t> </a:t>
             </a:r>
             <a:r>
-              <a:rPr lang="en-US" dirty="0" err="1"/>
+              <a:rPr lang="en-US" dirty="0" err="1">
+                <a:solidFill>
+                  <a:schemeClr val="bg1"/>
+                </a:solidFill>
+              </a:rPr>
               <a:t>proceso</a:t>
             </a:r>
-            <a:endParaRPr lang="en-US" dirty="0"/>
+            <a:endParaRPr lang="en-US" dirty="0">
+              <a:solidFill>
+                <a:schemeClr val="bg1"/>
+              </a:solidFill>
+            </a:endParaRPr>
           </a:p>
         </p:txBody>
       </p:sp>
@@ -34221,14 +34273,26 @@
           <a:lstStyle/>
           <a:p>
             <a:r>
-              <a:rPr lang="es-GT" dirty="0"/>
+              <a:rPr lang="es-GT" dirty="0">
+                <a:solidFill>
+                  <a:schemeClr val="bg1"/>
+                </a:solidFill>
+              </a:rPr>
               <a:t>Co-</a:t>
             </a:r>
             <a:r>
-              <a:rPr lang="es-GT" dirty="0" err="1"/>
+              <a:rPr lang="es-GT" dirty="0" err="1">
+                <a:solidFill>
+                  <a:schemeClr val="bg1"/>
+                </a:solidFill>
+              </a:rPr>
               <a:t>Founder</a:t>
             </a:r>
-            <a:endParaRPr lang="en-US" dirty="0"/>
+            <a:endParaRPr lang="en-US" dirty="0">
+              <a:solidFill>
+                <a:schemeClr val="bg1"/>
+              </a:solidFill>
+            </a:endParaRPr>
           </a:p>
         </p:txBody>
       </p:sp>
@@ -34259,16 +34323,84 @@
           <a:lstStyle/>
           <a:p>
             <a:r>
-              <a:rPr lang="es-GT" dirty="0"/>
-              <a:t>Estudiante de Ingeniería de Sistemas de Tercer año en la Universidad Galileo.</a:t>
-            </a:r>
-          </a:p>
-          <a:p>
-            <a:r>
-              <a:rPr lang="es-GT" dirty="0"/>
-              <a:t>Diseñador, programador y músico.</a:t>
-            </a:r>
-            <a:endParaRPr lang="en-US" dirty="0"/>
+              <a:rPr lang="en-US" dirty="0">
+                <a:solidFill>
+                  <a:schemeClr val="bg1"/>
+                </a:solidFill>
+              </a:rPr>
+              <a:t>¾ de </a:t>
+            </a:r>
+            <a:r>
+              <a:rPr lang="en-US" dirty="0" err="1">
+                <a:solidFill>
+                  <a:schemeClr val="bg1"/>
+                </a:solidFill>
+              </a:rPr>
+              <a:t>Ingeniero</a:t>
+            </a:r>
+            <a:r>
+              <a:rPr lang="en-US" dirty="0">
+                <a:solidFill>
+                  <a:schemeClr val="bg1"/>
+                </a:solidFill>
+              </a:rPr>
+              <a:t> </a:t>
+            </a:r>
+            <a:r>
+              <a:rPr lang="en-US" dirty="0" err="1">
+                <a:solidFill>
+                  <a:schemeClr val="bg1"/>
+                </a:solidFill>
+              </a:rPr>
+              <a:t>en</a:t>
+            </a:r>
+            <a:r>
+              <a:rPr lang="en-US" dirty="0">
+                <a:solidFill>
+                  <a:schemeClr val="bg1"/>
+                </a:solidFill>
+              </a:rPr>
+              <a:t> </a:t>
+            </a:r>
+            <a:r>
+              <a:rPr lang="en-US" dirty="0" err="1">
+                <a:solidFill>
+                  <a:schemeClr val="bg1"/>
+                </a:solidFill>
+              </a:rPr>
+              <a:t>sistemas</a:t>
+            </a:r>
+            <a:r>
+              <a:rPr lang="en-US" dirty="0">
+                <a:solidFill>
+                  <a:schemeClr val="bg1"/>
+                </a:solidFill>
+              </a:rPr>
+              <a:t>.</a:t>
+            </a:r>
+          </a:p>
+          <a:p>
+            <a:r>
+              <a:rPr lang="es-GT">
+                <a:solidFill>
+                  <a:schemeClr val="bg1"/>
+                </a:solidFill>
+              </a:rPr>
+              <a:t>Diseñador</a:t>
+            </a:r>
+            <a:r>
+              <a:rPr lang="es-GT" dirty="0">
+                <a:solidFill>
+                  <a:schemeClr val="bg1"/>
+                </a:solidFill>
+              </a:rPr>
+              <a:t>, programador y músico.</a:t>
+            </a:r>
+            <a:endParaRPr lang="en-US" dirty="0">
+              <a:solidFill>
+                <a:schemeClr val="bg1"/>
+              </a:solidFill>
+            </a:endParaRPr>
           </a:p>
         </p:txBody>
       </p:sp>

--- a/Docs/Presentacion_Final/final.pptx
+++ b/Docs/Presentacion_Final/final.pptx
@@ -5,10 +5,10 @@
     <p:sldMasterId id="2147483648" r:id="rId1"/>
   </p:sldMasterIdLst>
   <p:notesMasterIdLst>
-    <p:notesMasterId r:id="rId38"/>
+    <p:notesMasterId r:id="rId39"/>
   </p:notesMasterIdLst>
   <p:handoutMasterIdLst>
-    <p:handoutMasterId r:id="rId39"/>
+    <p:handoutMasterId r:id="rId40"/>
   </p:handoutMasterIdLst>
   <p:sldIdLst>
     <p:sldId id="286" r:id="rId2"/>
@@ -18,35 +18,36 @@
     <p:sldId id="276" r:id="rId6"/>
     <p:sldId id="290" r:id="rId7"/>
     <p:sldId id="288" r:id="rId8"/>
-    <p:sldId id="264" r:id="rId9"/>
-    <p:sldId id="291" r:id="rId10"/>
-    <p:sldId id="296" r:id="rId11"/>
-    <p:sldId id="306" r:id="rId12"/>
-    <p:sldId id="293" r:id="rId13"/>
-    <p:sldId id="308" r:id="rId14"/>
-    <p:sldId id="309" r:id="rId15"/>
-    <p:sldId id="310" r:id="rId16"/>
-    <p:sldId id="311" r:id="rId17"/>
-    <p:sldId id="312" r:id="rId18"/>
-    <p:sldId id="313" r:id="rId19"/>
-    <p:sldId id="314" r:id="rId20"/>
-    <p:sldId id="315" r:id="rId21"/>
-    <p:sldId id="317" r:id="rId22"/>
-    <p:sldId id="297" r:id="rId23"/>
-    <p:sldId id="332" r:id="rId24"/>
-    <p:sldId id="298" r:id="rId25"/>
-    <p:sldId id="300" r:id="rId26"/>
-    <p:sldId id="262" r:id="rId27"/>
-    <p:sldId id="328" r:id="rId28"/>
-    <p:sldId id="330" r:id="rId29"/>
-    <p:sldId id="331" r:id="rId30"/>
-    <p:sldId id="301" r:id="rId31"/>
-    <p:sldId id="302" r:id="rId32"/>
-    <p:sldId id="303" r:id="rId33"/>
-    <p:sldId id="304" r:id="rId34"/>
-    <p:sldId id="305" r:id="rId35"/>
-    <p:sldId id="279" r:id="rId36"/>
-    <p:sldId id="280" r:id="rId37"/>
+    <p:sldId id="333" r:id="rId9"/>
+    <p:sldId id="264" r:id="rId10"/>
+    <p:sldId id="291" r:id="rId11"/>
+    <p:sldId id="296" r:id="rId12"/>
+    <p:sldId id="306" r:id="rId13"/>
+    <p:sldId id="293" r:id="rId14"/>
+    <p:sldId id="308" r:id="rId15"/>
+    <p:sldId id="309" r:id="rId16"/>
+    <p:sldId id="310" r:id="rId17"/>
+    <p:sldId id="311" r:id="rId18"/>
+    <p:sldId id="312" r:id="rId19"/>
+    <p:sldId id="313" r:id="rId20"/>
+    <p:sldId id="314" r:id="rId21"/>
+    <p:sldId id="315" r:id="rId22"/>
+    <p:sldId id="317" r:id="rId23"/>
+    <p:sldId id="297" r:id="rId24"/>
+    <p:sldId id="332" r:id="rId25"/>
+    <p:sldId id="298" r:id="rId26"/>
+    <p:sldId id="300" r:id="rId27"/>
+    <p:sldId id="262" r:id="rId28"/>
+    <p:sldId id="328" r:id="rId29"/>
+    <p:sldId id="330" r:id="rId30"/>
+    <p:sldId id="331" r:id="rId31"/>
+    <p:sldId id="301" r:id="rId32"/>
+    <p:sldId id="302" r:id="rId33"/>
+    <p:sldId id="303" r:id="rId34"/>
+    <p:sldId id="304" r:id="rId35"/>
+    <p:sldId id="305" r:id="rId36"/>
+    <p:sldId id="279" r:id="rId37"/>
+    <p:sldId id="280" r:id="rId38"/>
   </p:sldIdLst>
   <p:sldSz cx="12192000" cy="6858000"/>
   <p:notesSz cx="6858000" cy="9144000"/>
@@ -157,6 +158,7 @@
             <p14:sldId id="276"/>
             <p14:sldId id="290"/>
             <p14:sldId id="288"/>
+            <p14:sldId id="333"/>
             <p14:sldId id="264"/>
             <p14:sldId id="291"/>
             <p14:sldId id="296"/>
@@ -893,7 +895,7 @@
           <a:p>
             <a:fld id="{EFDDBACE-0F8F-43FD-98F0-DEE13552DADA}" type="slidenum">
               <a:rPr lang="en-US" noProof="0" smtClean="0"/>
-              <a:t>35</a:t>
+              <a:t>36</a:t>
             </a:fld>
             <a:endParaRPr lang="en-US" noProof="0" dirty="0"/>
           </a:p>
@@ -977,7 +979,7 @@
           <a:p>
             <a:fld id="{EFDDBACE-0F8F-43FD-98F0-DEE13552DADA}" type="slidenum">
               <a:rPr lang="en-US" smtClean="0"/>
-              <a:t>36</a:t>
+              <a:t>37</a:t>
             </a:fld>
             <a:endParaRPr lang="en-US"/>
           </a:p>
@@ -1229,7 +1231,7 @@
           <a:p>
             <a:fld id="{EFDDBACE-0F8F-43FD-98F0-DEE13552DADA}" type="slidenum">
               <a:rPr lang="en-US" noProof="0" smtClean="0"/>
-              <a:t>8</a:t>
+              <a:t>9</a:t>
             </a:fld>
             <a:endParaRPr lang="en-US" noProof="0" dirty="0"/>
           </a:p>
@@ -1313,7 +1315,7 @@
           <a:p>
             <a:fld id="{EFDDBACE-0F8F-43FD-98F0-DEE13552DADA}" type="slidenum">
               <a:rPr lang="en-US" noProof="0" smtClean="0"/>
-              <a:t>13</a:t>
+              <a:t>14</a:t>
             </a:fld>
             <a:endParaRPr lang="en-US" noProof="0" dirty="0"/>
           </a:p>
@@ -1397,7 +1399,7 @@
           <a:p>
             <a:fld id="{EFDDBACE-0F8F-43FD-98F0-DEE13552DADA}" type="slidenum">
               <a:rPr lang="en-US" noProof="0" smtClean="0"/>
-              <a:t>25</a:t>
+              <a:t>26</a:t>
             </a:fld>
             <a:endParaRPr lang="en-US" noProof="0" dirty="0"/>
           </a:p>
@@ -1481,7 +1483,7 @@
           <a:p>
             <a:fld id="{EFDDBACE-0F8F-43FD-98F0-DEE13552DADA}" type="slidenum">
               <a:rPr lang="en-US" noProof="0" smtClean="0"/>
-              <a:t>26</a:t>
+              <a:t>27</a:t>
             </a:fld>
             <a:endParaRPr lang="en-US" noProof="0" dirty="0"/>
           </a:p>
@@ -1565,7 +1567,7 @@
           <a:p>
             <a:fld id="{EFDDBACE-0F8F-43FD-98F0-DEE13552DADA}" type="slidenum">
               <a:rPr lang="en-US" noProof="0" smtClean="0"/>
-              <a:t>30</a:t>
+              <a:t>31</a:t>
             </a:fld>
             <a:endParaRPr lang="en-US" noProof="0" dirty="0"/>
           </a:p>
@@ -1649,7 +1651,7 @@
           <a:p>
             <a:fld id="{EFDDBACE-0F8F-43FD-98F0-DEE13552DADA}" type="slidenum">
               <a:rPr lang="en-US" noProof="0" smtClean="0"/>
-              <a:t>31</a:t>
+              <a:t>32</a:t>
             </a:fld>
             <a:endParaRPr lang="en-US" noProof="0" dirty="0"/>
           </a:p>
@@ -21427,10 +21429,10 @@
       </p:grpSpPr>
       <p:sp>
         <p:nvSpPr>
-          <p:cNvPr id="6" name="Content Placeholder 1">
-            <a:extLst>
-              <a:ext uri="{FF2B5EF4-FFF2-40B4-BE49-F238E27FC236}">
-                <a16:creationId xmlns:a16="http://schemas.microsoft.com/office/drawing/2014/main" id="{77D12060-DBC1-4F3C-A03D-1BB5453B2A9D}"/>
+          <p:cNvPr id="22" name="Title 21">
+            <a:extLst>
+              <a:ext uri="{FF2B5EF4-FFF2-40B4-BE49-F238E27FC236}">
+                <a16:creationId xmlns:a16="http://schemas.microsoft.com/office/drawing/2014/main" id="{6E373D3B-47D6-44DC-9D27-F5C5B0252D74}"/>
               </a:ext>
             </a:extLst>
           </p:cNvPr>
@@ -21438,64 +21440,28 @@
             <a:spLocks noGrp="1"/>
           </p:cNvSpPr>
           <p:nvPr>
-            <p:ph idx="1"/>
+            <p:ph type="ctrTitle"/>
           </p:nvPr>
         </p:nvSpPr>
-        <p:spPr>
-          <a:xfrm>
-            <a:off x="601682" y="1152000"/>
-            <a:ext cx="10999767" cy="5039250"/>
-          </a:xfrm>
-        </p:spPr>
+        <p:spPr/>
         <p:txBody>
           <a:bodyPr/>
           <a:lstStyle/>
           <a:p>
-            <a:pPr algn="just"/>
-            <a:r>
-              <a:rPr lang="es-GT" sz="2600" dirty="0"/>
-              <a:t>Se realizó una encuesta (hecha en Google </a:t>
-            </a:r>
-            <a:r>
-              <a:rPr lang="es-GT" sz="2600" dirty="0" err="1"/>
-              <a:t>forms</a:t>
-            </a:r>
-            <a:r>
-              <a:rPr lang="es-GT" sz="2600" dirty="0"/>
-              <a:t>) a un total de 53 personas cuyas edades se encontraban dentro del rango de 18 a 44 años.</a:t>
-            </a:r>
-            <a:endParaRPr lang="en-US" sz="2600" dirty="0"/>
-          </a:p>
-          <a:p>
-            <a:pPr algn="just"/>
-            <a:r>
-              <a:rPr lang="es-GT" sz="2600" dirty="0"/>
-              <a:t>Primera sección: evalúa si la gente le parecía interesante y estaban de acuerdo con una aplicación que conecta a los financistas y emprendedores.</a:t>
-            </a:r>
-          </a:p>
-          <a:p>
-            <a:pPr algn="just"/>
-            <a:r>
-              <a:rPr lang="es-GT" sz="2600" dirty="0"/>
-              <a:t>Segunda sección: evalúa si las personas creen útil tener la opción de poder ofrecer o adquirir recursos que otras personas no usan para sacarle provecho de acuerdo con sus fines personales.</a:t>
-            </a:r>
-          </a:p>
-          <a:p>
-            <a:pPr algn="just"/>
-            <a:r>
-              <a:rPr lang="es-GT" sz="2600" dirty="0"/>
-              <a:t>Adicionalmente, se les pedía a las personas ingresar su género y su edad.</a:t>
-            </a:r>
-            <a:endParaRPr lang="en-US" sz="2600" dirty="0"/>
-          </a:p>
-        </p:txBody>
-      </p:sp>
-      <p:sp>
-        <p:nvSpPr>
-          <p:cNvPr id="8" name="Slide Number Placeholder 2">
-            <a:extLst>
-              <a:ext uri="{FF2B5EF4-FFF2-40B4-BE49-F238E27FC236}">
-                <a16:creationId xmlns:a16="http://schemas.microsoft.com/office/drawing/2014/main" id="{8BFA39BC-1211-462F-9D69-C975AEBBD25D}"/>
+            <a:r>
+              <a:rPr lang="es-GT" dirty="0"/>
+              <a:t>Competencia</a:t>
+            </a:r>
+            <a:endParaRPr lang="en-US" dirty="0"/>
+          </a:p>
+        </p:txBody>
+      </p:sp>
+      <p:sp>
+        <p:nvSpPr>
+          <p:cNvPr id="15" name="Slide Number Placeholder 14">
+            <a:extLst>
+              <a:ext uri="{FF2B5EF4-FFF2-40B4-BE49-F238E27FC236}">
+                <a16:creationId xmlns:a16="http://schemas.microsoft.com/office/drawing/2014/main" id="{8080A6CF-4C34-448E-9885-BD408B2A16CD}"/>
               </a:ext>
             </a:extLst>
           </p:cNvPr>
@@ -21503,82 +21469,620 @@
             <a:spLocks noGrp="1"/>
           </p:cNvSpPr>
           <p:nvPr>
-            <p:ph type="sldNum" sz="quarter" idx="13"/>
+            <p:ph type="sldNum" sz="quarter" idx="4294967295"/>
           </p:nvPr>
         </p:nvSpPr>
         <p:spPr>
           <a:xfrm>
-            <a:off x="11601450" y="6687111"/>
-            <a:ext cx="548755" cy="153841"/>
+            <a:off x="11642725" y="6686550"/>
+            <a:ext cx="549275" cy="153988"/>
           </a:xfrm>
         </p:spPr>
         <p:txBody>
           <a:bodyPr/>
           <a:lstStyle/>
           <a:p>
-            <a:pPr>
-              <a:spcAft>
-                <a:spcPts val="600"/>
-              </a:spcAft>
-            </a:pPr>
             <a:r>
               <a:rPr lang="en-US" noProof="0"/>
               <a:t>page </a:t>
             </a:r>
             <a:fld id="{19B51A1E-902D-48AF-9020-955120F399B6}" type="slidenum">
               <a:rPr lang="en-US" b="1" i="1" noProof="0" smtClean="0"/>
-              <a:pPr>
-                <a:spcAft>
-                  <a:spcPts val="600"/>
-                </a:spcAft>
-              </a:pPr>
+              <a:pPr/>
               <a:t>10</a:t>
             </a:fld>
-            <a:endParaRPr lang="en-US" b="1" i="1" noProof="0"/>
-          </a:p>
-        </p:txBody>
-      </p:sp>
-      <p:sp>
-        <p:nvSpPr>
-          <p:cNvPr id="10" name="Title 3">
-            <a:extLst>
-              <a:ext uri="{FF2B5EF4-FFF2-40B4-BE49-F238E27FC236}">
-                <a16:creationId xmlns:a16="http://schemas.microsoft.com/office/drawing/2014/main" id="{DA549DEC-8647-48AF-99DA-414191E5B086}"/>
-              </a:ext>
-            </a:extLst>
-          </p:cNvPr>
-          <p:cNvSpPr>
-            <a:spLocks noGrp="1"/>
-          </p:cNvSpPr>
-          <p:nvPr>
-            <p:ph type="title"/>
-          </p:nvPr>
-        </p:nvSpPr>
-        <p:spPr>
-          <a:xfrm>
-            <a:off x="601682" y="432000"/>
-            <a:ext cx="9973553" cy="432000"/>
-          </a:xfrm>
-        </p:spPr>
-        <p:txBody>
-          <a:bodyPr/>
-          <a:lstStyle/>
-          <a:p>
-            <a:pPr algn="ctr"/>
-            <a:r>
-              <a:rPr lang="es-GT" dirty="0"/>
-              <a:t>Factibilidad Funcional</a:t>
-            </a:r>
-            <a:endParaRPr lang="en-US" dirty="0"/>
-          </a:p>
-        </p:txBody>
-      </p:sp>
+            <a:endParaRPr lang="en-US" b="1" i="1" noProof="0" dirty="0"/>
+          </a:p>
+        </p:txBody>
+      </p:sp>
+      <p:grpSp>
+        <p:nvGrpSpPr>
+          <p:cNvPr id="4" name="Group 3">
+            <a:extLst>
+              <a:ext uri="{FF2B5EF4-FFF2-40B4-BE49-F238E27FC236}">
+                <a16:creationId xmlns:a16="http://schemas.microsoft.com/office/drawing/2014/main" id="{B16E2E2B-385C-4EE8-A20D-129F9A76652F}"/>
+              </a:ext>
+              <a:ext uri="{C183D7F6-B498-43B3-948B-1728B52AA6E4}">
+                <adec:decorative xmlns:adec="http://schemas.microsoft.com/office/drawing/2017/decorative" val="1"/>
+              </a:ext>
+            </a:extLst>
+          </p:cNvPr>
+          <p:cNvGrpSpPr/>
+          <p:nvPr/>
+        </p:nvGrpSpPr>
+        <p:grpSpPr>
+          <a:xfrm>
+            <a:off x="958369" y="819920"/>
+            <a:ext cx="4025781" cy="2720745"/>
+            <a:chOff x="7699827" y="846814"/>
+            <a:chExt cx="4025781" cy="2720745"/>
+          </a:xfrm>
+        </p:grpSpPr>
+        <p:sp>
+          <p:nvSpPr>
+            <p:cNvPr id="5" name="Oval 4">
+              <a:extLst>
+                <a:ext uri="{FF2B5EF4-FFF2-40B4-BE49-F238E27FC236}">
+                  <a16:creationId xmlns:a16="http://schemas.microsoft.com/office/drawing/2014/main" id="{D71123F1-75FB-4C5B-B321-F098D8405F3E}"/>
+                </a:ext>
+              </a:extLst>
+            </p:cNvPr>
+            <p:cNvSpPr/>
+            <p:nvPr/>
+          </p:nvSpPr>
+          <p:spPr>
+            <a:xfrm>
+              <a:off x="8182897" y="1713921"/>
+              <a:ext cx="1022532" cy="1022532"/>
+            </a:xfrm>
+            <a:prstGeom prst="ellipse">
+              <a:avLst/>
+            </a:prstGeom>
+            <a:noFill/>
+            <a:ln w="3175">
+              <a:solidFill>
+                <a:schemeClr val="bg1"/>
+              </a:solidFill>
+            </a:ln>
+            <a:effectLst>
+              <a:glow rad="165100">
+                <a:schemeClr val="bg1">
+                  <a:alpha val="9000"/>
+                </a:schemeClr>
+              </a:glow>
+            </a:effectLst>
+          </p:spPr>
+          <p:style>
+            <a:lnRef idx="2">
+              <a:schemeClr val="accent1">
+                <a:shade val="50000"/>
+              </a:schemeClr>
+            </a:lnRef>
+            <a:fillRef idx="1">
+              <a:schemeClr val="accent1"/>
+            </a:fillRef>
+            <a:effectRef idx="0">
+              <a:schemeClr val="accent1"/>
+            </a:effectRef>
+            <a:fontRef idx="minor">
+              <a:schemeClr val="lt1"/>
+            </a:fontRef>
+          </p:style>
+          <p:txBody>
+            <a:bodyPr rot="0" spcFirstLastPara="0" vertOverflow="overflow" horzOverflow="overflow" vert="horz" wrap="square" lIns="91440" tIns="45720" rIns="91440" bIns="45720" numCol="1" spcCol="0" rtlCol="0" fromWordArt="0" anchor="ctr" anchorCtr="0" forceAA="0" compatLnSpc="1">
+              <a:prstTxWarp prst="textNoShape">
+                <a:avLst/>
+              </a:prstTxWarp>
+              <a:noAutofit/>
+            </a:bodyPr>
+            <a:lstStyle/>
+            <a:p>
+              <a:pPr algn="ctr"/>
+              <a:endParaRPr lang="en-US" dirty="0"/>
+            </a:p>
+          </p:txBody>
+        </p:sp>
+        <p:sp>
+          <p:nvSpPr>
+            <p:cNvPr id="6" name="Oval 5">
+              <a:extLst>
+                <a:ext uri="{FF2B5EF4-FFF2-40B4-BE49-F238E27FC236}">
+                  <a16:creationId xmlns:a16="http://schemas.microsoft.com/office/drawing/2014/main" id="{83FECF17-86A2-41C4-A15D-463D07A2C737}"/>
+                </a:ext>
+              </a:extLst>
+            </p:cNvPr>
+            <p:cNvSpPr/>
+            <p:nvPr/>
+          </p:nvSpPr>
+          <p:spPr>
+            <a:xfrm>
+              <a:off x="11201630" y="2022136"/>
+              <a:ext cx="399819" cy="406102"/>
+            </a:xfrm>
+            <a:prstGeom prst="ellipse">
+              <a:avLst/>
+            </a:prstGeom>
+            <a:noFill/>
+            <a:ln w="3175">
+              <a:solidFill>
+                <a:schemeClr val="bg1"/>
+              </a:solidFill>
+            </a:ln>
+            <a:effectLst>
+              <a:glow rad="114300">
+                <a:schemeClr val="bg1">
+                  <a:alpha val="15000"/>
+                </a:schemeClr>
+              </a:glow>
+            </a:effectLst>
+          </p:spPr>
+          <p:style>
+            <a:lnRef idx="2">
+              <a:schemeClr val="accent1">
+                <a:shade val="50000"/>
+              </a:schemeClr>
+            </a:lnRef>
+            <a:fillRef idx="1">
+              <a:schemeClr val="accent1"/>
+            </a:fillRef>
+            <a:effectRef idx="0">
+              <a:schemeClr val="accent1"/>
+            </a:effectRef>
+            <a:fontRef idx="minor">
+              <a:schemeClr val="lt1"/>
+            </a:fontRef>
+          </p:style>
+          <p:txBody>
+            <a:bodyPr rot="0" spcFirstLastPara="0" vertOverflow="overflow" horzOverflow="overflow" vert="horz" wrap="square" lIns="91440" tIns="45720" rIns="91440" bIns="45720" numCol="1" spcCol="0" rtlCol="0" fromWordArt="0" anchor="ctr" anchorCtr="0" forceAA="0" compatLnSpc="1">
+              <a:prstTxWarp prst="textNoShape">
+                <a:avLst/>
+              </a:prstTxWarp>
+              <a:noAutofit/>
+            </a:bodyPr>
+            <a:lstStyle/>
+            <a:p>
+              <a:pPr algn="ctr"/>
+              <a:endParaRPr lang="en-US" dirty="0"/>
+            </a:p>
+          </p:txBody>
+        </p:sp>
+        <p:sp>
+          <p:nvSpPr>
+            <p:cNvPr id="7" name="Oval 6">
+              <a:extLst>
+                <a:ext uri="{FF2B5EF4-FFF2-40B4-BE49-F238E27FC236}">
+                  <a16:creationId xmlns:a16="http://schemas.microsoft.com/office/drawing/2014/main" id="{E5CE72CE-8743-4DE0-B6F3-EBACB9668B50}"/>
+                </a:ext>
+              </a:extLst>
+            </p:cNvPr>
+            <p:cNvSpPr/>
+            <p:nvPr/>
+          </p:nvSpPr>
+          <p:spPr>
+            <a:xfrm>
+              <a:off x="9754515" y="2186345"/>
+              <a:ext cx="77685" cy="77685"/>
+            </a:xfrm>
+            <a:prstGeom prst="ellipse">
+              <a:avLst/>
+            </a:prstGeom>
+            <a:gradFill flip="none" rotWithShape="1">
+              <a:gsLst>
+                <a:gs pos="0">
+                  <a:srgbClr val="FFFFFF"/>
+                </a:gs>
+                <a:gs pos="70000">
+                  <a:schemeClr val="accent2">
+                    <a:lumMod val="20000"/>
+                    <a:lumOff val="80000"/>
+                  </a:schemeClr>
+                </a:gs>
+                <a:gs pos="65000">
+                  <a:srgbClr val="F7FFFF"/>
+                </a:gs>
+              </a:gsLst>
+              <a:path path="circle">
+                <a:fillToRect l="50000" t="50000" r="50000" b="50000"/>
+              </a:path>
+              <a:tileRect/>
+            </a:gradFill>
+            <a:ln>
+              <a:noFill/>
+            </a:ln>
+            <a:effectLst>
+              <a:glow rad="165100">
+                <a:schemeClr val="accent2">
+                  <a:satMod val="175000"/>
+                  <a:alpha val="40000"/>
+                </a:schemeClr>
+              </a:glow>
+            </a:effectLst>
+          </p:spPr>
+          <p:style>
+            <a:lnRef idx="2">
+              <a:schemeClr val="accent1">
+                <a:shade val="50000"/>
+              </a:schemeClr>
+            </a:lnRef>
+            <a:fillRef idx="1">
+              <a:schemeClr val="accent1"/>
+            </a:fillRef>
+            <a:effectRef idx="0">
+              <a:schemeClr val="accent1"/>
+            </a:effectRef>
+            <a:fontRef idx="minor">
+              <a:schemeClr val="lt1"/>
+            </a:fontRef>
+          </p:style>
+          <p:txBody>
+            <a:bodyPr rtlCol="0" anchor="ctr"/>
+            <a:lstStyle/>
+            <a:p>
+              <a:pPr algn="ctr"/>
+              <a:endParaRPr lang="en-US" dirty="0"/>
+            </a:p>
+          </p:txBody>
+        </p:sp>
+        <p:sp>
+          <p:nvSpPr>
+            <p:cNvPr id="8" name="Oval 7">
+              <a:extLst>
+                <a:ext uri="{FF2B5EF4-FFF2-40B4-BE49-F238E27FC236}">
+                  <a16:creationId xmlns:a16="http://schemas.microsoft.com/office/drawing/2014/main" id="{D72BE7B5-CD78-4988-A850-72C94B8B936B}"/>
+                </a:ext>
+              </a:extLst>
+            </p:cNvPr>
+            <p:cNvSpPr/>
+            <p:nvPr/>
+          </p:nvSpPr>
+          <p:spPr>
+            <a:xfrm>
+              <a:off x="8676163" y="846814"/>
+              <a:ext cx="2678654" cy="2720745"/>
+            </a:xfrm>
+            <a:prstGeom prst="ellipse">
+              <a:avLst/>
+            </a:prstGeom>
+            <a:noFill/>
+            <a:ln w="111125">
+              <a:solidFill>
+                <a:schemeClr val="bg1">
+                  <a:alpha val="6000"/>
+                </a:schemeClr>
+              </a:solidFill>
+            </a:ln>
+            <a:effectLst/>
+          </p:spPr>
+          <p:style>
+            <a:lnRef idx="2">
+              <a:schemeClr val="accent1">
+                <a:shade val="50000"/>
+              </a:schemeClr>
+            </a:lnRef>
+            <a:fillRef idx="1">
+              <a:schemeClr val="accent1"/>
+            </a:fillRef>
+            <a:effectRef idx="0">
+              <a:schemeClr val="accent1"/>
+            </a:effectRef>
+            <a:fontRef idx="minor">
+              <a:schemeClr val="lt1"/>
+            </a:fontRef>
+          </p:style>
+          <p:txBody>
+            <a:bodyPr rot="0" spcFirstLastPara="0" vertOverflow="overflow" horzOverflow="overflow" vert="horz" wrap="square" lIns="91440" tIns="45720" rIns="91440" bIns="45720" numCol="1" spcCol="0" rtlCol="0" fromWordArt="0" anchor="ctr" anchorCtr="0" forceAA="0" compatLnSpc="1">
+              <a:prstTxWarp prst="textNoShape">
+                <a:avLst/>
+              </a:prstTxWarp>
+              <a:noAutofit/>
+            </a:bodyPr>
+            <a:lstStyle/>
+            <a:p>
+              <a:pPr algn="ctr"/>
+              <a:endParaRPr lang="en-US" dirty="0"/>
+            </a:p>
+          </p:txBody>
+        </p:sp>
+        <p:cxnSp>
+          <p:nvCxnSpPr>
+            <p:cNvPr id="9" name="Straight Connector 8">
+              <a:extLst>
+                <a:ext uri="{FF2B5EF4-FFF2-40B4-BE49-F238E27FC236}">
+                  <a16:creationId xmlns:a16="http://schemas.microsoft.com/office/drawing/2014/main" id="{7E2A983F-A0C5-4341-8235-3BEA65C8EDBD}"/>
+                </a:ext>
+              </a:extLst>
+            </p:cNvPr>
+            <p:cNvCxnSpPr>
+              <a:cxnSpLocks/>
+            </p:cNvCxnSpPr>
+            <p:nvPr/>
+          </p:nvCxnSpPr>
+          <p:spPr>
+            <a:xfrm>
+              <a:off x="7699827" y="2225187"/>
+              <a:ext cx="4025781" cy="0"/>
+            </a:xfrm>
+            <a:prstGeom prst="line">
+              <a:avLst/>
+            </a:prstGeom>
+            <a:ln>
+              <a:solidFill>
+                <a:schemeClr val="bg2">
+                  <a:alpha val="30000"/>
+                </a:schemeClr>
+              </a:solidFill>
+            </a:ln>
+          </p:spPr>
+          <p:style>
+            <a:lnRef idx="1">
+              <a:schemeClr val="accent1"/>
+            </a:lnRef>
+            <a:fillRef idx="0">
+              <a:schemeClr val="accent1"/>
+            </a:fillRef>
+            <a:effectRef idx="0">
+              <a:schemeClr val="accent1"/>
+            </a:effectRef>
+            <a:fontRef idx="minor">
+              <a:schemeClr val="tx1"/>
+            </a:fontRef>
+          </p:style>
+        </p:cxnSp>
+        <p:sp>
+          <p:nvSpPr>
+            <p:cNvPr id="10" name="Oval 9">
+              <a:extLst>
+                <a:ext uri="{FF2B5EF4-FFF2-40B4-BE49-F238E27FC236}">
+                  <a16:creationId xmlns:a16="http://schemas.microsoft.com/office/drawing/2014/main" id="{94721631-652B-433E-BF10-175A55469973}"/>
+                </a:ext>
+              </a:extLst>
+            </p:cNvPr>
+            <p:cNvSpPr/>
+            <p:nvPr/>
+          </p:nvSpPr>
+          <p:spPr>
+            <a:xfrm>
+              <a:off x="8676163" y="2207187"/>
+              <a:ext cx="36000" cy="36000"/>
+            </a:xfrm>
+            <a:prstGeom prst="ellipse">
+              <a:avLst/>
+            </a:prstGeom>
+            <a:gradFill flip="none" rotWithShape="1">
+              <a:gsLst>
+                <a:gs pos="0">
+                  <a:srgbClr val="FFFFFF"/>
+                </a:gs>
+                <a:gs pos="70000">
+                  <a:schemeClr val="accent2">
+                    <a:lumMod val="20000"/>
+                    <a:lumOff val="80000"/>
+                  </a:schemeClr>
+                </a:gs>
+                <a:gs pos="65000">
+                  <a:srgbClr val="F7FFFF"/>
+                </a:gs>
+              </a:gsLst>
+              <a:path path="circle">
+                <a:fillToRect l="50000" t="50000" r="50000" b="50000"/>
+              </a:path>
+              <a:tileRect/>
+            </a:gradFill>
+            <a:ln>
+              <a:noFill/>
+            </a:ln>
+            <a:effectLst>
+              <a:glow rad="165100">
+                <a:schemeClr val="accent2">
+                  <a:satMod val="175000"/>
+                  <a:alpha val="40000"/>
+                </a:schemeClr>
+              </a:glow>
+            </a:effectLst>
+          </p:spPr>
+          <p:style>
+            <a:lnRef idx="2">
+              <a:schemeClr val="accent1">
+                <a:shade val="50000"/>
+              </a:schemeClr>
+            </a:lnRef>
+            <a:fillRef idx="1">
+              <a:schemeClr val="accent1"/>
+            </a:fillRef>
+            <a:effectRef idx="0">
+              <a:schemeClr val="accent1"/>
+            </a:effectRef>
+            <a:fontRef idx="minor">
+              <a:schemeClr val="lt1"/>
+            </a:fontRef>
+          </p:style>
+          <p:txBody>
+            <a:bodyPr rtlCol="0" anchor="ctr"/>
+            <a:lstStyle/>
+            <a:p>
+              <a:pPr algn="ctr"/>
+              <a:endParaRPr lang="en-US" dirty="0"/>
+            </a:p>
+          </p:txBody>
+        </p:sp>
+        <p:sp>
+          <p:nvSpPr>
+            <p:cNvPr id="11" name="Oval 10">
+              <a:extLst>
+                <a:ext uri="{FF2B5EF4-FFF2-40B4-BE49-F238E27FC236}">
+                  <a16:creationId xmlns:a16="http://schemas.microsoft.com/office/drawing/2014/main" id="{226FBE2D-20C0-4B32-873E-7F301BC67055}"/>
+                </a:ext>
+              </a:extLst>
+            </p:cNvPr>
+            <p:cNvSpPr/>
+            <p:nvPr/>
+          </p:nvSpPr>
+          <p:spPr>
+            <a:xfrm>
+              <a:off x="8837524" y="2905351"/>
+              <a:ext cx="248256" cy="252158"/>
+            </a:xfrm>
+            <a:prstGeom prst="ellipse">
+              <a:avLst/>
+            </a:prstGeom>
+            <a:noFill/>
+            <a:ln w="3175">
+              <a:solidFill>
+                <a:schemeClr val="tx1">
+                  <a:lumMod val="50000"/>
+                  <a:lumOff val="50000"/>
+                </a:schemeClr>
+              </a:solidFill>
+              <a:prstDash val="sysDash"/>
+            </a:ln>
+            <a:effectLst/>
+          </p:spPr>
+          <p:style>
+            <a:lnRef idx="2">
+              <a:schemeClr val="accent1">
+                <a:shade val="50000"/>
+              </a:schemeClr>
+            </a:lnRef>
+            <a:fillRef idx="1">
+              <a:schemeClr val="accent1"/>
+            </a:fillRef>
+            <a:effectRef idx="0">
+              <a:schemeClr val="accent1"/>
+            </a:effectRef>
+            <a:fontRef idx="minor">
+              <a:schemeClr val="lt1"/>
+            </a:fontRef>
+          </p:style>
+          <p:txBody>
+            <a:bodyPr rot="0" spcFirstLastPara="0" vertOverflow="overflow" horzOverflow="overflow" vert="horz" wrap="square" lIns="91440" tIns="45720" rIns="91440" bIns="45720" numCol="1" spcCol="0" rtlCol="0" fromWordArt="0" anchor="ctr" anchorCtr="0" forceAA="0" compatLnSpc="1">
+              <a:prstTxWarp prst="textNoShape">
+                <a:avLst/>
+              </a:prstTxWarp>
+              <a:noAutofit/>
+            </a:bodyPr>
+            <a:lstStyle/>
+            <a:p>
+              <a:pPr algn="ctr"/>
+              <a:endParaRPr lang="en-US" dirty="0"/>
+            </a:p>
+          </p:txBody>
+        </p:sp>
+        <p:sp>
+          <p:nvSpPr>
+            <p:cNvPr id="12" name="Oval 11">
+              <a:extLst>
+                <a:ext uri="{FF2B5EF4-FFF2-40B4-BE49-F238E27FC236}">
+                  <a16:creationId xmlns:a16="http://schemas.microsoft.com/office/drawing/2014/main" id="{946FDEDE-FA2A-4BE7-A924-18643BE2BC9D}"/>
+                </a:ext>
+              </a:extLst>
+            </p:cNvPr>
+            <p:cNvSpPr/>
+            <p:nvPr/>
+          </p:nvSpPr>
+          <p:spPr>
+            <a:xfrm>
+              <a:off x="7886691" y="2146902"/>
+              <a:ext cx="154147" cy="156570"/>
+            </a:xfrm>
+            <a:prstGeom prst="ellipse">
+              <a:avLst/>
+            </a:prstGeom>
+            <a:noFill/>
+            <a:ln w="3175">
+              <a:solidFill>
+                <a:schemeClr val="bg1"/>
+              </a:solidFill>
+            </a:ln>
+            <a:effectLst>
+              <a:glow rad="114300">
+                <a:schemeClr val="bg1">
+                  <a:alpha val="15000"/>
+                </a:schemeClr>
+              </a:glow>
+            </a:effectLst>
+          </p:spPr>
+          <p:style>
+            <a:lnRef idx="2">
+              <a:schemeClr val="accent1">
+                <a:shade val="50000"/>
+              </a:schemeClr>
+            </a:lnRef>
+            <a:fillRef idx="1">
+              <a:schemeClr val="accent1"/>
+            </a:fillRef>
+            <a:effectRef idx="0">
+              <a:schemeClr val="accent1"/>
+            </a:effectRef>
+            <a:fontRef idx="minor">
+              <a:schemeClr val="lt1"/>
+            </a:fontRef>
+          </p:style>
+          <p:txBody>
+            <a:bodyPr rot="0" spcFirstLastPara="0" vertOverflow="overflow" horzOverflow="overflow" vert="horz" wrap="square" lIns="91440" tIns="45720" rIns="91440" bIns="45720" numCol="1" spcCol="0" rtlCol="0" fromWordArt="0" anchor="ctr" anchorCtr="0" forceAA="0" compatLnSpc="1">
+              <a:prstTxWarp prst="textNoShape">
+                <a:avLst/>
+              </a:prstTxWarp>
+              <a:noAutofit/>
+            </a:bodyPr>
+            <a:lstStyle/>
+            <a:p>
+              <a:pPr algn="ctr"/>
+              <a:endParaRPr lang="en-US" dirty="0"/>
+            </a:p>
+          </p:txBody>
+        </p:sp>
+        <p:cxnSp>
+          <p:nvCxnSpPr>
+            <p:cNvPr id="13" name="Straight Connector 12">
+              <a:extLst>
+                <a:ext uri="{FF2B5EF4-FFF2-40B4-BE49-F238E27FC236}">
+                  <a16:creationId xmlns:a16="http://schemas.microsoft.com/office/drawing/2014/main" id="{C5D9A499-6979-4BAC-937F-247015FF8D38}"/>
+                </a:ext>
+              </a:extLst>
+            </p:cNvPr>
+            <p:cNvCxnSpPr>
+              <a:cxnSpLocks/>
+            </p:cNvCxnSpPr>
+            <p:nvPr/>
+          </p:nvCxnSpPr>
+          <p:spPr>
+            <a:xfrm flipV="1">
+              <a:off x="8513160" y="2225010"/>
+              <a:ext cx="1269930" cy="1269930"/>
+            </a:xfrm>
+            <a:prstGeom prst="line">
+              <a:avLst/>
+            </a:prstGeom>
+            <a:ln>
+              <a:solidFill>
+                <a:schemeClr val="bg2">
+                  <a:alpha val="30000"/>
+                </a:schemeClr>
+              </a:solidFill>
+            </a:ln>
+          </p:spPr>
+          <p:style>
+            <a:lnRef idx="1">
+              <a:schemeClr val="accent1"/>
+            </a:lnRef>
+            <a:fillRef idx="0">
+              <a:schemeClr val="accent1"/>
+            </a:fillRef>
+            <a:effectRef idx="0">
+              <a:schemeClr val="accent1"/>
+            </a:effectRef>
+            <a:fontRef idx="minor">
+              <a:schemeClr val="tx1"/>
+            </a:fontRef>
+          </p:style>
+        </p:cxnSp>
+      </p:grpSp>
       <p:pic>
         <p:nvPicPr>
-          <p:cNvPr id="5" name="Picture 4" descr="A picture containing object, clock, drawing&#10;&#10;Description automatically generated">
-            <a:extLst>
-              <a:ext uri="{FF2B5EF4-FFF2-40B4-BE49-F238E27FC236}">
-                <a16:creationId xmlns:a16="http://schemas.microsoft.com/office/drawing/2014/main" id="{2964B677-637F-4282-B140-A689A50C6371}"/>
+          <p:cNvPr id="14" name="Picture 13" descr="A picture containing object, clock, drawing&#10;&#10;Description automatically generated">
+            <a:extLst>
+              <a:ext uri="{FF2B5EF4-FFF2-40B4-BE49-F238E27FC236}">
+                <a16:creationId xmlns:a16="http://schemas.microsoft.com/office/drawing/2014/main" id="{2120CFFD-2FA4-45B5-B8FD-D3BD95BE22F6}"/>
               </a:ext>
             </a:extLst>
           </p:cNvPr>
@@ -21595,7 +22099,7 @@
         </p:blipFill>
         <p:spPr>
           <a:xfrm>
-            <a:off x="10575235" y="0"/>
+            <a:off x="4613359" y="74371"/>
             <a:ext cx="1603920" cy="1212897"/>
           </a:xfrm>
           <a:prstGeom prst="rect">
@@ -21606,7 +22110,7 @@
     </p:spTree>
     <p:extLst>
       <p:ext uri="{BB962C8B-B14F-4D97-AF65-F5344CB8AC3E}">
-        <p14:creationId xmlns:p14="http://schemas.microsoft.com/office/powerpoint/2010/main" val="3758351761"/>
+        <p14:creationId xmlns:p14="http://schemas.microsoft.com/office/powerpoint/2010/main" val="59478693"/>
       </p:ext>
     </p:extLst>
   </p:cSld>
@@ -21661,36 +22165,38 @@
           <a:p>
             <a:pPr algn="just"/>
             <a:r>
-              <a:rPr lang="es-GT" sz="2800" dirty="0"/>
-              <a:t>14 preguntas.</a:t>
-            </a:r>
+              <a:rPr lang="es-GT" sz="2600" dirty="0"/>
+              <a:t>Se realizó una encuesta (hecha en Google </a:t>
+            </a:r>
+            <a:r>
+              <a:rPr lang="es-GT" sz="2600" dirty="0" err="1"/>
+              <a:t>forms</a:t>
+            </a:r>
+            <a:r>
+              <a:rPr lang="es-GT" sz="2600" dirty="0"/>
+              <a:t>) a un total de 53 personas cuyas edades se encontraban dentro del rango de 18 a 44 años.</a:t>
+            </a:r>
+            <a:endParaRPr lang="en-US" sz="2600" dirty="0"/>
           </a:p>
           <a:p>
             <a:pPr algn="just"/>
             <a:r>
-              <a:rPr lang="es-GT" sz="2800" dirty="0"/>
-              <a:t>1 pregunta de la edad de la persona.</a:t>
+              <a:rPr lang="es-GT" sz="2600" dirty="0"/>
+              <a:t>Primera sección: evalúa si la gente le parecía interesante y estaban de acuerdo con una aplicación que conecta a los financistas y emprendedores.</a:t>
             </a:r>
           </a:p>
           <a:p>
             <a:pPr algn="just"/>
             <a:r>
-              <a:rPr lang="es-GT" sz="2800" dirty="0"/>
-              <a:t>1 pregunta del género de la persona.</a:t>
+              <a:rPr lang="es-GT" sz="2600" dirty="0"/>
+              <a:t>Segunda sección: evalúa si las personas creen útil tener la opción de poder ofrecer o adquirir recursos que otras personas no usan para sacarle provecho de acuerdo con sus fines personales.</a:t>
             </a:r>
           </a:p>
           <a:p>
             <a:pPr algn="just"/>
             <a:r>
-              <a:rPr lang="es-GT" sz="2800" dirty="0"/>
-              <a:t>8 preguntas relacionadas a la primera parte de la encuesta.</a:t>
-            </a:r>
-          </a:p>
-          <a:p>
-            <a:pPr algn="just"/>
-            <a:r>
-              <a:rPr lang="es-GT" sz="2800" dirty="0"/>
-              <a:t>4 preguntas relacionadas a la segunda parte de la encuesta.</a:t>
+              <a:rPr lang="es-GT" sz="2600" dirty="0"/>
+              <a:t>Adicionalmente, se les pedía a las personas ingresar su género y su edad.</a:t>
             </a:r>
             <a:endParaRPr lang="en-US" sz="2600" dirty="0"/>
           </a:p>
@@ -21739,6 +22245,212 @@
                 </a:spcAft>
               </a:pPr>
               <a:t>11</a:t>
+            </a:fld>
+            <a:endParaRPr lang="en-US" b="1" i="1" noProof="0"/>
+          </a:p>
+        </p:txBody>
+      </p:sp>
+      <p:sp>
+        <p:nvSpPr>
+          <p:cNvPr id="10" name="Title 3">
+            <a:extLst>
+              <a:ext uri="{FF2B5EF4-FFF2-40B4-BE49-F238E27FC236}">
+                <a16:creationId xmlns:a16="http://schemas.microsoft.com/office/drawing/2014/main" id="{DA549DEC-8647-48AF-99DA-414191E5B086}"/>
+              </a:ext>
+            </a:extLst>
+          </p:cNvPr>
+          <p:cNvSpPr>
+            <a:spLocks noGrp="1"/>
+          </p:cNvSpPr>
+          <p:nvPr>
+            <p:ph type="title"/>
+          </p:nvPr>
+        </p:nvSpPr>
+        <p:spPr>
+          <a:xfrm>
+            <a:off x="601682" y="432000"/>
+            <a:ext cx="9973553" cy="432000"/>
+          </a:xfrm>
+        </p:spPr>
+        <p:txBody>
+          <a:bodyPr/>
+          <a:lstStyle/>
+          <a:p>
+            <a:pPr algn="ctr"/>
+            <a:r>
+              <a:rPr lang="es-GT" dirty="0"/>
+              <a:t>Factibilidad Funcional</a:t>
+            </a:r>
+            <a:endParaRPr lang="en-US" dirty="0"/>
+          </a:p>
+        </p:txBody>
+      </p:sp>
+      <p:pic>
+        <p:nvPicPr>
+          <p:cNvPr id="5" name="Picture 4" descr="A picture containing object, clock, drawing&#10;&#10;Description automatically generated">
+            <a:extLst>
+              <a:ext uri="{FF2B5EF4-FFF2-40B4-BE49-F238E27FC236}">
+                <a16:creationId xmlns:a16="http://schemas.microsoft.com/office/drawing/2014/main" id="{2964B677-637F-4282-B140-A689A50C6371}"/>
+              </a:ext>
+            </a:extLst>
+          </p:cNvPr>
+          <p:cNvPicPr>
+            <a:picLocks noChangeAspect="1"/>
+          </p:cNvPicPr>
+          <p:nvPr/>
+        </p:nvPicPr>
+        <p:blipFill>
+          <a:blip r:embed="rId2"/>
+          <a:stretch>
+            <a:fillRect/>
+          </a:stretch>
+        </p:blipFill>
+        <p:spPr>
+          <a:xfrm>
+            <a:off x="10575235" y="0"/>
+            <a:ext cx="1603920" cy="1212897"/>
+          </a:xfrm>
+          <a:prstGeom prst="rect">
+            <a:avLst/>
+          </a:prstGeom>
+        </p:spPr>
+      </p:pic>
+    </p:spTree>
+    <p:extLst>
+      <p:ext uri="{BB962C8B-B14F-4D97-AF65-F5344CB8AC3E}">
+        <p14:creationId xmlns:p14="http://schemas.microsoft.com/office/powerpoint/2010/main" val="3758351761"/>
+      </p:ext>
+    </p:extLst>
+  </p:cSld>
+  <p:clrMapOvr>
+    <a:masterClrMapping/>
+  </p:clrMapOvr>
+</p:sld>
+</file>
+
+<file path=ppt/slides/slide12.xml><?xml version="1.0" encoding="utf-8"?>
+<p:sld xmlns:a="http://schemas.openxmlformats.org/drawingml/2006/main" xmlns:r="http://schemas.openxmlformats.org/officeDocument/2006/relationships" xmlns:p="http://schemas.openxmlformats.org/presentationml/2006/main">
+  <p:cSld>
+    <p:spTree>
+      <p:nvGrpSpPr>
+        <p:cNvPr id="1" name=""/>
+        <p:cNvGrpSpPr/>
+        <p:nvPr/>
+      </p:nvGrpSpPr>
+      <p:grpSpPr>
+        <a:xfrm>
+          <a:off x="0" y="0"/>
+          <a:ext cx="0" cy="0"/>
+          <a:chOff x="0" y="0"/>
+          <a:chExt cx="0" cy="0"/>
+        </a:xfrm>
+      </p:grpSpPr>
+      <p:sp>
+        <p:nvSpPr>
+          <p:cNvPr id="6" name="Content Placeholder 1">
+            <a:extLst>
+              <a:ext uri="{FF2B5EF4-FFF2-40B4-BE49-F238E27FC236}">
+                <a16:creationId xmlns:a16="http://schemas.microsoft.com/office/drawing/2014/main" id="{77D12060-DBC1-4F3C-A03D-1BB5453B2A9D}"/>
+              </a:ext>
+            </a:extLst>
+          </p:cNvPr>
+          <p:cNvSpPr>
+            <a:spLocks noGrp="1"/>
+          </p:cNvSpPr>
+          <p:nvPr>
+            <p:ph idx="1"/>
+          </p:nvPr>
+        </p:nvSpPr>
+        <p:spPr>
+          <a:xfrm>
+            <a:off x="601682" y="1152000"/>
+            <a:ext cx="10999767" cy="5039250"/>
+          </a:xfrm>
+        </p:spPr>
+        <p:txBody>
+          <a:bodyPr/>
+          <a:lstStyle/>
+          <a:p>
+            <a:pPr algn="just"/>
+            <a:r>
+              <a:rPr lang="es-GT" sz="2800" dirty="0"/>
+              <a:t>14 preguntas.</a:t>
+            </a:r>
+          </a:p>
+          <a:p>
+            <a:pPr algn="just"/>
+            <a:r>
+              <a:rPr lang="es-GT" sz="2800" dirty="0"/>
+              <a:t>1 pregunta de la edad de la persona.</a:t>
+            </a:r>
+          </a:p>
+          <a:p>
+            <a:pPr algn="just"/>
+            <a:r>
+              <a:rPr lang="es-GT" sz="2800" dirty="0"/>
+              <a:t>1 pregunta del género de la persona.</a:t>
+            </a:r>
+          </a:p>
+          <a:p>
+            <a:pPr algn="just"/>
+            <a:r>
+              <a:rPr lang="es-GT" sz="2800" dirty="0"/>
+              <a:t>8 preguntas relacionadas a la primera parte de la encuesta.</a:t>
+            </a:r>
+          </a:p>
+          <a:p>
+            <a:pPr algn="just"/>
+            <a:r>
+              <a:rPr lang="es-GT" sz="2800" dirty="0"/>
+              <a:t>4 preguntas relacionadas a la segunda parte de la encuesta.</a:t>
+            </a:r>
+            <a:endParaRPr lang="en-US" sz="2600" dirty="0"/>
+          </a:p>
+        </p:txBody>
+      </p:sp>
+      <p:sp>
+        <p:nvSpPr>
+          <p:cNvPr id="8" name="Slide Number Placeholder 2">
+            <a:extLst>
+              <a:ext uri="{FF2B5EF4-FFF2-40B4-BE49-F238E27FC236}">
+                <a16:creationId xmlns:a16="http://schemas.microsoft.com/office/drawing/2014/main" id="{8BFA39BC-1211-462F-9D69-C975AEBBD25D}"/>
+              </a:ext>
+            </a:extLst>
+          </p:cNvPr>
+          <p:cNvSpPr>
+            <a:spLocks noGrp="1"/>
+          </p:cNvSpPr>
+          <p:nvPr>
+            <p:ph type="sldNum" sz="quarter" idx="13"/>
+          </p:nvPr>
+        </p:nvSpPr>
+        <p:spPr>
+          <a:xfrm>
+            <a:off x="11601450" y="6687111"/>
+            <a:ext cx="548755" cy="153841"/>
+          </a:xfrm>
+        </p:spPr>
+        <p:txBody>
+          <a:bodyPr/>
+          <a:lstStyle/>
+          <a:p>
+            <a:pPr>
+              <a:spcAft>
+                <a:spcPts val="600"/>
+              </a:spcAft>
+            </a:pPr>
+            <a:r>
+              <a:rPr lang="en-US" noProof="0"/>
+              <a:t>page </a:t>
+            </a:r>
+            <a:fld id="{19B51A1E-902D-48AF-9020-955120F399B6}" type="slidenum">
+              <a:rPr lang="en-US" b="1" i="1" noProof="0" smtClean="0"/>
+              <a:pPr>
+                <a:spcAft>
+                  <a:spcPts val="600"/>
+                </a:spcAft>
+              </a:pPr>
+              <a:t>12</a:t>
             </a:fld>
             <a:endParaRPr lang="en-US" b="1" i="1" noProof="0"/>
           </a:p>
@@ -21822,7 +22534,7 @@
 </p:sld>
 </file>
 
-<file path=ppt/slides/slide12.xml><?xml version="1.0" encoding="utf-8"?>
+<file path=ppt/slides/slide13.xml><?xml version="1.0" encoding="utf-8"?>
 <p:sld xmlns:a="http://schemas.openxmlformats.org/drawingml/2006/main" xmlns:r="http://schemas.openxmlformats.org/officeDocument/2006/relationships" xmlns:p="http://schemas.openxmlformats.org/presentationml/2006/main">
   <p:cSld>
     <p:bg>
@@ -21941,7 +22653,7 @@
                   <a:spcPts val="600"/>
                 </a:spcAft>
               </a:pPr>
-              <a:t>12</a:t>
+              <a:t>13</a:t>
             </a:fld>
             <a:endParaRPr lang="en-US" sz="900" b="1" i="1" noProof="0">
               <a:solidFill>
@@ -22070,7 +22782,7 @@
 </p:sld>
 </file>
 
-<file path=ppt/slides/slide13.xml><?xml version="1.0" encoding="utf-8"?>
+<file path=ppt/slides/slide14.xml><?xml version="1.0" encoding="utf-8"?>
 <p:sld xmlns:a="http://schemas.openxmlformats.org/drawingml/2006/main" xmlns:r="http://schemas.openxmlformats.org/officeDocument/2006/relationships" xmlns:p="http://schemas.openxmlformats.org/presentationml/2006/main">
   <p:cSld>
     <p:spTree>
@@ -22638,7 +23350,7 @@
             <a:fld id="{19B51A1E-902D-48AF-9020-955120F399B6}" type="slidenum">
               <a:rPr lang="en-US" b="1" i="1" smtClean="0"/>
               <a:pPr/>
-              <a:t>13</a:t>
+              <a:t>14</a:t>
             </a:fld>
             <a:endParaRPr lang="en-US" b="1" i="1" dirty="0"/>
           </a:p>
@@ -23375,216 +24087,6 @@
 </p:sld>
 </file>
 
-<file path=ppt/slides/slide14.xml><?xml version="1.0" encoding="utf-8"?>
-<p:sld xmlns:a="http://schemas.openxmlformats.org/drawingml/2006/main" xmlns:r="http://schemas.openxmlformats.org/officeDocument/2006/relationships" xmlns:p="http://schemas.openxmlformats.org/presentationml/2006/main">
-  <p:cSld>
-    <p:spTree>
-      <p:nvGrpSpPr>
-        <p:cNvPr id="1" name=""/>
-        <p:cNvGrpSpPr/>
-        <p:nvPr/>
-      </p:nvGrpSpPr>
-      <p:grpSpPr>
-        <a:xfrm>
-          <a:off x="0" y="0"/>
-          <a:ext cx="0" cy="0"/>
-          <a:chOff x="0" y="0"/>
-          <a:chExt cx="0" cy="0"/>
-        </a:xfrm>
-      </p:grpSpPr>
-      <p:sp>
-        <p:nvSpPr>
-          <p:cNvPr id="8" name="Slide Number Placeholder 2">
-            <a:extLst>
-              <a:ext uri="{FF2B5EF4-FFF2-40B4-BE49-F238E27FC236}">
-                <a16:creationId xmlns:a16="http://schemas.microsoft.com/office/drawing/2014/main" id="{8BFA39BC-1211-462F-9D69-C975AEBBD25D}"/>
-              </a:ext>
-            </a:extLst>
-          </p:cNvPr>
-          <p:cNvSpPr>
-            <a:spLocks noGrp="1"/>
-          </p:cNvSpPr>
-          <p:nvPr>
-            <p:ph type="sldNum" sz="quarter" idx="13"/>
-          </p:nvPr>
-        </p:nvSpPr>
-        <p:spPr>
-          <a:xfrm>
-            <a:off x="11601450" y="6687111"/>
-            <a:ext cx="548755" cy="153841"/>
-          </a:xfrm>
-          <a:prstGeom prst="rect">
-            <a:avLst/>
-          </a:prstGeom>
-          <a:ln w="3175">
-            <a:noFill/>
-          </a:ln>
-        </p:spPr>
-        <p:txBody>
-          <a:bodyPr anchor="ctr">
-            <a:normAutofit/>
-          </a:bodyPr>
-          <a:lstStyle/>
-          <a:p>
-            <a:pPr>
-              <a:spcAft>
-                <a:spcPts val="600"/>
-              </a:spcAft>
-            </a:pPr>
-            <a:r>
-              <a:rPr lang="en-US" sz="900" noProof="0">
-                <a:solidFill>
-                  <a:schemeClr val="bg1"/>
-                </a:solidFill>
-              </a:rPr>
-              <a:t>page </a:t>
-            </a:r>
-            <a:fld id="{19B51A1E-902D-48AF-9020-955120F399B6}" type="slidenum">
-              <a:rPr lang="en-US" sz="900" b="1" i="1" noProof="0" smtClean="0">
-                <a:solidFill>
-                  <a:schemeClr val="bg1"/>
-                </a:solidFill>
-              </a:rPr>
-              <a:pPr>
-                <a:spcAft>
-                  <a:spcPts val="600"/>
-                </a:spcAft>
-              </a:pPr>
-              <a:t>14</a:t>
-            </a:fld>
-            <a:endParaRPr lang="en-US" sz="900" b="1" i="1" noProof="0">
-              <a:solidFill>
-                <a:schemeClr val="bg1"/>
-              </a:solidFill>
-            </a:endParaRPr>
-          </a:p>
-        </p:txBody>
-      </p:sp>
-      <p:sp>
-        <p:nvSpPr>
-          <p:cNvPr id="10" name="Title 3">
-            <a:extLst>
-              <a:ext uri="{FF2B5EF4-FFF2-40B4-BE49-F238E27FC236}">
-                <a16:creationId xmlns:a16="http://schemas.microsoft.com/office/drawing/2014/main" id="{DA549DEC-8647-48AF-99DA-414191E5B086}"/>
-              </a:ext>
-            </a:extLst>
-          </p:cNvPr>
-          <p:cNvSpPr>
-            <a:spLocks noGrp="1"/>
-          </p:cNvSpPr>
-          <p:nvPr>
-            <p:ph type="title"/>
-          </p:nvPr>
-        </p:nvSpPr>
-        <p:spPr>
-          <a:xfrm>
-            <a:off x="601682" y="432000"/>
-            <a:ext cx="9973553" cy="432000"/>
-          </a:xfrm>
-          <a:prstGeom prst="rect">
-            <a:avLst/>
-          </a:prstGeom>
-        </p:spPr>
-        <p:txBody>
-          <a:bodyPr anchor="ctr">
-            <a:normAutofit/>
-          </a:bodyPr>
-          <a:lstStyle/>
-          <a:p>
-            <a:pPr algn="ctr"/>
-            <a:r>
-              <a:rPr lang="es-GT" sz="3000" dirty="0">
-                <a:solidFill>
-                  <a:schemeClr val="bg1"/>
-                </a:solidFill>
-              </a:rPr>
-              <a:t>Encuestas</a:t>
-            </a:r>
-            <a:endParaRPr lang="en-US" sz="3000" dirty="0">
-              <a:solidFill>
-                <a:schemeClr val="bg1"/>
-              </a:solidFill>
-            </a:endParaRPr>
-          </a:p>
-        </p:txBody>
-      </p:sp>
-      <p:pic>
-        <p:nvPicPr>
-          <p:cNvPr id="4" name="Picture 3">
-            <a:extLst>
-              <a:ext uri="{FF2B5EF4-FFF2-40B4-BE49-F238E27FC236}">
-                <a16:creationId xmlns:a16="http://schemas.microsoft.com/office/drawing/2014/main" id="{C84C3250-9A25-4CF9-B3F5-2110D82C53FE}"/>
-              </a:ext>
-            </a:extLst>
-          </p:cNvPr>
-          <p:cNvPicPr/>
-          <p:nvPr/>
-        </p:nvPicPr>
-        <p:blipFill>
-          <a:blip r:embed="rId2">
-            <a:extLst>
-              <a:ext uri="{28A0092B-C50C-407E-A947-70E740481C1C}">
-                <a14:useLocalDpi xmlns:a14="http://schemas.microsoft.com/office/drawing/2010/main" val="0"/>
-              </a:ext>
-            </a:extLst>
-          </a:blip>
-          <a:stretch>
-            <a:fillRect/>
-          </a:stretch>
-        </p:blipFill>
-        <p:spPr>
-          <a:xfrm>
-            <a:off x="1228688" y="1118122"/>
-            <a:ext cx="9734624" cy="5139241"/>
-          </a:xfrm>
-          <a:prstGeom prst="rect">
-            <a:avLst/>
-          </a:prstGeom>
-        </p:spPr>
-      </p:pic>
-      <p:pic>
-        <p:nvPicPr>
-          <p:cNvPr id="5" name="Picture 4" descr="A picture containing object, clock, drawing&#10;&#10;Description automatically generated">
-            <a:extLst>
-              <a:ext uri="{FF2B5EF4-FFF2-40B4-BE49-F238E27FC236}">
-                <a16:creationId xmlns:a16="http://schemas.microsoft.com/office/drawing/2014/main" id="{12091745-BE22-47E7-B63B-A0CC403AC7E4}"/>
-              </a:ext>
-            </a:extLst>
-          </p:cNvPr>
-          <p:cNvPicPr>
-            <a:picLocks noChangeAspect="1"/>
-          </p:cNvPicPr>
-          <p:nvPr/>
-        </p:nvPicPr>
-        <p:blipFill>
-          <a:blip r:embed="rId3"/>
-          <a:stretch>
-            <a:fillRect/>
-          </a:stretch>
-        </p:blipFill>
-        <p:spPr>
-          <a:xfrm>
-            <a:off x="10588080" y="17049"/>
-            <a:ext cx="1603920" cy="1101074"/>
-          </a:xfrm>
-          <a:prstGeom prst="rect">
-            <a:avLst/>
-          </a:prstGeom>
-        </p:spPr>
-      </p:pic>
-    </p:spTree>
-    <p:extLst>
-      <p:ext uri="{BB962C8B-B14F-4D97-AF65-F5344CB8AC3E}">
-        <p14:creationId xmlns:p14="http://schemas.microsoft.com/office/powerpoint/2010/main" val="2019747202"/>
-      </p:ext>
-    </p:extLst>
-  </p:cSld>
-  <p:clrMapOvr>
-    <a:masterClrMapping/>
-  </p:clrMapOvr>
-</p:sld>
-</file>
-
 <file path=ppt/slides/slide15.xml><?xml version="1.0" encoding="utf-8"?>
 <p:sld xmlns:a="http://schemas.openxmlformats.org/drawingml/2006/main" xmlns:r="http://schemas.openxmlformats.org/officeDocument/2006/relationships" xmlns:p="http://schemas.openxmlformats.org/presentationml/2006/main">
   <p:cSld>
@@ -23723,7 +24225,7 @@
           <p:cNvPr id="4" name="Picture 3">
             <a:extLst>
               <a:ext uri="{FF2B5EF4-FFF2-40B4-BE49-F238E27FC236}">
-                <a16:creationId xmlns:a16="http://schemas.microsoft.com/office/drawing/2014/main" id="{C462BCC1-4AF6-49DE-AE9A-F78722BC84A3}"/>
+                <a16:creationId xmlns:a16="http://schemas.microsoft.com/office/drawing/2014/main" id="{C84C3250-9A25-4CF9-B3F5-2110D82C53FE}"/>
               </a:ext>
             </a:extLst>
           </p:cNvPr>
@@ -23731,15 +24233,21 @@
           <p:nvPr/>
         </p:nvPicPr>
         <p:blipFill>
-          <a:blip r:embed="rId2"/>
+          <a:blip r:embed="rId2">
+            <a:extLst>
+              <a:ext uri="{28A0092B-C50C-407E-A947-70E740481C1C}">
+                <a14:useLocalDpi xmlns:a14="http://schemas.microsoft.com/office/drawing/2010/main" val="0"/>
+              </a:ext>
+            </a:extLst>
+          </a:blip>
           <a:stretch>
             <a:fillRect/>
           </a:stretch>
         </p:blipFill>
         <p:spPr>
           <a:xfrm>
-            <a:off x="1162853" y="970877"/>
-            <a:ext cx="9866293" cy="5382298"/>
+            <a:off x="1228688" y="1118122"/>
+            <a:ext cx="9734624" cy="5139241"/>
           </a:xfrm>
           <a:prstGeom prst="rect">
             <a:avLst/>
@@ -23751,7 +24259,7 @@
           <p:cNvPr id="5" name="Picture 4" descr="A picture containing object, clock, drawing&#10;&#10;Description automatically generated">
             <a:extLst>
               <a:ext uri="{FF2B5EF4-FFF2-40B4-BE49-F238E27FC236}">
-                <a16:creationId xmlns:a16="http://schemas.microsoft.com/office/drawing/2014/main" id="{A861609E-B46A-4073-A2F5-8A92700383D0}"/>
+                <a16:creationId xmlns:a16="http://schemas.microsoft.com/office/drawing/2014/main" id="{12091745-BE22-47E7-B63B-A0CC403AC7E4}"/>
               </a:ext>
             </a:extLst>
           </p:cNvPr>
@@ -23768,8 +24276,8 @@
         </p:blipFill>
         <p:spPr>
           <a:xfrm>
-            <a:off x="10588080" y="17048"/>
-            <a:ext cx="1603920" cy="953829"/>
+            <a:off x="10588080" y="17049"/>
+            <a:ext cx="1603920" cy="1101074"/>
           </a:xfrm>
           <a:prstGeom prst="rect">
             <a:avLst/>
@@ -23779,7 +24287,7 @@
     </p:spTree>
     <p:extLst>
       <p:ext uri="{BB962C8B-B14F-4D97-AF65-F5344CB8AC3E}">
-        <p14:creationId xmlns:p14="http://schemas.microsoft.com/office/powerpoint/2010/main" val="3230148840"/>
+        <p14:creationId xmlns:p14="http://schemas.microsoft.com/office/powerpoint/2010/main" val="2019747202"/>
       </p:ext>
     </p:extLst>
   </p:cSld>
@@ -23927,7 +24435,7 @@
           <p:cNvPr id="4" name="Picture 3">
             <a:extLst>
               <a:ext uri="{FF2B5EF4-FFF2-40B4-BE49-F238E27FC236}">
-                <a16:creationId xmlns:a16="http://schemas.microsoft.com/office/drawing/2014/main" id="{A637445C-9773-4992-9629-C40BA3264A66}"/>
+                <a16:creationId xmlns:a16="http://schemas.microsoft.com/office/drawing/2014/main" id="{C462BCC1-4AF6-49DE-AE9A-F78722BC84A3}"/>
               </a:ext>
             </a:extLst>
           </p:cNvPr>
@@ -23942,8 +24450,8 @@
         </p:blipFill>
         <p:spPr>
           <a:xfrm>
-            <a:off x="1291441" y="930675"/>
-            <a:ext cx="9609118" cy="5422500"/>
+            <a:off x="1162853" y="970877"/>
+            <a:ext cx="9866293" cy="5382298"/>
           </a:xfrm>
           <a:prstGeom prst="rect">
             <a:avLst/>
@@ -23955,7 +24463,7 @@
           <p:cNvPr id="5" name="Picture 4" descr="A picture containing object, clock, drawing&#10;&#10;Description automatically generated">
             <a:extLst>
               <a:ext uri="{FF2B5EF4-FFF2-40B4-BE49-F238E27FC236}">
-                <a16:creationId xmlns:a16="http://schemas.microsoft.com/office/drawing/2014/main" id="{F29FAC23-EC4E-4327-8B64-29331375B64D}"/>
+                <a16:creationId xmlns:a16="http://schemas.microsoft.com/office/drawing/2014/main" id="{A861609E-B46A-4073-A2F5-8A92700383D0}"/>
               </a:ext>
             </a:extLst>
           </p:cNvPr>
@@ -23972,8 +24480,8 @@
         </p:blipFill>
         <p:spPr>
           <a:xfrm>
-            <a:off x="10727702" y="17048"/>
-            <a:ext cx="1464297" cy="913627"/>
+            <a:off x="10588080" y="17048"/>
+            <a:ext cx="1603920" cy="953829"/>
           </a:xfrm>
           <a:prstGeom prst="rect">
             <a:avLst/>
@@ -23983,7 +24491,7 @@
     </p:spTree>
     <p:extLst>
       <p:ext uri="{BB962C8B-B14F-4D97-AF65-F5344CB8AC3E}">
-        <p14:creationId xmlns:p14="http://schemas.microsoft.com/office/powerpoint/2010/main" val="1041451665"/>
+        <p14:creationId xmlns:p14="http://schemas.microsoft.com/office/powerpoint/2010/main" val="3230148840"/>
       </p:ext>
     </p:extLst>
   </p:cSld>
@@ -24131,7 +24639,7 @@
           <p:cNvPr id="4" name="Picture 3">
             <a:extLst>
               <a:ext uri="{FF2B5EF4-FFF2-40B4-BE49-F238E27FC236}">
-                <a16:creationId xmlns:a16="http://schemas.microsoft.com/office/drawing/2014/main" id="{DEF0C481-1E78-48EA-A4C3-D40439DAA39E}"/>
+                <a16:creationId xmlns:a16="http://schemas.microsoft.com/office/drawing/2014/main" id="{A637445C-9773-4992-9629-C40BA3264A66}"/>
               </a:ext>
             </a:extLst>
           </p:cNvPr>
@@ -24146,8 +24654,8 @@
         </p:blipFill>
         <p:spPr>
           <a:xfrm>
-            <a:off x="958066" y="987825"/>
-            <a:ext cx="10275868" cy="5365350"/>
+            <a:off x="1291441" y="930675"/>
+            <a:ext cx="9609118" cy="5422500"/>
           </a:xfrm>
           <a:prstGeom prst="rect">
             <a:avLst/>
@@ -24159,7 +24667,7 @@
           <p:cNvPr id="5" name="Picture 4" descr="A picture containing object, clock, drawing&#10;&#10;Description automatically generated">
             <a:extLst>
               <a:ext uri="{FF2B5EF4-FFF2-40B4-BE49-F238E27FC236}">
-                <a16:creationId xmlns:a16="http://schemas.microsoft.com/office/drawing/2014/main" id="{03A50A88-3A1D-4930-9794-BDAD5C85BA87}"/>
+                <a16:creationId xmlns:a16="http://schemas.microsoft.com/office/drawing/2014/main" id="{F29FAC23-EC4E-4327-8B64-29331375B64D}"/>
               </a:ext>
             </a:extLst>
           </p:cNvPr>
@@ -24187,7 +24695,7 @@
     </p:spTree>
     <p:extLst>
       <p:ext uri="{BB962C8B-B14F-4D97-AF65-F5344CB8AC3E}">
-        <p14:creationId xmlns:p14="http://schemas.microsoft.com/office/powerpoint/2010/main" val="799527119"/>
+        <p14:creationId xmlns:p14="http://schemas.microsoft.com/office/powerpoint/2010/main" val="1041451665"/>
       </p:ext>
     </p:extLst>
   </p:cSld>
@@ -24335,7 +24843,7 @@
           <p:cNvPr id="4" name="Picture 3">
             <a:extLst>
               <a:ext uri="{FF2B5EF4-FFF2-40B4-BE49-F238E27FC236}">
-                <a16:creationId xmlns:a16="http://schemas.microsoft.com/office/drawing/2014/main" id="{02B17F88-797B-4F3E-BF52-DECFB6417EC9}"/>
+                <a16:creationId xmlns:a16="http://schemas.microsoft.com/office/drawing/2014/main" id="{DEF0C481-1E78-48EA-A4C3-D40439DAA39E}"/>
               </a:ext>
             </a:extLst>
           </p:cNvPr>
@@ -24350,8 +24858,8 @@
         </p:blipFill>
         <p:spPr>
           <a:xfrm>
-            <a:off x="1643866" y="959250"/>
-            <a:ext cx="8904268" cy="5384400"/>
+            <a:off x="958066" y="987825"/>
+            <a:ext cx="10275868" cy="5365350"/>
           </a:xfrm>
           <a:prstGeom prst="rect">
             <a:avLst/>
@@ -24363,7 +24871,7 @@
           <p:cNvPr id="5" name="Picture 4" descr="A picture containing object, clock, drawing&#10;&#10;Description automatically generated">
             <a:extLst>
               <a:ext uri="{FF2B5EF4-FFF2-40B4-BE49-F238E27FC236}">
-                <a16:creationId xmlns:a16="http://schemas.microsoft.com/office/drawing/2014/main" id="{AAF9CB6B-B5C4-4590-A2B3-3F7636BD8F04}"/>
+                <a16:creationId xmlns:a16="http://schemas.microsoft.com/office/drawing/2014/main" id="{03A50A88-3A1D-4930-9794-BDAD5C85BA87}"/>
               </a:ext>
             </a:extLst>
           </p:cNvPr>
@@ -24391,7 +24899,7 @@
     </p:spTree>
     <p:extLst>
       <p:ext uri="{BB962C8B-B14F-4D97-AF65-F5344CB8AC3E}">
-        <p14:creationId xmlns:p14="http://schemas.microsoft.com/office/powerpoint/2010/main" val="4262908993"/>
+        <p14:creationId xmlns:p14="http://schemas.microsoft.com/office/powerpoint/2010/main" val="799527119"/>
       </p:ext>
     </p:extLst>
   </p:cSld>
@@ -24539,7 +25047,7 @@
           <p:cNvPr id="4" name="Picture 3">
             <a:extLst>
               <a:ext uri="{FF2B5EF4-FFF2-40B4-BE49-F238E27FC236}">
-                <a16:creationId xmlns:a16="http://schemas.microsoft.com/office/drawing/2014/main" id="{7E5F1E9B-E492-455E-899B-AEDB286EBABB}"/>
+                <a16:creationId xmlns:a16="http://schemas.microsoft.com/office/drawing/2014/main" id="{02B17F88-797B-4F3E-BF52-DECFB6417EC9}"/>
               </a:ext>
             </a:extLst>
           </p:cNvPr>
@@ -24554,8 +25062,8 @@
         </p:blipFill>
         <p:spPr>
           <a:xfrm>
-            <a:off x="1109223" y="1064025"/>
-            <a:ext cx="9973553" cy="5212950"/>
+            <a:off x="1643866" y="959250"/>
+            <a:ext cx="8904268" cy="5384400"/>
           </a:xfrm>
           <a:prstGeom prst="rect">
             <a:avLst/>
@@ -24567,7 +25075,7 @@
           <p:cNvPr id="5" name="Picture 4" descr="A picture containing object, clock, drawing&#10;&#10;Description automatically generated">
             <a:extLst>
               <a:ext uri="{FF2B5EF4-FFF2-40B4-BE49-F238E27FC236}">
-                <a16:creationId xmlns:a16="http://schemas.microsoft.com/office/drawing/2014/main" id="{D12A5EB2-9424-408F-8BB7-081C7ECB68AF}"/>
+                <a16:creationId xmlns:a16="http://schemas.microsoft.com/office/drawing/2014/main" id="{AAF9CB6B-B5C4-4590-A2B3-3F7636BD8F04}"/>
               </a:ext>
             </a:extLst>
           </p:cNvPr>
@@ -24595,7 +25103,7 @@
     </p:spTree>
     <p:extLst>
       <p:ext uri="{BB962C8B-B14F-4D97-AF65-F5344CB8AC3E}">
-        <p14:creationId xmlns:p14="http://schemas.microsoft.com/office/powerpoint/2010/main" val="509084776"/>
+        <p14:creationId xmlns:p14="http://schemas.microsoft.com/office/powerpoint/2010/main" val="4262908993"/>
       </p:ext>
     </p:extLst>
   </p:cSld>
@@ -25065,7 +25573,7 @@
           <p:cNvPr id="4" name="Picture 3">
             <a:extLst>
               <a:ext uri="{FF2B5EF4-FFF2-40B4-BE49-F238E27FC236}">
-                <a16:creationId xmlns:a16="http://schemas.microsoft.com/office/drawing/2014/main" id="{80C0B629-F0E0-4F42-B30A-07C258C10C29}"/>
+                <a16:creationId xmlns:a16="http://schemas.microsoft.com/office/drawing/2014/main" id="{7E5F1E9B-E492-455E-899B-AEDB286EBABB}"/>
               </a:ext>
             </a:extLst>
           </p:cNvPr>
@@ -25080,8 +25588,38 @@
         </p:blipFill>
         <p:spPr>
           <a:xfrm>
-            <a:off x="1281916" y="1006874"/>
-            <a:ext cx="9628168" cy="5260575"/>
+            <a:off x="1109223" y="1064025"/>
+            <a:ext cx="9973553" cy="5212950"/>
+          </a:xfrm>
+          <a:prstGeom prst="rect">
+            <a:avLst/>
+          </a:prstGeom>
+        </p:spPr>
+      </p:pic>
+      <p:pic>
+        <p:nvPicPr>
+          <p:cNvPr id="5" name="Picture 4" descr="A picture containing object, clock, drawing&#10;&#10;Description automatically generated">
+            <a:extLst>
+              <a:ext uri="{FF2B5EF4-FFF2-40B4-BE49-F238E27FC236}">
+                <a16:creationId xmlns:a16="http://schemas.microsoft.com/office/drawing/2014/main" id="{D12A5EB2-9424-408F-8BB7-081C7ECB68AF}"/>
+              </a:ext>
+            </a:extLst>
+          </p:cNvPr>
+          <p:cNvPicPr>
+            <a:picLocks noChangeAspect="1"/>
+          </p:cNvPicPr>
+          <p:nvPr/>
+        </p:nvPicPr>
+        <p:blipFill>
+          <a:blip r:embed="rId3"/>
+          <a:stretch>
+            <a:fillRect/>
+          </a:stretch>
+        </p:blipFill>
+        <p:spPr>
+          <a:xfrm>
+            <a:off x="10727702" y="17048"/>
+            <a:ext cx="1464297" cy="913627"/>
           </a:xfrm>
           <a:prstGeom prst="rect">
             <a:avLst/>
@@ -25091,7 +25629,7 @@
     </p:spTree>
     <p:extLst>
       <p:ext uri="{BB962C8B-B14F-4D97-AF65-F5344CB8AC3E}">
-        <p14:creationId xmlns:p14="http://schemas.microsoft.com/office/powerpoint/2010/main" val="419216507"/>
+        <p14:creationId xmlns:p14="http://schemas.microsoft.com/office/powerpoint/2010/main" val="509084776"/>
       </p:ext>
     </p:extLst>
   </p:cSld>
@@ -25239,7 +25777,7 @@
           <p:cNvPr id="4" name="Picture 3">
             <a:extLst>
               <a:ext uri="{FF2B5EF4-FFF2-40B4-BE49-F238E27FC236}">
-                <a16:creationId xmlns:a16="http://schemas.microsoft.com/office/drawing/2014/main" id="{4DF6E5A6-316E-4927-A1AC-B03C3367304D}"/>
+                <a16:creationId xmlns:a16="http://schemas.microsoft.com/office/drawing/2014/main" id="{80C0B629-F0E0-4F42-B30A-07C258C10C29}"/>
               </a:ext>
             </a:extLst>
           </p:cNvPr>
@@ -25254,8 +25792,8 @@
         </p:blipFill>
         <p:spPr>
           <a:xfrm>
-            <a:off x="1109223" y="1006875"/>
-            <a:ext cx="9973553" cy="5270100"/>
+            <a:off x="1281916" y="1006874"/>
+            <a:ext cx="9628168" cy="5260575"/>
           </a:xfrm>
           <a:prstGeom prst="rect">
             <a:avLst/>
@@ -25265,7 +25803,7 @@
     </p:spTree>
     <p:extLst>
       <p:ext uri="{BB962C8B-B14F-4D97-AF65-F5344CB8AC3E}">
-        <p14:creationId xmlns:p14="http://schemas.microsoft.com/office/powerpoint/2010/main" val="1558005278"/>
+        <p14:creationId xmlns:p14="http://schemas.microsoft.com/office/powerpoint/2010/main" val="419216507"/>
       </p:ext>
     </p:extLst>
   </p:cSld>
@@ -25294,10 +25832,10 @@
       </p:grpSpPr>
       <p:sp>
         <p:nvSpPr>
-          <p:cNvPr id="5" name="Content Placeholder 4">
-            <a:extLst>
-              <a:ext uri="{FF2B5EF4-FFF2-40B4-BE49-F238E27FC236}">
-                <a16:creationId xmlns:a16="http://schemas.microsoft.com/office/drawing/2014/main" id="{501AA189-692E-42AB-8FA0-345CF3ABCF43}"/>
+          <p:cNvPr id="8" name="Slide Number Placeholder 2">
+            <a:extLst>
+              <a:ext uri="{FF2B5EF4-FFF2-40B4-BE49-F238E27FC236}">
+                <a16:creationId xmlns:a16="http://schemas.microsoft.com/office/drawing/2014/main" id="{8BFA39BC-1211-462F-9D69-C975AEBBD25D}"/>
               </a:ext>
             </a:extLst>
           </p:cNvPr>
@@ -25305,142 +25843,25 @@
             <a:spLocks noGrp="1"/>
           </p:cNvSpPr>
           <p:nvPr>
-            <p:ph sz="half" idx="2"/>
+            <p:ph type="sldNum" sz="quarter" idx="13"/>
           </p:nvPr>
         </p:nvSpPr>
         <p:spPr>
           <a:xfrm>
-            <a:off x="601682" y="2534644"/>
-            <a:ext cx="5400000" cy="3656606"/>
-          </a:xfrm>
-        </p:spPr>
-        <p:txBody>
-          <a:bodyPr/>
-          <a:lstStyle/>
-          <a:p>
-            <a:r>
-              <a:rPr lang="es-GT" dirty="0"/>
-              <a:t>Es una plataforma para </a:t>
-            </a:r>
-            <a:r>
-              <a:rPr lang="es-GT" b="1" dirty="0" err="1"/>
-              <a:t>equity</a:t>
-            </a:r>
-            <a:r>
-              <a:rPr lang="es-GT" b="1" dirty="0"/>
-              <a:t> crowdfunding</a:t>
-            </a:r>
-            <a:r>
-              <a:rPr lang="es-GT" dirty="0"/>
-              <a:t>, cubre muchas industrias, los inversores reciben acciones o bonos convertibles(se puede canjear por acciones, mientras no ejerza el derecho de conversión el comprador recibirá intereses de acuerdo a un contrato establecido).</a:t>
-            </a:r>
-            <a:endParaRPr lang="en-US" dirty="0"/>
-          </a:p>
-          <a:p>
-            <a:pPr marL="0" indent="0">
-              <a:buNone/>
-            </a:pPr>
-            <a:r>
-              <a:rPr lang="en-US" dirty="0"/>
-              <a:t>     https://www.startengine.com/</a:t>
-            </a:r>
-          </a:p>
-        </p:txBody>
-      </p:sp>
-      <p:sp>
-        <p:nvSpPr>
-          <p:cNvPr id="7" name="Text Placeholder 6">
-            <a:extLst>
-              <a:ext uri="{FF2B5EF4-FFF2-40B4-BE49-F238E27FC236}">
-                <a16:creationId xmlns:a16="http://schemas.microsoft.com/office/drawing/2014/main" id="{5DB66C1B-8526-4D59-89FD-F370E4695D29}"/>
-              </a:ext>
-            </a:extLst>
-          </p:cNvPr>
-          <p:cNvSpPr>
-            <a:spLocks noGrp="1"/>
-          </p:cNvSpPr>
-          <p:nvPr>
-            <p:ph type="body" sz="quarter" idx="12"/>
-          </p:nvPr>
-        </p:nvSpPr>
-        <p:spPr>
-          <a:xfrm>
-            <a:off x="6237111" y="2534644"/>
-            <a:ext cx="5638716" cy="2738744"/>
-          </a:xfrm>
-        </p:spPr>
-        <p:txBody>
-          <a:bodyPr/>
-          <a:lstStyle/>
-          <a:p>
-            <a:r>
-              <a:rPr lang="es-GT" dirty="0"/>
-              <a:t> Es una plataforma para </a:t>
-            </a:r>
-            <a:r>
-              <a:rPr lang="es-GT" b="1" dirty="0" err="1"/>
-              <a:t>reward</a:t>
-            </a:r>
-            <a:r>
-              <a:rPr lang="es-GT" b="1" dirty="0"/>
-              <a:t> crowdfunding</a:t>
-            </a:r>
-            <a:r>
-              <a:rPr lang="es-GT" dirty="0"/>
-              <a:t>, su misión es que proyectos creativos se vuelvan realidad, han tenido 167,947 proyectos que lograron ser financiados. Funciona baja el concepto  de </a:t>
-            </a:r>
-            <a:r>
-              <a:rPr lang="es-GT" dirty="0" err="1"/>
-              <a:t>funding</a:t>
-            </a:r>
-            <a:r>
-              <a:rPr lang="es-GT" dirty="0"/>
-              <a:t> </a:t>
-            </a:r>
-            <a:r>
-              <a:rPr lang="es-GT" dirty="0" err="1"/>
-              <a:t>all-or-nothing</a:t>
-            </a:r>
-            <a:r>
-              <a:rPr lang="es-GT" dirty="0"/>
-              <a:t>, si el emprendedor no consigue llegar a la meta que se establece recaudar el proyecto se declara como fallido y no se realizan los cobros a los inversores.</a:t>
-            </a:r>
-          </a:p>
-          <a:p>
-            <a:pPr marL="0" indent="0">
-              <a:buNone/>
-            </a:pPr>
-            <a:r>
-              <a:rPr lang="es-GT" dirty="0"/>
-              <a:t>     </a:t>
-            </a:r>
-            <a:r>
-              <a:rPr lang="en-US" dirty="0"/>
-              <a:t> https://www.kickstarter.com/</a:t>
-            </a:r>
-            <a:endParaRPr lang="es-GT" dirty="0"/>
-          </a:p>
-        </p:txBody>
-      </p:sp>
-      <p:sp>
-        <p:nvSpPr>
-          <p:cNvPr id="8" name="Slide Number Placeholder 2">
-            <a:extLst>
-              <a:ext uri="{FF2B5EF4-FFF2-40B4-BE49-F238E27FC236}">
-                <a16:creationId xmlns:a16="http://schemas.microsoft.com/office/drawing/2014/main" id="{8BFA39BC-1211-462F-9D69-C975AEBBD25D}"/>
-              </a:ext>
-            </a:extLst>
-          </p:cNvPr>
-          <p:cNvSpPr>
-            <a:spLocks noGrp="1"/>
-          </p:cNvSpPr>
-          <p:nvPr>
-            <p:ph type="sldNum" sz="quarter" idx="15"/>
-          </p:nvPr>
-        </p:nvSpPr>
-        <p:spPr/>
-        <p:txBody>
-          <a:bodyPr/>
+            <a:off x="11601450" y="6687111"/>
+            <a:ext cx="548755" cy="153841"/>
+          </a:xfrm>
+          <a:prstGeom prst="rect">
+            <a:avLst/>
+          </a:prstGeom>
+          <a:ln w="3175">
+            <a:noFill/>
+          </a:ln>
+        </p:spPr>
+        <p:txBody>
+          <a:bodyPr anchor="ctr">
+            <a:normAutofit/>
+          </a:bodyPr>
           <a:lstStyle/>
           <a:p>
             <a:pPr>
@@ -25449,11 +25870,19 @@
               </a:spcAft>
             </a:pPr>
             <a:r>
-              <a:rPr lang="en-US" noProof="0"/>
+              <a:rPr lang="en-US" sz="900" noProof="0">
+                <a:solidFill>
+                  <a:schemeClr val="bg1"/>
+                </a:solidFill>
+              </a:rPr>
               <a:t>page </a:t>
             </a:r>
             <a:fld id="{19B51A1E-902D-48AF-9020-955120F399B6}" type="slidenum">
-              <a:rPr lang="en-US" b="1" i="1" noProof="0" smtClean="0"/>
+              <a:rPr lang="en-US" sz="900" b="1" i="1" noProof="0" smtClean="0">
+                <a:solidFill>
+                  <a:schemeClr val="bg1"/>
+                </a:solidFill>
+              </a:rPr>
               <a:pPr>
                 <a:spcAft>
                   <a:spcPts val="600"/>
@@ -25461,7 +25890,11 @@
               </a:pPr>
               <a:t>22</a:t>
             </a:fld>
-            <a:endParaRPr lang="en-US" b="1" i="1" noProof="0"/>
+            <a:endParaRPr lang="en-US" sz="900" b="1" i="1" noProof="0">
+              <a:solidFill>
+                <a:schemeClr val="bg1"/>
+              </a:solidFill>
+            </a:endParaRPr>
           </a:p>
         </p:txBody>
       </p:sp>
@@ -25481,32 +25914,48 @@
             <p:ph type="title"/>
           </p:nvPr>
         </p:nvSpPr>
-        <p:spPr/>
-        <p:txBody>
-          <a:bodyPr/>
+        <p:spPr>
+          <a:xfrm>
+            <a:off x="601682" y="432000"/>
+            <a:ext cx="9973553" cy="432000"/>
+          </a:xfrm>
+          <a:prstGeom prst="rect">
+            <a:avLst/>
+          </a:prstGeom>
+        </p:spPr>
+        <p:txBody>
+          <a:bodyPr anchor="ctr">
+            <a:normAutofit/>
+          </a:bodyPr>
           <a:lstStyle/>
           <a:p>
             <a:pPr algn="ctr"/>
             <a:r>
-              <a:rPr lang="es-GT" dirty="0"/>
-              <a:t>Competidores</a:t>
-            </a:r>
-            <a:endParaRPr lang="en-US" dirty="0"/>
+              <a:rPr lang="es-GT" sz="3000" dirty="0">
+                <a:solidFill>
+                  <a:schemeClr val="bg1"/>
+                </a:solidFill>
+              </a:rPr>
+              <a:t>Encuestas</a:t>
+            </a:r>
+            <a:endParaRPr lang="en-US" sz="3000" dirty="0">
+              <a:solidFill>
+                <a:schemeClr val="bg1"/>
+              </a:solidFill>
+            </a:endParaRPr>
           </a:p>
         </p:txBody>
       </p:sp>
       <p:pic>
         <p:nvPicPr>
-          <p:cNvPr id="11" name="Picture 10" descr="A picture containing object, clock, drawing&#10;&#10;Description automatically generated">
-            <a:extLst>
-              <a:ext uri="{FF2B5EF4-FFF2-40B4-BE49-F238E27FC236}">
-                <a16:creationId xmlns:a16="http://schemas.microsoft.com/office/drawing/2014/main" id="{0B4C37D6-845C-48B4-AA24-F91D2C9663B4}"/>
-              </a:ext>
-            </a:extLst>
-          </p:cNvPr>
-          <p:cNvPicPr>
-            <a:picLocks noChangeAspect="1"/>
-          </p:cNvPicPr>
+          <p:cNvPr id="4" name="Picture 3">
+            <a:extLst>
+              <a:ext uri="{FF2B5EF4-FFF2-40B4-BE49-F238E27FC236}">
+                <a16:creationId xmlns:a16="http://schemas.microsoft.com/office/drawing/2014/main" id="{4DF6E5A6-316E-4927-A1AC-B03C3367304D}"/>
+              </a:ext>
+            </a:extLst>
+          </p:cNvPr>
+          <p:cNvPicPr/>
           <p:nvPr/>
         </p:nvPicPr>
         <p:blipFill>
@@ -25517,68 +25966,8 @@
         </p:blipFill>
         <p:spPr>
           <a:xfrm>
-            <a:off x="10588080" y="17048"/>
-            <a:ext cx="1603920" cy="1212897"/>
-          </a:xfrm>
-          <a:prstGeom prst="rect">
-            <a:avLst/>
-          </a:prstGeom>
-        </p:spPr>
-      </p:pic>
-      <p:pic>
-        <p:nvPicPr>
-          <p:cNvPr id="18" name="Picture 17" descr="A close up of a sign&#10;&#10;Description automatically generated">
-            <a:extLst>
-              <a:ext uri="{FF2B5EF4-FFF2-40B4-BE49-F238E27FC236}">
-                <a16:creationId xmlns:a16="http://schemas.microsoft.com/office/drawing/2014/main" id="{C0D571E5-6043-49B8-AFA8-DCB8D4643C69}"/>
-              </a:ext>
-            </a:extLst>
-          </p:cNvPr>
-          <p:cNvPicPr>
-            <a:picLocks noChangeAspect="1"/>
-          </p:cNvPicPr>
-          <p:nvPr/>
-        </p:nvPicPr>
-        <p:blipFill>
-          <a:blip r:embed="rId3"/>
-          <a:stretch>
-            <a:fillRect/>
-          </a:stretch>
-        </p:blipFill>
-        <p:spPr>
-          <a:xfrm>
-            <a:off x="746748" y="1027984"/>
-            <a:ext cx="2386978" cy="1342675"/>
-          </a:xfrm>
-          <a:prstGeom prst="rect">
-            <a:avLst/>
-          </a:prstGeom>
-        </p:spPr>
-      </p:pic>
-      <p:pic>
-        <p:nvPicPr>
-          <p:cNvPr id="23" name="Picture 22">
-            <a:extLst>
-              <a:ext uri="{FF2B5EF4-FFF2-40B4-BE49-F238E27FC236}">
-                <a16:creationId xmlns:a16="http://schemas.microsoft.com/office/drawing/2014/main" id="{33526D47-6511-4765-8E8F-7C47AA43ABE0}"/>
-              </a:ext>
-            </a:extLst>
-          </p:cNvPr>
-          <p:cNvPicPr>
-            <a:picLocks noChangeAspect="1"/>
-          </p:cNvPicPr>
-          <p:nvPr/>
-        </p:nvPicPr>
-        <p:blipFill>
-          <a:blip r:embed="rId4"/>
-          <a:stretch>
-            <a:fillRect/>
-          </a:stretch>
-        </p:blipFill>
-        <p:spPr>
-          <a:xfrm>
-            <a:off x="6651189" y="1546674"/>
-            <a:ext cx="4065882" cy="432000"/>
+            <a:off x="1109223" y="1006875"/>
+            <a:ext cx="9973553" cy="5270100"/>
           </a:xfrm>
           <a:prstGeom prst="rect">
             <a:avLst/>
@@ -25588,7 +25977,7 @@
     </p:spTree>
     <p:extLst>
       <p:ext uri="{BB962C8B-B14F-4D97-AF65-F5344CB8AC3E}">
-        <p14:creationId xmlns:p14="http://schemas.microsoft.com/office/powerpoint/2010/main" val="395633704"/>
+        <p14:creationId xmlns:p14="http://schemas.microsoft.com/office/powerpoint/2010/main" val="1558005278"/>
       </p:ext>
     </p:extLst>
   </p:cSld>
@@ -25617,6 +26006,61 @@
       </p:grpSpPr>
       <p:sp>
         <p:nvSpPr>
+          <p:cNvPr id="5" name="Content Placeholder 4">
+            <a:extLst>
+              <a:ext uri="{FF2B5EF4-FFF2-40B4-BE49-F238E27FC236}">
+                <a16:creationId xmlns:a16="http://schemas.microsoft.com/office/drawing/2014/main" id="{501AA189-692E-42AB-8FA0-345CF3ABCF43}"/>
+              </a:ext>
+            </a:extLst>
+          </p:cNvPr>
+          <p:cNvSpPr>
+            <a:spLocks noGrp="1"/>
+          </p:cNvSpPr>
+          <p:nvPr>
+            <p:ph sz="half" idx="2"/>
+          </p:nvPr>
+        </p:nvSpPr>
+        <p:spPr>
+          <a:xfrm>
+            <a:off x="601682" y="2534644"/>
+            <a:ext cx="5400000" cy="3656606"/>
+          </a:xfrm>
+        </p:spPr>
+        <p:txBody>
+          <a:bodyPr/>
+          <a:lstStyle/>
+          <a:p>
+            <a:r>
+              <a:rPr lang="es-GT" dirty="0"/>
+              <a:t>Es una plataforma para </a:t>
+            </a:r>
+            <a:r>
+              <a:rPr lang="es-GT" b="1" dirty="0" err="1"/>
+              <a:t>equity</a:t>
+            </a:r>
+            <a:r>
+              <a:rPr lang="es-GT" b="1" dirty="0"/>
+              <a:t> crowdfunding</a:t>
+            </a:r>
+            <a:r>
+              <a:rPr lang="es-GT" dirty="0"/>
+              <a:t>, cubre muchas industrias, los inversores reciben acciones o bonos convertibles(se puede canjear por acciones, mientras no ejerza el derecho de conversión el comprador recibirá intereses de acuerdo a un contrato establecido).</a:t>
+            </a:r>
+            <a:endParaRPr lang="en-US" dirty="0"/>
+          </a:p>
+          <a:p>
+            <a:pPr marL="0" indent="0">
+              <a:buNone/>
+            </a:pPr>
+            <a:r>
+              <a:rPr lang="en-US" dirty="0"/>
+              <a:t>     https://www.startengine.com/</a:t>
+            </a:r>
+          </a:p>
+        </p:txBody>
+      </p:sp>
+      <p:sp>
+        <p:nvSpPr>
           <p:cNvPr id="7" name="Text Placeholder 6">
             <a:extLst>
               <a:ext uri="{FF2B5EF4-FFF2-40B4-BE49-F238E27FC236}">
@@ -25633,8 +26077,8 @@
         </p:nvSpPr>
         <p:spPr>
           <a:xfrm>
-            <a:off x="1089960" y="1950758"/>
-            <a:ext cx="5396565" cy="2192618"/>
+            <a:off x="6237111" y="2534644"/>
+            <a:ext cx="5638716" cy="2738744"/>
           </a:xfrm>
         </p:spPr>
         <p:txBody>
@@ -25643,19 +26087,50 @@
           <a:p>
             <a:r>
               <a:rPr lang="es-GT" dirty="0"/>
-              <a:t> Se describen como un lugar donde puedes encontrar proyectos de innovación, desarrollo comunitario, causas sociales, etc. Los proyectos tendrán recompensas y precios especiales a cambio de apoyo. (Esta es una pagina guatemalteca para crowdfunding) </a:t>
+              <a:t> Es una plataforma para </a:t>
+            </a:r>
+            <a:r>
+              <a:rPr lang="es-GT" b="1" dirty="0" err="1"/>
+              <a:t>reward</a:t>
             </a:r>
             <a:r>
               <a:rPr lang="es-GT" b="1" dirty="0"/>
-              <a:t>Ellos serian la competencia mas cercana.</a:t>
-            </a:r>
-            <a:endParaRPr lang="en-US" dirty="0"/>
-          </a:p>
-          <a:p>
+              <a:t> crowdfunding</a:t>
+            </a:r>
+            <a:r>
+              <a:rPr lang="es-GT" dirty="0"/>
+              <a:t>, su misión es que proyectos creativos se vuelvan realidad, han tenido 167,947 proyectos que lograron ser financiados. Funciona baja el concepto  de </a:t>
+            </a:r>
+            <a:r>
+              <a:rPr lang="es-GT" dirty="0" err="1"/>
+              <a:t>funding</a:t>
+            </a:r>
+            <a:r>
+              <a:rPr lang="es-GT" dirty="0"/>
+              <a:t> </a:t>
+            </a:r>
+            <a:r>
+              <a:rPr lang="es-GT" dirty="0" err="1"/>
+              <a:t>all-or-nothing</a:t>
+            </a:r>
+            <a:r>
+              <a:rPr lang="es-GT" dirty="0"/>
+              <a:t>, si el emprendedor no consigue llegar a la meta que se establece recaudar el proyecto se declara como fallido y no se realizan los cobros a los inversores.</a:t>
+            </a:r>
+          </a:p>
+          <a:p>
+            <a:pPr marL="0" indent="0">
+              <a:buNone/>
+            </a:pPr>
+            <a:r>
+              <a:rPr lang="es-GT" dirty="0"/>
+              <a:t>     </a:t>
+            </a:r>
             <a:r>
               <a:rPr lang="en-US" dirty="0"/>
-              <a:t>https://www.emprendi-la.com/</a:t>
-            </a:r>
+              <a:t> https://www.kickstarter.com/</a:t>
+            </a:r>
+            <a:endParaRPr lang="es-GT" dirty="0"/>
           </a:p>
         </p:txBody>
       </p:sp>
@@ -25764,10 +26239,10 @@
       </p:pic>
       <p:pic>
         <p:nvPicPr>
-          <p:cNvPr id="13" name="Picture 12">
-            <a:extLst>
-              <a:ext uri="{FF2B5EF4-FFF2-40B4-BE49-F238E27FC236}">
-                <a16:creationId xmlns:a16="http://schemas.microsoft.com/office/drawing/2014/main" id="{A6E54C84-4846-4CCA-9637-EFAB6BE20EBF}"/>
+          <p:cNvPr id="18" name="Picture 17" descr="A close up of a sign&#10;&#10;Description automatically generated">
+            <a:extLst>
+              <a:ext uri="{FF2B5EF4-FFF2-40B4-BE49-F238E27FC236}">
+                <a16:creationId xmlns:a16="http://schemas.microsoft.com/office/drawing/2014/main" id="{C0D571E5-6043-49B8-AFA8-DCB8D4643C69}"/>
               </a:ext>
             </a:extLst>
           </p:cNvPr>
@@ -25784,8 +26259,8 @@
         </p:blipFill>
         <p:spPr>
           <a:xfrm>
-            <a:off x="7234458" y="1500810"/>
-            <a:ext cx="3353622" cy="4547439"/>
+            <a:off x="746748" y="1027984"/>
+            <a:ext cx="2386978" cy="1342675"/>
           </a:xfrm>
           <a:prstGeom prst="rect">
             <a:avLst/>
@@ -25794,10 +26269,10 @@
       </p:pic>
       <p:pic>
         <p:nvPicPr>
-          <p:cNvPr id="16" name="Picture 15" descr="A picture containing light&#10;&#10;Description automatically generated">
-            <a:extLst>
-              <a:ext uri="{FF2B5EF4-FFF2-40B4-BE49-F238E27FC236}">
-                <a16:creationId xmlns:a16="http://schemas.microsoft.com/office/drawing/2014/main" id="{95CF6A15-CCFC-4DC9-A29A-FAC6A6619676}"/>
+          <p:cNvPr id="23" name="Picture 22">
+            <a:extLst>
+              <a:ext uri="{FF2B5EF4-FFF2-40B4-BE49-F238E27FC236}">
+                <a16:creationId xmlns:a16="http://schemas.microsoft.com/office/drawing/2014/main" id="{33526D47-6511-4765-8E8F-7C47AA43ABE0}"/>
               </a:ext>
             </a:extLst>
           </p:cNvPr>
@@ -25814,8 +26289,8 @@
         </p:blipFill>
         <p:spPr>
           <a:xfrm>
-            <a:off x="1616765" y="-204810"/>
-            <a:ext cx="2869510" cy="2869510"/>
+            <a:off x="6651189" y="1546674"/>
+            <a:ext cx="4065882" cy="432000"/>
           </a:xfrm>
           <a:prstGeom prst="rect">
             <a:avLst/>
@@ -25825,7 +26300,7 @@
     </p:spTree>
     <p:extLst>
       <p:ext uri="{BB962C8B-B14F-4D97-AF65-F5344CB8AC3E}">
-        <p14:creationId xmlns:p14="http://schemas.microsoft.com/office/powerpoint/2010/main" val="2390197059"/>
+        <p14:creationId xmlns:p14="http://schemas.microsoft.com/office/powerpoint/2010/main" val="395633704"/>
       </p:ext>
     </p:extLst>
   </p:cSld>
@@ -25854,6 +26329,243 @@
       </p:grpSpPr>
       <p:sp>
         <p:nvSpPr>
+          <p:cNvPr id="7" name="Text Placeholder 6">
+            <a:extLst>
+              <a:ext uri="{FF2B5EF4-FFF2-40B4-BE49-F238E27FC236}">
+                <a16:creationId xmlns:a16="http://schemas.microsoft.com/office/drawing/2014/main" id="{5DB66C1B-8526-4D59-89FD-F370E4695D29}"/>
+              </a:ext>
+            </a:extLst>
+          </p:cNvPr>
+          <p:cNvSpPr>
+            <a:spLocks noGrp="1"/>
+          </p:cNvSpPr>
+          <p:nvPr>
+            <p:ph type="body" sz="quarter" idx="12"/>
+          </p:nvPr>
+        </p:nvSpPr>
+        <p:spPr>
+          <a:xfrm>
+            <a:off x="1089960" y="1950758"/>
+            <a:ext cx="5396565" cy="2192618"/>
+          </a:xfrm>
+        </p:spPr>
+        <p:txBody>
+          <a:bodyPr/>
+          <a:lstStyle/>
+          <a:p>
+            <a:r>
+              <a:rPr lang="es-GT" dirty="0"/>
+              <a:t> Se describen como un lugar donde puedes encontrar proyectos de innovación, desarrollo comunitario, causas sociales, etc. Los proyectos tendrán recompensas y precios especiales a cambio de apoyo. (Esta es una pagina guatemalteca para crowdfunding) </a:t>
+            </a:r>
+            <a:r>
+              <a:rPr lang="es-GT" b="1" dirty="0"/>
+              <a:t>Ellos serian la competencia mas cercana.</a:t>
+            </a:r>
+            <a:endParaRPr lang="en-US" dirty="0"/>
+          </a:p>
+          <a:p>
+            <a:r>
+              <a:rPr lang="en-US" dirty="0"/>
+              <a:t>https://www.emprendi-la.com/</a:t>
+            </a:r>
+          </a:p>
+        </p:txBody>
+      </p:sp>
+      <p:sp>
+        <p:nvSpPr>
+          <p:cNvPr id="8" name="Slide Number Placeholder 2">
+            <a:extLst>
+              <a:ext uri="{FF2B5EF4-FFF2-40B4-BE49-F238E27FC236}">
+                <a16:creationId xmlns:a16="http://schemas.microsoft.com/office/drawing/2014/main" id="{8BFA39BC-1211-462F-9D69-C975AEBBD25D}"/>
+              </a:ext>
+            </a:extLst>
+          </p:cNvPr>
+          <p:cNvSpPr>
+            <a:spLocks noGrp="1"/>
+          </p:cNvSpPr>
+          <p:nvPr>
+            <p:ph type="sldNum" sz="quarter" idx="15"/>
+          </p:nvPr>
+        </p:nvSpPr>
+        <p:spPr/>
+        <p:txBody>
+          <a:bodyPr/>
+          <a:lstStyle/>
+          <a:p>
+            <a:pPr>
+              <a:spcAft>
+                <a:spcPts val="600"/>
+              </a:spcAft>
+            </a:pPr>
+            <a:r>
+              <a:rPr lang="en-US" noProof="0"/>
+              <a:t>page </a:t>
+            </a:r>
+            <a:fld id="{19B51A1E-902D-48AF-9020-955120F399B6}" type="slidenum">
+              <a:rPr lang="en-US" b="1" i="1" noProof="0" smtClean="0"/>
+              <a:pPr>
+                <a:spcAft>
+                  <a:spcPts val="600"/>
+                </a:spcAft>
+              </a:pPr>
+              <a:t>24</a:t>
+            </a:fld>
+            <a:endParaRPr lang="en-US" b="1" i="1" noProof="0"/>
+          </a:p>
+        </p:txBody>
+      </p:sp>
+      <p:sp>
+        <p:nvSpPr>
+          <p:cNvPr id="10" name="Title 3">
+            <a:extLst>
+              <a:ext uri="{FF2B5EF4-FFF2-40B4-BE49-F238E27FC236}">
+                <a16:creationId xmlns:a16="http://schemas.microsoft.com/office/drawing/2014/main" id="{DA549DEC-8647-48AF-99DA-414191E5B086}"/>
+              </a:ext>
+            </a:extLst>
+          </p:cNvPr>
+          <p:cNvSpPr>
+            <a:spLocks noGrp="1"/>
+          </p:cNvSpPr>
+          <p:nvPr>
+            <p:ph type="title"/>
+          </p:nvPr>
+        </p:nvSpPr>
+        <p:spPr/>
+        <p:txBody>
+          <a:bodyPr/>
+          <a:lstStyle/>
+          <a:p>
+            <a:pPr algn="ctr"/>
+            <a:r>
+              <a:rPr lang="es-GT" dirty="0"/>
+              <a:t>Competidores</a:t>
+            </a:r>
+            <a:endParaRPr lang="en-US" dirty="0"/>
+          </a:p>
+        </p:txBody>
+      </p:sp>
+      <p:pic>
+        <p:nvPicPr>
+          <p:cNvPr id="11" name="Picture 10" descr="A picture containing object, clock, drawing&#10;&#10;Description automatically generated">
+            <a:extLst>
+              <a:ext uri="{FF2B5EF4-FFF2-40B4-BE49-F238E27FC236}">
+                <a16:creationId xmlns:a16="http://schemas.microsoft.com/office/drawing/2014/main" id="{0B4C37D6-845C-48B4-AA24-F91D2C9663B4}"/>
+              </a:ext>
+            </a:extLst>
+          </p:cNvPr>
+          <p:cNvPicPr>
+            <a:picLocks noChangeAspect="1"/>
+          </p:cNvPicPr>
+          <p:nvPr/>
+        </p:nvPicPr>
+        <p:blipFill>
+          <a:blip r:embed="rId2"/>
+          <a:stretch>
+            <a:fillRect/>
+          </a:stretch>
+        </p:blipFill>
+        <p:spPr>
+          <a:xfrm>
+            <a:off x="10588080" y="17048"/>
+            <a:ext cx="1603920" cy="1212897"/>
+          </a:xfrm>
+          <a:prstGeom prst="rect">
+            <a:avLst/>
+          </a:prstGeom>
+        </p:spPr>
+      </p:pic>
+      <p:pic>
+        <p:nvPicPr>
+          <p:cNvPr id="13" name="Picture 12">
+            <a:extLst>
+              <a:ext uri="{FF2B5EF4-FFF2-40B4-BE49-F238E27FC236}">
+                <a16:creationId xmlns:a16="http://schemas.microsoft.com/office/drawing/2014/main" id="{A6E54C84-4846-4CCA-9637-EFAB6BE20EBF}"/>
+              </a:ext>
+            </a:extLst>
+          </p:cNvPr>
+          <p:cNvPicPr>
+            <a:picLocks noChangeAspect="1"/>
+          </p:cNvPicPr>
+          <p:nvPr/>
+        </p:nvPicPr>
+        <p:blipFill>
+          <a:blip r:embed="rId3"/>
+          <a:stretch>
+            <a:fillRect/>
+          </a:stretch>
+        </p:blipFill>
+        <p:spPr>
+          <a:xfrm>
+            <a:off x="7234458" y="1500810"/>
+            <a:ext cx="3353622" cy="4547439"/>
+          </a:xfrm>
+          <a:prstGeom prst="rect">
+            <a:avLst/>
+          </a:prstGeom>
+        </p:spPr>
+      </p:pic>
+      <p:pic>
+        <p:nvPicPr>
+          <p:cNvPr id="16" name="Picture 15" descr="A picture containing light&#10;&#10;Description automatically generated">
+            <a:extLst>
+              <a:ext uri="{FF2B5EF4-FFF2-40B4-BE49-F238E27FC236}">
+                <a16:creationId xmlns:a16="http://schemas.microsoft.com/office/drawing/2014/main" id="{95CF6A15-CCFC-4DC9-A29A-FAC6A6619676}"/>
+              </a:ext>
+            </a:extLst>
+          </p:cNvPr>
+          <p:cNvPicPr>
+            <a:picLocks noChangeAspect="1"/>
+          </p:cNvPicPr>
+          <p:nvPr/>
+        </p:nvPicPr>
+        <p:blipFill>
+          <a:blip r:embed="rId4"/>
+          <a:stretch>
+            <a:fillRect/>
+          </a:stretch>
+        </p:blipFill>
+        <p:spPr>
+          <a:xfrm>
+            <a:off x="1616765" y="-204810"/>
+            <a:ext cx="2869510" cy="2869510"/>
+          </a:xfrm>
+          <a:prstGeom prst="rect">
+            <a:avLst/>
+          </a:prstGeom>
+        </p:spPr>
+      </p:pic>
+    </p:spTree>
+    <p:extLst>
+      <p:ext uri="{BB962C8B-B14F-4D97-AF65-F5344CB8AC3E}">
+        <p14:creationId xmlns:p14="http://schemas.microsoft.com/office/powerpoint/2010/main" val="2390197059"/>
+      </p:ext>
+    </p:extLst>
+  </p:cSld>
+  <p:clrMapOvr>
+    <a:masterClrMapping/>
+  </p:clrMapOvr>
+</p:sld>
+</file>
+
+<file path=ppt/slides/slide25.xml><?xml version="1.0" encoding="utf-8"?>
+<p:sld xmlns:a="http://schemas.openxmlformats.org/drawingml/2006/main" xmlns:r="http://schemas.openxmlformats.org/officeDocument/2006/relationships" xmlns:p="http://schemas.openxmlformats.org/presentationml/2006/main">
+  <p:cSld>
+    <p:spTree>
+      <p:nvGrpSpPr>
+        <p:cNvPr id="1" name=""/>
+        <p:cNvGrpSpPr/>
+        <p:nvPr/>
+      </p:nvGrpSpPr>
+      <p:grpSpPr>
+        <a:xfrm>
+          <a:off x="0" y="0"/>
+          <a:ext cx="0" cy="0"/>
+          <a:chOff x="0" y="0"/>
+          <a:chExt cx="0" cy="0"/>
+        </a:xfrm>
+      </p:grpSpPr>
+      <p:sp>
+        <p:nvSpPr>
           <p:cNvPr id="8" name="Title 7">
             <a:extLst>
               <a:ext uri="{FF2B5EF4-FFF2-40B4-BE49-F238E27FC236}">
@@ -25914,7 +26626,7 @@
             <a:fld id="{19B51A1E-902D-48AF-9020-955120F399B6}" type="slidenum">
               <a:rPr lang="en-US" b="1" i="1" noProof="0" smtClean="0"/>
               <a:pPr/>
-              <a:t>24</a:t>
+              <a:t>25</a:t>
             </a:fld>
             <a:endParaRPr lang="en-US" b="1" i="1" noProof="0" dirty="0"/>
           </a:p>
@@ -26774,7 +27486,7 @@
 </p:sld>
 </file>
 
-<file path=ppt/slides/slide25.xml><?xml version="1.0" encoding="utf-8"?>
+<file path=ppt/slides/slide26.xml><?xml version="1.0" encoding="utf-8"?>
 <p:sld xmlns:a="http://schemas.openxmlformats.org/drawingml/2006/main" xmlns:r="http://schemas.openxmlformats.org/officeDocument/2006/relationships" xmlns:p="http://schemas.openxmlformats.org/presentationml/2006/main">
   <p:cSld>
     <p:spTree>
@@ -27337,7 +28049,7 @@
             <a:fld id="{19B51A1E-902D-48AF-9020-955120F399B6}" type="slidenum">
               <a:rPr lang="en-US" b="1" i="1" smtClean="0"/>
               <a:pPr/>
-              <a:t>25</a:t>
+              <a:t>26</a:t>
             </a:fld>
             <a:endParaRPr lang="en-US" b="1" i="1" dirty="0"/>
           </a:p>
@@ -28079,159 +28791,6 @@
 </p:sld>
 </file>
 
-<file path=ppt/slides/slide26.xml><?xml version="1.0" encoding="utf-8"?>
-<p:sld xmlns:a="http://schemas.openxmlformats.org/drawingml/2006/main" xmlns:r="http://schemas.openxmlformats.org/officeDocument/2006/relationships" xmlns:p="http://schemas.openxmlformats.org/presentationml/2006/main">
-  <p:cSld>
-    <p:spTree>
-      <p:nvGrpSpPr>
-        <p:cNvPr id="1" name=""/>
-        <p:cNvGrpSpPr/>
-        <p:nvPr/>
-      </p:nvGrpSpPr>
-      <p:grpSpPr>
-        <a:xfrm>
-          <a:off x="0" y="0"/>
-          <a:ext cx="0" cy="0"/>
-          <a:chOff x="0" y="0"/>
-          <a:chExt cx="0" cy="0"/>
-        </a:xfrm>
-      </p:grpSpPr>
-      <p:sp>
-        <p:nvSpPr>
-          <p:cNvPr id="5" name="Slide Number Placeholder 4">
-            <a:extLst>
-              <a:ext uri="{FF2B5EF4-FFF2-40B4-BE49-F238E27FC236}">
-                <a16:creationId xmlns:a16="http://schemas.microsoft.com/office/drawing/2014/main" id="{350FC2AC-377D-452C-9D03-2F9F7AC5B560}"/>
-              </a:ext>
-            </a:extLst>
-          </p:cNvPr>
-          <p:cNvSpPr>
-            <a:spLocks noGrp="1"/>
-          </p:cNvSpPr>
-          <p:nvPr>
-            <p:ph type="sldNum" sz="quarter" idx="11"/>
-          </p:nvPr>
-        </p:nvSpPr>
-        <p:spPr/>
-        <p:txBody>
-          <a:bodyPr/>
-          <a:lstStyle/>
-          <a:p>
-            <a:r>
-              <a:rPr lang="en-US" dirty="0"/>
-              <a:t>page </a:t>
-            </a:r>
-            <a:fld id="{19B51A1E-902D-48AF-9020-955120F399B6}" type="slidenum">
-              <a:rPr lang="en-US" smtClean="0"/>
-              <a:pPr/>
-              <a:t>26</a:t>
-            </a:fld>
-            <a:endParaRPr lang="en-US" dirty="0"/>
-          </a:p>
-        </p:txBody>
-      </p:sp>
-      <p:sp>
-        <p:nvSpPr>
-          <p:cNvPr id="12" name="Title 11">
-            <a:extLst>
-              <a:ext uri="{FF2B5EF4-FFF2-40B4-BE49-F238E27FC236}">
-                <a16:creationId xmlns:a16="http://schemas.microsoft.com/office/drawing/2014/main" id="{0487BE4A-36C3-48DA-B4B2-741ADE94E2BE}"/>
-              </a:ext>
-            </a:extLst>
-          </p:cNvPr>
-          <p:cNvSpPr>
-            <a:spLocks noGrp="1"/>
-          </p:cNvSpPr>
-          <p:nvPr>
-            <p:ph type="title"/>
-          </p:nvPr>
-        </p:nvSpPr>
-        <p:spPr/>
-        <p:txBody>
-          <a:bodyPr/>
-          <a:lstStyle/>
-          <a:p>
-            <a:pPr algn="ctr"/>
-            <a:r>
-              <a:rPr lang="es-GT" dirty="0"/>
-              <a:t>¿Qué Hace?</a:t>
-            </a:r>
-            <a:endParaRPr lang="en-US" dirty="0"/>
-          </a:p>
-        </p:txBody>
-      </p:sp>
-      <p:pic>
-        <p:nvPicPr>
-          <p:cNvPr id="3" name="Picture 2" descr="A close up of a map&#10;&#10;Description automatically generated">
-            <a:extLst>
-              <a:ext uri="{FF2B5EF4-FFF2-40B4-BE49-F238E27FC236}">
-                <a16:creationId xmlns:a16="http://schemas.microsoft.com/office/drawing/2014/main" id="{C98AA18F-10E6-41EE-A5F4-270425D21528}"/>
-              </a:ext>
-            </a:extLst>
-          </p:cNvPr>
-          <p:cNvPicPr>
-            <a:picLocks noChangeAspect="1"/>
-          </p:cNvPicPr>
-          <p:nvPr/>
-        </p:nvPicPr>
-        <p:blipFill rotWithShape="1">
-          <a:blip r:embed="rId3"/>
-          <a:srcRect l="11420" t="6460" r="7134" b="3905"/>
-          <a:stretch/>
-        </p:blipFill>
-        <p:spPr>
-          <a:xfrm>
-            <a:off x="1835405" y="91294"/>
-            <a:ext cx="7965820" cy="6595817"/>
-          </a:xfrm>
-          <a:prstGeom prst="rect">
-            <a:avLst/>
-          </a:prstGeom>
-        </p:spPr>
-      </p:pic>
-      <p:pic>
-        <p:nvPicPr>
-          <p:cNvPr id="6" name="Picture 5" descr="A picture containing object, clock, drawing&#10;&#10;Description automatically generated">
-            <a:extLst>
-              <a:ext uri="{FF2B5EF4-FFF2-40B4-BE49-F238E27FC236}">
-                <a16:creationId xmlns:a16="http://schemas.microsoft.com/office/drawing/2014/main" id="{BCDE888A-D983-4138-985E-A39F955698D8}"/>
-              </a:ext>
-            </a:extLst>
-          </p:cNvPr>
-          <p:cNvPicPr>
-            <a:picLocks noChangeAspect="1"/>
-          </p:cNvPicPr>
-          <p:nvPr/>
-        </p:nvPicPr>
-        <p:blipFill>
-          <a:blip r:embed="rId4"/>
-          <a:stretch>
-            <a:fillRect/>
-          </a:stretch>
-        </p:blipFill>
-        <p:spPr>
-          <a:xfrm>
-            <a:off x="10588080" y="17048"/>
-            <a:ext cx="1603920" cy="1212897"/>
-          </a:xfrm>
-          <a:prstGeom prst="rect">
-            <a:avLst/>
-          </a:prstGeom>
-        </p:spPr>
-      </p:pic>
-    </p:spTree>
-    <p:extLst>
-      <p:ext uri="{BB962C8B-B14F-4D97-AF65-F5344CB8AC3E}">
-        <p14:creationId xmlns:p14="http://schemas.microsoft.com/office/powerpoint/2010/main" val="3378458110"/>
-      </p:ext>
-    </p:extLst>
-  </p:cSld>
-  <p:clrMapOvr>
-    <a:masterClrMapping/>
-  </p:clrMapOvr>
-</p:sld>
-</file>
-
 <file path=ppt/slides/slide27.xml><?xml version="1.0" encoding="utf-8"?>
 <p:sld xmlns:a="http://schemas.openxmlformats.org/drawingml/2006/main" xmlns:r="http://schemas.openxmlformats.org/officeDocument/2006/relationships" xmlns:p="http://schemas.openxmlformats.org/presentationml/2006/main">
   <p:cSld>
@@ -28251,10 +28810,10 @@
       </p:grpSpPr>
       <p:sp>
         <p:nvSpPr>
-          <p:cNvPr id="2" name="Slide Number Placeholder 1">
-            <a:extLst>
-              <a:ext uri="{FF2B5EF4-FFF2-40B4-BE49-F238E27FC236}">
-                <a16:creationId xmlns:a16="http://schemas.microsoft.com/office/drawing/2014/main" id="{9D9B87FF-E45A-4692-B553-0739E40792C5}"/>
+          <p:cNvPr id="5" name="Slide Number Placeholder 4">
+            <a:extLst>
+              <a:ext uri="{FF2B5EF4-FFF2-40B4-BE49-F238E27FC236}">
+                <a16:creationId xmlns:a16="http://schemas.microsoft.com/office/drawing/2014/main" id="{350FC2AC-377D-452C-9D03-2F9F7AC5B560}"/>
               </a:ext>
             </a:extLst>
           </p:cNvPr>
@@ -28271,24 +28830,83 @@
           <a:lstStyle/>
           <a:p>
             <a:r>
-              <a:rPr lang="en-US" noProof="0"/>
+              <a:rPr lang="en-US" dirty="0"/>
               <a:t>page </a:t>
             </a:r>
             <a:fld id="{19B51A1E-902D-48AF-9020-955120F399B6}" type="slidenum">
-              <a:rPr lang="en-US" b="1" i="1" noProof="0" smtClean="0"/>
+              <a:rPr lang="en-US" smtClean="0"/>
               <a:pPr/>
               <a:t>27</a:t>
             </a:fld>
-            <a:endParaRPr lang="en-US" b="1" i="1" noProof="0" dirty="0"/>
+            <a:endParaRPr lang="en-US" dirty="0"/>
+          </a:p>
+        </p:txBody>
+      </p:sp>
+      <p:sp>
+        <p:nvSpPr>
+          <p:cNvPr id="12" name="Title 11">
+            <a:extLst>
+              <a:ext uri="{FF2B5EF4-FFF2-40B4-BE49-F238E27FC236}">
+                <a16:creationId xmlns:a16="http://schemas.microsoft.com/office/drawing/2014/main" id="{0487BE4A-36C3-48DA-B4B2-741ADE94E2BE}"/>
+              </a:ext>
+            </a:extLst>
+          </p:cNvPr>
+          <p:cNvSpPr>
+            <a:spLocks noGrp="1"/>
+          </p:cNvSpPr>
+          <p:nvPr>
+            <p:ph type="title"/>
+          </p:nvPr>
+        </p:nvSpPr>
+        <p:spPr/>
+        <p:txBody>
+          <a:bodyPr/>
+          <a:lstStyle/>
+          <a:p>
+            <a:pPr algn="ctr"/>
+            <a:r>
+              <a:rPr lang="es-GT" dirty="0"/>
+              <a:t>¿Qué Hace?</a:t>
+            </a:r>
+            <a:endParaRPr lang="en-US" dirty="0"/>
           </a:p>
         </p:txBody>
       </p:sp>
       <p:pic>
         <p:nvPicPr>
-          <p:cNvPr id="5" name="Picture 4" descr="A close up of a map&#10;&#10;Description automatically generated">
-            <a:extLst>
-              <a:ext uri="{FF2B5EF4-FFF2-40B4-BE49-F238E27FC236}">
-                <a16:creationId xmlns:a16="http://schemas.microsoft.com/office/drawing/2014/main" id="{0DBB781D-5F6C-4C35-874B-A5266BA7A2C2}"/>
+          <p:cNvPr id="3" name="Picture 2" descr="A close up of a map&#10;&#10;Description automatically generated">
+            <a:extLst>
+              <a:ext uri="{FF2B5EF4-FFF2-40B4-BE49-F238E27FC236}">
+                <a16:creationId xmlns:a16="http://schemas.microsoft.com/office/drawing/2014/main" id="{C98AA18F-10E6-41EE-A5F4-270425D21528}"/>
+              </a:ext>
+            </a:extLst>
+          </p:cNvPr>
+          <p:cNvPicPr>
+            <a:picLocks noChangeAspect="1"/>
+          </p:cNvPicPr>
+          <p:nvPr/>
+        </p:nvPicPr>
+        <p:blipFill rotWithShape="1">
+          <a:blip r:embed="rId3"/>
+          <a:srcRect l="11420" t="6460" r="7134" b="3905"/>
+          <a:stretch/>
+        </p:blipFill>
+        <p:spPr>
+          <a:xfrm>
+            <a:off x="1835405" y="91294"/>
+            <a:ext cx="7965820" cy="6595817"/>
+          </a:xfrm>
+          <a:prstGeom prst="rect">
+            <a:avLst/>
+          </a:prstGeom>
+        </p:spPr>
+      </p:pic>
+      <p:pic>
+        <p:nvPicPr>
+          <p:cNvPr id="6" name="Picture 5" descr="A picture containing object, clock, drawing&#10;&#10;Description automatically generated">
+            <a:extLst>
+              <a:ext uri="{FF2B5EF4-FFF2-40B4-BE49-F238E27FC236}">
+                <a16:creationId xmlns:a16="http://schemas.microsoft.com/office/drawing/2014/main" id="{BCDE888A-D983-4138-985E-A39F955698D8}"/>
               </a:ext>
             </a:extLst>
           </p:cNvPr>
@@ -28298,43 +28916,13 @@
           <p:nvPr/>
         </p:nvPicPr>
         <p:blipFill>
-          <a:blip r:embed="rId2"/>
+          <a:blip r:embed="rId4"/>
           <a:stretch>
             <a:fillRect/>
           </a:stretch>
         </p:blipFill>
         <p:spPr>
           <a:xfrm>
-            <a:off x="2901835" y="326335"/>
-            <a:ext cx="6388329" cy="6205330"/>
-          </a:xfrm>
-          <a:prstGeom prst="rect">
-            <a:avLst/>
-          </a:prstGeom>
-        </p:spPr>
-      </p:pic>
-      <p:pic>
-        <p:nvPicPr>
-          <p:cNvPr id="4" name="Picture 3" descr="A picture containing object, clock, drawing&#10;&#10;Description automatically generated">
-            <a:extLst>
-              <a:ext uri="{FF2B5EF4-FFF2-40B4-BE49-F238E27FC236}">
-                <a16:creationId xmlns:a16="http://schemas.microsoft.com/office/drawing/2014/main" id="{444249FF-80FA-4E9D-88D2-91C2FF6EF082}"/>
-              </a:ext>
-            </a:extLst>
-          </p:cNvPr>
-          <p:cNvPicPr>
-            <a:picLocks noChangeAspect="1"/>
-          </p:cNvPicPr>
-          <p:nvPr/>
-        </p:nvPicPr>
-        <p:blipFill>
-          <a:blip r:embed="rId3"/>
-          <a:stretch>
-            <a:fillRect/>
-          </a:stretch>
-        </p:blipFill>
-        <p:spPr>
-          <a:xfrm>
             <a:off x="10588080" y="17048"/>
             <a:ext cx="1603920" cy="1212897"/>
           </a:xfrm>
@@ -28346,7 +28934,7 @@
     </p:spTree>
     <p:extLst>
       <p:ext uri="{BB962C8B-B14F-4D97-AF65-F5344CB8AC3E}">
-        <p14:creationId xmlns:p14="http://schemas.microsoft.com/office/powerpoint/2010/main" val="3801388789"/>
+        <p14:creationId xmlns:p14="http://schemas.microsoft.com/office/powerpoint/2010/main" val="3378458110"/>
       </p:ext>
     </p:extLst>
   </p:cSld>
@@ -28409,10 +28997,10 @@
       </p:sp>
       <p:pic>
         <p:nvPicPr>
-          <p:cNvPr id="4" name="Picture 3" descr="A close up of a map&#10;&#10;Description automatically generated">
-            <a:extLst>
-              <a:ext uri="{FF2B5EF4-FFF2-40B4-BE49-F238E27FC236}">
-                <a16:creationId xmlns:a16="http://schemas.microsoft.com/office/drawing/2014/main" id="{DC2CA8BD-A145-454B-97CF-E1268BFA0D91}"/>
+          <p:cNvPr id="5" name="Picture 4" descr="A close up of a map&#10;&#10;Description automatically generated">
+            <a:extLst>
+              <a:ext uri="{FF2B5EF4-FFF2-40B4-BE49-F238E27FC236}">
+                <a16:creationId xmlns:a16="http://schemas.microsoft.com/office/drawing/2014/main" id="{0DBB781D-5F6C-4C35-874B-A5266BA7A2C2}"/>
               </a:ext>
             </a:extLst>
           </p:cNvPr>
@@ -28429,8 +29017,8 @@
         </p:blipFill>
         <p:spPr>
           <a:xfrm>
-            <a:off x="3041876" y="398612"/>
-            <a:ext cx="6108248" cy="6060775"/>
+            <a:off x="2901835" y="326335"/>
+            <a:ext cx="6388329" cy="6205330"/>
           </a:xfrm>
           <a:prstGeom prst="rect">
             <a:avLst/>
@@ -28439,10 +29027,10 @@
       </p:pic>
       <p:pic>
         <p:nvPicPr>
-          <p:cNvPr id="5" name="Picture 4" descr="A picture containing object, clock, drawing&#10;&#10;Description automatically generated">
-            <a:extLst>
-              <a:ext uri="{FF2B5EF4-FFF2-40B4-BE49-F238E27FC236}">
-                <a16:creationId xmlns:a16="http://schemas.microsoft.com/office/drawing/2014/main" id="{FB9AD985-D1EA-49E2-92C1-4A26A954B804}"/>
+          <p:cNvPr id="4" name="Picture 3" descr="A picture containing object, clock, drawing&#10;&#10;Description automatically generated">
+            <a:extLst>
+              <a:ext uri="{FF2B5EF4-FFF2-40B4-BE49-F238E27FC236}">
+                <a16:creationId xmlns:a16="http://schemas.microsoft.com/office/drawing/2014/main" id="{444249FF-80FA-4E9D-88D2-91C2FF6EF082}"/>
               </a:ext>
             </a:extLst>
           </p:cNvPr>
@@ -28470,7 +29058,7 @@
     </p:spTree>
     <p:extLst>
       <p:ext uri="{BB962C8B-B14F-4D97-AF65-F5344CB8AC3E}">
-        <p14:creationId xmlns:p14="http://schemas.microsoft.com/office/powerpoint/2010/main" val="3914044278"/>
+        <p14:creationId xmlns:p14="http://schemas.microsoft.com/office/powerpoint/2010/main" val="3801388789"/>
       </p:ext>
     </p:extLst>
   </p:cSld>
@@ -28502,7 +29090,7 @@
           <p:cNvPr id="2" name="Slide Number Placeholder 1">
             <a:extLst>
               <a:ext uri="{FF2B5EF4-FFF2-40B4-BE49-F238E27FC236}">
-                <a16:creationId xmlns:a16="http://schemas.microsoft.com/office/drawing/2014/main" id="{CCCCB2DD-C9C7-41C3-9A7F-9F963D054278}"/>
+                <a16:creationId xmlns:a16="http://schemas.microsoft.com/office/drawing/2014/main" id="{9D9B87FF-E45A-4692-B553-0739E40792C5}"/>
               </a:ext>
             </a:extLst>
           </p:cNvPr>
@@ -28533,10 +29121,10 @@
       </p:sp>
       <p:pic>
         <p:nvPicPr>
-          <p:cNvPr id="5" name="Picture 4" descr="A close up of a map&#10;&#10;Description automatically generated">
-            <a:extLst>
-              <a:ext uri="{FF2B5EF4-FFF2-40B4-BE49-F238E27FC236}">
-                <a16:creationId xmlns:a16="http://schemas.microsoft.com/office/drawing/2014/main" id="{E484D8E6-BAEF-4C83-BD1B-FD4A750BE133}"/>
+          <p:cNvPr id="4" name="Picture 3" descr="A close up of a map&#10;&#10;Description automatically generated">
+            <a:extLst>
+              <a:ext uri="{FF2B5EF4-FFF2-40B4-BE49-F238E27FC236}">
+                <a16:creationId xmlns:a16="http://schemas.microsoft.com/office/drawing/2014/main" id="{DC2CA8BD-A145-454B-97CF-E1268BFA0D91}"/>
               </a:ext>
             </a:extLst>
           </p:cNvPr>
@@ -28553,8 +29141,8 @@
         </p:blipFill>
         <p:spPr>
           <a:xfrm>
-            <a:off x="3258301" y="303524"/>
-            <a:ext cx="5675397" cy="6250952"/>
+            <a:off x="3041876" y="398612"/>
+            <a:ext cx="6108248" cy="6060775"/>
           </a:xfrm>
           <a:prstGeom prst="rect">
             <a:avLst/>
@@ -28563,10 +29151,10 @@
       </p:pic>
       <p:pic>
         <p:nvPicPr>
-          <p:cNvPr id="4" name="Picture 3" descr="A picture containing object, clock, drawing&#10;&#10;Description automatically generated">
-            <a:extLst>
-              <a:ext uri="{FF2B5EF4-FFF2-40B4-BE49-F238E27FC236}">
-                <a16:creationId xmlns:a16="http://schemas.microsoft.com/office/drawing/2014/main" id="{2AC135E8-20FA-4FE6-A400-78B6591F7DDD}"/>
+          <p:cNvPr id="5" name="Picture 4" descr="A picture containing object, clock, drawing&#10;&#10;Description automatically generated">
+            <a:extLst>
+              <a:ext uri="{FF2B5EF4-FFF2-40B4-BE49-F238E27FC236}">
+                <a16:creationId xmlns:a16="http://schemas.microsoft.com/office/drawing/2014/main" id="{FB9AD985-D1EA-49E2-92C1-4A26A954B804}"/>
               </a:ext>
             </a:extLst>
           </p:cNvPr>
@@ -28594,7 +29182,7 @@
     </p:spTree>
     <p:extLst>
       <p:ext uri="{BB962C8B-B14F-4D97-AF65-F5344CB8AC3E}">
-        <p14:creationId xmlns:p14="http://schemas.microsoft.com/office/powerpoint/2010/main" val="708953092"/>
+        <p14:creationId xmlns:p14="http://schemas.microsoft.com/office/powerpoint/2010/main" val="3914044278"/>
       </p:ext>
     </p:extLst>
   </p:cSld>
@@ -28951,10 +29539,10 @@
       </p:grpSpPr>
       <p:sp>
         <p:nvSpPr>
-          <p:cNvPr id="5" name="Slide Number Placeholder 4">
-            <a:extLst>
-              <a:ext uri="{FF2B5EF4-FFF2-40B4-BE49-F238E27FC236}">
-                <a16:creationId xmlns:a16="http://schemas.microsoft.com/office/drawing/2014/main" id="{350FC2AC-377D-452C-9D03-2F9F7AC5B560}"/>
+          <p:cNvPr id="2" name="Slide Number Placeholder 1">
+            <a:extLst>
+              <a:ext uri="{FF2B5EF4-FFF2-40B4-BE49-F238E27FC236}">
+                <a16:creationId xmlns:a16="http://schemas.microsoft.com/office/drawing/2014/main" id="{CCCCB2DD-C9C7-41C3-9A7F-9F963D054278}"/>
               </a:ext>
             </a:extLst>
           </p:cNvPr>
@@ -28971,54 +29559,54 @@
           <a:lstStyle/>
           <a:p>
             <a:r>
-              <a:rPr lang="en-US" dirty="0"/>
+              <a:rPr lang="en-US" noProof="0"/>
               <a:t>page </a:t>
             </a:r>
             <a:fld id="{19B51A1E-902D-48AF-9020-955120F399B6}" type="slidenum">
-              <a:rPr lang="en-US" smtClean="0"/>
+              <a:rPr lang="en-US" b="1" i="1" noProof="0" smtClean="0"/>
               <a:pPr/>
               <a:t>30</a:t>
             </a:fld>
-            <a:endParaRPr lang="en-US" dirty="0"/>
-          </a:p>
-        </p:txBody>
-      </p:sp>
-      <p:sp>
-        <p:nvSpPr>
-          <p:cNvPr id="12" name="Title 11">
-            <a:extLst>
-              <a:ext uri="{FF2B5EF4-FFF2-40B4-BE49-F238E27FC236}">
-                <a16:creationId xmlns:a16="http://schemas.microsoft.com/office/drawing/2014/main" id="{0487BE4A-36C3-48DA-B4B2-741ADE94E2BE}"/>
-              </a:ext>
-            </a:extLst>
-          </p:cNvPr>
-          <p:cNvSpPr>
-            <a:spLocks noGrp="1"/>
-          </p:cNvSpPr>
-          <p:nvPr>
-            <p:ph type="title"/>
-          </p:nvPr>
-        </p:nvSpPr>
-        <p:spPr/>
-        <p:txBody>
-          <a:bodyPr/>
-          <a:lstStyle/>
-          <a:p>
-            <a:pPr algn="ctr"/>
-            <a:r>
-              <a:rPr lang="es-GT" dirty="0"/>
-              <a:t>¿Qué Hace?</a:t>
-            </a:r>
-            <a:endParaRPr lang="en-US" dirty="0"/>
+            <a:endParaRPr lang="en-US" b="1" i="1" noProof="0" dirty="0"/>
           </a:p>
         </p:txBody>
       </p:sp>
       <p:pic>
         <p:nvPicPr>
-          <p:cNvPr id="3" name="Picture 2" descr="A close up of a map&#10;&#10;Description automatically generated">
-            <a:extLst>
-              <a:ext uri="{FF2B5EF4-FFF2-40B4-BE49-F238E27FC236}">
-                <a16:creationId xmlns:a16="http://schemas.microsoft.com/office/drawing/2014/main" id="{62056EDA-9B08-498B-939D-980564242712}"/>
+          <p:cNvPr id="5" name="Picture 4" descr="A close up of a map&#10;&#10;Description automatically generated">
+            <a:extLst>
+              <a:ext uri="{FF2B5EF4-FFF2-40B4-BE49-F238E27FC236}">
+                <a16:creationId xmlns:a16="http://schemas.microsoft.com/office/drawing/2014/main" id="{E484D8E6-BAEF-4C83-BD1B-FD4A750BE133}"/>
+              </a:ext>
+            </a:extLst>
+          </p:cNvPr>
+          <p:cNvPicPr>
+            <a:picLocks noChangeAspect="1"/>
+          </p:cNvPicPr>
+          <p:nvPr/>
+        </p:nvPicPr>
+        <p:blipFill>
+          <a:blip r:embed="rId2"/>
+          <a:stretch>
+            <a:fillRect/>
+          </a:stretch>
+        </p:blipFill>
+        <p:spPr>
+          <a:xfrm>
+            <a:off x="3258301" y="303524"/>
+            <a:ext cx="5675397" cy="6250952"/>
+          </a:xfrm>
+          <a:prstGeom prst="rect">
+            <a:avLst/>
+          </a:prstGeom>
+        </p:spPr>
+      </p:pic>
+      <p:pic>
+        <p:nvPicPr>
+          <p:cNvPr id="4" name="Picture 3" descr="A picture containing object, clock, drawing&#10;&#10;Description automatically generated">
+            <a:extLst>
+              <a:ext uri="{FF2B5EF4-FFF2-40B4-BE49-F238E27FC236}">
+                <a16:creationId xmlns:a16="http://schemas.microsoft.com/office/drawing/2014/main" id="{2AC135E8-20FA-4FE6-A400-78B6591F7DDD}"/>
               </a:ext>
             </a:extLst>
           </p:cNvPr>
@@ -29035,36 +29623,6 @@
         </p:blipFill>
         <p:spPr>
           <a:xfrm>
-            <a:off x="3199279" y="0"/>
-            <a:ext cx="5793442" cy="6858000"/>
-          </a:xfrm>
-          <a:prstGeom prst="rect">
-            <a:avLst/>
-          </a:prstGeom>
-        </p:spPr>
-      </p:pic>
-      <p:pic>
-        <p:nvPicPr>
-          <p:cNvPr id="6" name="Picture 5" descr="A picture containing object, clock, drawing&#10;&#10;Description automatically generated">
-            <a:extLst>
-              <a:ext uri="{FF2B5EF4-FFF2-40B4-BE49-F238E27FC236}">
-                <a16:creationId xmlns:a16="http://schemas.microsoft.com/office/drawing/2014/main" id="{99CD7B1B-50D9-46B3-9F02-1392D88DC007}"/>
-              </a:ext>
-            </a:extLst>
-          </p:cNvPr>
-          <p:cNvPicPr>
-            <a:picLocks noChangeAspect="1"/>
-          </p:cNvPicPr>
-          <p:nvPr/>
-        </p:nvPicPr>
-        <p:blipFill>
-          <a:blip r:embed="rId4"/>
-          <a:stretch>
-            <a:fillRect/>
-          </a:stretch>
-        </p:blipFill>
-        <p:spPr>
-          <a:xfrm>
             <a:off x="10588080" y="17048"/>
             <a:ext cx="1603920" cy="1212897"/>
           </a:xfrm>
@@ -29076,7 +29634,7 @@
     </p:spTree>
     <p:extLst>
       <p:ext uri="{BB962C8B-B14F-4D97-AF65-F5344CB8AC3E}">
-        <p14:creationId xmlns:p14="http://schemas.microsoft.com/office/powerpoint/2010/main" val="4024966873"/>
+        <p14:creationId xmlns:p14="http://schemas.microsoft.com/office/powerpoint/2010/main" val="708953092"/>
       </p:ext>
     </p:extLst>
   </p:cSld>
@@ -29161,7 +29719,7 @@
             <a:pPr algn="ctr"/>
             <a:r>
               <a:rPr lang="es-GT" dirty="0"/>
-              <a:t>¿Cómo está estructurado?</a:t>
+              <a:t>¿Qué Hace?</a:t>
             </a:r>
             <a:endParaRPr lang="en-US" dirty="0"/>
           </a:p>
@@ -29169,47 +29727,40 @@
       </p:sp>
       <p:pic>
         <p:nvPicPr>
-          <p:cNvPr id="6" name="Picture 5">
-            <a:extLst>
-              <a:ext uri="{FF2B5EF4-FFF2-40B4-BE49-F238E27FC236}">
-                <a16:creationId xmlns:a16="http://schemas.microsoft.com/office/drawing/2014/main" id="{2847F7F8-90DF-4E4D-B160-A172C6B37DFC}"/>
-              </a:ext>
-            </a:extLst>
-          </p:cNvPr>
-          <p:cNvPicPr/>
+          <p:cNvPr id="3" name="Picture 2" descr="A close up of a map&#10;&#10;Description automatically generated">
+            <a:extLst>
+              <a:ext uri="{FF2B5EF4-FFF2-40B4-BE49-F238E27FC236}">
+                <a16:creationId xmlns:a16="http://schemas.microsoft.com/office/drawing/2014/main" id="{62056EDA-9B08-498B-939D-980564242712}"/>
+              </a:ext>
+            </a:extLst>
+          </p:cNvPr>
+          <p:cNvPicPr>
+            <a:picLocks noChangeAspect="1"/>
+          </p:cNvPicPr>
           <p:nvPr/>
         </p:nvPicPr>
-        <p:blipFill rotWithShape="1">
-          <a:blip r:embed="rId3">
-            <a:extLst>
-              <a:ext uri="{28A0092B-C50C-407E-A947-70E740481C1C}">
-                <a14:useLocalDpi xmlns:a14="http://schemas.microsoft.com/office/drawing/2010/main" val="0"/>
-              </a:ext>
-            </a:extLst>
-          </a:blip>
-          <a:srcRect t="10158"/>
-          <a:stretch/>
+        <p:blipFill>
+          <a:blip r:embed="rId3"/>
+          <a:stretch>
+            <a:fillRect/>
+          </a:stretch>
         </p:blipFill>
-        <p:spPr bwMode="auto">
-          <a:xfrm>
-            <a:off x="1163955" y="1102659"/>
-            <a:ext cx="9864090" cy="4932708"/>
+        <p:spPr>
+          <a:xfrm>
+            <a:off x="3199279" y="0"/>
+            <a:ext cx="5793442" cy="6858000"/>
           </a:xfrm>
           <a:prstGeom prst="rect">
             <a:avLst/>
           </a:prstGeom>
-          <a:noFill/>
-          <a:ln>
-            <a:noFill/>
-          </a:ln>
         </p:spPr>
       </p:pic>
       <p:pic>
         <p:nvPicPr>
-          <p:cNvPr id="7" name="Picture 6" descr="A picture containing object, clock, drawing&#10;&#10;Description automatically generated">
-            <a:extLst>
-              <a:ext uri="{FF2B5EF4-FFF2-40B4-BE49-F238E27FC236}">
-                <a16:creationId xmlns:a16="http://schemas.microsoft.com/office/drawing/2014/main" id="{F7D7CC9F-8208-4378-9DE4-CBE6F560E1ED}"/>
+          <p:cNvPr id="6" name="Picture 5" descr="A picture containing object, clock, drawing&#10;&#10;Description automatically generated">
+            <a:extLst>
+              <a:ext uri="{FF2B5EF4-FFF2-40B4-BE49-F238E27FC236}">
+                <a16:creationId xmlns:a16="http://schemas.microsoft.com/office/drawing/2014/main" id="{99CD7B1B-50D9-46B3-9F02-1392D88DC007}"/>
               </a:ext>
             </a:extLst>
           </p:cNvPr>
@@ -29226,8 +29777,8 @@
         </p:blipFill>
         <p:spPr>
           <a:xfrm>
-            <a:off x="10756401" y="17048"/>
-            <a:ext cx="1435599" cy="1085611"/>
+            <a:off x="10588080" y="17048"/>
+            <a:ext cx="1603920" cy="1212897"/>
           </a:xfrm>
           <a:prstGeom prst="rect">
             <a:avLst/>
@@ -29237,7 +29788,7 @@
     </p:spTree>
     <p:extLst>
       <p:ext uri="{BB962C8B-B14F-4D97-AF65-F5344CB8AC3E}">
-        <p14:creationId xmlns:p14="http://schemas.microsoft.com/office/powerpoint/2010/main" val="2981946894"/>
+        <p14:creationId xmlns:p14="http://schemas.microsoft.com/office/powerpoint/2010/main" val="4024966873"/>
       </p:ext>
     </p:extLst>
   </p:cSld>
@@ -29266,6 +29817,167 @@
       </p:grpSpPr>
       <p:sp>
         <p:nvSpPr>
+          <p:cNvPr id="5" name="Slide Number Placeholder 4">
+            <a:extLst>
+              <a:ext uri="{FF2B5EF4-FFF2-40B4-BE49-F238E27FC236}">
+                <a16:creationId xmlns:a16="http://schemas.microsoft.com/office/drawing/2014/main" id="{350FC2AC-377D-452C-9D03-2F9F7AC5B560}"/>
+              </a:ext>
+            </a:extLst>
+          </p:cNvPr>
+          <p:cNvSpPr>
+            <a:spLocks noGrp="1"/>
+          </p:cNvSpPr>
+          <p:nvPr>
+            <p:ph type="sldNum" sz="quarter" idx="11"/>
+          </p:nvPr>
+        </p:nvSpPr>
+        <p:spPr/>
+        <p:txBody>
+          <a:bodyPr/>
+          <a:lstStyle/>
+          <a:p>
+            <a:r>
+              <a:rPr lang="en-US" dirty="0"/>
+              <a:t>page </a:t>
+            </a:r>
+            <a:fld id="{19B51A1E-902D-48AF-9020-955120F399B6}" type="slidenum">
+              <a:rPr lang="en-US" smtClean="0"/>
+              <a:pPr/>
+              <a:t>32</a:t>
+            </a:fld>
+            <a:endParaRPr lang="en-US" dirty="0"/>
+          </a:p>
+        </p:txBody>
+      </p:sp>
+      <p:sp>
+        <p:nvSpPr>
+          <p:cNvPr id="12" name="Title 11">
+            <a:extLst>
+              <a:ext uri="{FF2B5EF4-FFF2-40B4-BE49-F238E27FC236}">
+                <a16:creationId xmlns:a16="http://schemas.microsoft.com/office/drawing/2014/main" id="{0487BE4A-36C3-48DA-B4B2-741ADE94E2BE}"/>
+              </a:ext>
+            </a:extLst>
+          </p:cNvPr>
+          <p:cNvSpPr>
+            <a:spLocks noGrp="1"/>
+          </p:cNvSpPr>
+          <p:nvPr>
+            <p:ph type="title"/>
+          </p:nvPr>
+        </p:nvSpPr>
+        <p:spPr/>
+        <p:txBody>
+          <a:bodyPr/>
+          <a:lstStyle/>
+          <a:p>
+            <a:pPr algn="ctr"/>
+            <a:r>
+              <a:rPr lang="es-GT" dirty="0"/>
+              <a:t>¿Cómo está estructurado?</a:t>
+            </a:r>
+            <a:endParaRPr lang="en-US" dirty="0"/>
+          </a:p>
+        </p:txBody>
+      </p:sp>
+      <p:pic>
+        <p:nvPicPr>
+          <p:cNvPr id="6" name="Picture 5">
+            <a:extLst>
+              <a:ext uri="{FF2B5EF4-FFF2-40B4-BE49-F238E27FC236}">
+                <a16:creationId xmlns:a16="http://schemas.microsoft.com/office/drawing/2014/main" id="{2847F7F8-90DF-4E4D-B160-A172C6B37DFC}"/>
+              </a:ext>
+            </a:extLst>
+          </p:cNvPr>
+          <p:cNvPicPr/>
+          <p:nvPr/>
+        </p:nvPicPr>
+        <p:blipFill rotWithShape="1">
+          <a:blip r:embed="rId3">
+            <a:extLst>
+              <a:ext uri="{28A0092B-C50C-407E-A947-70E740481C1C}">
+                <a14:useLocalDpi xmlns:a14="http://schemas.microsoft.com/office/drawing/2010/main" val="0"/>
+              </a:ext>
+            </a:extLst>
+          </a:blip>
+          <a:srcRect t="10158"/>
+          <a:stretch/>
+        </p:blipFill>
+        <p:spPr bwMode="auto">
+          <a:xfrm>
+            <a:off x="1163955" y="1102659"/>
+            <a:ext cx="9864090" cy="4932708"/>
+          </a:xfrm>
+          <a:prstGeom prst="rect">
+            <a:avLst/>
+          </a:prstGeom>
+          <a:noFill/>
+          <a:ln>
+            <a:noFill/>
+          </a:ln>
+        </p:spPr>
+      </p:pic>
+      <p:pic>
+        <p:nvPicPr>
+          <p:cNvPr id="7" name="Picture 6" descr="A picture containing object, clock, drawing&#10;&#10;Description automatically generated">
+            <a:extLst>
+              <a:ext uri="{FF2B5EF4-FFF2-40B4-BE49-F238E27FC236}">
+                <a16:creationId xmlns:a16="http://schemas.microsoft.com/office/drawing/2014/main" id="{F7D7CC9F-8208-4378-9DE4-CBE6F560E1ED}"/>
+              </a:ext>
+            </a:extLst>
+          </p:cNvPr>
+          <p:cNvPicPr>
+            <a:picLocks noChangeAspect="1"/>
+          </p:cNvPicPr>
+          <p:nvPr/>
+        </p:nvPicPr>
+        <p:blipFill>
+          <a:blip r:embed="rId4"/>
+          <a:stretch>
+            <a:fillRect/>
+          </a:stretch>
+        </p:blipFill>
+        <p:spPr>
+          <a:xfrm>
+            <a:off x="10756401" y="17048"/>
+            <a:ext cx="1435599" cy="1085611"/>
+          </a:xfrm>
+          <a:prstGeom prst="rect">
+            <a:avLst/>
+          </a:prstGeom>
+        </p:spPr>
+      </p:pic>
+    </p:spTree>
+    <p:extLst>
+      <p:ext uri="{BB962C8B-B14F-4D97-AF65-F5344CB8AC3E}">
+        <p14:creationId xmlns:p14="http://schemas.microsoft.com/office/powerpoint/2010/main" val="2981946894"/>
+      </p:ext>
+    </p:extLst>
+  </p:cSld>
+  <p:clrMapOvr>
+    <a:masterClrMapping/>
+  </p:clrMapOvr>
+</p:sld>
+</file>
+
+<file path=ppt/slides/slide33.xml><?xml version="1.0" encoding="utf-8"?>
+<p:sld xmlns:a="http://schemas.openxmlformats.org/drawingml/2006/main" xmlns:r="http://schemas.openxmlformats.org/officeDocument/2006/relationships" xmlns:p="http://schemas.openxmlformats.org/presentationml/2006/main">
+  <p:cSld>
+    <p:spTree>
+      <p:nvGrpSpPr>
+        <p:cNvPr id="1" name=""/>
+        <p:cNvGrpSpPr/>
+        <p:nvPr/>
+      </p:nvGrpSpPr>
+      <p:grpSpPr>
+        <a:xfrm>
+          <a:off x="0" y="0"/>
+          <a:ext cx="0" cy="0"/>
+          <a:chOff x="0" y="0"/>
+          <a:chExt cx="0" cy="0"/>
+        </a:xfrm>
+      </p:grpSpPr>
+      <p:sp>
+        <p:nvSpPr>
           <p:cNvPr id="8" name="Title 7">
             <a:extLst>
               <a:ext uri="{FF2B5EF4-FFF2-40B4-BE49-F238E27FC236}">
@@ -29332,7 +30044,7 @@
             <a:fld id="{19B51A1E-902D-48AF-9020-955120F399B6}" type="slidenum">
               <a:rPr lang="en-US" b="1" i="1" noProof="0" smtClean="0"/>
               <a:pPr/>
-              <a:t>32</a:t>
+              <a:t>33</a:t>
             </a:fld>
             <a:endParaRPr lang="en-US" b="1" i="1" noProof="0" dirty="0"/>
           </a:p>
@@ -29963,7 +30675,7 @@
 </p:sld>
 </file>
 
-<file path=ppt/slides/slide33.xml><?xml version="1.0" encoding="utf-8"?>
+<file path=ppt/slides/slide34.xml><?xml version="1.0" encoding="utf-8"?>
 <p:sld xmlns:a="http://schemas.openxmlformats.org/drawingml/2006/main" xmlns:r="http://schemas.openxmlformats.org/officeDocument/2006/relationships" xmlns:p="http://schemas.openxmlformats.org/presentationml/2006/main">
   <p:cSld>
     <p:spTree>
@@ -30048,7 +30760,7 @@
             <a:fld id="{19B51A1E-902D-48AF-9020-955120F399B6}" type="slidenum">
               <a:rPr lang="en-US" b="1" i="1" noProof="0" smtClean="0"/>
               <a:pPr/>
-              <a:t>33</a:t>
+              <a:t>34</a:t>
             </a:fld>
             <a:endParaRPr lang="en-US" b="1" i="1" noProof="0" dirty="0"/>
           </a:p>
@@ -30679,7 +31391,7 @@
 </p:sld>
 </file>
 
-<file path=ppt/slides/slide34.xml><?xml version="1.0" encoding="utf-8"?>
+<file path=ppt/slides/slide35.xml><?xml version="1.0" encoding="utf-8"?>
 <p:sld xmlns:a="http://schemas.openxmlformats.org/drawingml/2006/main" xmlns:r="http://schemas.openxmlformats.org/officeDocument/2006/relationships" xmlns:p="http://schemas.openxmlformats.org/presentationml/2006/main">
   <p:cSld>
     <p:spTree>
@@ -30764,7 +31476,7 @@
             <a:fld id="{19B51A1E-902D-48AF-9020-955120F399B6}" type="slidenum">
               <a:rPr lang="en-US" b="1" i="1" noProof="0" smtClean="0"/>
               <a:pPr/>
-              <a:t>34</a:t>
+              <a:t>35</a:t>
             </a:fld>
             <a:endParaRPr lang="en-US" b="1" i="1" noProof="0" dirty="0"/>
           </a:p>
@@ -31604,7 +32316,7 @@
 </p:sld>
 </file>
 
-<file path=ppt/slides/slide35.xml><?xml version="1.0" encoding="utf-8"?>
+<file path=ppt/slides/slide36.xml><?xml version="1.0" encoding="utf-8"?>
 <p:sld xmlns:a="http://schemas.openxmlformats.org/drawingml/2006/main" xmlns:r="http://schemas.openxmlformats.org/officeDocument/2006/relationships" xmlns:p="http://schemas.openxmlformats.org/presentationml/2006/main">
   <p:cSld>
     <p:spTree>
@@ -32158,7 +32870,7 @@
             <a:fld id="{19B51A1E-902D-48AF-9020-955120F399B6}" type="slidenum">
               <a:rPr lang="en-US" smtClean="0"/>
               <a:pPr/>
-              <a:t>35</a:t>
+              <a:t>36</a:t>
             </a:fld>
             <a:endParaRPr lang="en-US" dirty="0"/>
           </a:p>
@@ -32789,7 +33501,7 @@
 </p:sld>
 </file>
 
-<file path=ppt/slides/slide36.xml><?xml version="1.0" encoding="utf-8"?>
+<file path=ppt/slides/slide37.xml><?xml version="1.0" encoding="utf-8"?>
 <p:sld xmlns:a="http://schemas.openxmlformats.org/drawingml/2006/main" xmlns:r="http://schemas.openxmlformats.org/officeDocument/2006/relationships" xmlns:p="http://schemas.openxmlformats.org/presentationml/2006/main">
   <p:cSld>
     <p:spTree>
@@ -34381,20 +35093,12 @@
           </a:p>
           <a:p>
             <a:r>
-              <a:rPr lang="es-GT">
-                <a:solidFill>
-                  <a:schemeClr val="bg1"/>
-                </a:solidFill>
-              </a:rPr>
-              <a:t>Diseñador</a:t>
-            </a:r>
-            <a:r>
               <a:rPr lang="es-GT" dirty="0">
                 <a:solidFill>
                   <a:schemeClr val="bg1"/>
                 </a:solidFill>
               </a:rPr>
-              <a:t>, programador y músico.</a:t>
+              <a:t>Diseñador, programador y músico.</a:t>
             </a:r>
             <a:endParaRPr lang="en-US" dirty="0">
               <a:solidFill>
@@ -36314,6 +37018,14 @@
 <file path=ppt/slides/slide8.xml><?xml version="1.0" encoding="utf-8"?>
 <p:sld xmlns:a="http://schemas.openxmlformats.org/drawingml/2006/main" xmlns:r="http://schemas.openxmlformats.org/officeDocument/2006/relationships" xmlns:p="http://schemas.openxmlformats.org/presentationml/2006/main">
   <p:cSld>
+    <p:bg>
+      <p:bgPr>
+        <a:solidFill>
+          <a:schemeClr val="tx1"/>
+        </a:solidFill>
+        <a:effectLst/>
+      </p:bgPr>
+    </p:bg>
     <p:spTree>
       <p:nvGrpSpPr>
         <p:cNvPr id="1" name=""/>
@@ -36328,12 +37040,41 @@
           <a:chExt cx="0" cy="0"/>
         </a:xfrm>
       </p:grpSpPr>
-      <p:sp>
-        <p:nvSpPr>
-          <p:cNvPr id="3" name="Title 2">
-            <a:extLst>
-              <a:ext uri="{FF2B5EF4-FFF2-40B4-BE49-F238E27FC236}">
-                <a16:creationId xmlns:a16="http://schemas.microsoft.com/office/drawing/2014/main" id="{362AC071-0624-430C-AEB0-AD3EBFC1CD1D}"/>
+      <p:pic>
+        <p:nvPicPr>
+          <p:cNvPr id="4" name="Picture 3">
+            <a:extLst>
+              <a:ext uri="{FF2B5EF4-FFF2-40B4-BE49-F238E27FC236}">
+                <a16:creationId xmlns:a16="http://schemas.microsoft.com/office/drawing/2014/main" id="{4B5EDF2D-BC7E-4594-8A0B-5D3CEEA68B7D}"/>
+              </a:ext>
+            </a:extLst>
+          </p:cNvPr>
+          <p:cNvPicPr/>
+          <p:nvPr/>
+        </p:nvPicPr>
+        <p:blipFill>
+          <a:blip r:embed="rId2"/>
+          <a:stretch>
+            <a:fillRect/>
+          </a:stretch>
+        </p:blipFill>
+        <p:spPr>
+          <a:xfrm>
+            <a:off x="5092700" y="1121823"/>
+            <a:ext cx="6486481" cy="4897292"/>
+          </a:xfrm>
+          <a:prstGeom prst="rect">
+            <a:avLst/>
+          </a:prstGeom>
+          <a:noFill/>
+        </p:spPr>
+      </p:pic>
+      <p:sp>
+        <p:nvSpPr>
+          <p:cNvPr id="9" name="Text Placeholder 2">
+            <a:extLst>
+              <a:ext uri="{FF2B5EF4-FFF2-40B4-BE49-F238E27FC236}">
+                <a16:creationId xmlns:a16="http://schemas.microsoft.com/office/drawing/2014/main" id="{337188D3-F898-4304-8B9E-F1BBF1FF377B}"/>
               </a:ext>
             </a:extLst>
           </p:cNvPr>
@@ -36341,39 +37082,74 @@
             <a:spLocks noGrp="1"/>
           </p:cNvSpPr>
           <p:nvPr>
-            <p:ph type="ctrTitle"/>
+            <p:ph type="body" sz="half" idx="2"/>
           </p:nvPr>
         </p:nvSpPr>
-        <p:spPr/>
+        <p:spPr>
+          <a:xfrm>
+            <a:off x="601681" y="3960000"/>
+            <a:ext cx="4114800" cy="2164938"/>
+          </a:xfrm>
+        </p:spPr>
         <p:txBody>
           <a:bodyPr/>
           <a:lstStyle/>
           <a:p>
-            <a:pPr algn="ctr"/>
-            <a:r>
-              <a:rPr lang="en-US" dirty="0"/>
-              <a:t>La </a:t>
-            </a:r>
-            <a:r>
-              <a:rPr lang="en-US" dirty="0" err="1"/>
-              <a:t>solución</a:t>
-            </a:r>
-            <a:br>
-              <a:rPr lang="en-US" dirty="0"/>
-            </a:br>
-            <a:r>
-              <a:rPr lang="en-US" i="1" dirty="0"/>
-              <a:t>NETZ</a:t>
-            </a:r>
-          </a:p>
-        </p:txBody>
-      </p:sp>
-      <p:sp>
-        <p:nvSpPr>
-          <p:cNvPr id="5" name="Content Placeholder 4">
-            <a:extLst>
-              <a:ext uri="{FF2B5EF4-FFF2-40B4-BE49-F238E27FC236}">
-                <a16:creationId xmlns:a16="http://schemas.microsoft.com/office/drawing/2014/main" id="{5F606456-BEB8-424C-8C7C-E9B311D7C337}"/>
+            <a:pPr marL="285750" indent="-285750">
+              <a:buFont typeface="Arial" panose="020B0604020202020204" pitchFamily="34" charset="0"/>
+              <a:buChar char="•"/>
+            </a:pPr>
+            <a:r>
+              <a:rPr lang="es-GT" dirty="0"/>
+              <a:t>Guatemala es un país con mucho emprendimiento (según GEM)</a:t>
+            </a:r>
+          </a:p>
+          <a:p>
+            <a:pPr marL="285750" indent="-285750">
+              <a:buFont typeface="Arial" panose="020B0604020202020204" pitchFamily="34" charset="0"/>
+              <a:buChar char="•"/>
+            </a:pPr>
+            <a:r>
+              <a:rPr lang="es-GT" dirty="0"/>
+              <a:t>Muchas expectativas</a:t>
+            </a:r>
+          </a:p>
+          <a:p>
+            <a:pPr marL="285750" indent="-285750">
+              <a:buFont typeface="Arial" panose="020B0604020202020204" pitchFamily="34" charset="0"/>
+              <a:buChar char="•"/>
+            </a:pPr>
+            <a:r>
+              <a:rPr lang="es-GT"/>
+              <a:t>Proyectos informales</a:t>
+            </a:r>
+            <a:endParaRPr lang="es-GT" dirty="0"/>
+          </a:p>
+          <a:p>
+            <a:pPr marL="285750" indent="-285750">
+              <a:buFont typeface="Arial" panose="020B0604020202020204" pitchFamily="34" charset="0"/>
+              <a:buChar char="•"/>
+            </a:pPr>
+            <a:r>
+              <a:rPr lang="es-GT" dirty="0"/>
+              <a:t>Bajo Presupuesto y poco crecimiento</a:t>
+            </a:r>
+          </a:p>
+          <a:p>
+            <a:pPr marL="285750" indent="-285750">
+              <a:buFont typeface="Arial" panose="020B0604020202020204" pitchFamily="34" charset="0"/>
+              <a:buChar char="•"/>
+            </a:pPr>
+            <a:endParaRPr lang="en-US" dirty="0"/>
+          </a:p>
+        </p:txBody>
+      </p:sp>
+      <p:sp>
+        <p:nvSpPr>
+          <p:cNvPr id="3" name="Title 2">
+            <a:extLst>
+              <a:ext uri="{FF2B5EF4-FFF2-40B4-BE49-F238E27FC236}">
+                <a16:creationId xmlns:a16="http://schemas.microsoft.com/office/drawing/2014/main" id="{AAE0F54F-2940-4959-8EB6-326A53AC22D5}"/>
               </a:ext>
             </a:extLst>
           </p:cNvPr>
@@ -36381,88 +37157,38 @@
             <a:spLocks noGrp="1"/>
           </p:cNvSpPr>
           <p:nvPr>
-            <p:ph idx="52"/>
+            <p:ph type="title"/>
           </p:nvPr>
         </p:nvSpPr>
         <p:spPr>
           <a:xfrm>
-            <a:off x="577022" y="3124209"/>
-            <a:ext cx="4283297" cy="1800000"/>
-          </a:xfrm>
-        </p:spPr>
-        <p:txBody>
-          <a:bodyPr/>
+            <a:off x="601681" y="1016000"/>
+            <a:ext cx="4114800" cy="2744226"/>
+          </a:xfrm>
+          <a:prstGeom prst="rect">
+            <a:avLst/>
+          </a:prstGeom>
+        </p:spPr>
+        <p:txBody>
+          <a:bodyPr anchor="b">
+            <a:normAutofit/>
+          </a:bodyPr>
           <a:lstStyle/>
           <a:p>
-            <a:pPr algn="just"/>
-            <a:r>
-              <a:rPr lang="en-US" sz="2400" dirty="0" err="1"/>
-              <a:t>Conectar</a:t>
-            </a:r>
-            <a:r>
-              <a:rPr lang="en-US" sz="2400" dirty="0"/>
-              <a:t> </a:t>
-            </a:r>
-            <a:r>
-              <a:rPr lang="en-US" sz="2400" dirty="0" err="1"/>
-              <a:t>gente</a:t>
-            </a:r>
-            <a:r>
-              <a:rPr lang="en-US" sz="2400" dirty="0"/>
-              <a:t> </a:t>
-            </a:r>
-            <a:r>
-              <a:rPr lang="en-US" sz="2400" dirty="0" err="1"/>
-              <a:t>emprendedora</a:t>
-            </a:r>
-            <a:r>
-              <a:rPr lang="en-US" sz="2400" dirty="0"/>
-              <a:t> con </a:t>
-            </a:r>
-            <a:r>
-              <a:rPr lang="en-US" sz="2400" dirty="0" err="1"/>
-              <a:t>gente</a:t>
-            </a:r>
-            <a:r>
-              <a:rPr lang="en-US" sz="2400" dirty="0"/>
-              <a:t> que </a:t>
-            </a:r>
-            <a:r>
-              <a:rPr lang="en-US" sz="2400" dirty="0" err="1"/>
-              <a:t>busca</a:t>
-            </a:r>
-            <a:r>
-              <a:rPr lang="en-US" sz="2400" dirty="0"/>
-              <a:t> </a:t>
-            </a:r>
-            <a:r>
-              <a:rPr lang="en-US" sz="2400" dirty="0" err="1"/>
-              <a:t>innovación</a:t>
-            </a:r>
-            <a:r>
-              <a:rPr lang="en-US" sz="2400" dirty="0"/>
-              <a:t>.</a:t>
-            </a:r>
-          </a:p>
-          <a:p>
-            <a:pPr algn="just"/>
-            <a:r>
-              <a:rPr lang="en-US" sz="2400" noProof="1"/>
-              <a:t>Palabras clave: conectar y proveer.</a:t>
-            </a:r>
-          </a:p>
-          <a:p>
-            <a:pPr algn="just"/>
-            <a:endParaRPr lang="en-US" sz="2400" dirty="0"/>
-          </a:p>
-        </p:txBody>
-      </p:sp>
-      <p:sp>
-        <p:nvSpPr>
-          <p:cNvPr id="4" name="Slide Number Placeholder 3">
-            <a:extLst>
-              <a:ext uri="{FF2B5EF4-FFF2-40B4-BE49-F238E27FC236}">
-                <a16:creationId xmlns:a16="http://schemas.microsoft.com/office/drawing/2014/main" id="{D3CC57C3-9D13-4E2B-8E1F-6AF5D1A5BE69}"/>
+            <a:r>
+              <a:rPr lang="es-GT" dirty="0"/>
+              <a:t>Investigación Preliminar</a:t>
+            </a:r>
+            <a:endParaRPr lang="en-US"/>
+          </a:p>
+        </p:txBody>
+      </p:sp>
+      <p:sp>
+        <p:nvSpPr>
+          <p:cNvPr id="2" name="Slide Number Placeholder 1">
+            <a:extLst>
+              <a:ext uri="{FF2B5EF4-FFF2-40B4-BE49-F238E27FC236}">
+                <a16:creationId xmlns:a16="http://schemas.microsoft.com/office/drawing/2014/main" id="{654DC5C5-5B30-4F97-90CF-8A0532F6C3FE}"/>
               </a:ext>
             </a:extLst>
           </p:cNvPr>
@@ -36470,79 +37196,53 @@
             <a:spLocks noGrp="1"/>
           </p:cNvSpPr>
           <p:nvPr>
-            <p:ph type="sldNum" sz="quarter" idx="50"/>
+            <p:ph type="sldNum" sz="quarter" idx="11"/>
           </p:nvPr>
         </p:nvSpPr>
-        <p:spPr/>
-        <p:txBody>
-          <a:bodyPr/>
-          <a:lstStyle/>
-          <a:p>
-            <a:r>
-              <a:rPr lang="en-US" dirty="0"/>
-              <a:t>page </a:t>
-            </a:r>
-            <a:fld id="{19B51A1E-902D-48AF-9020-955120F399B6}" type="slidenum">
-              <a:rPr lang="en-US" smtClean="0"/>
-              <a:pPr/>
-              <a:t>8</a:t>
-            </a:fld>
-            <a:endParaRPr lang="en-US" dirty="0"/>
-          </a:p>
-        </p:txBody>
-      </p:sp>
-      <p:sp>
-        <p:nvSpPr>
-          <p:cNvPr id="9" name="Picture Placeholder 8">
-            <a:extLst>
-              <a:ext uri="{FF2B5EF4-FFF2-40B4-BE49-F238E27FC236}">
-                <a16:creationId xmlns:a16="http://schemas.microsoft.com/office/drawing/2014/main" id="{8072C87C-AB7E-4DC0-A326-6C610C89E921}"/>
-              </a:ext>
-            </a:extLst>
-          </p:cNvPr>
-          <p:cNvSpPr>
-            <a:spLocks noGrp="1"/>
-          </p:cNvSpPr>
-          <p:nvPr>
-            <p:ph type="pic" sz="quarter" idx="13"/>
-          </p:nvPr>
-        </p:nvSpPr>
-        <p:spPr/>
-      </p:sp>
-      <p:pic>
-        <p:nvPicPr>
-          <p:cNvPr id="7" name="Picture 6" descr="A picture containing object, clock, drawing&#10;&#10;Description automatically generated">
-            <a:extLst>
-              <a:ext uri="{FF2B5EF4-FFF2-40B4-BE49-F238E27FC236}">
-                <a16:creationId xmlns:a16="http://schemas.microsoft.com/office/drawing/2014/main" id="{4FD97AFA-EE22-4451-B26C-8459239940AB}"/>
-              </a:ext>
-            </a:extLst>
-          </p:cNvPr>
-          <p:cNvPicPr>
-            <a:picLocks noChangeAspect="1"/>
-          </p:cNvPicPr>
-          <p:nvPr/>
-        </p:nvPicPr>
-        <p:blipFill>
-          <a:blip r:embed="rId3"/>
-          <a:stretch>
-            <a:fillRect/>
-          </a:stretch>
-        </p:blipFill>
-        <p:spPr>
-          <a:xfrm>
-            <a:off x="10727701" y="0"/>
-            <a:ext cx="1278003" cy="772998"/>
+        <p:spPr>
+          <a:xfrm>
+            <a:off x="11601450" y="6687111"/>
+            <a:ext cx="548755" cy="153841"/>
           </a:xfrm>
           <a:prstGeom prst="rect">
             <a:avLst/>
           </a:prstGeom>
-        </p:spPr>
-      </p:pic>
+          <a:ln w="3175">
+            <a:noFill/>
+          </a:ln>
+        </p:spPr>
+        <p:txBody>
+          <a:bodyPr anchor="ctr">
+            <a:normAutofit/>
+          </a:bodyPr>
+          <a:lstStyle/>
+          <a:p>
+            <a:pPr>
+              <a:spcAft>
+                <a:spcPts val="600"/>
+              </a:spcAft>
+            </a:pPr>
+            <a:r>
+              <a:rPr lang="en-US" noProof="0"/>
+              <a:t>page </a:t>
+            </a:r>
+            <a:fld id="{19B51A1E-902D-48AF-9020-955120F399B6}" type="slidenum">
+              <a:rPr lang="en-US" b="1" i="1" noProof="0" smtClean="0"/>
+              <a:pPr>
+                <a:spcAft>
+                  <a:spcPts val="600"/>
+                </a:spcAft>
+              </a:pPr>
+              <a:t>8</a:t>
+            </a:fld>
+            <a:endParaRPr lang="en-US" b="1" i="1" noProof="0"/>
+          </a:p>
+        </p:txBody>
+      </p:sp>
     </p:spTree>
     <p:extLst>
       <p:ext uri="{BB962C8B-B14F-4D97-AF65-F5344CB8AC3E}">
-        <p14:creationId xmlns:p14="http://schemas.microsoft.com/office/powerpoint/2010/main" val="1344647200"/>
+        <p14:creationId xmlns:p14="http://schemas.microsoft.com/office/powerpoint/2010/main" val="3457142305"/>
       </p:ext>
     </p:extLst>
   </p:cSld>
@@ -36571,10 +37271,10 @@
       </p:grpSpPr>
       <p:sp>
         <p:nvSpPr>
-          <p:cNvPr id="22" name="Title 21">
-            <a:extLst>
-              <a:ext uri="{FF2B5EF4-FFF2-40B4-BE49-F238E27FC236}">
-                <a16:creationId xmlns:a16="http://schemas.microsoft.com/office/drawing/2014/main" id="{6E373D3B-47D6-44DC-9D27-F5C5B0252D74}"/>
+          <p:cNvPr id="3" name="Title 2">
+            <a:extLst>
+              <a:ext uri="{FF2B5EF4-FFF2-40B4-BE49-F238E27FC236}">
+                <a16:creationId xmlns:a16="http://schemas.microsoft.com/office/drawing/2014/main" id="{362AC071-0624-430C-AEB0-AD3EBFC1CD1D}"/>
               </a:ext>
             </a:extLst>
           </p:cNvPr>
@@ -36590,20 +37290,31 @@
           <a:bodyPr/>
           <a:lstStyle/>
           <a:p>
-            <a:r>
-              <a:rPr lang="es-GT" dirty="0"/>
-              <a:t>Competencia</a:t>
-            </a:r>
-            <a:endParaRPr lang="en-US" dirty="0"/>
-          </a:p>
-        </p:txBody>
-      </p:sp>
-      <p:sp>
-        <p:nvSpPr>
-          <p:cNvPr id="15" name="Slide Number Placeholder 14">
-            <a:extLst>
-              <a:ext uri="{FF2B5EF4-FFF2-40B4-BE49-F238E27FC236}">
-                <a16:creationId xmlns:a16="http://schemas.microsoft.com/office/drawing/2014/main" id="{8080A6CF-4C34-448E-9885-BD408B2A16CD}"/>
+            <a:pPr algn="ctr"/>
+            <a:r>
+              <a:rPr lang="en-US" dirty="0"/>
+              <a:t>La </a:t>
+            </a:r>
+            <a:r>
+              <a:rPr lang="en-US" dirty="0" err="1"/>
+              <a:t>solución</a:t>
+            </a:r>
+            <a:br>
+              <a:rPr lang="en-US" dirty="0"/>
+            </a:br>
+            <a:r>
+              <a:rPr lang="en-US" i="1" dirty="0"/>
+              <a:t>NETZ</a:t>
+            </a:r>
+          </a:p>
+        </p:txBody>
+      </p:sp>
+      <p:sp>
+        <p:nvSpPr>
+          <p:cNvPr id="5" name="Content Placeholder 4">
+            <a:extLst>
+              <a:ext uri="{FF2B5EF4-FFF2-40B4-BE49-F238E27FC236}">
+                <a16:creationId xmlns:a16="http://schemas.microsoft.com/office/drawing/2014/main" id="{5F606456-BEB8-424C-8C7C-E9B311D7C337}"/>
               </a:ext>
             </a:extLst>
           </p:cNvPr>
@@ -36611,620 +37322,140 @@
             <a:spLocks noGrp="1"/>
           </p:cNvSpPr>
           <p:nvPr>
-            <p:ph type="sldNum" sz="quarter" idx="4294967295"/>
+            <p:ph idx="52"/>
           </p:nvPr>
         </p:nvSpPr>
         <p:spPr>
           <a:xfrm>
-            <a:off x="11642725" y="6686550"/>
-            <a:ext cx="549275" cy="153988"/>
+            <a:off x="577022" y="3124209"/>
+            <a:ext cx="4283297" cy="1800000"/>
           </a:xfrm>
         </p:spPr>
         <p:txBody>
           <a:bodyPr/>
           <a:lstStyle/>
           <a:p>
-            <a:r>
-              <a:rPr lang="en-US" noProof="0"/>
+            <a:pPr algn="just"/>
+            <a:r>
+              <a:rPr lang="en-US" sz="2400" dirty="0" err="1"/>
+              <a:t>Conectar</a:t>
+            </a:r>
+            <a:r>
+              <a:rPr lang="en-US" sz="2400" dirty="0"/>
+              <a:t> </a:t>
+            </a:r>
+            <a:r>
+              <a:rPr lang="en-US" sz="2400" dirty="0" err="1"/>
+              <a:t>gente</a:t>
+            </a:r>
+            <a:r>
+              <a:rPr lang="en-US" sz="2400" dirty="0"/>
+              <a:t> </a:t>
+            </a:r>
+            <a:r>
+              <a:rPr lang="en-US" sz="2400" dirty="0" err="1"/>
+              <a:t>emprendedora</a:t>
+            </a:r>
+            <a:r>
+              <a:rPr lang="en-US" sz="2400" dirty="0"/>
+              <a:t> con </a:t>
+            </a:r>
+            <a:r>
+              <a:rPr lang="en-US" sz="2400" dirty="0" err="1"/>
+              <a:t>gente</a:t>
+            </a:r>
+            <a:r>
+              <a:rPr lang="en-US" sz="2400" dirty="0"/>
+              <a:t> que </a:t>
+            </a:r>
+            <a:r>
+              <a:rPr lang="en-US" sz="2400" dirty="0" err="1"/>
+              <a:t>busca</a:t>
+            </a:r>
+            <a:r>
+              <a:rPr lang="en-US" sz="2400" dirty="0"/>
+              <a:t> </a:t>
+            </a:r>
+            <a:r>
+              <a:rPr lang="en-US" sz="2400" dirty="0" err="1"/>
+              <a:t>innovación</a:t>
+            </a:r>
+            <a:r>
+              <a:rPr lang="en-US" sz="2400" dirty="0"/>
+              <a:t>.</a:t>
+            </a:r>
+          </a:p>
+          <a:p>
+            <a:pPr algn="just"/>
+            <a:r>
+              <a:rPr lang="en-US" sz="2400" noProof="1"/>
+              <a:t>Palabras clave: conectar y proveer.</a:t>
+            </a:r>
+          </a:p>
+          <a:p>
+            <a:pPr algn="just"/>
+            <a:endParaRPr lang="en-US" sz="2400" dirty="0"/>
+          </a:p>
+        </p:txBody>
+      </p:sp>
+      <p:sp>
+        <p:nvSpPr>
+          <p:cNvPr id="4" name="Slide Number Placeholder 3">
+            <a:extLst>
+              <a:ext uri="{FF2B5EF4-FFF2-40B4-BE49-F238E27FC236}">
+                <a16:creationId xmlns:a16="http://schemas.microsoft.com/office/drawing/2014/main" id="{D3CC57C3-9D13-4E2B-8E1F-6AF5D1A5BE69}"/>
+              </a:ext>
+            </a:extLst>
+          </p:cNvPr>
+          <p:cNvSpPr>
+            <a:spLocks noGrp="1"/>
+          </p:cNvSpPr>
+          <p:nvPr>
+            <p:ph type="sldNum" sz="quarter" idx="50"/>
+          </p:nvPr>
+        </p:nvSpPr>
+        <p:spPr/>
+        <p:txBody>
+          <a:bodyPr/>
+          <a:lstStyle/>
+          <a:p>
+            <a:r>
+              <a:rPr lang="en-US" dirty="0"/>
               <a:t>page </a:t>
             </a:r>
             <a:fld id="{19B51A1E-902D-48AF-9020-955120F399B6}" type="slidenum">
-              <a:rPr lang="en-US" b="1" i="1" noProof="0" smtClean="0"/>
+              <a:rPr lang="en-US" smtClean="0"/>
               <a:pPr/>
               <a:t>9</a:t>
             </a:fld>
-            <a:endParaRPr lang="en-US" b="1" i="1" noProof="0" dirty="0"/>
-          </a:p>
-        </p:txBody>
-      </p:sp>
-      <p:grpSp>
-        <p:nvGrpSpPr>
-          <p:cNvPr id="4" name="Group 3">
-            <a:extLst>
-              <a:ext uri="{FF2B5EF4-FFF2-40B4-BE49-F238E27FC236}">
-                <a16:creationId xmlns:a16="http://schemas.microsoft.com/office/drawing/2014/main" id="{B16E2E2B-385C-4EE8-A20D-129F9A76652F}"/>
-              </a:ext>
-              <a:ext uri="{C183D7F6-B498-43B3-948B-1728B52AA6E4}">
-                <adec:decorative xmlns:adec="http://schemas.microsoft.com/office/drawing/2017/decorative" val="1"/>
-              </a:ext>
-            </a:extLst>
-          </p:cNvPr>
-          <p:cNvGrpSpPr/>
-          <p:nvPr/>
-        </p:nvGrpSpPr>
-        <p:grpSpPr>
-          <a:xfrm>
-            <a:off x="958369" y="819920"/>
-            <a:ext cx="4025781" cy="2720745"/>
-            <a:chOff x="7699827" y="846814"/>
-            <a:chExt cx="4025781" cy="2720745"/>
-          </a:xfrm>
-        </p:grpSpPr>
-        <p:sp>
-          <p:nvSpPr>
-            <p:cNvPr id="5" name="Oval 4">
-              <a:extLst>
-                <a:ext uri="{FF2B5EF4-FFF2-40B4-BE49-F238E27FC236}">
-                  <a16:creationId xmlns:a16="http://schemas.microsoft.com/office/drawing/2014/main" id="{D71123F1-75FB-4C5B-B321-F098D8405F3E}"/>
-                </a:ext>
-              </a:extLst>
-            </p:cNvPr>
-            <p:cNvSpPr/>
-            <p:nvPr/>
-          </p:nvSpPr>
-          <p:spPr>
-            <a:xfrm>
-              <a:off x="8182897" y="1713921"/>
-              <a:ext cx="1022532" cy="1022532"/>
-            </a:xfrm>
-            <a:prstGeom prst="ellipse">
-              <a:avLst/>
-            </a:prstGeom>
-            <a:noFill/>
-            <a:ln w="3175">
-              <a:solidFill>
-                <a:schemeClr val="bg1"/>
-              </a:solidFill>
-            </a:ln>
-            <a:effectLst>
-              <a:glow rad="165100">
-                <a:schemeClr val="bg1">
-                  <a:alpha val="9000"/>
-                </a:schemeClr>
-              </a:glow>
-            </a:effectLst>
-          </p:spPr>
-          <p:style>
-            <a:lnRef idx="2">
-              <a:schemeClr val="accent1">
-                <a:shade val="50000"/>
-              </a:schemeClr>
-            </a:lnRef>
-            <a:fillRef idx="1">
-              <a:schemeClr val="accent1"/>
-            </a:fillRef>
-            <a:effectRef idx="0">
-              <a:schemeClr val="accent1"/>
-            </a:effectRef>
-            <a:fontRef idx="minor">
-              <a:schemeClr val="lt1"/>
-            </a:fontRef>
-          </p:style>
-          <p:txBody>
-            <a:bodyPr rot="0" spcFirstLastPara="0" vertOverflow="overflow" horzOverflow="overflow" vert="horz" wrap="square" lIns="91440" tIns="45720" rIns="91440" bIns="45720" numCol="1" spcCol="0" rtlCol="0" fromWordArt="0" anchor="ctr" anchorCtr="0" forceAA="0" compatLnSpc="1">
-              <a:prstTxWarp prst="textNoShape">
-                <a:avLst/>
-              </a:prstTxWarp>
-              <a:noAutofit/>
-            </a:bodyPr>
-            <a:lstStyle/>
-            <a:p>
-              <a:pPr algn="ctr"/>
-              <a:endParaRPr lang="en-US" dirty="0"/>
-            </a:p>
-          </p:txBody>
-        </p:sp>
-        <p:sp>
-          <p:nvSpPr>
-            <p:cNvPr id="6" name="Oval 5">
-              <a:extLst>
-                <a:ext uri="{FF2B5EF4-FFF2-40B4-BE49-F238E27FC236}">
-                  <a16:creationId xmlns:a16="http://schemas.microsoft.com/office/drawing/2014/main" id="{83FECF17-86A2-41C4-A15D-463D07A2C737}"/>
-                </a:ext>
-              </a:extLst>
-            </p:cNvPr>
-            <p:cNvSpPr/>
-            <p:nvPr/>
-          </p:nvSpPr>
-          <p:spPr>
-            <a:xfrm>
-              <a:off x="11201630" y="2022136"/>
-              <a:ext cx="399819" cy="406102"/>
-            </a:xfrm>
-            <a:prstGeom prst="ellipse">
-              <a:avLst/>
-            </a:prstGeom>
-            <a:noFill/>
-            <a:ln w="3175">
-              <a:solidFill>
-                <a:schemeClr val="bg1"/>
-              </a:solidFill>
-            </a:ln>
-            <a:effectLst>
-              <a:glow rad="114300">
-                <a:schemeClr val="bg1">
-                  <a:alpha val="15000"/>
-                </a:schemeClr>
-              </a:glow>
-            </a:effectLst>
-          </p:spPr>
-          <p:style>
-            <a:lnRef idx="2">
-              <a:schemeClr val="accent1">
-                <a:shade val="50000"/>
-              </a:schemeClr>
-            </a:lnRef>
-            <a:fillRef idx="1">
-              <a:schemeClr val="accent1"/>
-            </a:fillRef>
-            <a:effectRef idx="0">
-              <a:schemeClr val="accent1"/>
-            </a:effectRef>
-            <a:fontRef idx="minor">
-              <a:schemeClr val="lt1"/>
-            </a:fontRef>
-          </p:style>
-          <p:txBody>
-            <a:bodyPr rot="0" spcFirstLastPara="0" vertOverflow="overflow" horzOverflow="overflow" vert="horz" wrap="square" lIns="91440" tIns="45720" rIns="91440" bIns="45720" numCol="1" spcCol="0" rtlCol="0" fromWordArt="0" anchor="ctr" anchorCtr="0" forceAA="0" compatLnSpc="1">
-              <a:prstTxWarp prst="textNoShape">
-                <a:avLst/>
-              </a:prstTxWarp>
-              <a:noAutofit/>
-            </a:bodyPr>
-            <a:lstStyle/>
-            <a:p>
-              <a:pPr algn="ctr"/>
-              <a:endParaRPr lang="en-US" dirty="0"/>
-            </a:p>
-          </p:txBody>
-        </p:sp>
-        <p:sp>
-          <p:nvSpPr>
-            <p:cNvPr id="7" name="Oval 6">
-              <a:extLst>
-                <a:ext uri="{FF2B5EF4-FFF2-40B4-BE49-F238E27FC236}">
-                  <a16:creationId xmlns:a16="http://schemas.microsoft.com/office/drawing/2014/main" id="{E5CE72CE-8743-4DE0-B6F3-EBACB9668B50}"/>
-                </a:ext>
-              </a:extLst>
-            </p:cNvPr>
-            <p:cNvSpPr/>
-            <p:nvPr/>
-          </p:nvSpPr>
-          <p:spPr>
-            <a:xfrm>
-              <a:off x="9754515" y="2186345"/>
-              <a:ext cx="77685" cy="77685"/>
-            </a:xfrm>
-            <a:prstGeom prst="ellipse">
-              <a:avLst/>
-            </a:prstGeom>
-            <a:gradFill flip="none" rotWithShape="1">
-              <a:gsLst>
-                <a:gs pos="0">
-                  <a:srgbClr val="FFFFFF"/>
-                </a:gs>
-                <a:gs pos="70000">
-                  <a:schemeClr val="accent2">
-                    <a:lumMod val="20000"/>
-                    <a:lumOff val="80000"/>
-                  </a:schemeClr>
-                </a:gs>
-                <a:gs pos="65000">
-                  <a:srgbClr val="F7FFFF"/>
-                </a:gs>
-              </a:gsLst>
-              <a:path path="circle">
-                <a:fillToRect l="50000" t="50000" r="50000" b="50000"/>
-              </a:path>
-              <a:tileRect/>
-            </a:gradFill>
-            <a:ln>
-              <a:noFill/>
-            </a:ln>
-            <a:effectLst>
-              <a:glow rad="165100">
-                <a:schemeClr val="accent2">
-                  <a:satMod val="175000"/>
-                  <a:alpha val="40000"/>
-                </a:schemeClr>
-              </a:glow>
-            </a:effectLst>
-          </p:spPr>
-          <p:style>
-            <a:lnRef idx="2">
-              <a:schemeClr val="accent1">
-                <a:shade val="50000"/>
-              </a:schemeClr>
-            </a:lnRef>
-            <a:fillRef idx="1">
-              <a:schemeClr val="accent1"/>
-            </a:fillRef>
-            <a:effectRef idx="0">
-              <a:schemeClr val="accent1"/>
-            </a:effectRef>
-            <a:fontRef idx="minor">
-              <a:schemeClr val="lt1"/>
-            </a:fontRef>
-          </p:style>
-          <p:txBody>
-            <a:bodyPr rtlCol="0" anchor="ctr"/>
-            <a:lstStyle/>
-            <a:p>
-              <a:pPr algn="ctr"/>
-              <a:endParaRPr lang="en-US" dirty="0"/>
-            </a:p>
-          </p:txBody>
-        </p:sp>
-        <p:sp>
-          <p:nvSpPr>
-            <p:cNvPr id="8" name="Oval 7">
-              <a:extLst>
-                <a:ext uri="{FF2B5EF4-FFF2-40B4-BE49-F238E27FC236}">
-                  <a16:creationId xmlns:a16="http://schemas.microsoft.com/office/drawing/2014/main" id="{D72BE7B5-CD78-4988-A850-72C94B8B936B}"/>
-                </a:ext>
-              </a:extLst>
-            </p:cNvPr>
-            <p:cNvSpPr/>
-            <p:nvPr/>
-          </p:nvSpPr>
-          <p:spPr>
-            <a:xfrm>
-              <a:off x="8676163" y="846814"/>
-              <a:ext cx="2678654" cy="2720745"/>
-            </a:xfrm>
-            <a:prstGeom prst="ellipse">
-              <a:avLst/>
-            </a:prstGeom>
-            <a:noFill/>
-            <a:ln w="111125">
-              <a:solidFill>
-                <a:schemeClr val="bg1">
-                  <a:alpha val="6000"/>
-                </a:schemeClr>
-              </a:solidFill>
-            </a:ln>
-            <a:effectLst/>
-          </p:spPr>
-          <p:style>
-            <a:lnRef idx="2">
-              <a:schemeClr val="accent1">
-                <a:shade val="50000"/>
-              </a:schemeClr>
-            </a:lnRef>
-            <a:fillRef idx="1">
-              <a:schemeClr val="accent1"/>
-            </a:fillRef>
-            <a:effectRef idx="0">
-              <a:schemeClr val="accent1"/>
-            </a:effectRef>
-            <a:fontRef idx="minor">
-              <a:schemeClr val="lt1"/>
-            </a:fontRef>
-          </p:style>
-          <p:txBody>
-            <a:bodyPr rot="0" spcFirstLastPara="0" vertOverflow="overflow" horzOverflow="overflow" vert="horz" wrap="square" lIns="91440" tIns="45720" rIns="91440" bIns="45720" numCol="1" spcCol="0" rtlCol="0" fromWordArt="0" anchor="ctr" anchorCtr="0" forceAA="0" compatLnSpc="1">
-              <a:prstTxWarp prst="textNoShape">
-                <a:avLst/>
-              </a:prstTxWarp>
-              <a:noAutofit/>
-            </a:bodyPr>
-            <a:lstStyle/>
-            <a:p>
-              <a:pPr algn="ctr"/>
-              <a:endParaRPr lang="en-US" dirty="0"/>
-            </a:p>
-          </p:txBody>
-        </p:sp>
-        <p:cxnSp>
-          <p:nvCxnSpPr>
-            <p:cNvPr id="9" name="Straight Connector 8">
-              <a:extLst>
-                <a:ext uri="{FF2B5EF4-FFF2-40B4-BE49-F238E27FC236}">
-                  <a16:creationId xmlns:a16="http://schemas.microsoft.com/office/drawing/2014/main" id="{7E2A983F-A0C5-4341-8235-3BEA65C8EDBD}"/>
-                </a:ext>
-              </a:extLst>
-            </p:cNvPr>
-            <p:cNvCxnSpPr>
-              <a:cxnSpLocks/>
-            </p:cNvCxnSpPr>
-            <p:nvPr/>
-          </p:nvCxnSpPr>
-          <p:spPr>
-            <a:xfrm>
-              <a:off x="7699827" y="2225187"/>
-              <a:ext cx="4025781" cy="0"/>
-            </a:xfrm>
-            <a:prstGeom prst="line">
-              <a:avLst/>
-            </a:prstGeom>
-            <a:ln>
-              <a:solidFill>
-                <a:schemeClr val="bg2">
-                  <a:alpha val="30000"/>
-                </a:schemeClr>
-              </a:solidFill>
-            </a:ln>
-          </p:spPr>
-          <p:style>
-            <a:lnRef idx="1">
-              <a:schemeClr val="accent1"/>
-            </a:lnRef>
-            <a:fillRef idx="0">
-              <a:schemeClr val="accent1"/>
-            </a:fillRef>
-            <a:effectRef idx="0">
-              <a:schemeClr val="accent1"/>
-            </a:effectRef>
-            <a:fontRef idx="minor">
-              <a:schemeClr val="tx1"/>
-            </a:fontRef>
-          </p:style>
-        </p:cxnSp>
-        <p:sp>
-          <p:nvSpPr>
-            <p:cNvPr id="10" name="Oval 9">
-              <a:extLst>
-                <a:ext uri="{FF2B5EF4-FFF2-40B4-BE49-F238E27FC236}">
-                  <a16:creationId xmlns:a16="http://schemas.microsoft.com/office/drawing/2014/main" id="{94721631-652B-433E-BF10-175A55469973}"/>
-                </a:ext>
-              </a:extLst>
-            </p:cNvPr>
-            <p:cNvSpPr/>
-            <p:nvPr/>
-          </p:nvSpPr>
-          <p:spPr>
-            <a:xfrm>
-              <a:off x="8676163" y="2207187"/>
-              <a:ext cx="36000" cy="36000"/>
-            </a:xfrm>
-            <a:prstGeom prst="ellipse">
-              <a:avLst/>
-            </a:prstGeom>
-            <a:gradFill flip="none" rotWithShape="1">
-              <a:gsLst>
-                <a:gs pos="0">
-                  <a:srgbClr val="FFFFFF"/>
-                </a:gs>
-                <a:gs pos="70000">
-                  <a:schemeClr val="accent2">
-                    <a:lumMod val="20000"/>
-                    <a:lumOff val="80000"/>
-                  </a:schemeClr>
-                </a:gs>
-                <a:gs pos="65000">
-                  <a:srgbClr val="F7FFFF"/>
-                </a:gs>
-              </a:gsLst>
-              <a:path path="circle">
-                <a:fillToRect l="50000" t="50000" r="50000" b="50000"/>
-              </a:path>
-              <a:tileRect/>
-            </a:gradFill>
-            <a:ln>
-              <a:noFill/>
-            </a:ln>
-            <a:effectLst>
-              <a:glow rad="165100">
-                <a:schemeClr val="accent2">
-                  <a:satMod val="175000"/>
-                  <a:alpha val="40000"/>
-                </a:schemeClr>
-              </a:glow>
-            </a:effectLst>
-          </p:spPr>
-          <p:style>
-            <a:lnRef idx="2">
-              <a:schemeClr val="accent1">
-                <a:shade val="50000"/>
-              </a:schemeClr>
-            </a:lnRef>
-            <a:fillRef idx="1">
-              <a:schemeClr val="accent1"/>
-            </a:fillRef>
-            <a:effectRef idx="0">
-              <a:schemeClr val="accent1"/>
-            </a:effectRef>
-            <a:fontRef idx="minor">
-              <a:schemeClr val="lt1"/>
-            </a:fontRef>
-          </p:style>
-          <p:txBody>
-            <a:bodyPr rtlCol="0" anchor="ctr"/>
-            <a:lstStyle/>
-            <a:p>
-              <a:pPr algn="ctr"/>
-              <a:endParaRPr lang="en-US" dirty="0"/>
-            </a:p>
-          </p:txBody>
-        </p:sp>
-        <p:sp>
-          <p:nvSpPr>
-            <p:cNvPr id="11" name="Oval 10">
-              <a:extLst>
-                <a:ext uri="{FF2B5EF4-FFF2-40B4-BE49-F238E27FC236}">
-                  <a16:creationId xmlns:a16="http://schemas.microsoft.com/office/drawing/2014/main" id="{226FBE2D-20C0-4B32-873E-7F301BC67055}"/>
-                </a:ext>
-              </a:extLst>
-            </p:cNvPr>
-            <p:cNvSpPr/>
-            <p:nvPr/>
-          </p:nvSpPr>
-          <p:spPr>
-            <a:xfrm>
-              <a:off x="8837524" y="2905351"/>
-              <a:ext cx="248256" cy="252158"/>
-            </a:xfrm>
-            <a:prstGeom prst="ellipse">
-              <a:avLst/>
-            </a:prstGeom>
-            <a:noFill/>
-            <a:ln w="3175">
-              <a:solidFill>
-                <a:schemeClr val="tx1">
-                  <a:lumMod val="50000"/>
-                  <a:lumOff val="50000"/>
-                </a:schemeClr>
-              </a:solidFill>
-              <a:prstDash val="sysDash"/>
-            </a:ln>
-            <a:effectLst/>
-          </p:spPr>
-          <p:style>
-            <a:lnRef idx="2">
-              <a:schemeClr val="accent1">
-                <a:shade val="50000"/>
-              </a:schemeClr>
-            </a:lnRef>
-            <a:fillRef idx="1">
-              <a:schemeClr val="accent1"/>
-            </a:fillRef>
-            <a:effectRef idx="0">
-              <a:schemeClr val="accent1"/>
-            </a:effectRef>
-            <a:fontRef idx="minor">
-              <a:schemeClr val="lt1"/>
-            </a:fontRef>
-          </p:style>
-          <p:txBody>
-            <a:bodyPr rot="0" spcFirstLastPara="0" vertOverflow="overflow" horzOverflow="overflow" vert="horz" wrap="square" lIns="91440" tIns="45720" rIns="91440" bIns="45720" numCol="1" spcCol="0" rtlCol="0" fromWordArt="0" anchor="ctr" anchorCtr="0" forceAA="0" compatLnSpc="1">
-              <a:prstTxWarp prst="textNoShape">
-                <a:avLst/>
-              </a:prstTxWarp>
-              <a:noAutofit/>
-            </a:bodyPr>
-            <a:lstStyle/>
-            <a:p>
-              <a:pPr algn="ctr"/>
-              <a:endParaRPr lang="en-US" dirty="0"/>
-            </a:p>
-          </p:txBody>
-        </p:sp>
-        <p:sp>
-          <p:nvSpPr>
-            <p:cNvPr id="12" name="Oval 11">
-              <a:extLst>
-                <a:ext uri="{FF2B5EF4-FFF2-40B4-BE49-F238E27FC236}">
-                  <a16:creationId xmlns:a16="http://schemas.microsoft.com/office/drawing/2014/main" id="{946FDEDE-FA2A-4BE7-A924-18643BE2BC9D}"/>
-                </a:ext>
-              </a:extLst>
-            </p:cNvPr>
-            <p:cNvSpPr/>
-            <p:nvPr/>
-          </p:nvSpPr>
-          <p:spPr>
-            <a:xfrm>
-              <a:off x="7886691" y="2146902"/>
-              <a:ext cx="154147" cy="156570"/>
-            </a:xfrm>
-            <a:prstGeom prst="ellipse">
-              <a:avLst/>
-            </a:prstGeom>
-            <a:noFill/>
-            <a:ln w="3175">
-              <a:solidFill>
-                <a:schemeClr val="bg1"/>
-              </a:solidFill>
-            </a:ln>
-            <a:effectLst>
-              <a:glow rad="114300">
-                <a:schemeClr val="bg1">
-                  <a:alpha val="15000"/>
-                </a:schemeClr>
-              </a:glow>
-            </a:effectLst>
-          </p:spPr>
-          <p:style>
-            <a:lnRef idx="2">
-              <a:schemeClr val="accent1">
-                <a:shade val="50000"/>
-              </a:schemeClr>
-            </a:lnRef>
-            <a:fillRef idx="1">
-              <a:schemeClr val="accent1"/>
-            </a:fillRef>
-            <a:effectRef idx="0">
-              <a:schemeClr val="accent1"/>
-            </a:effectRef>
-            <a:fontRef idx="minor">
-              <a:schemeClr val="lt1"/>
-            </a:fontRef>
-          </p:style>
-          <p:txBody>
-            <a:bodyPr rot="0" spcFirstLastPara="0" vertOverflow="overflow" horzOverflow="overflow" vert="horz" wrap="square" lIns="91440" tIns="45720" rIns="91440" bIns="45720" numCol="1" spcCol="0" rtlCol="0" fromWordArt="0" anchor="ctr" anchorCtr="0" forceAA="0" compatLnSpc="1">
-              <a:prstTxWarp prst="textNoShape">
-                <a:avLst/>
-              </a:prstTxWarp>
-              <a:noAutofit/>
-            </a:bodyPr>
-            <a:lstStyle/>
-            <a:p>
-              <a:pPr algn="ctr"/>
-              <a:endParaRPr lang="en-US" dirty="0"/>
-            </a:p>
-          </p:txBody>
-        </p:sp>
-        <p:cxnSp>
-          <p:nvCxnSpPr>
-            <p:cNvPr id="13" name="Straight Connector 12">
-              <a:extLst>
-                <a:ext uri="{FF2B5EF4-FFF2-40B4-BE49-F238E27FC236}">
-                  <a16:creationId xmlns:a16="http://schemas.microsoft.com/office/drawing/2014/main" id="{C5D9A499-6979-4BAC-937F-247015FF8D38}"/>
-                </a:ext>
-              </a:extLst>
-            </p:cNvPr>
-            <p:cNvCxnSpPr>
-              <a:cxnSpLocks/>
-            </p:cNvCxnSpPr>
-            <p:nvPr/>
-          </p:nvCxnSpPr>
-          <p:spPr>
-            <a:xfrm flipV="1">
-              <a:off x="8513160" y="2225010"/>
-              <a:ext cx="1269930" cy="1269930"/>
-            </a:xfrm>
-            <a:prstGeom prst="line">
-              <a:avLst/>
-            </a:prstGeom>
-            <a:ln>
-              <a:solidFill>
-                <a:schemeClr val="bg2">
-                  <a:alpha val="30000"/>
-                </a:schemeClr>
-              </a:solidFill>
-            </a:ln>
-          </p:spPr>
-          <p:style>
-            <a:lnRef idx="1">
-              <a:schemeClr val="accent1"/>
-            </a:lnRef>
-            <a:fillRef idx="0">
-              <a:schemeClr val="accent1"/>
-            </a:fillRef>
-            <a:effectRef idx="0">
-              <a:schemeClr val="accent1"/>
-            </a:effectRef>
-            <a:fontRef idx="minor">
-              <a:schemeClr val="tx1"/>
-            </a:fontRef>
-          </p:style>
-        </p:cxnSp>
-      </p:grpSp>
+            <a:endParaRPr lang="en-US" dirty="0"/>
+          </a:p>
+        </p:txBody>
+      </p:sp>
+      <p:sp>
+        <p:nvSpPr>
+          <p:cNvPr id="9" name="Picture Placeholder 8">
+            <a:extLst>
+              <a:ext uri="{FF2B5EF4-FFF2-40B4-BE49-F238E27FC236}">
+                <a16:creationId xmlns:a16="http://schemas.microsoft.com/office/drawing/2014/main" id="{8072C87C-AB7E-4DC0-A326-6C610C89E921}"/>
+              </a:ext>
+            </a:extLst>
+          </p:cNvPr>
+          <p:cNvSpPr>
+            <a:spLocks noGrp="1"/>
+          </p:cNvSpPr>
+          <p:nvPr>
+            <p:ph type="pic" sz="quarter" idx="13"/>
+          </p:nvPr>
+        </p:nvSpPr>
+        <p:spPr/>
+      </p:sp>
       <p:pic>
         <p:nvPicPr>
-          <p:cNvPr id="14" name="Picture 13" descr="A picture containing object, clock, drawing&#10;&#10;Description automatically generated">
-            <a:extLst>
-              <a:ext uri="{FF2B5EF4-FFF2-40B4-BE49-F238E27FC236}">
-                <a16:creationId xmlns:a16="http://schemas.microsoft.com/office/drawing/2014/main" id="{2120CFFD-2FA4-45B5-B8FD-D3BD95BE22F6}"/>
+          <p:cNvPr id="7" name="Picture 6" descr="A picture containing object, clock, drawing&#10;&#10;Description automatically generated">
+            <a:extLst>
+              <a:ext uri="{FF2B5EF4-FFF2-40B4-BE49-F238E27FC236}">
+                <a16:creationId xmlns:a16="http://schemas.microsoft.com/office/drawing/2014/main" id="{4FD97AFA-EE22-4451-B26C-8459239940AB}"/>
               </a:ext>
             </a:extLst>
           </p:cNvPr>
@@ -37234,15 +37465,15 @@
           <p:nvPr/>
         </p:nvPicPr>
         <p:blipFill>
-          <a:blip r:embed="rId2"/>
+          <a:blip r:embed="rId3"/>
           <a:stretch>
             <a:fillRect/>
           </a:stretch>
         </p:blipFill>
         <p:spPr>
           <a:xfrm>
-            <a:off x="4613359" y="74371"/>
-            <a:ext cx="1603920" cy="1212897"/>
+            <a:off x="10727701" y="0"/>
+            <a:ext cx="1278003" cy="772998"/>
           </a:xfrm>
           <a:prstGeom prst="rect">
             <a:avLst/>
@@ -37252,7 +37483,7 @@
     </p:spTree>
     <p:extLst>
       <p:ext uri="{BB962C8B-B14F-4D97-AF65-F5344CB8AC3E}">
-        <p14:creationId xmlns:p14="http://schemas.microsoft.com/office/powerpoint/2010/main" val="59478693"/>
+        <p14:creationId xmlns:p14="http://schemas.microsoft.com/office/powerpoint/2010/main" val="1344647200"/>
       </p:ext>
     </p:extLst>
   </p:cSld>
